--- a/docs/diagrams/report-features.pptx
+++ b/docs/diagrams/report-features.pptx
@@ -104,6 +104,11 @@
       </a:defRPr>
     </a:lvl9pPr>
   </p:defaultTextStyle>
+  <p:extLst>
+    <p:ext uri="{EFAFB233-063F-42B5-8137-9DF3F51BA10A}">
+      <p15:sldGuideLst xmlns:p15="http://schemas.microsoft.com/office/powerpoint/2012/main"/>
+    </p:ext>
+  </p:extLst>
 </p:presentation>
 </file>
 
@@ -4476,8 +4481,8 @@
         </p:nvSpPr>
         <p:spPr>
           <a:xfrm>
-            <a:off x="1536192" y="2194560"/>
-            <a:ext cx="4334256" cy="327104"/>
+            <a:off x="1536192" y="2079693"/>
+            <a:ext cx="4334256" cy="441971"/>
           </a:xfrm>
           <a:prstGeom prst="rect">
             <a:avLst/>
@@ -4614,13 +4619,15 @@
               </a:ext>
             </a:extLst>
           </p:cNvPr>
-          <p:cNvCxnSpPr/>
+          <p:cNvCxnSpPr>
+            <a:cxnSpLocks/>
+          </p:cNvCxnSpPr>
           <p:nvPr/>
         </p:nvCxnSpPr>
         <p:spPr>
           <a:xfrm flipV="1">
-            <a:off x="4456176" y="2072640"/>
-            <a:ext cx="361188" cy="292407"/>
+            <a:off x="4456176" y="2012826"/>
+            <a:ext cx="361188" cy="352222"/>
           </a:xfrm>
           <a:prstGeom prst="straightConnector1">
             <a:avLst/>
@@ -4653,13 +4660,15 @@
               </a:ext>
             </a:extLst>
           </p:cNvPr>
-          <p:cNvCxnSpPr/>
+          <p:cNvCxnSpPr>
+            <a:cxnSpLocks/>
+          </p:cNvCxnSpPr>
           <p:nvPr/>
         </p:nvCxnSpPr>
         <p:spPr>
           <a:xfrm flipV="1">
-            <a:off x="4931664" y="2054939"/>
-            <a:ext cx="0" cy="310108"/>
+            <a:off x="4931664" y="2012826"/>
+            <a:ext cx="0" cy="352221"/>
           </a:xfrm>
           <a:prstGeom prst="straightConnector1">
             <a:avLst/>
@@ -4692,13 +4701,15 @@
               </a:ext>
             </a:extLst>
           </p:cNvPr>
-          <p:cNvCxnSpPr/>
+          <p:cNvCxnSpPr>
+            <a:cxnSpLocks/>
+          </p:cNvCxnSpPr>
           <p:nvPr/>
         </p:nvCxnSpPr>
         <p:spPr>
           <a:xfrm flipH="1" flipV="1">
-            <a:off x="5102352" y="2072640"/>
-            <a:ext cx="256032" cy="285472"/>
+            <a:off x="5032249" y="2012826"/>
+            <a:ext cx="326135" cy="345286"/>
           </a:xfrm>
           <a:prstGeom prst="straightConnector1">
             <a:avLst/>
@@ -4736,7 +4747,7 @@
         </p:nvSpPr>
         <p:spPr>
           <a:xfrm>
-            <a:off x="4659900" y="1847750"/>
+            <a:off x="4647057" y="1790096"/>
             <a:ext cx="1019826" cy="276999"/>
           </a:xfrm>
           <a:prstGeom prst="rect">

--- a/docs/diagrams/report-features.pptx
+++ b/docs/diagrams/report-features.pptx
@@ -261,7 +261,7 @@
           <a:p>
             <a:fld id="{BC643CBC-B76F-46AA-8129-8C84DB44B84D}" type="datetimeFigureOut">
               <a:rPr lang="en-SG" smtClean="0"/>
-              <a:t>23/5/2019</a:t>
+              <a:t>3/7/19</a:t>
             </a:fld>
             <a:endParaRPr lang="en-SG"/>
           </a:p>
@@ -461,7 +461,7 @@
           <a:p>
             <a:fld id="{BC643CBC-B76F-46AA-8129-8C84DB44B84D}" type="datetimeFigureOut">
               <a:rPr lang="en-SG" smtClean="0"/>
-              <a:t>23/5/2019</a:t>
+              <a:t>3/7/19</a:t>
             </a:fld>
             <a:endParaRPr lang="en-SG"/>
           </a:p>
@@ -671,7 +671,7 @@
           <a:p>
             <a:fld id="{BC643CBC-B76F-46AA-8129-8C84DB44B84D}" type="datetimeFigureOut">
               <a:rPr lang="en-SG" smtClean="0"/>
-              <a:t>23/5/2019</a:t>
+              <a:t>3/7/19</a:t>
             </a:fld>
             <a:endParaRPr lang="en-SG"/>
           </a:p>
@@ -871,7 +871,7 @@
           <a:p>
             <a:fld id="{BC643CBC-B76F-46AA-8129-8C84DB44B84D}" type="datetimeFigureOut">
               <a:rPr lang="en-SG" smtClean="0"/>
-              <a:t>23/5/2019</a:t>
+              <a:t>3/7/19</a:t>
             </a:fld>
             <a:endParaRPr lang="en-SG"/>
           </a:p>
@@ -1147,7 +1147,7 @@
           <a:p>
             <a:fld id="{BC643CBC-B76F-46AA-8129-8C84DB44B84D}" type="datetimeFigureOut">
               <a:rPr lang="en-SG" smtClean="0"/>
-              <a:t>23/5/2019</a:t>
+              <a:t>3/7/19</a:t>
             </a:fld>
             <a:endParaRPr lang="en-SG"/>
           </a:p>
@@ -1415,7 +1415,7 @@
           <a:p>
             <a:fld id="{BC643CBC-B76F-46AA-8129-8C84DB44B84D}" type="datetimeFigureOut">
               <a:rPr lang="en-SG" smtClean="0"/>
-              <a:t>23/5/2019</a:t>
+              <a:t>3/7/19</a:t>
             </a:fld>
             <a:endParaRPr lang="en-SG"/>
           </a:p>
@@ -1830,7 +1830,7 @@
           <a:p>
             <a:fld id="{BC643CBC-B76F-46AA-8129-8C84DB44B84D}" type="datetimeFigureOut">
               <a:rPr lang="en-SG" smtClean="0"/>
-              <a:t>23/5/2019</a:t>
+              <a:t>3/7/19</a:t>
             </a:fld>
             <a:endParaRPr lang="en-SG"/>
           </a:p>
@@ -1972,7 +1972,7 @@
           <a:p>
             <a:fld id="{BC643CBC-B76F-46AA-8129-8C84DB44B84D}" type="datetimeFigureOut">
               <a:rPr lang="en-SG" smtClean="0"/>
-              <a:t>23/5/2019</a:t>
+              <a:t>3/7/19</a:t>
             </a:fld>
             <a:endParaRPr lang="en-SG"/>
           </a:p>
@@ -2085,7 +2085,7 @@
           <a:p>
             <a:fld id="{BC643CBC-B76F-46AA-8129-8C84DB44B84D}" type="datetimeFigureOut">
               <a:rPr lang="en-SG" smtClean="0"/>
-              <a:t>23/5/2019</a:t>
+              <a:t>3/7/19</a:t>
             </a:fld>
             <a:endParaRPr lang="en-SG"/>
           </a:p>
@@ -2398,7 +2398,7 @@
           <a:p>
             <a:fld id="{BC643CBC-B76F-46AA-8129-8C84DB44B84D}" type="datetimeFigureOut">
               <a:rPr lang="en-SG" smtClean="0"/>
-              <a:t>23/5/2019</a:t>
+              <a:t>3/7/19</a:t>
             </a:fld>
             <a:endParaRPr lang="en-SG"/>
           </a:p>
@@ -2687,7 +2687,7 @@
           <a:p>
             <a:fld id="{BC643CBC-B76F-46AA-8129-8C84DB44B84D}" type="datetimeFigureOut">
               <a:rPr lang="en-SG" smtClean="0"/>
-              <a:t>23/5/2019</a:t>
+              <a:t>3/7/19</a:t>
             </a:fld>
             <a:endParaRPr lang="en-SG"/>
           </a:p>
@@ -2930,7 +2930,7 @@
           <a:p>
             <a:fld id="{BC643CBC-B76F-46AA-8129-8C84DB44B84D}" type="datetimeFigureOut">
               <a:rPr lang="en-SG" smtClean="0"/>
-              <a:t>23/5/2019</a:t>
+              <a:t>3/7/19</a:t>
             </a:fld>
             <a:endParaRPr lang="en-SG"/>
           </a:p>
@@ -3349,10 +3349,10 @@
       </p:grpSpPr>
       <p:pic>
         <p:nvPicPr>
-          <p:cNvPr id="4" name="Picture 3">
-            <a:extLst>
-              <a:ext uri="{FF2B5EF4-FFF2-40B4-BE49-F238E27FC236}">
-                <a16:creationId xmlns:a16="http://schemas.microsoft.com/office/drawing/2014/main" id="{2CD800D6-8C4D-41BE-A540-7C2FE2CEFAB1}"/>
+          <p:cNvPr id="3" name="Picture 2" descr="A screenshot of a cell phone&#10;&#10;Description automatically generated">
+            <a:extLst>
+              <a:ext uri="{FF2B5EF4-FFF2-40B4-BE49-F238E27FC236}">
+                <a16:creationId xmlns:a16="http://schemas.microsoft.com/office/drawing/2014/main" id="{BD7FEA8C-2EBC-CC4B-BC15-0FC6A9779435}"/>
               </a:ext>
             </a:extLst>
           </p:cNvPr>
@@ -3362,15 +3362,21 @@
           <p:nvPr/>
         </p:nvPicPr>
         <p:blipFill>
-          <a:blip r:embed="rId2"/>
+          <a:blip r:embed="rId2">
+            <a:extLst>
+              <a:ext uri="{28A0092B-C50C-407E-A947-70E740481C1C}">
+                <a14:useLocalDpi xmlns:a14="http://schemas.microsoft.com/office/drawing/2010/main" val="0"/>
+              </a:ext>
+            </a:extLst>
+          </a:blip>
           <a:stretch>
             <a:fillRect/>
           </a:stretch>
         </p:blipFill>
         <p:spPr>
           <a:xfrm>
-            <a:off x="1445895" y="814387"/>
-            <a:ext cx="9296400" cy="5229225"/>
+            <a:off x="1447800" y="796318"/>
+            <a:ext cx="9304401" cy="5269897"/>
           </a:xfrm>
           <a:prstGeom prst="rect">
             <a:avLst/>
@@ -3553,7 +3559,7 @@
         </p:nvSpPr>
         <p:spPr>
           <a:xfrm rot="21372755">
-            <a:off x="8367925" y="1652164"/>
+            <a:off x="8429466" y="1857407"/>
             <a:ext cx="402336" cy="121920"/>
           </a:xfrm>
           <a:prstGeom prst="rightArrow">
@@ -3599,7 +3605,7 @@
         </p:nvSpPr>
         <p:spPr>
           <a:xfrm>
-            <a:off x="8753475" y="1537900"/>
+            <a:off x="8790433" y="1735827"/>
             <a:ext cx="836402" cy="276999"/>
           </a:xfrm>
           <a:prstGeom prst="rect">
@@ -3647,8 +3653,8 @@
         </p:nvSpPr>
         <p:spPr>
           <a:xfrm>
-            <a:off x="8929370" y="2599690"/>
-            <a:ext cx="163830" cy="173355"/>
+            <a:off x="8603087" y="3116629"/>
+            <a:ext cx="154341" cy="163314"/>
           </a:xfrm>
           <a:prstGeom prst="ellipse">
             <a:avLst/>
@@ -3701,7 +3707,7 @@
         </p:nvSpPr>
         <p:spPr>
           <a:xfrm>
-            <a:off x="9237863" y="2303005"/>
+            <a:off x="8777222" y="2719565"/>
             <a:ext cx="921278" cy="276999"/>
           </a:xfrm>
           <a:prstGeom prst="rect">
@@ -3745,8 +3751,8 @@
         </p:nvSpPr>
         <p:spPr>
           <a:xfrm>
-            <a:off x="8753475" y="2595880"/>
-            <a:ext cx="163830" cy="175260"/>
+            <a:off x="8448746" y="3115227"/>
+            <a:ext cx="154341" cy="165109"/>
           </a:xfrm>
           <a:prstGeom prst="ellipse">
             <a:avLst/>
@@ -3799,7 +3805,7 @@
         </p:nvSpPr>
         <p:spPr>
           <a:xfrm rot="19492286">
-            <a:off x="9090416" y="2521203"/>
+            <a:off x="8747796" y="2993386"/>
             <a:ext cx="236436" cy="97790"/>
           </a:xfrm>
           <a:prstGeom prst="rightArrow">
@@ -3844,8 +3850,8 @@
           <p:nvPr/>
         </p:nvSpPr>
         <p:spPr>
-          <a:xfrm rot="13469073">
-            <a:off x="8626401" y="2489612"/>
+          <a:xfrm rot="18900000">
+            <a:off x="8286583" y="3318450"/>
             <a:ext cx="158874" cy="97790"/>
           </a:xfrm>
           <a:prstGeom prst="rightArrow">
@@ -3891,7 +3897,7 @@
         </p:nvSpPr>
         <p:spPr>
           <a:xfrm>
-            <a:off x="8079281" y="2244665"/>
+            <a:off x="7475403" y="3406828"/>
             <a:ext cx="973343" cy="276999"/>
           </a:xfrm>
           <a:prstGeom prst="rect">
@@ -4130,7 +4136,7 @@
         </p:nvSpPr>
         <p:spPr>
           <a:xfrm>
-            <a:off x="2164080" y="2661285"/>
+            <a:off x="2464522" y="2454206"/>
             <a:ext cx="142875" cy="133350"/>
           </a:xfrm>
           <a:prstGeom prst="ellipse">
@@ -4184,7 +4190,7 @@
         </p:nvSpPr>
         <p:spPr>
           <a:xfrm rot="21204583">
-            <a:off x="2315664" y="2678721"/>
+            <a:off x="2661847" y="2453845"/>
             <a:ext cx="142378" cy="66676"/>
           </a:xfrm>
           <a:prstGeom prst="rightArrow">
@@ -4230,7 +4236,7 @@
         </p:nvSpPr>
         <p:spPr>
           <a:xfrm>
-            <a:off x="2407539" y="2570098"/>
+            <a:off x="2760090" y="2361561"/>
             <a:ext cx="1400175" cy="246221"/>
           </a:xfrm>
           <a:prstGeom prst="rect">
@@ -4274,8 +4280,8 @@
         </p:nvSpPr>
         <p:spPr>
           <a:xfrm>
-            <a:off x="2032635" y="3209925"/>
-            <a:ext cx="142875" cy="133350"/>
+            <a:off x="2230032" y="3000667"/>
+            <a:ext cx="130499" cy="133350"/>
           </a:xfrm>
           <a:prstGeom prst="ellipse">
             <a:avLst/>
@@ -4328,7 +4334,7 @@
         </p:nvSpPr>
         <p:spPr>
           <a:xfrm>
-            <a:off x="2146935" y="3152775"/>
+            <a:off x="2281147" y="2943385"/>
             <a:ext cx="243840" cy="62865"/>
           </a:xfrm>
           <a:prstGeom prst="bentArrow">
@@ -4383,7 +4389,7 @@
         </p:nvSpPr>
         <p:spPr>
           <a:xfrm>
-            <a:off x="2319337" y="3059213"/>
+            <a:off x="2493500" y="2870443"/>
             <a:ext cx="1902143" cy="246221"/>
           </a:xfrm>
           <a:prstGeom prst="rect">
@@ -4481,8 +4487,8 @@
         </p:nvSpPr>
         <p:spPr>
           <a:xfrm>
-            <a:off x="1536192" y="2079693"/>
-            <a:ext cx="4334256" cy="441971"/>
+            <a:off x="1504949" y="2067663"/>
+            <a:ext cx="4482463" cy="276999"/>
           </a:xfrm>
           <a:prstGeom prst="rect">
             <a:avLst/>
@@ -4535,8 +4541,8 @@
         </p:nvSpPr>
         <p:spPr>
           <a:xfrm>
-            <a:off x="1188140" y="2194560"/>
-            <a:ext cx="348052" cy="327104"/>
+            <a:off x="1098796" y="2084176"/>
+            <a:ext cx="348052" cy="237053"/>
           </a:xfrm>
           <a:prstGeom prst="leftBrace">
             <a:avLst/>
@@ -4584,7 +4590,7 @@
         </p:nvSpPr>
         <p:spPr>
           <a:xfrm>
-            <a:off x="478481" y="2134215"/>
+            <a:off x="460520" y="1991112"/>
             <a:ext cx="723900" cy="461665"/>
           </a:xfrm>
           <a:prstGeom prst="rect">
@@ -4626,8 +4632,8 @@
         </p:nvCxnSpPr>
         <p:spPr>
           <a:xfrm flipV="1">
-            <a:off x="4456176" y="2012826"/>
-            <a:ext cx="361188" cy="352222"/>
+            <a:off x="4181285" y="3764584"/>
+            <a:ext cx="291556" cy="382919"/>
           </a:xfrm>
           <a:prstGeom prst="straightConnector1">
             <a:avLst/>
@@ -4667,8 +4673,8 @@
         </p:nvCxnSpPr>
         <p:spPr>
           <a:xfrm flipV="1">
-            <a:off x="4931664" y="2012826"/>
-            <a:ext cx="0" cy="352221"/>
+            <a:off x="4623058" y="3764584"/>
+            <a:ext cx="0" cy="389178"/>
           </a:xfrm>
           <a:prstGeom prst="straightConnector1">
             <a:avLst/>
@@ -4708,8 +4714,8 @@
         </p:nvCxnSpPr>
         <p:spPr>
           <a:xfrm flipH="1" flipV="1">
-            <a:off x="5032249" y="2012826"/>
-            <a:ext cx="326135" cy="345286"/>
+            <a:off x="4731644" y="3764584"/>
+            <a:ext cx="297080" cy="405596"/>
           </a:xfrm>
           <a:prstGeom prst="straightConnector1">
             <a:avLst/>
@@ -4747,7 +4753,7 @@
         </p:nvSpPr>
         <p:spPr>
           <a:xfrm>
-            <a:off x="4647057" y="1790096"/>
+            <a:off x="4319174" y="3497779"/>
             <a:ext cx="1019826" cy="276999"/>
           </a:xfrm>
           <a:prstGeom prst="rect">
@@ -4791,8 +4797,8 @@
         </p:nvSpPr>
         <p:spPr>
           <a:xfrm>
-            <a:off x="1504950" y="3608069"/>
-            <a:ext cx="1733550" cy="96793"/>
+            <a:off x="1526181" y="3880858"/>
+            <a:ext cx="4482462" cy="96793"/>
           </a:xfrm>
           <a:prstGeom prst="rect">
             <a:avLst/>
@@ -4845,7 +4851,7 @@
         </p:nvSpPr>
         <p:spPr>
           <a:xfrm>
-            <a:off x="1146992" y="3608068"/>
+            <a:off x="1133943" y="3880858"/>
             <a:ext cx="348052" cy="96793"/>
           </a:xfrm>
           <a:prstGeom prst="leftArrow">
@@ -4891,7 +4897,7 @@
         </p:nvSpPr>
         <p:spPr>
           <a:xfrm>
-            <a:off x="187670" y="3425631"/>
+            <a:off x="181614" y="3716589"/>
             <a:ext cx="1014711" cy="461665"/>
           </a:xfrm>
           <a:prstGeom prst="rect">
@@ -4928,8 +4934,8 @@
         </p:nvSpPr>
         <p:spPr>
           <a:xfrm>
-            <a:off x="6202680" y="1564729"/>
-            <a:ext cx="2151751" cy="349415"/>
+            <a:off x="6202680" y="1861062"/>
+            <a:ext cx="2151751" cy="276999"/>
           </a:xfrm>
           <a:prstGeom prst="rect">
             <a:avLst/>

--- a/docs/diagrams/report-features.pptx
+++ b/docs/diagrams/report-features.pptx
@@ -6,6 +6,7 @@
   </p:sldMasterIdLst>
   <p:sldIdLst>
     <p:sldId id="256" r:id="rId2"/>
+    <p:sldId id="257" r:id="rId3"/>
   </p:sldIdLst>
   <p:sldSz cx="12192000" cy="6858000"/>
   <p:notesSz cx="6858000" cy="9144000"/>
@@ -261,7 +262,7 @@
           <a:p>
             <a:fld id="{BC643CBC-B76F-46AA-8129-8C84DB44B84D}" type="datetimeFigureOut">
               <a:rPr lang="en-SG" smtClean="0"/>
-              <a:t>3/7/19</a:t>
+              <a:t>24/7/2019</a:t>
             </a:fld>
             <a:endParaRPr lang="en-SG"/>
           </a:p>
@@ -461,7 +462,7 @@
           <a:p>
             <a:fld id="{BC643CBC-B76F-46AA-8129-8C84DB44B84D}" type="datetimeFigureOut">
               <a:rPr lang="en-SG" smtClean="0"/>
-              <a:t>3/7/19</a:t>
+              <a:t>24/7/2019</a:t>
             </a:fld>
             <a:endParaRPr lang="en-SG"/>
           </a:p>
@@ -671,7 +672,7 @@
           <a:p>
             <a:fld id="{BC643CBC-B76F-46AA-8129-8C84DB44B84D}" type="datetimeFigureOut">
               <a:rPr lang="en-SG" smtClean="0"/>
-              <a:t>3/7/19</a:t>
+              <a:t>24/7/2019</a:t>
             </a:fld>
             <a:endParaRPr lang="en-SG"/>
           </a:p>
@@ -871,7 +872,7 @@
           <a:p>
             <a:fld id="{BC643CBC-B76F-46AA-8129-8C84DB44B84D}" type="datetimeFigureOut">
               <a:rPr lang="en-SG" smtClean="0"/>
-              <a:t>3/7/19</a:t>
+              <a:t>24/7/2019</a:t>
             </a:fld>
             <a:endParaRPr lang="en-SG"/>
           </a:p>
@@ -1147,7 +1148,7 @@
           <a:p>
             <a:fld id="{BC643CBC-B76F-46AA-8129-8C84DB44B84D}" type="datetimeFigureOut">
               <a:rPr lang="en-SG" smtClean="0"/>
-              <a:t>3/7/19</a:t>
+              <a:t>24/7/2019</a:t>
             </a:fld>
             <a:endParaRPr lang="en-SG"/>
           </a:p>
@@ -1415,7 +1416,7 @@
           <a:p>
             <a:fld id="{BC643CBC-B76F-46AA-8129-8C84DB44B84D}" type="datetimeFigureOut">
               <a:rPr lang="en-SG" smtClean="0"/>
-              <a:t>3/7/19</a:t>
+              <a:t>24/7/2019</a:t>
             </a:fld>
             <a:endParaRPr lang="en-SG"/>
           </a:p>
@@ -1830,7 +1831,7 @@
           <a:p>
             <a:fld id="{BC643CBC-B76F-46AA-8129-8C84DB44B84D}" type="datetimeFigureOut">
               <a:rPr lang="en-SG" smtClean="0"/>
-              <a:t>3/7/19</a:t>
+              <a:t>24/7/2019</a:t>
             </a:fld>
             <a:endParaRPr lang="en-SG"/>
           </a:p>
@@ -1972,7 +1973,7 @@
           <a:p>
             <a:fld id="{BC643CBC-B76F-46AA-8129-8C84DB44B84D}" type="datetimeFigureOut">
               <a:rPr lang="en-SG" smtClean="0"/>
-              <a:t>3/7/19</a:t>
+              <a:t>24/7/2019</a:t>
             </a:fld>
             <a:endParaRPr lang="en-SG"/>
           </a:p>
@@ -2085,7 +2086,7 @@
           <a:p>
             <a:fld id="{BC643CBC-B76F-46AA-8129-8C84DB44B84D}" type="datetimeFigureOut">
               <a:rPr lang="en-SG" smtClean="0"/>
-              <a:t>3/7/19</a:t>
+              <a:t>24/7/2019</a:t>
             </a:fld>
             <a:endParaRPr lang="en-SG"/>
           </a:p>
@@ -2398,7 +2399,7 @@
           <a:p>
             <a:fld id="{BC643CBC-B76F-46AA-8129-8C84DB44B84D}" type="datetimeFigureOut">
               <a:rPr lang="en-SG" smtClean="0"/>
-              <a:t>3/7/19</a:t>
+              <a:t>24/7/2019</a:t>
             </a:fld>
             <a:endParaRPr lang="en-SG"/>
           </a:p>
@@ -2687,7 +2688,7 @@
           <a:p>
             <a:fld id="{BC643CBC-B76F-46AA-8129-8C84DB44B84D}" type="datetimeFigureOut">
               <a:rPr lang="en-SG" smtClean="0"/>
-              <a:t>3/7/19</a:t>
+              <a:t>24/7/2019</a:t>
             </a:fld>
             <a:endParaRPr lang="en-SG"/>
           </a:p>
@@ -2930,7 +2931,7 @@
           <a:p>
             <a:fld id="{BC643CBC-B76F-46AA-8129-8C84DB44B84D}" type="datetimeFigureOut">
               <a:rPr lang="en-SG" smtClean="0"/>
-              <a:t>3/7/19</a:t>
+              <a:t>24/7/2019</a:t>
             </a:fld>
             <a:endParaRPr lang="en-SG"/>
           </a:p>
@@ -3349,10 +3350,10 @@
       </p:grpSpPr>
       <p:pic>
         <p:nvPicPr>
-          <p:cNvPr id="3" name="Picture 2" descr="A screenshot of a cell phone&#10;&#10;Description automatically generated">
-            <a:extLst>
-              <a:ext uri="{FF2B5EF4-FFF2-40B4-BE49-F238E27FC236}">
-                <a16:creationId xmlns:a16="http://schemas.microsoft.com/office/drawing/2014/main" id="{BD7FEA8C-2EBC-CC4B-BC15-0FC6A9779435}"/>
+          <p:cNvPr id="51" name="Picture 50">
+            <a:extLst>
+              <a:ext uri="{FF2B5EF4-FFF2-40B4-BE49-F238E27FC236}">
+                <a16:creationId xmlns:a16="http://schemas.microsoft.com/office/drawing/2014/main" id="{43940CE2-443C-4D03-B021-D0729CD68F89}"/>
               </a:ext>
             </a:extLst>
           </p:cNvPr>
@@ -3362,1622 +3363,1877 @@
           <p:nvPr/>
         </p:nvPicPr>
         <p:blipFill>
-          <a:blip r:embed="rId2">
-            <a:extLst>
-              <a:ext uri="{28A0092B-C50C-407E-A947-70E740481C1C}">
-                <a14:useLocalDpi xmlns:a14="http://schemas.microsoft.com/office/drawing/2010/main" val="0"/>
-              </a:ext>
-            </a:extLst>
-          </a:blip>
+          <a:blip r:embed="rId2"/>
           <a:stretch>
             <a:fillRect/>
           </a:stretch>
         </p:blipFill>
         <p:spPr>
           <a:xfrm>
-            <a:off x="1447800" y="796318"/>
-            <a:ext cx="9304401" cy="5269897"/>
+            <a:off x="1491428" y="841241"/>
+            <a:ext cx="9201025" cy="5175576"/>
           </a:xfrm>
           <a:prstGeom prst="rect">
             <a:avLst/>
           </a:prstGeom>
         </p:spPr>
       </p:pic>
-      <p:sp>
-        <p:nvSpPr>
-          <p:cNvPr id="8" name="Right Brace 7">
-            <a:extLst>
-              <a:ext uri="{FF2B5EF4-FFF2-40B4-BE49-F238E27FC236}">
-                <a16:creationId xmlns:a16="http://schemas.microsoft.com/office/drawing/2014/main" id="{C05B2C6F-DCA4-45F9-94E5-345EC17842DB}"/>
-              </a:ext>
-            </a:extLst>
-          </p:cNvPr>
-          <p:cNvSpPr/>
+      <p:grpSp>
+        <p:nvGrpSpPr>
+          <p:cNvPr id="40" name="Group 39">
+            <a:extLst>
+              <a:ext uri="{FF2B5EF4-FFF2-40B4-BE49-F238E27FC236}">
+                <a16:creationId xmlns:a16="http://schemas.microsoft.com/office/drawing/2014/main" id="{355B37A5-8EA6-41FF-AE7C-7F8A4FFA63AA}"/>
+              </a:ext>
+            </a:extLst>
+          </p:cNvPr>
+          <p:cNvGrpSpPr/>
           <p:nvPr/>
-        </p:nvSpPr>
-        <p:spPr>
-          <a:xfrm rot="16200000">
-            <a:off x="3599688" y="-1681925"/>
-            <a:ext cx="344424" cy="4648200"/>
+        </p:nvGrpSpPr>
+        <p:grpSpPr>
+          <a:xfrm>
+            <a:off x="9698639" y="3086002"/>
+            <a:ext cx="1095413" cy="560378"/>
+            <a:chOff x="8603087" y="2719565"/>
+            <a:chExt cx="1095413" cy="560378"/>
           </a:xfrm>
-          <a:prstGeom prst="rightBrace">
-            <a:avLst/>
-          </a:prstGeom>
-        </p:spPr>
-        <p:style>
-          <a:lnRef idx="3">
-            <a:schemeClr val="accent1"/>
-          </a:lnRef>
-          <a:fillRef idx="0">
-            <a:schemeClr val="accent1"/>
-          </a:fillRef>
-          <a:effectRef idx="2">
-            <a:schemeClr val="accent1"/>
-          </a:effectRef>
-          <a:fontRef idx="minor">
-            <a:schemeClr val="tx1"/>
-          </a:fontRef>
-        </p:style>
-        <p:txBody>
-          <a:bodyPr rtlCol="0" anchor="ctr"/>
-          <a:lstStyle/>
-          <a:p>
-            <a:pPr algn="ctr"/>
-            <a:endParaRPr lang="en-SG"/>
-          </a:p>
-        </p:txBody>
-      </p:sp>
-      <p:sp>
-        <p:nvSpPr>
-          <p:cNvPr id="9" name="TextBox 8">
-            <a:extLst>
-              <a:ext uri="{FF2B5EF4-FFF2-40B4-BE49-F238E27FC236}">
-                <a16:creationId xmlns:a16="http://schemas.microsoft.com/office/drawing/2014/main" id="{64E7039B-00EC-4DDC-B348-58F4C75F63AF}"/>
-              </a:ext>
-            </a:extLst>
-          </p:cNvPr>
-          <p:cNvSpPr txBox="1"/>
+        </p:grpSpPr>
+        <p:sp>
+          <p:nvSpPr>
+            <p:cNvPr id="16" name="Oval 15">
+              <a:extLst>
+                <a:ext uri="{FF2B5EF4-FFF2-40B4-BE49-F238E27FC236}">
+                  <a16:creationId xmlns:a16="http://schemas.microsoft.com/office/drawing/2014/main" id="{0FA3B7FA-4DB5-4EB3-9614-C6246C535AC6}"/>
+                </a:ext>
+              </a:extLst>
+            </p:cNvPr>
+            <p:cNvSpPr/>
+            <p:nvPr/>
+          </p:nvSpPr>
+          <p:spPr>
+            <a:xfrm>
+              <a:off x="8603087" y="3116629"/>
+              <a:ext cx="154341" cy="163314"/>
+            </a:xfrm>
+            <a:prstGeom prst="ellipse">
+              <a:avLst/>
+            </a:prstGeom>
+            <a:noFill/>
+            <a:ln w="9525" cap="flat" cmpd="sng" algn="ctr">
+              <a:solidFill>
+                <a:schemeClr val="accent5"/>
+              </a:solidFill>
+              <a:prstDash val="solid"/>
+              <a:round/>
+              <a:headEnd type="none" w="med" len="med"/>
+              <a:tailEnd type="none" w="med" len="med"/>
+            </a:ln>
+          </p:spPr>
+          <p:style>
+            <a:lnRef idx="0">
+              <a:scrgbClr r="0" g="0" b="0"/>
+            </a:lnRef>
+            <a:fillRef idx="0">
+              <a:scrgbClr r="0" g="0" b="0"/>
+            </a:fillRef>
+            <a:effectRef idx="0">
+              <a:scrgbClr r="0" g="0" b="0"/>
+            </a:effectRef>
+            <a:fontRef idx="minor">
+              <a:schemeClr val="accent5"/>
+            </a:fontRef>
+          </p:style>
+          <p:txBody>
+            <a:bodyPr rtlCol="0" anchor="ctr"/>
+            <a:lstStyle/>
+            <a:p>
+              <a:pPr algn="ctr"/>
+              <a:endParaRPr lang="en-SG"/>
+            </a:p>
+          </p:txBody>
+        </p:sp>
+        <p:sp>
+          <p:nvSpPr>
+            <p:cNvPr id="17" name="TextBox 16">
+              <a:extLst>
+                <a:ext uri="{FF2B5EF4-FFF2-40B4-BE49-F238E27FC236}">
+                  <a16:creationId xmlns:a16="http://schemas.microsoft.com/office/drawing/2014/main" id="{0213D02D-4396-4437-B87F-870EECAA3F68}"/>
+                </a:ext>
+              </a:extLst>
+            </p:cNvPr>
+            <p:cNvSpPr txBox="1"/>
+            <p:nvPr/>
+          </p:nvSpPr>
+          <p:spPr>
+            <a:xfrm>
+              <a:off x="8777222" y="2719565"/>
+              <a:ext cx="921278" cy="276999"/>
+            </a:xfrm>
+            <a:prstGeom prst="rect">
+              <a:avLst/>
+            </a:prstGeom>
+            <a:noFill/>
+          </p:spPr>
+          <p:txBody>
+            <a:bodyPr wrap="none" rtlCol="0">
+              <a:spAutoFit/>
+            </a:bodyPr>
+            <a:lstStyle/>
+            <a:p>
+              <a:r>
+                <a:rPr lang="en-US" sz="1200" dirty="0">
+                  <a:solidFill>
+                    <a:schemeClr val="accent1"/>
+                  </a:solidFill>
+                </a:rPr>
+                <a:t>Blame View</a:t>
+              </a:r>
+              <a:endParaRPr lang="en-SG" sz="1200" dirty="0">
+                <a:solidFill>
+                  <a:schemeClr val="accent1"/>
+                </a:solidFill>
+              </a:endParaRPr>
+            </a:p>
+          </p:txBody>
+        </p:sp>
+        <p:sp>
+          <p:nvSpPr>
+            <p:cNvPr id="19" name="Arrow: Right 18">
+              <a:extLst>
+                <a:ext uri="{FF2B5EF4-FFF2-40B4-BE49-F238E27FC236}">
+                  <a16:creationId xmlns:a16="http://schemas.microsoft.com/office/drawing/2014/main" id="{A85A5DB4-65AD-4483-B496-640C742923A0}"/>
+                </a:ext>
+              </a:extLst>
+            </p:cNvPr>
+            <p:cNvSpPr/>
+            <p:nvPr/>
+          </p:nvSpPr>
+          <p:spPr>
+            <a:xfrm rot="19492286">
+              <a:off x="8747796" y="2993386"/>
+              <a:ext cx="236436" cy="97790"/>
+            </a:xfrm>
+            <a:prstGeom prst="rightArrow">
+              <a:avLst/>
+            </a:prstGeom>
+          </p:spPr>
+          <p:style>
+            <a:lnRef idx="2">
+              <a:schemeClr val="accent1">
+                <a:shade val="50000"/>
+              </a:schemeClr>
+            </a:lnRef>
+            <a:fillRef idx="1">
+              <a:schemeClr val="accent1"/>
+            </a:fillRef>
+            <a:effectRef idx="0">
+              <a:schemeClr val="accent1"/>
+            </a:effectRef>
+            <a:fontRef idx="minor">
+              <a:schemeClr val="lt1"/>
+            </a:fontRef>
+          </p:style>
+          <p:txBody>
+            <a:bodyPr rtlCol="0" anchor="ctr"/>
+            <a:lstStyle/>
+            <a:p>
+              <a:pPr algn="ctr"/>
+              <a:endParaRPr lang="en-SG"/>
+            </a:p>
+          </p:txBody>
+        </p:sp>
+      </p:grpSp>
+      <p:grpSp>
+        <p:nvGrpSpPr>
+          <p:cNvPr id="38" name="Group 37">
+            <a:extLst>
+              <a:ext uri="{FF2B5EF4-FFF2-40B4-BE49-F238E27FC236}">
+                <a16:creationId xmlns:a16="http://schemas.microsoft.com/office/drawing/2014/main" id="{E8CB930F-3742-4BA6-BECD-C54762D6B43C}"/>
+              </a:ext>
+            </a:extLst>
+          </p:cNvPr>
+          <p:cNvGrpSpPr/>
           <p:nvPr/>
-        </p:nvSpPr>
-        <p:spPr>
+        </p:nvGrpSpPr>
+        <p:grpSpPr>
           <a:xfrm>
-            <a:off x="2726436" y="79248"/>
-            <a:ext cx="2090928" cy="276999"/>
+            <a:off x="8625163" y="2657670"/>
+            <a:ext cx="1127684" cy="568600"/>
+            <a:chOff x="7475403" y="3115227"/>
+            <a:chExt cx="1127684" cy="568600"/>
           </a:xfrm>
-          <a:prstGeom prst="rect">
-            <a:avLst/>
-          </a:prstGeom>
-          <a:noFill/>
-        </p:spPr>
-        <p:txBody>
-          <a:bodyPr wrap="square" rtlCol="0">
-            <a:spAutoFit/>
-          </a:bodyPr>
-          <a:lstStyle/>
-          <a:p>
-            <a:pPr algn="ctr"/>
-            <a:r>
-              <a:rPr lang="en-US" sz="1200" dirty="0"/>
-              <a:t>Chart Panel</a:t>
-            </a:r>
-            <a:endParaRPr lang="en-SG" sz="1200" dirty="0"/>
-          </a:p>
-        </p:txBody>
-      </p:sp>
-      <p:sp>
-        <p:nvSpPr>
-          <p:cNvPr id="10" name="Right Brace 9">
-            <a:extLst>
-              <a:ext uri="{FF2B5EF4-FFF2-40B4-BE49-F238E27FC236}">
-                <a16:creationId xmlns:a16="http://schemas.microsoft.com/office/drawing/2014/main" id="{195D0920-5C1C-411D-A43A-B7FB72C2CF80}"/>
-              </a:ext>
-            </a:extLst>
-          </p:cNvPr>
-          <p:cNvSpPr/>
+        </p:grpSpPr>
+        <p:sp>
+          <p:nvSpPr>
+            <p:cNvPr id="18" name="Oval 17">
+              <a:extLst>
+                <a:ext uri="{FF2B5EF4-FFF2-40B4-BE49-F238E27FC236}">
+                  <a16:creationId xmlns:a16="http://schemas.microsoft.com/office/drawing/2014/main" id="{3698720C-0C2B-463A-B70A-97FF666889C2}"/>
+                </a:ext>
+              </a:extLst>
+            </p:cNvPr>
+            <p:cNvSpPr/>
+            <p:nvPr/>
+          </p:nvSpPr>
+          <p:spPr>
+            <a:xfrm>
+              <a:off x="8448746" y="3115227"/>
+              <a:ext cx="154341" cy="165109"/>
+            </a:xfrm>
+            <a:prstGeom prst="ellipse">
+              <a:avLst/>
+            </a:prstGeom>
+            <a:noFill/>
+            <a:ln w="9525" cap="flat" cmpd="sng" algn="ctr">
+              <a:solidFill>
+                <a:schemeClr val="accent2"/>
+              </a:solidFill>
+              <a:prstDash val="solid"/>
+              <a:round/>
+              <a:headEnd type="none" w="med" len="med"/>
+              <a:tailEnd type="none" w="med" len="med"/>
+            </a:ln>
+          </p:spPr>
+          <p:style>
+            <a:lnRef idx="0">
+              <a:scrgbClr r="0" g="0" b="0"/>
+            </a:lnRef>
+            <a:fillRef idx="0">
+              <a:scrgbClr r="0" g="0" b="0"/>
+            </a:fillRef>
+            <a:effectRef idx="0">
+              <a:scrgbClr r="0" g="0" b="0"/>
+            </a:effectRef>
+            <a:fontRef idx="minor">
+              <a:schemeClr val="accent2"/>
+            </a:fontRef>
+          </p:style>
+          <p:txBody>
+            <a:bodyPr rtlCol="0" anchor="ctr"/>
+            <a:lstStyle/>
+            <a:p>
+              <a:pPr algn="ctr"/>
+              <a:endParaRPr lang="en-SG"/>
+            </a:p>
+          </p:txBody>
+        </p:sp>
+        <p:sp>
+          <p:nvSpPr>
+            <p:cNvPr id="20" name="Arrow: Right 19">
+              <a:extLst>
+                <a:ext uri="{FF2B5EF4-FFF2-40B4-BE49-F238E27FC236}">
+                  <a16:creationId xmlns:a16="http://schemas.microsoft.com/office/drawing/2014/main" id="{620CEC16-4148-4C61-AC47-F7DFED9FDB71}"/>
+                </a:ext>
+              </a:extLst>
+            </p:cNvPr>
+            <p:cNvSpPr/>
+            <p:nvPr/>
+          </p:nvSpPr>
+          <p:spPr>
+            <a:xfrm rot="18900000">
+              <a:off x="8286583" y="3318450"/>
+              <a:ext cx="158874" cy="97790"/>
+            </a:xfrm>
+            <a:prstGeom prst="rightArrow">
+              <a:avLst/>
+            </a:prstGeom>
+          </p:spPr>
+          <p:style>
+            <a:lnRef idx="2">
+              <a:schemeClr val="accent2">
+                <a:shade val="50000"/>
+              </a:schemeClr>
+            </a:lnRef>
+            <a:fillRef idx="1">
+              <a:schemeClr val="accent2"/>
+            </a:fillRef>
+            <a:effectRef idx="0">
+              <a:schemeClr val="accent2"/>
+            </a:effectRef>
+            <a:fontRef idx="minor">
+              <a:schemeClr val="lt1"/>
+            </a:fontRef>
+          </p:style>
+          <p:txBody>
+            <a:bodyPr rtlCol="0" anchor="ctr"/>
+            <a:lstStyle/>
+            <a:p>
+              <a:pPr algn="ctr"/>
+              <a:endParaRPr lang="en-SG"/>
+            </a:p>
+          </p:txBody>
+        </p:sp>
+        <p:sp>
+          <p:nvSpPr>
+            <p:cNvPr id="21" name="TextBox 20">
+              <a:extLst>
+                <a:ext uri="{FF2B5EF4-FFF2-40B4-BE49-F238E27FC236}">
+                  <a16:creationId xmlns:a16="http://schemas.microsoft.com/office/drawing/2014/main" id="{D1178780-E5C8-40A3-866C-F0D48D349217}"/>
+                </a:ext>
+              </a:extLst>
+            </p:cNvPr>
+            <p:cNvSpPr txBox="1"/>
+            <p:nvPr/>
+          </p:nvSpPr>
+          <p:spPr>
+            <a:xfrm>
+              <a:off x="7475403" y="3406828"/>
+              <a:ext cx="973343" cy="276999"/>
+            </a:xfrm>
+            <a:prstGeom prst="rect">
+              <a:avLst/>
+            </a:prstGeom>
+            <a:noFill/>
+          </p:spPr>
+          <p:txBody>
+            <a:bodyPr wrap="none" rtlCol="0">
+              <a:spAutoFit/>
+            </a:bodyPr>
+            <a:lstStyle/>
+            <a:p>
+              <a:r>
+                <a:rPr lang="en-US" sz="1200" dirty="0">
+                  <a:solidFill>
+                    <a:schemeClr val="accent2"/>
+                  </a:solidFill>
+                </a:rPr>
+                <a:t>History View</a:t>
+              </a:r>
+              <a:endParaRPr lang="en-SG" sz="1200" dirty="0">
+                <a:solidFill>
+                  <a:schemeClr val="accent2"/>
+                </a:solidFill>
+              </a:endParaRPr>
+            </a:p>
+          </p:txBody>
+        </p:sp>
+      </p:grpSp>
+      <p:grpSp>
+        <p:nvGrpSpPr>
+          <p:cNvPr id="15" name="Group 14">
+            <a:extLst>
+              <a:ext uri="{FF2B5EF4-FFF2-40B4-BE49-F238E27FC236}">
+                <a16:creationId xmlns:a16="http://schemas.microsoft.com/office/drawing/2014/main" id="{63E15A1F-3E59-4DDC-A66B-A3347279DE71}"/>
+              </a:ext>
+            </a:extLst>
+          </p:cNvPr>
+          <p:cNvGrpSpPr/>
           <p:nvPr/>
-        </p:nvSpPr>
-        <p:spPr>
-          <a:xfrm rot="16200000">
-            <a:off x="8298180" y="-1631634"/>
-            <a:ext cx="344424" cy="4547616"/>
+        </p:nvGrpSpPr>
+        <p:grpSpPr>
+          <a:xfrm>
+            <a:off x="1443990" y="79248"/>
+            <a:ext cx="4652010" cy="5964363"/>
+            <a:chOff x="1443990" y="79248"/>
+            <a:chExt cx="4652010" cy="5964363"/>
           </a:xfrm>
-          <a:prstGeom prst="rightBrace">
-            <a:avLst/>
-          </a:prstGeom>
-        </p:spPr>
-        <p:style>
-          <a:lnRef idx="3">
-            <a:schemeClr val="accent2"/>
-          </a:lnRef>
-          <a:fillRef idx="0">
-            <a:schemeClr val="accent2"/>
-          </a:fillRef>
-          <a:effectRef idx="2">
-            <a:schemeClr val="accent2"/>
-          </a:effectRef>
-          <a:fontRef idx="minor">
-            <a:schemeClr val="tx1"/>
-          </a:fontRef>
-        </p:style>
-        <p:txBody>
-          <a:bodyPr rtlCol="0" anchor="ctr"/>
-          <a:lstStyle/>
-          <a:p>
-            <a:pPr algn="ctr"/>
-            <a:endParaRPr lang="en-SG"/>
-          </a:p>
-        </p:txBody>
-      </p:sp>
-      <p:sp>
-        <p:nvSpPr>
-          <p:cNvPr id="11" name="TextBox 10">
-            <a:extLst>
-              <a:ext uri="{FF2B5EF4-FFF2-40B4-BE49-F238E27FC236}">
-                <a16:creationId xmlns:a16="http://schemas.microsoft.com/office/drawing/2014/main" id="{08293D95-459E-4730-BC16-CD778BC8DE8A}"/>
-              </a:ext>
-            </a:extLst>
-          </p:cNvPr>
-          <p:cNvSpPr txBox="1"/>
+        </p:grpSpPr>
+        <p:sp>
+          <p:nvSpPr>
+            <p:cNvPr id="8" name="Right Brace 7">
+              <a:extLst>
+                <a:ext uri="{FF2B5EF4-FFF2-40B4-BE49-F238E27FC236}">
+                  <a16:creationId xmlns:a16="http://schemas.microsoft.com/office/drawing/2014/main" id="{C05B2C6F-DCA4-45F9-94E5-345EC17842DB}"/>
+                </a:ext>
+              </a:extLst>
+            </p:cNvPr>
+            <p:cNvSpPr/>
+            <p:nvPr/>
+          </p:nvSpPr>
+          <p:spPr>
+            <a:xfrm rot="16200000">
+              <a:off x="3599688" y="-1681925"/>
+              <a:ext cx="344424" cy="4648200"/>
+            </a:xfrm>
+            <a:prstGeom prst="rightBrace">
+              <a:avLst/>
+            </a:prstGeom>
+          </p:spPr>
+          <p:style>
+            <a:lnRef idx="3">
+              <a:schemeClr val="accent1"/>
+            </a:lnRef>
+            <a:fillRef idx="0">
+              <a:schemeClr val="accent1"/>
+            </a:fillRef>
+            <a:effectRef idx="2">
+              <a:schemeClr val="accent1"/>
+            </a:effectRef>
+            <a:fontRef idx="minor">
+              <a:schemeClr val="tx1"/>
+            </a:fontRef>
+          </p:style>
+          <p:txBody>
+            <a:bodyPr rtlCol="0" anchor="ctr"/>
+            <a:lstStyle/>
+            <a:p>
+              <a:pPr algn="ctr"/>
+              <a:endParaRPr lang="en-SG"/>
+            </a:p>
+          </p:txBody>
+        </p:sp>
+        <p:sp>
+          <p:nvSpPr>
+            <p:cNvPr id="9" name="TextBox 8">
+              <a:extLst>
+                <a:ext uri="{FF2B5EF4-FFF2-40B4-BE49-F238E27FC236}">
+                  <a16:creationId xmlns:a16="http://schemas.microsoft.com/office/drawing/2014/main" id="{64E7039B-00EC-4DDC-B348-58F4C75F63AF}"/>
+                </a:ext>
+              </a:extLst>
+            </p:cNvPr>
+            <p:cNvSpPr txBox="1"/>
+            <p:nvPr/>
+          </p:nvSpPr>
+          <p:spPr>
+            <a:xfrm>
+              <a:off x="2726436" y="79248"/>
+              <a:ext cx="2090928" cy="276999"/>
+            </a:xfrm>
+            <a:prstGeom prst="rect">
+              <a:avLst/>
+            </a:prstGeom>
+            <a:noFill/>
+          </p:spPr>
+          <p:txBody>
+            <a:bodyPr wrap="square" rtlCol="0">
+              <a:spAutoFit/>
+            </a:bodyPr>
+            <a:lstStyle/>
+            <a:p>
+              <a:pPr algn="ctr"/>
+              <a:r>
+                <a:rPr lang="en-US" sz="1200" dirty="0"/>
+                <a:t>Chart Panel</a:t>
+              </a:r>
+              <a:endParaRPr lang="en-SG" sz="1200" dirty="0"/>
+            </a:p>
+          </p:txBody>
+        </p:sp>
+        <p:sp>
+          <p:nvSpPr>
+            <p:cNvPr id="23" name="Rectangle 22">
+              <a:extLst>
+                <a:ext uri="{FF2B5EF4-FFF2-40B4-BE49-F238E27FC236}">
+                  <a16:creationId xmlns:a16="http://schemas.microsoft.com/office/drawing/2014/main" id="{6D6AB3E9-494B-45F6-B9FF-736F40C71E04}"/>
+                </a:ext>
+              </a:extLst>
+            </p:cNvPr>
+            <p:cNvSpPr/>
+            <p:nvPr/>
+          </p:nvSpPr>
+          <p:spPr>
+            <a:xfrm>
+              <a:off x="1443990" y="814386"/>
+              <a:ext cx="4607814" cy="5229225"/>
+            </a:xfrm>
+            <a:prstGeom prst="rect">
+              <a:avLst/>
+            </a:prstGeom>
+            <a:noFill/>
+            <a:ln w="57150" cap="flat" cmpd="sng" algn="ctr">
+              <a:solidFill>
+                <a:schemeClr val="accent1"/>
+              </a:solidFill>
+              <a:prstDash val="solid"/>
+              <a:round/>
+              <a:headEnd type="none" w="med" len="med"/>
+              <a:tailEnd type="none" w="med" len="med"/>
+            </a:ln>
+          </p:spPr>
+          <p:style>
+            <a:lnRef idx="0">
+              <a:scrgbClr r="0" g="0" b="0"/>
+            </a:lnRef>
+            <a:fillRef idx="0">
+              <a:scrgbClr r="0" g="0" b="0"/>
+            </a:fillRef>
+            <a:effectRef idx="0">
+              <a:scrgbClr r="0" g="0" b="0"/>
+            </a:effectRef>
+            <a:fontRef idx="minor">
+              <a:schemeClr val="accent1"/>
+            </a:fontRef>
+          </p:style>
+          <p:txBody>
+            <a:bodyPr rtlCol="0" anchor="ctr"/>
+            <a:lstStyle/>
+            <a:p>
+              <a:pPr algn="ctr"/>
+              <a:endParaRPr lang="en-SG"/>
+            </a:p>
+          </p:txBody>
+        </p:sp>
+      </p:grpSp>
+      <p:grpSp>
+        <p:nvGrpSpPr>
+          <p:cNvPr id="7" name="Group 6">
+            <a:extLst>
+              <a:ext uri="{FF2B5EF4-FFF2-40B4-BE49-F238E27FC236}">
+                <a16:creationId xmlns:a16="http://schemas.microsoft.com/office/drawing/2014/main" id="{136E2079-5E0D-4506-AFAA-58961257A6DD}"/>
+              </a:ext>
+            </a:extLst>
+          </p:cNvPr>
+          <p:cNvGrpSpPr/>
           <p:nvPr/>
-        </p:nvSpPr>
-        <p:spPr>
+        </p:nvGrpSpPr>
+        <p:grpSpPr>
           <a:xfrm>
-            <a:off x="7424928" y="79248"/>
-            <a:ext cx="2090928" cy="276999"/>
+            <a:off x="569214" y="945870"/>
+            <a:ext cx="4997085" cy="869029"/>
+            <a:chOff x="569214" y="945870"/>
+            <a:chExt cx="4997085" cy="869029"/>
           </a:xfrm>
-          <a:prstGeom prst="rect">
-            <a:avLst/>
-          </a:prstGeom>
-          <a:noFill/>
-        </p:spPr>
-        <p:txBody>
-          <a:bodyPr wrap="square" rtlCol="0">
-            <a:spAutoFit/>
-          </a:bodyPr>
-          <a:lstStyle/>
-          <a:p>
-            <a:pPr algn="ctr"/>
-            <a:r>
-              <a:rPr lang="en-US" sz="1200" dirty="0"/>
-              <a:t>Code Panel</a:t>
-            </a:r>
-            <a:endParaRPr lang="en-SG" sz="1200" dirty="0"/>
-          </a:p>
-        </p:txBody>
-      </p:sp>
-      <p:sp>
-        <p:nvSpPr>
-          <p:cNvPr id="12" name="Arrow: Right 11">
-            <a:extLst>
-              <a:ext uri="{FF2B5EF4-FFF2-40B4-BE49-F238E27FC236}">
-                <a16:creationId xmlns:a16="http://schemas.microsoft.com/office/drawing/2014/main" id="{88177BEA-4D65-45B7-A56C-6FBD7CF8C471}"/>
-              </a:ext>
-            </a:extLst>
-          </p:cNvPr>
-          <p:cNvSpPr/>
+        </p:grpSpPr>
+        <p:sp>
+          <p:nvSpPr>
+            <p:cNvPr id="22" name="Left Brace 21">
+              <a:extLst>
+                <a:ext uri="{FF2B5EF4-FFF2-40B4-BE49-F238E27FC236}">
+                  <a16:creationId xmlns:a16="http://schemas.microsoft.com/office/drawing/2014/main" id="{C4A07B1E-02AC-4689-807B-B2620194B508}"/>
+                </a:ext>
+              </a:extLst>
+            </p:cNvPr>
+            <p:cNvSpPr/>
+            <p:nvPr/>
+          </p:nvSpPr>
+          <p:spPr>
+            <a:xfrm>
+              <a:off x="1343406" y="945870"/>
+              <a:ext cx="516530" cy="869029"/>
+            </a:xfrm>
+            <a:prstGeom prst="leftBrace">
+              <a:avLst>
+                <a:gd name="adj1" fmla="val 14462"/>
+                <a:gd name="adj2" fmla="val 50000"/>
+              </a:avLst>
+            </a:prstGeom>
+          </p:spPr>
+          <p:style>
+            <a:lnRef idx="3">
+              <a:schemeClr val="accent6"/>
+            </a:lnRef>
+            <a:fillRef idx="0">
+              <a:schemeClr val="accent6"/>
+            </a:fillRef>
+            <a:effectRef idx="2">
+              <a:schemeClr val="accent6"/>
+            </a:effectRef>
+            <a:fontRef idx="minor">
+              <a:schemeClr val="tx1"/>
+            </a:fontRef>
+          </p:style>
+          <p:txBody>
+            <a:bodyPr rtlCol="0" anchor="ctr"/>
+            <a:lstStyle/>
+            <a:p>
+              <a:pPr algn="ctr"/>
+              <a:endParaRPr lang="en-SG"/>
+            </a:p>
+          </p:txBody>
+        </p:sp>
+        <p:sp>
+          <p:nvSpPr>
+            <p:cNvPr id="24" name="TextBox 23">
+              <a:extLst>
+                <a:ext uri="{FF2B5EF4-FFF2-40B4-BE49-F238E27FC236}">
+                  <a16:creationId xmlns:a16="http://schemas.microsoft.com/office/drawing/2014/main" id="{ACDC6C00-2DF8-42EF-B108-6D30BD3CBE76}"/>
+                </a:ext>
+              </a:extLst>
+            </p:cNvPr>
+            <p:cNvSpPr txBox="1"/>
+            <p:nvPr/>
+          </p:nvSpPr>
+          <p:spPr>
+            <a:xfrm>
+              <a:off x="569214" y="1222349"/>
+              <a:ext cx="723900" cy="276999"/>
+            </a:xfrm>
+            <a:prstGeom prst="rect">
+              <a:avLst/>
+            </a:prstGeom>
+            <a:noFill/>
+          </p:spPr>
+          <p:txBody>
+            <a:bodyPr wrap="square" rtlCol="0">
+              <a:spAutoFit/>
+            </a:bodyPr>
+            <a:lstStyle/>
+            <a:p>
+              <a:pPr algn="ctr"/>
+              <a:r>
+                <a:rPr lang="en-US" sz="1200" dirty="0">
+                  <a:solidFill>
+                    <a:schemeClr val="accent6"/>
+                  </a:solidFill>
+                </a:rPr>
+                <a:t>Toolbar</a:t>
+              </a:r>
+            </a:p>
+          </p:txBody>
+        </p:sp>
+        <p:sp>
+          <p:nvSpPr>
+            <p:cNvPr id="25" name="Rectangle 24">
+              <a:extLst>
+                <a:ext uri="{FF2B5EF4-FFF2-40B4-BE49-F238E27FC236}">
+                  <a16:creationId xmlns:a16="http://schemas.microsoft.com/office/drawing/2014/main" id="{38234176-8BB8-4114-96C5-171C66ECDE3F}"/>
+                </a:ext>
+              </a:extLst>
+            </p:cNvPr>
+            <p:cNvSpPr/>
+            <p:nvPr/>
+          </p:nvSpPr>
+          <p:spPr>
+            <a:xfrm>
+              <a:off x="1859936" y="945870"/>
+              <a:ext cx="3706363" cy="869029"/>
+            </a:xfrm>
+            <a:prstGeom prst="rect">
+              <a:avLst/>
+            </a:prstGeom>
+            <a:noFill/>
+            <a:ln w="9525" cap="flat" cmpd="sng" algn="ctr">
+              <a:solidFill>
+                <a:schemeClr val="accent6"/>
+              </a:solidFill>
+              <a:prstDash val="solid"/>
+              <a:round/>
+              <a:headEnd type="none" w="med" len="med"/>
+              <a:tailEnd type="none" w="med" len="med"/>
+            </a:ln>
+          </p:spPr>
+          <p:style>
+            <a:lnRef idx="0">
+              <a:scrgbClr r="0" g="0" b="0"/>
+            </a:lnRef>
+            <a:fillRef idx="0">
+              <a:scrgbClr r="0" g="0" b="0"/>
+            </a:fillRef>
+            <a:effectRef idx="0">
+              <a:scrgbClr r="0" g="0" b="0"/>
+            </a:effectRef>
+            <a:fontRef idx="minor">
+              <a:schemeClr val="accent6"/>
+            </a:fontRef>
+          </p:style>
+          <p:txBody>
+            <a:bodyPr rtlCol="0" anchor="ctr"/>
+            <a:lstStyle/>
+            <a:p>
+              <a:pPr algn="ctr"/>
+              <a:endParaRPr lang="en-SG"/>
+            </a:p>
+          </p:txBody>
+        </p:sp>
+      </p:grpSp>
+      <p:grpSp>
+        <p:nvGrpSpPr>
+          <p:cNvPr id="5" name="Group 4">
+            <a:extLst>
+              <a:ext uri="{FF2B5EF4-FFF2-40B4-BE49-F238E27FC236}">
+                <a16:creationId xmlns:a16="http://schemas.microsoft.com/office/drawing/2014/main" id="{4FF72358-8A89-4AE0-983B-BB094CC4E4D9}"/>
+              </a:ext>
+            </a:extLst>
+          </p:cNvPr>
+          <p:cNvGrpSpPr/>
           <p:nvPr/>
-        </p:nvSpPr>
-        <p:spPr>
-          <a:xfrm rot="21372755">
-            <a:off x="8429466" y="1857407"/>
-            <a:ext cx="402336" cy="121920"/>
+        </p:nvGrpSpPr>
+        <p:grpSpPr>
+          <a:xfrm>
+            <a:off x="2800484" y="3118023"/>
+            <a:ext cx="1695743" cy="246221"/>
+            <a:chOff x="2464522" y="2361561"/>
+            <a:chExt cx="1695743" cy="246221"/>
           </a:xfrm>
-          <a:prstGeom prst="rightArrow">
-            <a:avLst/>
-          </a:prstGeom>
-        </p:spPr>
-        <p:style>
-          <a:lnRef idx="2">
-            <a:schemeClr val="accent6">
-              <a:shade val="50000"/>
-            </a:schemeClr>
-          </a:lnRef>
-          <a:fillRef idx="1">
-            <a:schemeClr val="accent6"/>
-          </a:fillRef>
-          <a:effectRef idx="0">
-            <a:schemeClr val="accent6"/>
-          </a:effectRef>
-          <a:fontRef idx="minor">
-            <a:schemeClr val="lt1"/>
-          </a:fontRef>
-        </p:style>
-        <p:txBody>
-          <a:bodyPr rtlCol="0" anchor="ctr"/>
-          <a:lstStyle/>
-          <a:p>
-            <a:pPr algn="ctr"/>
-            <a:endParaRPr lang="en-SG"/>
-          </a:p>
-        </p:txBody>
-      </p:sp>
-      <p:sp>
-        <p:nvSpPr>
-          <p:cNvPr id="13" name="TextBox 12">
-            <a:extLst>
-              <a:ext uri="{FF2B5EF4-FFF2-40B4-BE49-F238E27FC236}">
-                <a16:creationId xmlns:a16="http://schemas.microsoft.com/office/drawing/2014/main" id="{C135F275-4477-467B-8D51-84AA5700DE35}"/>
-              </a:ext>
-            </a:extLst>
-          </p:cNvPr>
-          <p:cNvSpPr txBox="1"/>
+        </p:grpSpPr>
+        <p:sp>
+          <p:nvSpPr>
+            <p:cNvPr id="26" name="Oval 25">
+              <a:extLst>
+                <a:ext uri="{FF2B5EF4-FFF2-40B4-BE49-F238E27FC236}">
+                  <a16:creationId xmlns:a16="http://schemas.microsoft.com/office/drawing/2014/main" id="{1173C975-EBB3-439F-8872-826D3DAF91EB}"/>
+                </a:ext>
+              </a:extLst>
+            </p:cNvPr>
+            <p:cNvSpPr/>
+            <p:nvPr/>
+          </p:nvSpPr>
+          <p:spPr>
+            <a:xfrm>
+              <a:off x="2464522" y="2454206"/>
+              <a:ext cx="142875" cy="133350"/>
+            </a:xfrm>
+            <a:prstGeom prst="ellipse">
+              <a:avLst/>
+            </a:prstGeom>
+            <a:noFill/>
+            <a:ln w="9525" cap="flat" cmpd="sng" algn="ctr">
+              <a:solidFill>
+                <a:schemeClr val="accent2"/>
+              </a:solidFill>
+              <a:prstDash val="solid"/>
+              <a:round/>
+              <a:headEnd type="none" w="med" len="med"/>
+              <a:tailEnd type="none" w="med" len="med"/>
+            </a:ln>
+          </p:spPr>
+          <p:style>
+            <a:lnRef idx="0">
+              <a:scrgbClr r="0" g="0" b="0"/>
+            </a:lnRef>
+            <a:fillRef idx="0">
+              <a:scrgbClr r="0" g="0" b="0"/>
+            </a:fillRef>
+            <a:effectRef idx="0">
+              <a:scrgbClr r="0" g="0" b="0"/>
+            </a:effectRef>
+            <a:fontRef idx="minor">
+              <a:schemeClr val="accent2"/>
+            </a:fontRef>
+          </p:style>
+          <p:txBody>
+            <a:bodyPr rtlCol="0" anchor="ctr"/>
+            <a:lstStyle/>
+            <a:p>
+              <a:pPr algn="ctr"/>
+              <a:endParaRPr lang="en-SG"/>
+            </a:p>
+          </p:txBody>
+        </p:sp>
+        <p:sp>
+          <p:nvSpPr>
+            <p:cNvPr id="27" name="Arrow: Right 26">
+              <a:extLst>
+                <a:ext uri="{FF2B5EF4-FFF2-40B4-BE49-F238E27FC236}">
+                  <a16:creationId xmlns:a16="http://schemas.microsoft.com/office/drawing/2014/main" id="{A58405F1-EAAD-4099-A00D-F41C9263239F}"/>
+                </a:ext>
+              </a:extLst>
+            </p:cNvPr>
+            <p:cNvSpPr/>
+            <p:nvPr/>
+          </p:nvSpPr>
+          <p:spPr>
+            <a:xfrm rot="21204583">
+              <a:off x="2661847" y="2453845"/>
+              <a:ext cx="142378" cy="66676"/>
+            </a:xfrm>
+            <a:prstGeom prst="rightArrow">
+              <a:avLst/>
+            </a:prstGeom>
+          </p:spPr>
+          <p:style>
+            <a:lnRef idx="2">
+              <a:schemeClr val="accent2">
+                <a:shade val="50000"/>
+              </a:schemeClr>
+            </a:lnRef>
+            <a:fillRef idx="1">
+              <a:schemeClr val="accent2"/>
+            </a:fillRef>
+            <a:effectRef idx="0">
+              <a:schemeClr val="accent2"/>
+            </a:effectRef>
+            <a:fontRef idx="minor">
+              <a:schemeClr val="lt1"/>
+            </a:fontRef>
+          </p:style>
+          <p:txBody>
+            <a:bodyPr rtlCol="0" anchor="ctr"/>
+            <a:lstStyle/>
+            <a:p>
+              <a:pPr algn="ctr"/>
+              <a:endParaRPr lang="en-SG"/>
+            </a:p>
+          </p:txBody>
+        </p:sp>
+        <p:sp>
+          <p:nvSpPr>
+            <p:cNvPr id="28" name="TextBox 27">
+              <a:extLst>
+                <a:ext uri="{FF2B5EF4-FFF2-40B4-BE49-F238E27FC236}">
+                  <a16:creationId xmlns:a16="http://schemas.microsoft.com/office/drawing/2014/main" id="{34AE8672-B518-45E4-9DE5-A05EE9D1C6F3}"/>
+                </a:ext>
+              </a:extLst>
+            </p:cNvPr>
+            <p:cNvSpPr txBox="1"/>
+            <p:nvPr/>
+          </p:nvSpPr>
+          <p:spPr>
+            <a:xfrm>
+              <a:off x="2760090" y="2361561"/>
+              <a:ext cx="1400175" cy="246221"/>
+            </a:xfrm>
+            <a:prstGeom prst="rect">
+              <a:avLst/>
+            </a:prstGeom>
+            <a:noFill/>
+          </p:spPr>
+          <p:txBody>
+            <a:bodyPr wrap="square" rtlCol="0">
+              <a:spAutoFit/>
+            </a:bodyPr>
+            <a:lstStyle/>
+            <a:p>
+              <a:r>
+                <a:rPr lang="en-US" sz="1000" dirty="0">
+                  <a:solidFill>
+                    <a:schemeClr val="accent2"/>
+                  </a:solidFill>
+                </a:rPr>
+                <a:t>Link to repository</a:t>
+              </a:r>
+              <a:endParaRPr lang="en-SG" sz="1000" dirty="0">
+                <a:solidFill>
+                  <a:schemeClr val="accent2"/>
+                </a:solidFill>
+              </a:endParaRPr>
+            </a:p>
+          </p:txBody>
+        </p:sp>
+      </p:grpSp>
+      <p:grpSp>
+        <p:nvGrpSpPr>
+          <p:cNvPr id="6" name="Group 5">
+            <a:extLst>
+              <a:ext uri="{FF2B5EF4-FFF2-40B4-BE49-F238E27FC236}">
+                <a16:creationId xmlns:a16="http://schemas.microsoft.com/office/drawing/2014/main" id="{71B6EB53-FA00-4D6F-8B6D-CFC7C368353A}"/>
+              </a:ext>
+            </a:extLst>
+          </p:cNvPr>
+          <p:cNvGrpSpPr/>
           <p:nvPr/>
-        </p:nvSpPr>
-        <p:spPr>
+        </p:nvGrpSpPr>
+        <p:grpSpPr>
           <a:xfrm>
-            <a:off x="8790433" y="1735827"/>
-            <a:ext cx="836402" cy="276999"/>
+            <a:off x="2800484" y="2502323"/>
+            <a:ext cx="2165611" cy="263574"/>
+            <a:chOff x="2230032" y="2870443"/>
+            <a:chExt cx="2165611" cy="263574"/>
           </a:xfrm>
-          <a:prstGeom prst="rect">
-            <a:avLst/>
-          </a:prstGeom>
-          <a:noFill/>
-        </p:spPr>
-        <p:txBody>
-          <a:bodyPr wrap="square" rtlCol="0">
-            <a:spAutoFit/>
-          </a:bodyPr>
-          <a:lstStyle/>
-          <a:p>
-            <a:r>
-              <a:rPr lang="en-US" sz="1200" dirty="0">
+        </p:grpSpPr>
+        <p:sp>
+          <p:nvSpPr>
+            <p:cNvPr id="29" name="Oval 28">
+              <a:extLst>
+                <a:ext uri="{FF2B5EF4-FFF2-40B4-BE49-F238E27FC236}">
+                  <a16:creationId xmlns:a16="http://schemas.microsoft.com/office/drawing/2014/main" id="{2206B7BC-33E8-473B-84CD-DA37BCD06CDF}"/>
+                </a:ext>
+              </a:extLst>
+            </p:cNvPr>
+            <p:cNvSpPr/>
+            <p:nvPr/>
+          </p:nvSpPr>
+          <p:spPr>
+            <a:xfrm>
+              <a:off x="2230032" y="3000667"/>
+              <a:ext cx="130499" cy="133350"/>
+            </a:xfrm>
+            <a:prstGeom prst="ellipse">
+              <a:avLst/>
+            </a:prstGeom>
+            <a:noFill/>
+            <a:ln w="9525" cap="flat" cmpd="sng" algn="ctr">
+              <a:solidFill>
+                <a:schemeClr val="accent6"/>
+              </a:solidFill>
+              <a:prstDash val="solid"/>
+              <a:round/>
+              <a:headEnd type="none" w="med" len="med"/>
+              <a:tailEnd type="none" w="med" len="med"/>
+            </a:ln>
+          </p:spPr>
+          <p:style>
+            <a:lnRef idx="0">
+              <a:scrgbClr r="0" g="0" b="0"/>
+            </a:lnRef>
+            <a:fillRef idx="0">
+              <a:scrgbClr r="0" g="0" b="0"/>
+            </a:fillRef>
+            <a:effectRef idx="0">
+              <a:scrgbClr r="0" g="0" b="0"/>
+            </a:effectRef>
+            <a:fontRef idx="minor">
+              <a:schemeClr val="accent6"/>
+            </a:fontRef>
+          </p:style>
+          <p:txBody>
+            <a:bodyPr rtlCol="0" anchor="ctr"/>
+            <a:lstStyle/>
+            <a:p>
+              <a:pPr algn="ctr"/>
+              <a:endParaRPr lang="en-SG"/>
+            </a:p>
+          </p:txBody>
+        </p:sp>
+        <p:sp>
+          <p:nvSpPr>
+            <p:cNvPr id="30" name="Arrow: Bent 29">
+              <a:extLst>
+                <a:ext uri="{FF2B5EF4-FFF2-40B4-BE49-F238E27FC236}">
+                  <a16:creationId xmlns:a16="http://schemas.microsoft.com/office/drawing/2014/main" id="{DFCFA230-CA83-4084-9F6D-71E51B2037DE}"/>
+                </a:ext>
+              </a:extLst>
+            </p:cNvPr>
+            <p:cNvSpPr/>
+            <p:nvPr/>
+          </p:nvSpPr>
+          <p:spPr>
+            <a:xfrm>
+              <a:off x="2281147" y="2943385"/>
+              <a:ext cx="243840" cy="62865"/>
+            </a:xfrm>
+            <a:prstGeom prst="bentArrow">
+              <a:avLst>
+                <a:gd name="adj1" fmla="val 25000"/>
+                <a:gd name="adj2" fmla="val 26516"/>
+                <a:gd name="adj3" fmla="val 25000"/>
+                <a:gd name="adj4" fmla="val 43750"/>
+              </a:avLst>
+            </a:prstGeom>
+          </p:spPr>
+          <p:style>
+            <a:lnRef idx="2">
+              <a:schemeClr val="accent6">
+                <a:shade val="50000"/>
+              </a:schemeClr>
+            </a:lnRef>
+            <a:fillRef idx="1">
+              <a:schemeClr val="accent6"/>
+            </a:fillRef>
+            <a:effectRef idx="0">
+              <a:schemeClr val="accent6"/>
+            </a:effectRef>
+            <a:fontRef idx="minor">
+              <a:schemeClr val="lt1"/>
+            </a:fontRef>
+          </p:style>
+          <p:txBody>
+            <a:bodyPr rtlCol="0" anchor="ctr"/>
+            <a:lstStyle/>
+            <a:p>
+              <a:pPr algn="ctr"/>
+              <a:endParaRPr lang="en-SG">
+                <a:solidFill>
+                  <a:schemeClr val="tx1"/>
+                </a:solidFill>
+              </a:endParaRPr>
+            </a:p>
+          </p:txBody>
+        </p:sp>
+        <p:sp>
+          <p:nvSpPr>
+            <p:cNvPr id="31" name="TextBox 30">
+              <a:extLst>
+                <a:ext uri="{FF2B5EF4-FFF2-40B4-BE49-F238E27FC236}">
+                  <a16:creationId xmlns:a16="http://schemas.microsoft.com/office/drawing/2014/main" id="{FD5681D1-EF5F-4AB0-9C45-DF91004DFCC2}"/>
+                </a:ext>
+              </a:extLst>
+            </p:cNvPr>
+            <p:cNvSpPr txBox="1"/>
+            <p:nvPr/>
+          </p:nvSpPr>
+          <p:spPr>
+            <a:xfrm>
+              <a:off x="2493500" y="2870443"/>
+              <a:ext cx="1902143" cy="246221"/>
+            </a:xfrm>
+            <a:prstGeom prst="rect">
+              <a:avLst/>
+            </a:prstGeom>
+            <a:noFill/>
+          </p:spPr>
+          <p:txBody>
+            <a:bodyPr wrap="square" rtlCol="0">
+              <a:spAutoFit/>
+            </a:bodyPr>
+            <a:lstStyle/>
+            <a:p>
+              <a:r>
+                <a:rPr lang="en-US" sz="1000" dirty="0">
+                  <a:solidFill>
+                    <a:schemeClr val="accent6"/>
+                  </a:solidFill>
+                </a:rPr>
+                <a:t>View author’s committed codes</a:t>
+              </a:r>
+              <a:endParaRPr lang="en-SG" sz="1000" dirty="0">
+                <a:solidFill>
+                  <a:schemeClr val="accent6"/>
+                </a:solidFill>
+              </a:endParaRPr>
+            </a:p>
+          </p:txBody>
+        </p:sp>
+      </p:grpSp>
+      <p:grpSp>
+        <p:nvGrpSpPr>
+          <p:cNvPr id="36" name="Group 35">
+            <a:extLst>
+              <a:ext uri="{FF2B5EF4-FFF2-40B4-BE49-F238E27FC236}">
+                <a16:creationId xmlns:a16="http://schemas.microsoft.com/office/drawing/2014/main" id="{A7AFB063-FD92-44F4-BCAE-B42330D96AE2}"/>
+              </a:ext>
+            </a:extLst>
+          </p:cNvPr>
+          <p:cNvGrpSpPr/>
+          <p:nvPr/>
+        </p:nvGrpSpPr>
+        <p:grpSpPr>
+          <a:xfrm>
+            <a:off x="6196584" y="79248"/>
+            <a:ext cx="4555617" cy="5964363"/>
+            <a:chOff x="6196584" y="79248"/>
+            <a:chExt cx="4555617" cy="5964363"/>
+          </a:xfrm>
+        </p:grpSpPr>
+        <p:sp>
+          <p:nvSpPr>
+            <p:cNvPr id="10" name="Right Brace 9">
+              <a:extLst>
+                <a:ext uri="{FF2B5EF4-FFF2-40B4-BE49-F238E27FC236}">
+                  <a16:creationId xmlns:a16="http://schemas.microsoft.com/office/drawing/2014/main" id="{195D0920-5C1C-411D-A43A-B7FB72C2CF80}"/>
+                </a:ext>
+              </a:extLst>
+            </p:cNvPr>
+            <p:cNvSpPr/>
+            <p:nvPr/>
+          </p:nvSpPr>
+          <p:spPr>
+            <a:xfrm rot="16200000">
+              <a:off x="8298180" y="-1631634"/>
+              <a:ext cx="344424" cy="4547616"/>
+            </a:xfrm>
+            <a:prstGeom prst="rightBrace">
+              <a:avLst/>
+            </a:prstGeom>
+          </p:spPr>
+          <p:style>
+            <a:lnRef idx="3">
+              <a:schemeClr val="accent2"/>
+            </a:lnRef>
+            <a:fillRef idx="0">
+              <a:schemeClr val="accent2"/>
+            </a:fillRef>
+            <a:effectRef idx="2">
+              <a:schemeClr val="accent2"/>
+            </a:effectRef>
+            <a:fontRef idx="minor">
+              <a:schemeClr val="tx1"/>
+            </a:fontRef>
+          </p:style>
+          <p:txBody>
+            <a:bodyPr rtlCol="0" anchor="ctr"/>
+            <a:lstStyle/>
+            <a:p>
+              <a:pPr algn="ctr"/>
+              <a:endParaRPr lang="en-SG"/>
+            </a:p>
+          </p:txBody>
+        </p:sp>
+        <p:sp>
+          <p:nvSpPr>
+            <p:cNvPr id="11" name="TextBox 10">
+              <a:extLst>
+                <a:ext uri="{FF2B5EF4-FFF2-40B4-BE49-F238E27FC236}">
+                  <a16:creationId xmlns:a16="http://schemas.microsoft.com/office/drawing/2014/main" id="{08293D95-459E-4730-BC16-CD778BC8DE8A}"/>
+                </a:ext>
+              </a:extLst>
+            </p:cNvPr>
+            <p:cNvSpPr txBox="1"/>
+            <p:nvPr/>
+          </p:nvSpPr>
+          <p:spPr>
+            <a:xfrm>
+              <a:off x="7424928" y="79248"/>
+              <a:ext cx="2090928" cy="276999"/>
+            </a:xfrm>
+            <a:prstGeom prst="rect">
+              <a:avLst/>
+            </a:prstGeom>
+            <a:noFill/>
+          </p:spPr>
+          <p:txBody>
+            <a:bodyPr wrap="square" rtlCol="0">
+              <a:spAutoFit/>
+            </a:bodyPr>
+            <a:lstStyle/>
+            <a:p>
+              <a:pPr algn="ctr"/>
+              <a:r>
+                <a:rPr lang="en-US" sz="1200" dirty="0"/>
+                <a:t>Code Panel</a:t>
+              </a:r>
+              <a:endParaRPr lang="en-SG" sz="1200" dirty="0"/>
+            </a:p>
+          </p:txBody>
+        </p:sp>
+        <p:sp>
+          <p:nvSpPr>
+            <p:cNvPr id="32" name="Rectangle 31">
+              <a:extLst>
+                <a:ext uri="{FF2B5EF4-FFF2-40B4-BE49-F238E27FC236}">
+                  <a16:creationId xmlns:a16="http://schemas.microsoft.com/office/drawing/2014/main" id="{78349196-1F24-461D-AD8C-4AD1D6A0E5B6}"/>
+                </a:ext>
+              </a:extLst>
+            </p:cNvPr>
+            <p:cNvSpPr/>
+            <p:nvPr/>
+          </p:nvSpPr>
+          <p:spPr>
+            <a:xfrm>
+              <a:off x="6204585" y="814386"/>
+              <a:ext cx="4547616" cy="5229225"/>
+            </a:xfrm>
+            <a:prstGeom prst="rect">
+              <a:avLst/>
+            </a:prstGeom>
+            <a:noFill/>
+            <a:ln w="57150" cap="flat" cmpd="sng" algn="ctr">
+              <a:solidFill>
+                <a:schemeClr val="accent2"/>
+              </a:solidFill>
+              <a:prstDash val="solid"/>
+              <a:round/>
+              <a:headEnd type="none" w="med" len="med"/>
+              <a:tailEnd type="none" w="med" len="med"/>
+            </a:ln>
+          </p:spPr>
+          <p:style>
+            <a:lnRef idx="0">
+              <a:scrgbClr r="0" g="0" b="0"/>
+            </a:lnRef>
+            <a:fillRef idx="0">
+              <a:scrgbClr r="0" g="0" b="0"/>
+            </a:fillRef>
+            <a:effectRef idx="0">
+              <a:scrgbClr r="0" g="0" b="0"/>
+            </a:effectRef>
+            <a:fontRef idx="minor">
+              <a:schemeClr val="accent1"/>
+            </a:fontRef>
+          </p:style>
+          <p:txBody>
+            <a:bodyPr rtlCol="0" anchor="ctr"/>
+            <a:lstStyle/>
+            <a:p>
+              <a:pPr algn="ctr"/>
+              <a:endParaRPr lang="en-SG"/>
+            </a:p>
+          </p:txBody>
+        </p:sp>
+      </p:grpSp>
+      <p:grpSp>
+        <p:nvGrpSpPr>
+          <p:cNvPr id="14" name="Group 13">
+            <a:extLst>
+              <a:ext uri="{FF2B5EF4-FFF2-40B4-BE49-F238E27FC236}">
+                <a16:creationId xmlns:a16="http://schemas.microsoft.com/office/drawing/2014/main" id="{F0680E85-D3A9-48B1-B089-8B49261F1BEF}"/>
+              </a:ext>
+            </a:extLst>
+          </p:cNvPr>
+          <p:cNvGrpSpPr/>
+          <p:nvPr/>
+        </p:nvGrpSpPr>
+        <p:grpSpPr>
+          <a:xfrm>
+            <a:off x="440200" y="2158326"/>
+            <a:ext cx="5526892" cy="461665"/>
+            <a:chOff x="460520" y="1991112"/>
+            <a:chExt cx="5526892" cy="461665"/>
+          </a:xfrm>
+        </p:grpSpPr>
+        <p:sp>
+          <p:nvSpPr>
+            <p:cNvPr id="33" name="Rectangle 32">
+              <a:extLst>
+                <a:ext uri="{FF2B5EF4-FFF2-40B4-BE49-F238E27FC236}">
+                  <a16:creationId xmlns:a16="http://schemas.microsoft.com/office/drawing/2014/main" id="{0C689E94-04DA-4405-AE79-8BC095FCC283}"/>
+                </a:ext>
+              </a:extLst>
+            </p:cNvPr>
+            <p:cNvSpPr/>
+            <p:nvPr/>
+          </p:nvSpPr>
+          <p:spPr>
+            <a:xfrm>
+              <a:off x="1504949" y="2067663"/>
+              <a:ext cx="4482463" cy="276999"/>
+            </a:xfrm>
+            <a:prstGeom prst="rect">
+              <a:avLst/>
+            </a:prstGeom>
+            <a:noFill/>
+            <a:ln w="28575" cap="flat" cmpd="sng" algn="ctr">
+              <a:solidFill>
+                <a:srgbClr val="A401FF"/>
+              </a:solidFill>
+              <a:prstDash val="solid"/>
+              <a:round/>
+              <a:headEnd type="none" w="med" len="med"/>
+              <a:tailEnd type="none" w="med" len="med"/>
+            </a:ln>
+          </p:spPr>
+          <p:style>
+            <a:lnRef idx="0">
+              <a:scrgbClr r="0" g="0" b="0"/>
+            </a:lnRef>
+            <a:fillRef idx="0">
+              <a:scrgbClr r="0" g="0" b="0"/>
+            </a:fillRef>
+            <a:effectRef idx="0">
+              <a:scrgbClr r="0" g="0" b="0"/>
+            </a:effectRef>
+            <a:fontRef idx="minor">
+              <a:schemeClr val="accent4"/>
+            </a:fontRef>
+          </p:style>
+          <p:txBody>
+            <a:bodyPr rtlCol="0" anchor="ctr"/>
+            <a:lstStyle/>
+            <a:p>
+              <a:pPr algn="ctr"/>
+              <a:endParaRPr lang="en-SG"/>
+            </a:p>
+          </p:txBody>
+        </p:sp>
+        <p:sp>
+          <p:nvSpPr>
+            <p:cNvPr id="34" name="Left Brace 33">
+              <a:extLst>
+                <a:ext uri="{FF2B5EF4-FFF2-40B4-BE49-F238E27FC236}">
+                  <a16:creationId xmlns:a16="http://schemas.microsoft.com/office/drawing/2014/main" id="{222FAE24-7A73-4290-9FB2-3A3528D6EBA2}"/>
+                </a:ext>
+              </a:extLst>
+            </p:cNvPr>
+            <p:cNvSpPr/>
+            <p:nvPr/>
+          </p:nvSpPr>
+          <p:spPr>
+            <a:xfrm>
+              <a:off x="1098796" y="2084176"/>
+              <a:ext cx="348052" cy="237053"/>
+            </a:xfrm>
+            <a:prstGeom prst="leftBrace">
+              <a:avLst/>
+            </a:prstGeom>
+            <a:ln w="19050">
+              <a:solidFill>
+                <a:srgbClr val="A401FF"/>
+              </a:solidFill>
+            </a:ln>
+          </p:spPr>
+          <p:style>
+            <a:lnRef idx="1">
+              <a:schemeClr val="accent1"/>
+            </a:lnRef>
+            <a:fillRef idx="0">
+              <a:schemeClr val="accent1"/>
+            </a:fillRef>
+            <a:effectRef idx="0">
+              <a:schemeClr val="accent1"/>
+            </a:effectRef>
+            <a:fontRef idx="minor">
+              <a:schemeClr val="tx1"/>
+            </a:fontRef>
+          </p:style>
+          <p:txBody>
+            <a:bodyPr rtlCol="0" anchor="ctr"/>
+            <a:lstStyle/>
+            <a:p>
+              <a:pPr algn="ctr"/>
+              <a:endParaRPr lang="en-SG"/>
+            </a:p>
+          </p:txBody>
+        </p:sp>
+        <p:sp>
+          <p:nvSpPr>
+            <p:cNvPr id="35" name="TextBox 34">
+              <a:extLst>
+                <a:ext uri="{FF2B5EF4-FFF2-40B4-BE49-F238E27FC236}">
+                  <a16:creationId xmlns:a16="http://schemas.microsoft.com/office/drawing/2014/main" id="{EF436BD1-46E2-4EB0-8C8E-A61FF6951C31}"/>
+                </a:ext>
+              </a:extLst>
+            </p:cNvPr>
+            <p:cNvSpPr txBox="1"/>
+            <p:nvPr/>
+          </p:nvSpPr>
+          <p:spPr>
+            <a:xfrm>
+              <a:off x="460520" y="1991112"/>
+              <a:ext cx="723900" cy="461665"/>
+            </a:xfrm>
+            <a:prstGeom prst="rect">
+              <a:avLst/>
+            </a:prstGeom>
+            <a:noFill/>
+          </p:spPr>
+          <p:txBody>
+            <a:bodyPr wrap="square" rtlCol="0">
+              <a:spAutoFit/>
+            </a:bodyPr>
+            <a:lstStyle/>
+            <a:p>
+              <a:pPr algn="ctr"/>
+              <a:r>
+                <a:rPr lang="en-US" sz="1200" dirty="0">
+                  <a:solidFill>
+                    <a:srgbClr val="7030A0"/>
+                  </a:solidFill>
+                </a:rPr>
+                <a:t>Ramp Chart</a:t>
+              </a:r>
+            </a:p>
+          </p:txBody>
+        </p:sp>
+      </p:grpSp>
+      <p:grpSp>
+        <p:nvGrpSpPr>
+          <p:cNvPr id="45" name="Group 44">
+            <a:extLst>
+              <a:ext uri="{FF2B5EF4-FFF2-40B4-BE49-F238E27FC236}">
+                <a16:creationId xmlns:a16="http://schemas.microsoft.com/office/drawing/2014/main" id="{A3EDE96A-E762-454E-915E-E31F3E6BD7AB}"/>
+              </a:ext>
+            </a:extLst>
+          </p:cNvPr>
+          <p:cNvGrpSpPr/>
+          <p:nvPr/>
+        </p:nvGrpSpPr>
+        <p:grpSpPr>
+          <a:xfrm>
+            <a:off x="4850928" y="3842053"/>
+            <a:ext cx="1157715" cy="672401"/>
+            <a:chOff x="4181285" y="3497779"/>
+            <a:chExt cx="1157715" cy="672401"/>
+          </a:xfrm>
+        </p:grpSpPr>
+        <p:cxnSp>
+          <p:nvCxnSpPr>
+            <p:cNvPr id="39" name="Straight Arrow Connector 38">
+              <a:extLst>
+                <a:ext uri="{FF2B5EF4-FFF2-40B4-BE49-F238E27FC236}">
+                  <a16:creationId xmlns:a16="http://schemas.microsoft.com/office/drawing/2014/main" id="{B342102E-EAF2-4DC0-B960-4F7846016550}"/>
+                </a:ext>
+              </a:extLst>
+            </p:cNvPr>
+            <p:cNvCxnSpPr>
+              <a:cxnSpLocks/>
+            </p:cNvCxnSpPr>
+            <p:nvPr/>
+          </p:nvCxnSpPr>
+          <p:spPr>
+            <a:xfrm flipV="1">
+              <a:off x="4181285" y="3764584"/>
+              <a:ext cx="291556" cy="382919"/>
+            </a:xfrm>
+            <a:prstGeom prst="straightConnector1">
+              <a:avLst/>
+            </a:prstGeom>
+            <a:ln>
+              <a:tailEnd type="triangle"/>
+            </a:ln>
+          </p:spPr>
+          <p:style>
+            <a:lnRef idx="3">
+              <a:schemeClr val="accent4"/>
+            </a:lnRef>
+            <a:fillRef idx="0">
+              <a:schemeClr val="accent4"/>
+            </a:fillRef>
+            <a:effectRef idx="2">
+              <a:schemeClr val="accent4"/>
+            </a:effectRef>
+            <a:fontRef idx="minor">
+              <a:schemeClr val="tx1"/>
+            </a:fontRef>
+          </p:style>
+        </p:cxnSp>
+        <p:cxnSp>
+          <p:nvCxnSpPr>
+            <p:cNvPr id="41" name="Straight Arrow Connector 40">
+              <a:extLst>
+                <a:ext uri="{FF2B5EF4-FFF2-40B4-BE49-F238E27FC236}">
+                  <a16:creationId xmlns:a16="http://schemas.microsoft.com/office/drawing/2014/main" id="{54A0E17B-CC65-450A-8DA3-6E665798ACA3}"/>
+                </a:ext>
+              </a:extLst>
+            </p:cNvPr>
+            <p:cNvCxnSpPr>
+              <a:cxnSpLocks/>
+            </p:cNvCxnSpPr>
+            <p:nvPr/>
+          </p:nvCxnSpPr>
+          <p:spPr>
+            <a:xfrm flipV="1">
+              <a:off x="4529328" y="3764584"/>
+              <a:ext cx="93730" cy="378010"/>
+            </a:xfrm>
+            <a:prstGeom prst="straightConnector1">
+              <a:avLst/>
+            </a:prstGeom>
+            <a:ln>
+              <a:tailEnd type="triangle"/>
+            </a:ln>
+          </p:spPr>
+          <p:style>
+            <a:lnRef idx="3">
+              <a:schemeClr val="accent4"/>
+            </a:lnRef>
+            <a:fillRef idx="0">
+              <a:schemeClr val="accent4"/>
+            </a:fillRef>
+            <a:effectRef idx="2">
+              <a:schemeClr val="accent4"/>
+            </a:effectRef>
+            <a:fontRef idx="minor">
+              <a:schemeClr val="tx1"/>
+            </a:fontRef>
+          </p:style>
+        </p:cxnSp>
+        <p:cxnSp>
+          <p:nvCxnSpPr>
+            <p:cNvPr id="43" name="Straight Arrow Connector 42">
+              <a:extLst>
+                <a:ext uri="{FF2B5EF4-FFF2-40B4-BE49-F238E27FC236}">
+                  <a16:creationId xmlns:a16="http://schemas.microsoft.com/office/drawing/2014/main" id="{859A842E-D51F-4106-BF0A-90048A2FAC0A}"/>
+                </a:ext>
+              </a:extLst>
+            </p:cNvPr>
+            <p:cNvCxnSpPr>
+              <a:cxnSpLocks/>
+            </p:cNvCxnSpPr>
+            <p:nvPr/>
+          </p:nvCxnSpPr>
+          <p:spPr>
+            <a:xfrm flipH="1" flipV="1">
+              <a:off x="4731644" y="3764584"/>
+              <a:ext cx="297080" cy="405596"/>
+            </a:xfrm>
+            <a:prstGeom prst="straightConnector1">
+              <a:avLst/>
+            </a:prstGeom>
+            <a:ln>
+              <a:tailEnd type="triangle"/>
+            </a:ln>
+          </p:spPr>
+          <p:style>
+            <a:lnRef idx="3">
+              <a:schemeClr val="accent4"/>
+            </a:lnRef>
+            <a:fillRef idx="0">
+              <a:schemeClr val="accent4"/>
+            </a:fillRef>
+            <a:effectRef idx="2">
+              <a:schemeClr val="accent4"/>
+            </a:effectRef>
+            <a:fontRef idx="minor">
+              <a:schemeClr val="tx1"/>
+            </a:fontRef>
+          </p:style>
+        </p:cxnSp>
+        <p:sp>
+          <p:nvSpPr>
+            <p:cNvPr id="44" name="TextBox 43">
+              <a:extLst>
+                <a:ext uri="{FF2B5EF4-FFF2-40B4-BE49-F238E27FC236}">
+                  <a16:creationId xmlns:a16="http://schemas.microsoft.com/office/drawing/2014/main" id="{4DB4692F-5627-4F26-AA17-560705B6CBA1}"/>
+                </a:ext>
+              </a:extLst>
+            </p:cNvPr>
+            <p:cNvSpPr txBox="1"/>
+            <p:nvPr/>
+          </p:nvSpPr>
+          <p:spPr>
+            <a:xfrm>
+              <a:off x="4319174" y="3497779"/>
+              <a:ext cx="1019826" cy="276999"/>
+            </a:xfrm>
+            <a:prstGeom prst="rect">
+              <a:avLst/>
+            </a:prstGeom>
+            <a:noFill/>
+          </p:spPr>
+          <p:txBody>
+            <a:bodyPr wrap="square" rtlCol="0">
+              <a:spAutoFit/>
+            </a:bodyPr>
+            <a:lstStyle/>
+            <a:p>
+              <a:r>
+                <a:rPr lang="en-US" sz="1200" dirty="0">
+                  <a:solidFill>
+                    <a:srgbClr val="FFC000"/>
+                  </a:solidFill>
+                </a:rPr>
+                <a:t>Ramps</a:t>
+              </a:r>
+              <a:endParaRPr lang="en-SG" sz="1200" dirty="0">
+                <a:solidFill>
+                  <a:srgbClr val="FFC000"/>
+                </a:solidFill>
+              </a:endParaRPr>
+            </a:p>
+          </p:txBody>
+        </p:sp>
+      </p:grpSp>
+      <p:grpSp>
+        <p:nvGrpSpPr>
+          <p:cNvPr id="42" name="Group 41">
+            <a:extLst>
+              <a:ext uri="{FF2B5EF4-FFF2-40B4-BE49-F238E27FC236}">
+                <a16:creationId xmlns:a16="http://schemas.microsoft.com/office/drawing/2014/main" id="{B9C91654-E14E-4BC1-8843-976ECB18131B}"/>
+              </a:ext>
+            </a:extLst>
+          </p:cNvPr>
+          <p:cNvGrpSpPr/>
+          <p:nvPr/>
+        </p:nvGrpSpPr>
+        <p:grpSpPr>
+          <a:xfrm>
+            <a:off x="181614" y="3449883"/>
+            <a:ext cx="5827029" cy="461665"/>
+            <a:chOff x="181614" y="3716589"/>
+            <a:chExt cx="5827029" cy="461665"/>
+          </a:xfrm>
+        </p:grpSpPr>
+        <p:sp>
+          <p:nvSpPr>
+            <p:cNvPr id="46" name="Rectangle 45">
+              <a:extLst>
+                <a:ext uri="{FF2B5EF4-FFF2-40B4-BE49-F238E27FC236}">
+                  <a16:creationId xmlns:a16="http://schemas.microsoft.com/office/drawing/2014/main" id="{046392F6-712F-4248-819F-5F03FBDBE02B}"/>
+                </a:ext>
+              </a:extLst>
+            </p:cNvPr>
+            <p:cNvSpPr/>
+            <p:nvPr/>
+          </p:nvSpPr>
+          <p:spPr>
+            <a:xfrm>
+              <a:off x="1526181" y="3880858"/>
+              <a:ext cx="4482462" cy="96793"/>
+            </a:xfrm>
+            <a:prstGeom prst="rect">
+              <a:avLst/>
+            </a:prstGeom>
+            <a:noFill/>
+            <a:ln w="9525" cap="flat" cmpd="sng" algn="ctr">
+              <a:solidFill>
+                <a:schemeClr val="dk1"/>
+              </a:solidFill>
+              <a:prstDash val="solid"/>
+              <a:round/>
+              <a:headEnd type="none" w="med" len="med"/>
+              <a:tailEnd type="none" w="med" len="med"/>
+            </a:ln>
+          </p:spPr>
+          <p:style>
+            <a:lnRef idx="0">
+              <a:scrgbClr r="0" g="0" b="0"/>
+            </a:lnRef>
+            <a:fillRef idx="0">
+              <a:scrgbClr r="0" g="0" b="0"/>
+            </a:fillRef>
+            <a:effectRef idx="0">
+              <a:scrgbClr r="0" g="0" b="0"/>
+            </a:effectRef>
+            <a:fontRef idx="minor">
+              <a:schemeClr val="dk1"/>
+            </a:fontRef>
+          </p:style>
+          <p:txBody>
+            <a:bodyPr rtlCol="0" anchor="ctr"/>
+            <a:lstStyle/>
+            <a:p>
+              <a:pPr algn="ctr"/>
+              <a:endParaRPr lang="en-SG"/>
+            </a:p>
+          </p:txBody>
+        </p:sp>
+        <p:sp>
+          <p:nvSpPr>
+            <p:cNvPr id="48" name="Arrow: Left 47">
+              <a:extLst>
+                <a:ext uri="{FF2B5EF4-FFF2-40B4-BE49-F238E27FC236}">
+                  <a16:creationId xmlns:a16="http://schemas.microsoft.com/office/drawing/2014/main" id="{1B3593E0-8F68-41EA-A8FE-5188B0C5C7EA}"/>
+                </a:ext>
+              </a:extLst>
+            </p:cNvPr>
+            <p:cNvSpPr/>
+            <p:nvPr/>
+          </p:nvSpPr>
+          <p:spPr>
+            <a:xfrm>
+              <a:off x="1133943" y="3880858"/>
+              <a:ext cx="348052" cy="96793"/>
+            </a:xfrm>
+            <a:prstGeom prst="leftArrow">
+              <a:avLst/>
+            </a:prstGeom>
+          </p:spPr>
+          <p:style>
+            <a:lnRef idx="2">
+              <a:schemeClr val="dk1">
+                <a:shade val="50000"/>
+              </a:schemeClr>
+            </a:lnRef>
+            <a:fillRef idx="1">
+              <a:schemeClr val="dk1"/>
+            </a:fillRef>
+            <a:effectRef idx="0">
+              <a:schemeClr val="dk1"/>
+            </a:effectRef>
+            <a:fontRef idx="minor">
+              <a:schemeClr val="lt1"/>
+            </a:fontRef>
+          </p:style>
+          <p:txBody>
+            <a:bodyPr rtlCol="0" anchor="ctr"/>
+            <a:lstStyle/>
+            <a:p>
+              <a:pPr algn="ctr"/>
+              <a:endParaRPr lang="en-SG"/>
+            </a:p>
+          </p:txBody>
+        </p:sp>
+        <p:sp>
+          <p:nvSpPr>
+            <p:cNvPr id="49" name="TextBox 48">
+              <a:extLst>
+                <a:ext uri="{FF2B5EF4-FFF2-40B4-BE49-F238E27FC236}">
+                  <a16:creationId xmlns:a16="http://schemas.microsoft.com/office/drawing/2014/main" id="{B179F6A5-F356-4AE0-BE67-A636F79B6560}"/>
+                </a:ext>
+              </a:extLst>
+            </p:cNvPr>
+            <p:cNvSpPr txBox="1"/>
+            <p:nvPr/>
+          </p:nvSpPr>
+          <p:spPr>
+            <a:xfrm>
+              <a:off x="181614" y="3716589"/>
+              <a:ext cx="1014711" cy="461665"/>
+            </a:xfrm>
+            <a:prstGeom prst="rect">
+              <a:avLst/>
+            </a:prstGeom>
+            <a:noFill/>
+          </p:spPr>
+          <p:txBody>
+            <a:bodyPr wrap="square" rtlCol="0">
+              <a:spAutoFit/>
+            </a:bodyPr>
+            <a:lstStyle/>
+            <a:p>
+              <a:pPr algn="ctr"/>
+              <a:r>
+                <a:rPr lang="en-US" sz="1200" dirty="0"/>
+                <a:t>Contribution Bar</a:t>
+              </a:r>
+              <a:endParaRPr lang="en-SG" sz="1200" dirty="0"/>
+            </a:p>
+          </p:txBody>
+        </p:sp>
+      </p:grpSp>
+      <p:grpSp>
+        <p:nvGrpSpPr>
+          <p:cNvPr id="37" name="Group 36">
+            <a:extLst>
+              <a:ext uri="{FF2B5EF4-FFF2-40B4-BE49-F238E27FC236}">
+                <a16:creationId xmlns:a16="http://schemas.microsoft.com/office/drawing/2014/main" id="{40CE11B1-9A6E-4A62-839A-2DCDA1A8D4FF}"/>
+              </a:ext>
+            </a:extLst>
+          </p:cNvPr>
+          <p:cNvGrpSpPr/>
+          <p:nvPr/>
+        </p:nvGrpSpPr>
+        <p:grpSpPr>
+          <a:xfrm>
+            <a:off x="6204585" y="1871638"/>
+            <a:ext cx="3424155" cy="402234"/>
+            <a:chOff x="6202680" y="1735827"/>
+            <a:chExt cx="3424155" cy="402234"/>
+          </a:xfrm>
+        </p:grpSpPr>
+        <p:sp>
+          <p:nvSpPr>
+            <p:cNvPr id="12" name="Arrow: Right 11">
+              <a:extLst>
+                <a:ext uri="{FF2B5EF4-FFF2-40B4-BE49-F238E27FC236}">
+                  <a16:creationId xmlns:a16="http://schemas.microsoft.com/office/drawing/2014/main" id="{88177BEA-4D65-45B7-A56C-6FBD7CF8C471}"/>
+                </a:ext>
+              </a:extLst>
+            </p:cNvPr>
+            <p:cNvSpPr/>
+            <p:nvPr/>
+          </p:nvSpPr>
+          <p:spPr>
+            <a:xfrm rot="21372755">
+              <a:off x="8429466" y="1857407"/>
+              <a:ext cx="402336" cy="121920"/>
+            </a:xfrm>
+            <a:prstGeom prst="rightArrow">
+              <a:avLst/>
+            </a:prstGeom>
+          </p:spPr>
+          <p:style>
+            <a:lnRef idx="2">
+              <a:schemeClr val="accent6">
+                <a:shade val="50000"/>
+              </a:schemeClr>
+            </a:lnRef>
+            <a:fillRef idx="1">
+              <a:schemeClr val="accent6"/>
+            </a:fillRef>
+            <a:effectRef idx="0">
+              <a:schemeClr val="accent6"/>
+            </a:effectRef>
+            <a:fontRef idx="minor">
+              <a:schemeClr val="lt1"/>
+            </a:fontRef>
+          </p:style>
+          <p:txBody>
+            <a:bodyPr rtlCol="0" anchor="ctr"/>
+            <a:lstStyle/>
+            <a:p>
+              <a:pPr algn="ctr"/>
+              <a:endParaRPr lang="en-SG"/>
+            </a:p>
+          </p:txBody>
+        </p:sp>
+        <p:sp>
+          <p:nvSpPr>
+            <p:cNvPr id="13" name="TextBox 12">
+              <a:extLst>
+                <a:ext uri="{FF2B5EF4-FFF2-40B4-BE49-F238E27FC236}">
+                  <a16:creationId xmlns:a16="http://schemas.microsoft.com/office/drawing/2014/main" id="{C135F275-4477-467B-8D51-84AA5700DE35}"/>
+                </a:ext>
+              </a:extLst>
+            </p:cNvPr>
+            <p:cNvSpPr txBox="1"/>
+            <p:nvPr/>
+          </p:nvSpPr>
+          <p:spPr>
+            <a:xfrm>
+              <a:off x="8790433" y="1735827"/>
+              <a:ext cx="836402" cy="276999"/>
+            </a:xfrm>
+            <a:prstGeom prst="rect">
+              <a:avLst/>
+            </a:prstGeom>
+            <a:noFill/>
+          </p:spPr>
+          <p:txBody>
+            <a:bodyPr wrap="square" rtlCol="0">
+              <a:spAutoFit/>
+            </a:bodyPr>
+            <a:lstStyle/>
+            <a:p>
+              <a:r>
+                <a:rPr lang="en-US" sz="1200" dirty="0">
+                  <a:solidFill>
+                    <a:schemeClr val="accent6">
+                      <a:lumMod val="75000"/>
+                    </a:schemeClr>
+                  </a:solidFill>
+                </a:rPr>
+                <a:t>Glob Filter</a:t>
+              </a:r>
+              <a:endParaRPr lang="en-SG" sz="1200" dirty="0">
                 <a:solidFill>
                   <a:schemeClr val="accent6">
                     <a:lumMod val="75000"/>
                   </a:schemeClr>
                 </a:solidFill>
-              </a:rPr>
-              <a:t>Glob Filter</a:t>
-            </a:r>
-            <a:endParaRPr lang="en-SG" sz="1200" dirty="0">
-              <a:solidFill>
-                <a:schemeClr val="accent6">
-                  <a:lumMod val="75000"/>
-                </a:schemeClr>
-              </a:solidFill>
-            </a:endParaRPr>
-          </a:p>
-        </p:txBody>
-      </p:sp>
-      <p:sp>
-        <p:nvSpPr>
-          <p:cNvPr id="16" name="Oval 15">
-            <a:extLst>
-              <a:ext uri="{FF2B5EF4-FFF2-40B4-BE49-F238E27FC236}">
-                <a16:creationId xmlns:a16="http://schemas.microsoft.com/office/drawing/2014/main" id="{0FA3B7FA-4DB5-4EB3-9614-C6246C535AC6}"/>
-              </a:ext>
-            </a:extLst>
-          </p:cNvPr>
-          <p:cNvSpPr/>
-          <p:nvPr/>
-        </p:nvSpPr>
-        <p:spPr>
-          <a:xfrm>
-            <a:off x="8603087" y="3116629"/>
-            <a:ext cx="154341" cy="163314"/>
-          </a:xfrm>
-          <a:prstGeom prst="ellipse">
-            <a:avLst/>
-          </a:prstGeom>
-          <a:noFill/>
-          <a:ln w="9525" cap="flat" cmpd="sng" algn="ctr">
-            <a:solidFill>
-              <a:schemeClr val="accent5"/>
-            </a:solidFill>
-            <a:prstDash val="solid"/>
-            <a:round/>
-            <a:headEnd type="none" w="med" len="med"/>
-            <a:tailEnd type="none" w="med" len="med"/>
-          </a:ln>
-        </p:spPr>
-        <p:style>
-          <a:lnRef idx="0">
-            <a:scrgbClr r="0" g="0" b="0"/>
-          </a:lnRef>
-          <a:fillRef idx="0">
-            <a:scrgbClr r="0" g="0" b="0"/>
-          </a:fillRef>
-          <a:effectRef idx="0">
-            <a:scrgbClr r="0" g="0" b="0"/>
-          </a:effectRef>
-          <a:fontRef idx="minor">
-            <a:schemeClr val="accent5"/>
-          </a:fontRef>
-        </p:style>
-        <p:txBody>
-          <a:bodyPr rtlCol="0" anchor="ctr"/>
-          <a:lstStyle/>
-          <a:p>
-            <a:pPr algn="ctr"/>
-            <a:endParaRPr lang="en-SG"/>
-          </a:p>
-        </p:txBody>
-      </p:sp>
-      <p:sp>
-        <p:nvSpPr>
-          <p:cNvPr id="17" name="TextBox 16">
-            <a:extLst>
-              <a:ext uri="{FF2B5EF4-FFF2-40B4-BE49-F238E27FC236}">
-                <a16:creationId xmlns:a16="http://schemas.microsoft.com/office/drawing/2014/main" id="{0213D02D-4396-4437-B87F-870EECAA3F68}"/>
-              </a:ext>
-            </a:extLst>
-          </p:cNvPr>
-          <p:cNvSpPr txBox="1"/>
-          <p:nvPr/>
-        </p:nvSpPr>
-        <p:spPr>
-          <a:xfrm>
-            <a:off x="8777222" y="2719565"/>
-            <a:ext cx="921278" cy="276999"/>
-          </a:xfrm>
-          <a:prstGeom prst="rect">
-            <a:avLst/>
-          </a:prstGeom>
-          <a:noFill/>
-        </p:spPr>
-        <p:txBody>
-          <a:bodyPr wrap="none" rtlCol="0">
-            <a:spAutoFit/>
-          </a:bodyPr>
-          <a:lstStyle/>
-          <a:p>
-            <a:r>
-              <a:rPr lang="en-US" sz="1200" dirty="0">
-                <a:solidFill>
-                  <a:schemeClr val="accent1"/>
-                </a:solidFill>
-              </a:rPr>
-              <a:t>Blame View</a:t>
-            </a:r>
-            <a:endParaRPr lang="en-SG" sz="1200" dirty="0">
-              <a:solidFill>
-                <a:schemeClr val="accent1"/>
-              </a:solidFill>
-            </a:endParaRPr>
-          </a:p>
-        </p:txBody>
-      </p:sp>
-      <p:sp>
-        <p:nvSpPr>
-          <p:cNvPr id="18" name="Oval 17">
-            <a:extLst>
-              <a:ext uri="{FF2B5EF4-FFF2-40B4-BE49-F238E27FC236}">
-                <a16:creationId xmlns:a16="http://schemas.microsoft.com/office/drawing/2014/main" id="{3698720C-0C2B-463A-B70A-97FF666889C2}"/>
-              </a:ext>
-            </a:extLst>
-          </p:cNvPr>
-          <p:cNvSpPr/>
-          <p:nvPr/>
-        </p:nvSpPr>
-        <p:spPr>
-          <a:xfrm>
-            <a:off x="8448746" y="3115227"/>
-            <a:ext cx="154341" cy="165109"/>
-          </a:xfrm>
-          <a:prstGeom prst="ellipse">
-            <a:avLst/>
-          </a:prstGeom>
-          <a:noFill/>
-          <a:ln w="9525" cap="flat" cmpd="sng" algn="ctr">
-            <a:solidFill>
-              <a:schemeClr val="accent2"/>
-            </a:solidFill>
-            <a:prstDash val="solid"/>
-            <a:round/>
-            <a:headEnd type="none" w="med" len="med"/>
-            <a:tailEnd type="none" w="med" len="med"/>
-          </a:ln>
-        </p:spPr>
-        <p:style>
-          <a:lnRef idx="0">
-            <a:scrgbClr r="0" g="0" b="0"/>
-          </a:lnRef>
-          <a:fillRef idx="0">
-            <a:scrgbClr r="0" g="0" b="0"/>
-          </a:fillRef>
-          <a:effectRef idx="0">
-            <a:scrgbClr r="0" g="0" b="0"/>
-          </a:effectRef>
-          <a:fontRef idx="minor">
-            <a:schemeClr val="accent2"/>
-          </a:fontRef>
-        </p:style>
-        <p:txBody>
-          <a:bodyPr rtlCol="0" anchor="ctr"/>
-          <a:lstStyle/>
-          <a:p>
-            <a:pPr algn="ctr"/>
-            <a:endParaRPr lang="en-SG"/>
-          </a:p>
-        </p:txBody>
-      </p:sp>
-      <p:sp>
-        <p:nvSpPr>
-          <p:cNvPr id="19" name="Arrow: Right 18">
-            <a:extLst>
-              <a:ext uri="{FF2B5EF4-FFF2-40B4-BE49-F238E27FC236}">
-                <a16:creationId xmlns:a16="http://schemas.microsoft.com/office/drawing/2014/main" id="{A85A5DB4-65AD-4483-B496-640C742923A0}"/>
-              </a:ext>
-            </a:extLst>
-          </p:cNvPr>
-          <p:cNvSpPr/>
-          <p:nvPr/>
-        </p:nvSpPr>
-        <p:spPr>
-          <a:xfrm rot="19492286">
-            <a:off x="8747796" y="2993386"/>
-            <a:ext cx="236436" cy="97790"/>
-          </a:xfrm>
-          <a:prstGeom prst="rightArrow">
-            <a:avLst/>
-          </a:prstGeom>
-        </p:spPr>
-        <p:style>
-          <a:lnRef idx="2">
-            <a:schemeClr val="accent1">
-              <a:shade val="50000"/>
-            </a:schemeClr>
-          </a:lnRef>
-          <a:fillRef idx="1">
-            <a:schemeClr val="accent1"/>
-          </a:fillRef>
-          <a:effectRef idx="0">
-            <a:schemeClr val="accent1"/>
-          </a:effectRef>
-          <a:fontRef idx="minor">
-            <a:schemeClr val="lt1"/>
-          </a:fontRef>
-        </p:style>
-        <p:txBody>
-          <a:bodyPr rtlCol="0" anchor="ctr"/>
-          <a:lstStyle/>
-          <a:p>
-            <a:pPr algn="ctr"/>
-            <a:endParaRPr lang="en-SG"/>
-          </a:p>
-        </p:txBody>
-      </p:sp>
-      <p:sp>
-        <p:nvSpPr>
-          <p:cNvPr id="20" name="Arrow: Right 19">
-            <a:extLst>
-              <a:ext uri="{FF2B5EF4-FFF2-40B4-BE49-F238E27FC236}">
-                <a16:creationId xmlns:a16="http://schemas.microsoft.com/office/drawing/2014/main" id="{620CEC16-4148-4C61-AC47-F7DFED9FDB71}"/>
-              </a:ext>
-            </a:extLst>
-          </p:cNvPr>
-          <p:cNvSpPr/>
-          <p:nvPr/>
-        </p:nvSpPr>
-        <p:spPr>
-          <a:xfrm rot="18900000">
-            <a:off x="8286583" y="3318450"/>
-            <a:ext cx="158874" cy="97790"/>
-          </a:xfrm>
-          <a:prstGeom prst="rightArrow">
-            <a:avLst/>
-          </a:prstGeom>
-        </p:spPr>
-        <p:style>
-          <a:lnRef idx="2">
-            <a:schemeClr val="accent2">
-              <a:shade val="50000"/>
-            </a:schemeClr>
-          </a:lnRef>
-          <a:fillRef idx="1">
-            <a:schemeClr val="accent2"/>
-          </a:fillRef>
-          <a:effectRef idx="0">
-            <a:schemeClr val="accent2"/>
-          </a:effectRef>
-          <a:fontRef idx="minor">
-            <a:schemeClr val="lt1"/>
-          </a:fontRef>
-        </p:style>
-        <p:txBody>
-          <a:bodyPr rtlCol="0" anchor="ctr"/>
-          <a:lstStyle/>
-          <a:p>
-            <a:pPr algn="ctr"/>
-            <a:endParaRPr lang="en-SG"/>
-          </a:p>
-        </p:txBody>
-      </p:sp>
-      <p:sp>
-        <p:nvSpPr>
-          <p:cNvPr id="21" name="TextBox 20">
-            <a:extLst>
-              <a:ext uri="{FF2B5EF4-FFF2-40B4-BE49-F238E27FC236}">
-                <a16:creationId xmlns:a16="http://schemas.microsoft.com/office/drawing/2014/main" id="{D1178780-E5C8-40A3-866C-F0D48D349217}"/>
-              </a:ext>
-            </a:extLst>
-          </p:cNvPr>
-          <p:cNvSpPr txBox="1"/>
-          <p:nvPr/>
-        </p:nvSpPr>
-        <p:spPr>
-          <a:xfrm>
-            <a:off x="7475403" y="3406828"/>
-            <a:ext cx="973343" cy="276999"/>
-          </a:xfrm>
-          <a:prstGeom prst="rect">
-            <a:avLst/>
-          </a:prstGeom>
-          <a:noFill/>
-        </p:spPr>
-        <p:txBody>
-          <a:bodyPr wrap="none" rtlCol="0">
-            <a:spAutoFit/>
-          </a:bodyPr>
-          <a:lstStyle/>
-          <a:p>
-            <a:r>
-              <a:rPr lang="en-US" sz="1200" dirty="0">
-                <a:solidFill>
-                  <a:schemeClr val="accent2"/>
-                </a:solidFill>
-              </a:rPr>
-              <a:t>History View</a:t>
-            </a:r>
-            <a:endParaRPr lang="en-SG" sz="1200" dirty="0">
-              <a:solidFill>
-                <a:schemeClr val="accent2"/>
-              </a:solidFill>
-            </a:endParaRPr>
-          </a:p>
-        </p:txBody>
-      </p:sp>
-      <p:sp>
-        <p:nvSpPr>
-          <p:cNvPr id="23" name="Rectangle 22">
-            <a:extLst>
-              <a:ext uri="{FF2B5EF4-FFF2-40B4-BE49-F238E27FC236}">
-                <a16:creationId xmlns:a16="http://schemas.microsoft.com/office/drawing/2014/main" id="{6D6AB3E9-494B-45F6-B9FF-736F40C71E04}"/>
-              </a:ext>
-            </a:extLst>
-          </p:cNvPr>
-          <p:cNvSpPr/>
-          <p:nvPr/>
-        </p:nvSpPr>
-        <p:spPr>
-          <a:xfrm>
-            <a:off x="1443990" y="814386"/>
-            <a:ext cx="4607814" cy="5229225"/>
-          </a:xfrm>
-          <a:prstGeom prst="rect">
-            <a:avLst/>
-          </a:prstGeom>
-          <a:noFill/>
-          <a:ln w="57150" cap="flat" cmpd="sng" algn="ctr">
-            <a:solidFill>
-              <a:schemeClr val="accent1"/>
-            </a:solidFill>
-            <a:prstDash val="solid"/>
-            <a:round/>
-            <a:headEnd type="none" w="med" len="med"/>
-            <a:tailEnd type="none" w="med" len="med"/>
-          </a:ln>
-        </p:spPr>
-        <p:style>
-          <a:lnRef idx="0">
-            <a:scrgbClr r="0" g="0" b="0"/>
-          </a:lnRef>
-          <a:fillRef idx="0">
-            <a:scrgbClr r="0" g="0" b="0"/>
-          </a:fillRef>
-          <a:effectRef idx="0">
-            <a:scrgbClr r="0" g="0" b="0"/>
-          </a:effectRef>
-          <a:fontRef idx="minor">
-            <a:schemeClr val="accent1"/>
-          </a:fontRef>
-        </p:style>
-        <p:txBody>
-          <a:bodyPr rtlCol="0" anchor="ctr"/>
-          <a:lstStyle/>
-          <a:p>
-            <a:pPr algn="ctr"/>
-            <a:endParaRPr lang="en-SG"/>
-          </a:p>
-        </p:txBody>
-      </p:sp>
-      <p:sp>
-        <p:nvSpPr>
-          <p:cNvPr id="22" name="Left Brace 21">
-            <a:extLst>
-              <a:ext uri="{FF2B5EF4-FFF2-40B4-BE49-F238E27FC236}">
-                <a16:creationId xmlns:a16="http://schemas.microsoft.com/office/drawing/2014/main" id="{C4A07B1E-02AC-4689-807B-B2620194B508}"/>
-              </a:ext>
-            </a:extLst>
-          </p:cNvPr>
-          <p:cNvSpPr/>
-          <p:nvPr/>
-        </p:nvSpPr>
-        <p:spPr>
-          <a:xfrm>
-            <a:off x="1343406" y="945870"/>
-            <a:ext cx="516530" cy="869029"/>
-          </a:xfrm>
-          <a:prstGeom prst="leftBrace">
-            <a:avLst>
-              <a:gd name="adj1" fmla="val 14462"/>
-              <a:gd name="adj2" fmla="val 50000"/>
-            </a:avLst>
-          </a:prstGeom>
-        </p:spPr>
-        <p:style>
-          <a:lnRef idx="3">
-            <a:schemeClr val="accent6"/>
-          </a:lnRef>
-          <a:fillRef idx="0">
-            <a:schemeClr val="accent6"/>
-          </a:fillRef>
-          <a:effectRef idx="2">
-            <a:schemeClr val="accent6"/>
-          </a:effectRef>
-          <a:fontRef idx="minor">
-            <a:schemeClr val="tx1"/>
-          </a:fontRef>
-        </p:style>
-        <p:txBody>
-          <a:bodyPr rtlCol="0" anchor="ctr"/>
-          <a:lstStyle/>
-          <a:p>
-            <a:pPr algn="ctr"/>
-            <a:endParaRPr lang="en-SG"/>
-          </a:p>
-        </p:txBody>
-      </p:sp>
-      <p:sp>
-        <p:nvSpPr>
-          <p:cNvPr id="24" name="TextBox 23">
-            <a:extLst>
-              <a:ext uri="{FF2B5EF4-FFF2-40B4-BE49-F238E27FC236}">
-                <a16:creationId xmlns:a16="http://schemas.microsoft.com/office/drawing/2014/main" id="{ACDC6C00-2DF8-42EF-B108-6D30BD3CBE76}"/>
-              </a:ext>
-            </a:extLst>
-          </p:cNvPr>
-          <p:cNvSpPr txBox="1"/>
-          <p:nvPr/>
-        </p:nvSpPr>
-        <p:spPr>
-          <a:xfrm>
-            <a:off x="569214" y="1222349"/>
-            <a:ext cx="723900" cy="276999"/>
-          </a:xfrm>
-          <a:prstGeom prst="rect">
-            <a:avLst/>
-          </a:prstGeom>
-          <a:noFill/>
-        </p:spPr>
-        <p:txBody>
-          <a:bodyPr wrap="square" rtlCol="0">
-            <a:spAutoFit/>
-          </a:bodyPr>
-          <a:lstStyle/>
-          <a:p>
-            <a:pPr algn="ctr"/>
-            <a:r>
-              <a:rPr lang="en-US" sz="1200" dirty="0">
-                <a:solidFill>
-                  <a:schemeClr val="accent6"/>
-                </a:solidFill>
-              </a:rPr>
-              <a:t>Toolbar</a:t>
-            </a:r>
-          </a:p>
-        </p:txBody>
-      </p:sp>
-      <p:sp>
-        <p:nvSpPr>
-          <p:cNvPr id="25" name="Rectangle 24">
-            <a:extLst>
-              <a:ext uri="{FF2B5EF4-FFF2-40B4-BE49-F238E27FC236}">
-                <a16:creationId xmlns:a16="http://schemas.microsoft.com/office/drawing/2014/main" id="{38234176-8BB8-4114-96C5-171C66ECDE3F}"/>
-              </a:ext>
-            </a:extLst>
-          </p:cNvPr>
-          <p:cNvSpPr/>
-          <p:nvPr/>
-        </p:nvSpPr>
-        <p:spPr>
-          <a:xfrm>
-            <a:off x="1859936" y="945870"/>
-            <a:ext cx="3706363" cy="869029"/>
-          </a:xfrm>
-          <a:prstGeom prst="rect">
-            <a:avLst/>
-          </a:prstGeom>
-          <a:noFill/>
-          <a:ln w="9525" cap="flat" cmpd="sng" algn="ctr">
-            <a:solidFill>
-              <a:schemeClr val="accent6"/>
-            </a:solidFill>
-            <a:prstDash val="solid"/>
-            <a:round/>
-            <a:headEnd type="none" w="med" len="med"/>
-            <a:tailEnd type="none" w="med" len="med"/>
-          </a:ln>
-        </p:spPr>
-        <p:style>
-          <a:lnRef idx="0">
-            <a:scrgbClr r="0" g="0" b="0"/>
-          </a:lnRef>
-          <a:fillRef idx="0">
-            <a:scrgbClr r="0" g="0" b="0"/>
-          </a:fillRef>
-          <a:effectRef idx="0">
-            <a:scrgbClr r="0" g="0" b="0"/>
-          </a:effectRef>
-          <a:fontRef idx="minor">
-            <a:schemeClr val="accent6"/>
-          </a:fontRef>
-        </p:style>
-        <p:txBody>
-          <a:bodyPr rtlCol="0" anchor="ctr"/>
-          <a:lstStyle/>
-          <a:p>
-            <a:pPr algn="ctr"/>
-            <a:endParaRPr lang="en-SG"/>
-          </a:p>
-        </p:txBody>
-      </p:sp>
-      <p:sp>
-        <p:nvSpPr>
-          <p:cNvPr id="26" name="Oval 25">
-            <a:extLst>
-              <a:ext uri="{FF2B5EF4-FFF2-40B4-BE49-F238E27FC236}">
-                <a16:creationId xmlns:a16="http://schemas.microsoft.com/office/drawing/2014/main" id="{1173C975-EBB3-439F-8872-826D3DAF91EB}"/>
-              </a:ext>
-            </a:extLst>
-          </p:cNvPr>
-          <p:cNvSpPr/>
-          <p:nvPr/>
-        </p:nvSpPr>
-        <p:spPr>
-          <a:xfrm>
-            <a:off x="2464522" y="2454206"/>
-            <a:ext cx="142875" cy="133350"/>
-          </a:xfrm>
-          <a:prstGeom prst="ellipse">
-            <a:avLst/>
-          </a:prstGeom>
-          <a:noFill/>
-          <a:ln w="9525" cap="flat" cmpd="sng" algn="ctr">
-            <a:solidFill>
-              <a:schemeClr val="accent2"/>
-            </a:solidFill>
-            <a:prstDash val="solid"/>
-            <a:round/>
-            <a:headEnd type="none" w="med" len="med"/>
-            <a:tailEnd type="none" w="med" len="med"/>
-          </a:ln>
-        </p:spPr>
-        <p:style>
-          <a:lnRef idx="0">
-            <a:scrgbClr r="0" g="0" b="0"/>
-          </a:lnRef>
-          <a:fillRef idx="0">
-            <a:scrgbClr r="0" g="0" b="0"/>
-          </a:fillRef>
-          <a:effectRef idx="0">
-            <a:scrgbClr r="0" g="0" b="0"/>
-          </a:effectRef>
-          <a:fontRef idx="minor">
-            <a:schemeClr val="accent2"/>
-          </a:fontRef>
-        </p:style>
-        <p:txBody>
-          <a:bodyPr rtlCol="0" anchor="ctr"/>
-          <a:lstStyle/>
-          <a:p>
-            <a:pPr algn="ctr"/>
-            <a:endParaRPr lang="en-SG"/>
-          </a:p>
-        </p:txBody>
-      </p:sp>
-      <p:sp>
-        <p:nvSpPr>
-          <p:cNvPr id="27" name="Arrow: Right 26">
-            <a:extLst>
-              <a:ext uri="{FF2B5EF4-FFF2-40B4-BE49-F238E27FC236}">
-                <a16:creationId xmlns:a16="http://schemas.microsoft.com/office/drawing/2014/main" id="{A58405F1-EAAD-4099-A00D-F41C9263239F}"/>
-              </a:ext>
-            </a:extLst>
-          </p:cNvPr>
-          <p:cNvSpPr/>
-          <p:nvPr/>
-        </p:nvSpPr>
-        <p:spPr>
-          <a:xfrm rot="21204583">
-            <a:off x="2661847" y="2453845"/>
-            <a:ext cx="142378" cy="66676"/>
-          </a:xfrm>
-          <a:prstGeom prst="rightArrow">
-            <a:avLst/>
-          </a:prstGeom>
-        </p:spPr>
-        <p:style>
-          <a:lnRef idx="2">
-            <a:schemeClr val="accent2">
-              <a:shade val="50000"/>
-            </a:schemeClr>
-          </a:lnRef>
-          <a:fillRef idx="1">
-            <a:schemeClr val="accent2"/>
-          </a:fillRef>
-          <a:effectRef idx="0">
-            <a:schemeClr val="accent2"/>
-          </a:effectRef>
-          <a:fontRef idx="minor">
-            <a:schemeClr val="lt1"/>
-          </a:fontRef>
-        </p:style>
-        <p:txBody>
-          <a:bodyPr rtlCol="0" anchor="ctr"/>
-          <a:lstStyle/>
-          <a:p>
-            <a:pPr algn="ctr"/>
-            <a:endParaRPr lang="en-SG"/>
-          </a:p>
-        </p:txBody>
-      </p:sp>
-      <p:sp>
-        <p:nvSpPr>
-          <p:cNvPr id="28" name="TextBox 27">
-            <a:extLst>
-              <a:ext uri="{FF2B5EF4-FFF2-40B4-BE49-F238E27FC236}">
-                <a16:creationId xmlns:a16="http://schemas.microsoft.com/office/drawing/2014/main" id="{34AE8672-B518-45E4-9DE5-A05EE9D1C6F3}"/>
-              </a:ext>
-            </a:extLst>
-          </p:cNvPr>
-          <p:cNvSpPr txBox="1"/>
-          <p:nvPr/>
-        </p:nvSpPr>
-        <p:spPr>
-          <a:xfrm>
-            <a:off x="2760090" y="2361561"/>
-            <a:ext cx="1400175" cy="246221"/>
-          </a:xfrm>
-          <a:prstGeom prst="rect">
-            <a:avLst/>
-          </a:prstGeom>
-          <a:noFill/>
-        </p:spPr>
-        <p:txBody>
-          <a:bodyPr wrap="square" rtlCol="0">
-            <a:spAutoFit/>
-          </a:bodyPr>
-          <a:lstStyle/>
-          <a:p>
-            <a:r>
-              <a:rPr lang="en-US" sz="1000" dirty="0">
-                <a:solidFill>
-                  <a:schemeClr val="accent2"/>
-                </a:solidFill>
-              </a:rPr>
-              <a:t>Link to repository</a:t>
-            </a:r>
-            <a:endParaRPr lang="en-SG" sz="1000" dirty="0">
-              <a:solidFill>
-                <a:schemeClr val="accent2"/>
-              </a:solidFill>
-            </a:endParaRPr>
-          </a:p>
-        </p:txBody>
-      </p:sp>
-      <p:sp>
-        <p:nvSpPr>
-          <p:cNvPr id="29" name="Oval 28">
-            <a:extLst>
-              <a:ext uri="{FF2B5EF4-FFF2-40B4-BE49-F238E27FC236}">
-                <a16:creationId xmlns:a16="http://schemas.microsoft.com/office/drawing/2014/main" id="{2206B7BC-33E8-473B-84CD-DA37BCD06CDF}"/>
-              </a:ext>
-            </a:extLst>
-          </p:cNvPr>
-          <p:cNvSpPr/>
-          <p:nvPr/>
-        </p:nvSpPr>
-        <p:spPr>
-          <a:xfrm>
-            <a:off x="2230032" y="3000667"/>
-            <a:ext cx="130499" cy="133350"/>
-          </a:xfrm>
-          <a:prstGeom prst="ellipse">
-            <a:avLst/>
-          </a:prstGeom>
-          <a:noFill/>
-          <a:ln w="9525" cap="flat" cmpd="sng" algn="ctr">
-            <a:solidFill>
-              <a:schemeClr val="accent6"/>
-            </a:solidFill>
-            <a:prstDash val="solid"/>
-            <a:round/>
-            <a:headEnd type="none" w="med" len="med"/>
-            <a:tailEnd type="none" w="med" len="med"/>
-          </a:ln>
-        </p:spPr>
-        <p:style>
-          <a:lnRef idx="0">
-            <a:scrgbClr r="0" g="0" b="0"/>
-          </a:lnRef>
-          <a:fillRef idx="0">
-            <a:scrgbClr r="0" g="0" b="0"/>
-          </a:fillRef>
-          <a:effectRef idx="0">
-            <a:scrgbClr r="0" g="0" b="0"/>
-          </a:effectRef>
-          <a:fontRef idx="minor">
-            <a:schemeClr val="accent6"/>
-          </a:fontRef>
-        </p:style>
-        <p:txBody>
-          <a:bodyPr rtlCol="0" anchor="ctr"/>
-          <a:lstStyle/>
-          <a:p>
-            <a:pPr algn="ctr"/>
-            <a:endParaRPr lang="en-SG"/>
-          </a:p>
-        </p:txBody>
-      </p:sp>
-      <p:sp>
-        <p:nvSpPr>
-          <p:cNvPr id="30" name="Arrow: Bent 29">
-            <a:extLst>
-              <a:ext uri="{FF2B5EF4-FFF2-40B4-BE49-F238E27FC236}">
-                <a16:creationId xmlns:a16="http://schemas.microsoft.com/office/drawing/2014/main" id="{DFCFA230-CA83-4084-9F6D-71E51B2037DE}"/>
-              </a:ext>
-            </a:extLst>
-          </p:cNvPr>
-          <p:cNvSpPr/>
-          <p:nvPr/>
-        </p:nvSpPr>
-        <p:spPr>
-          <a:xfrm>
-            <a:off x="2281147" y="2943385"/>
-            <a:ext cx="243840" cy="62865"/>
-          </a:xfrm>
-          <a:prstGeom prst="bentArrow">
-            <a:avLst>
-              <a:gd name="adj1" fmla="val 25000"/>
-              <a:gd name="adj2" fmla="val 26516"/>
-              <a:gd name="adj3" fmla="val 25000"/>
-              <a:gd name="adj4" fmla="val 43750"/>
-            </a:avLst>
-          </a:prstGeom>
-        </p:spPr>
-        <p:style>
-          <a:lnRef idx="2">
-            <a:schemeClr val="accent6">
-              <a:shade val="50000"/>
-            </a:schemeClr>
-          </a:lnRef>
-          <a:fillRef idx="1">
-            <a:schemeClr val="accent6"/>
-          </a:fillRef>
-          <a:effectRef idx="0">
-            <a:schemeClr val="accent6"/>
-          </a:effectRef>
-          <a:fontRef idx="minor">
-            <a:schemeClr val="lt1"/>
-          </a:fontRef>
-        </p:style>
-        <p:txBody>
-          <a:bodyPr rtlCol="0" anchor="ctr"/>
-          <a:lstStyle/>
-          <a:p>
-            <a:pPr algn="ctr"/>
-            <a:endParaRPr lang="en-SG">
-              <a:solidFill>
-                <a:schemeClr val="tx1"/>
-              </a:solidFill>
-            </a:endParaRPr>
-          </a:p>
-        </p:txBody>
-      </p:sp>
-      <p:sp>
-        <p:nvSpPr>
-          <p:cNvPr id="31" name="TextBox 30">
-            <a:extLst>
-              <a:ext uri="{FF2B5EF4-FFF2-40B4-BE49-F238E27FC236}">
-                <a16:creationId xmlns:a16="http://schemas.microsoft.com/office/drawing/2014/main" id="{FD5681D1-EF5F-4AB0-9C45-DF91004DFCC2}"/>
-              </a:ext>
-            </a:extLst>
-          </p:cNvPr>
-          <p:cNvSpPr txBox="1"/>
-          <p:nvPr/>
-        </p:nvSpPr>
-        <p:spPr>
-          <a:xfrm>
-            <a:off x="2493500" y="2870443"/>
-            <a:ext cx="1902143" cy="246221"/>
-          </a:xfrm>
-          <a:prstGeom prst="rect">
-            <a:avLst/>
-          </a:prstGeom>
-          <a:noFill/>
-        </p:spPr>
-        <p:txBody>
-          <a:bodyPr wrap="square" rtlCol="0">
-            <a:spAutoFit/>
-          </a:bodyPr>
-          <a:lstStyle/>
-          <a:p>
-            <a:r>
-              <a:rPr lang="en-US" sz="1000" dirty="0">
-                <a:solidFill>
-                  <a:schemeClr val="accent6"/>
-                </a:solidFill>
-              </a:rPr>
-              <a:t>View author’s committed codes</a:t>
-            </a:r>
-            <a:endParaRPr lang="en-SG" sz="1000" dirty="0">
+              </a:endParaRPr>
+            </a:p>
+          </p:txBody>
+        </p:sp>
+        <p:sp>
+          <p:nvSpPr>
+            <p:cNvPr id="50" name="Rectangle 49">
+              <a:extLst>
+                <a:ext uri="{FF2B5EF4-FFF2-40B4-BE49-F238E27FC236}">
+                  <a16:creationId xmlns:a16="http://schemas.microsoft.com/office/drawing/2014/main" id="{66E4832A-82B6-4ACE-88A2-1FC6DCF2CED8}"/>
+                </a:ext>
+              </a:extLst>
+            </p:cNvPr>
+            <p:cNvSpPr/>
+            <p:nvPr/>
+          </p:nvSpPr>
+          <p:spPr>
+            <a:xfrm>
+              <a:off x="6202680" y="1861062"/>
+              <a:ext cx="2151751" cy="276999"/>
+            </a:xfrm>
+            <a:prstGeom prst="rect">
+              <a:avLst/>
+            </a:prstGeom>
+            <a:noFill/>
+            <a:ln w="19050" cap="flat" cmpd="sng" algn="ctr">
               <a:solidFill>
                 <a:schemeClr val="accent6"/>
               </a:solidFill>
-            </a:endParaRPr>
-          </a:p>
-        </p:txBody>
-      </p:sp>
-      <p:sp>
-        <p:nvSpPr>
-          <p:cNvPr id="32" name="Rectangle 31">
-            <a:extLst>
-              <a:ext uri="{FF2B5EF4-FFF2-40B4-BE49-F238E27FC236}">
-                <a16:creationId xmlns:a16="http://schemas.microsoft.com/office/drawing/2014/main" id="{78349196-1F24-461D-AD8C-4AD1D6A0E5B6}"/>
-              </a:ext>
-            </a:extLst>
-          </p:cNvPr>
-          <p:cNvSpPr/>
-          <p:nvPr/>
-        </p:nvSpPr>
-        <p:spPr>
-          <a:xfrm>
-            <a:off x="6204585" y="814386"/>
-            <a:ext cx="4547616" cy="5229225"/>
-          </a:xfrm>
-          <a:prstGeom prst="rect">
-            <a:avLst/>
-          </a:prstGeom>
-          <a:noFill/>
-          <a:ln w="57150" cap="flat" cmpd="sng" algn="ctr">
-            <a:solidFill>
-              <a:schemeClr val="accent2"/>
-            </a:solidFill>
-            <a:prstDash val="solid"/>
-            <a:round/>
-            <a:headEnd type="none" w="med" len="med"/>
-            <a:tailEnd type="none" w="med" len="med"/>
-          </a:ln>
-        </p:spPr>
-        <p:style>
-          <a:lnRef idx="0">
-            <a:scrgbClr r="0" g="0" b="0"/>
-          </a:lnRef>
-          <a:fillRef idx="0">
-            <a:scrgbClr r="0" g="0" b="0"/>
-          </a:fillRef>
-          <a:effectRef idx="0">
-            <a:scrgbClr r="0" g="0" b="0"/>
-          </a:effectRef>
-          <a:fontRef idx="minor">
-            <a:schemeClr val="accent1"/>
-          </a:fontRef>
-        </p:style>
-        <p:txBody>
-          <a:bodyPr rtlCol="0" anchor="ctr"/>
-          <a:lstStyle/>
-          <a:p>
-            <a:pPr algn="ctr"/>
-            <a:endParaRPr lang="en-SG"/>
-          </a:p>
-        </p:txBody>
-      </p:sp>
-      <p:sp>
-        <p:nvSpPr>
-          <p:cNvPr id="33" name="Rectangle 32">
-            <a:extLst>
-              <a:ext uri="{FF2B5EF4-FFF2-40B4-BE49-F238E27FC236}">
-                <a16:creationId xmlns:a16="http://schemas.microsoft.com/office/drawing/2014/main" id="{0C689E94-04DA-4405-AE79-8BC095FCC283}"/>
-              </a:ext>
-            </a:extLst>
-          </p:cNvPr>
-          <p:cNvSpPr/>
-          <p:nvPr/>
-        </p:nvSpPr>
-        <p:spPr>
-          <a:xfrm>
-            <a:off x="1504949" y="2067663"/>
-            <a:ext cx="4482463" cy="276999"/>
-          </a:xfrm>
-          <a:prstGeom prst="rect">
-            <a:avLst/>
-          </a:prstGeom>
-          <a:noFill/>
-          <a:ln w="28575" cap="flat" cmpd="sng" algn="ctr">
-            <a:solidFill>
-              <a:srgbClr val="A401FF"/>
-            </a:solidFill>
-            <a:prstDash val="solid"/>
-            <a:round/>
-            <a:headEnd type="none" w="med" len="med"/>
-            <a:tailEnd type="none" w="med" len="med"/>
-          </a:ln>
-        </p:spPr>
-        <p:style>
-          <a:lnRef idx="0">
-            <a:scrgbClr r="0" g="0" b="0"/>
-          </a:lnRef>
-          <a:fillRef idx="0">
-            <a:scrgbClr r="0" g="0" b="0"/>
-          </a:fillRef>
-          <a:effectRef idx="0">
-            <a:scrgbClr r="0" g="0" b="0"/>
-          </a:effectRef>
-          <a:fontRef idx="minor">
-            <a:schemeClr val="accent4"/>
-          </a:fontRef>
-        </p:style>
-        <p:txBody>
-          <a:bodyPr rtlCol="0" anchor="ctr"/>
-          <a:lstStyle/>
-          <a:p>
-            <a:pPr algn="ctr"/>
-            <a:endParaRPr lang="en-SG"/>
-          </a:p>
-        </p:txBody>
-      </p:sp>
-      <p:sp>
-        <p:nvSpPr>
-          <p:cNvPr id="34" name="Left Brace 33">
-            <a:extLst>
-              <a:ext uri="{FF2B5EF4-FFF2-40B4-BE49-F238E27FC236}">
-                <a16:creationId xmlns:a16="http://schemas.microsoft.com/office/drawing/2014/main" id="{222FAE24-7A73-4290-9FB2-3A3528D6EBA2}"/>
-              </a:ext>
-            </a:extLst>
-          </p:cNvPr>
-          <p:cNvSpPr/>
-          <p:nvPr/>
-        </p:nvSpPr>
-        <p:spPr>
-          <a:xfrm>
-            <a:off x="1098796" y="2084176"/>
-            <a:ext cx="348052" cy="237053"/>
-          </a:xfrm>
-          <a:prstGeom prst="leftBrace">
-            <a:avLst/>
-          </a:prstGeom>
-          <a:ln w="19050">
-            <a:solidFill>
-              <a:srgbClr val="A401FF"/>
-            </a:solidFill>
-          </a:ln>
-        </p:spPr>
-        <p:style>
-          <a:lnRef idx="1">
-            <a:schemeClr val="accent1"/>
-          </a:lnRef>
-          <a:fillRef idx="0">
-            <a:schemeClr val="accent1"/>
-          </a:fillRef>
-          <a:effectRef idx="0">
-            <a:schemeClr val="accent1"/>
-          </a:effectRef>
-          <a:fontRef idx="minor">
-            <a:schemeClr val="tx1"/>
-          </a:fontRef>
-        </p:style>
-        <p:txBody>
-          <a:bodyPr rtlCol="0" anchor="ctr"/>
-          <a:lstStyle/>
-          <a:p>
-            <a:pPr algn="ctr"/>
-            <a:endParaRPr lang="en-SG"/>
-          </a:p>
-        </p:txBody>
-      </p:sp>
-      <p:sp>
-        <p:nvSpPr>
-          <p:cNvPr id="35" name="TextBox 34">
-            <a:extLst>
-              <a:ext uri="{FF2B5EF4-FFF2-40B4-BE49-F238E27FC236}">
-                <a16:creationId xmlns:a16="http://schemas.microsoft.com/office/drawing/2014/main" id="{EF436BD1-46E2-4EB0-8C8E-A61FF6951C31}"/>
-              </a:ext>
-            </a:extLst>
-          </p:cNvPr>
-          <p:cNvSpPr txBox="1"/>
-          <p:nvPr/>
-        </p:nvSpPr>
-        <p:spPr>
-          <a:xfrm>
-            <a:off x="460520" y="1991112"/>
-            <a:ext cx="723900" cy="461665"/>
-          </a:xfrm>
-          <a:prstGeom prst="rect">
-            <a:avLst/>
-          </a:prstGeom>
-          <a:noFill/>
-        </p:spPr>
-        <p:txBody>
-          <a:bodyPr wrap="square" rtlCol="0">
-            <a:spAutoFit/>
-          </a:bodyPr>
-          <a:lstStyle/>
-          <a:p>
-            <a:pPr algn="ctr"/>
-            <a:r>
-              <a:rPr lang="en-US" sz="1200" dirty="0">
-                <a:solidFill>
-                  <a:srgbClr val="7030A0"/>
-                </a:solidFill>
-              </a:rPr>
-              <a:t>Ramp Chart</a:t>
-            </a:r>
-          </a:p>
-        </p:txBody>
-      </p:sp>
-      <p:cxnSp>
-        <p:nvCxnSpPr>
-          <p:cNvPr id="39" name="Straight Arrow Connector 38">
-            <a:extLst>
-              <a:ext uri="{FF2B5EF4-FFF2-40B4-BE49-F238E27FC236}">
-                <a16:creationId xmlns:a16="http://schemas.microsoft.com/office/drawing/2014/main" id="{B342102E-EAF2-4DC0-B960-4F7846016550}"/>
-              </a:ext>
-            </a:extLst>
-          </p:cNvPr>
-          <p:cNvCxnSpPr>
-            <a:cxnSpLocks/>
-          </p:cNvCxnSpPr>
-          <p:nvPr/>
-        </p:nvCxnSpPr>
-        <p:spPr>
-          <a:xfrm flipV="1">
-            <a:off x="4181285" y="3764584"/>
-            <a:ext cx="291556" cy="382919"/>
-          </a:xfrm>
-          <a:prstGeom prst="straightConnector1">
-            <a:avLst/>
-          </a:prstGeom>
-          <a:ln>
-            <a:tailEnd type="triangle"/>
-          </a:ln>
-        </p:spPr>
-        <p:style>
-          <a:lnRef idx="3">
-            <a:schemeClr val="accent4"/>
-          </a:lnRef>
-          <a:fillRef idx="0">
-            <a:schemeClr val="accent4"/>
-          </a:fillRef>
-          <a:effectRef idx="2">
-            <a:schemeClr val="accent4"/>
-          </a:effectRef>
-          <a:fontRef idx="minor">
-            <a:schemeClr val="tx1"/>
-          </a:fontRef>
-        </p:style>
-      </p:cxnSp>
-      <p:cxnSp>
-        <p:nvCxnSpPr>
-          <p:cNvPr id="41" name="Straight Arrow Connector 40">
-            <a:extLst>
-              <a:ext uri="{FF2B5EF4-FFF2-40B4-BE49-F238E27FC236}">
-                <a16:creationId xmlns:a16="http://schemas.microsoft.com/office/drawing/2014/main" id="{54A0E17B-CC65-450A-8DA3-6E665798ACA3}"/>
-              </a:ext>
-            </a:extLst>
-          </p:cNvPr>
-          <p:cNvCxnSpPr>
-            <a:cxnSpLocks/>
-          </p:cNvCxnSpPr>
-          <p:nvPr/>
-        </p:nvCxnSpPr>
-        <p:spPr>
-          <a:xfrm flipV="1">
-            <a:off x="4623058" y="3764584"/>
-            <a:ext cx="0" cy="389178"/>
-          </a:xfrm>
-          <a:prstGeom prst="straightConnector1">
-            <a:avLst/>
-          </a:prstGeom>
-          <a:ln>
-            <a:tailEnd type="triangle"/>
-          </a:ln>
-        </p:spPr>
-        <p:style>
-          <a:lnRef idx="3">
-            <a:schemeClr val="accent4"/>
-          </a:lnRef>
-          <a:fillRef idx="0">
-            <a:schemeClr val="accent4"/>
-          </a:fillRef>
-          <a:effectRef idx="2">
-            <a:schemeClr val="accent4"/>
-          </a:effectRef>
-          <a:fontRef idx="minor">
-            <a:schemeClr val="tx1"/>
-          </a:fontRef>
-        </p:style>
-      </p:cxnSp>
-      <p:cxnSp>
-        <p:nvCxnSpPr>
-          <p:cNvPr id="43" name="Straight Arrow Connector 42">
-            <a:extLst>
-              <a:ext uri="{FF2B5EF4-FFF2-40B4-BE49-F238E27FC236}">
-                <a16:creationId xmlns:a16="http://schemas.microsoft.com/office/drawing/2014/main" id="{859A842E-D51F-4106-BF0A-90048A2FAC0A}"/>
-              </a:ext>
-            </a:extLst>
-          </p:cNvPr>
-          <p:cNvCxnSpPr>
-            <a:cxnSpLocks/>
-          </p:cNvCxnSpPr>
-          <p:nvPr/>
-        </p:nvCxnSpPr>
-        <p:spPr>
-          <a:xfrm flipH="1" flipV="1">
-            <a:off x="4731644" y="3764584"/>
-            <a:ext cx="297080" cy="405596"/>
-          </a:xfrm>
-          <a:prstGeom prst="straightConnector1">
-            <a:avLst/>
-          </a:prstGeom>
-          <a:ln>
-            <a:tailEnd type="triangle"/>
-          </a:ln>
-        </p:spPr>
-        <p:style>
-          <a:lnRef idx="3">
-            <a:schemeClr val="accent4"/>
-          </a:lnRef>
-          <a:fillRef idx="0">
-            <a:schemeClr val="accent4"/>
-          </a:fillRef>
-          <a:effectRef idx="2">
-            <a:schemeClr val="accent4"/>
-          </a:effectRef>
-          <a:fontRef idx="minor">
-            <a:schemeClr val="tx1"/>
-          </a:fontRef>
-        </p:style>
-      </p:cxnSp>
-      <p:sp>
-        <p:nvSpPr>
-          <p:cNvPr id="44" name="TextBox 43">
-            <a:extLst>
-              <a:ext uri="{FF2B5EF4-FFF2-40B4-BE49-F238E27FC236}">
-                <a16:creationId xmlns:a16="http://schemas.microsoft.com/office/drawing/2014/main" id="{4DB4692F-5627-4F26-AA17-560705B6CBA1}"/>
-              </a:ext>
-            </a:extLst>
-          </p:cNvPr>
-          <p:cNvSpPr txBox="1"/>
-          <p:nvPr/>
-        </p:nvSpPr>
-        <p:spPr>
-          <a:xfrm>
-            <a:off x="4319174" y="3497779"/>
-            <a:ext cx="1019826" cy="276999"/>
-          </a:xfrm>
-          <a:prstGeom prst="rect">
-            <a:avLst/>
-          </a:prstGeom>
-          <a:noFill/>
-        </p:spPr>
-        <p:txBody>
-          <a:bodyPr wrap="square" rtlCol="0">
-            <a:spAutoFit/>
-          </a:bodyPr>
-          <a:lstStyle/>
-          <a:p>
-            <a:r>
-              <a:rPr lang="en-US" sz="1200" dirty="0">
-                <a:solidFill>
-                  <a:srgbClr val="FFC000"/>
-                </a:solidFill>
-              </a:rPr>
-              <a:t>Ramps</a:t>
-            </a:r>
-            <a:endParaRPr lang="en-SG" sz="1200" dirty="0">
-              <a:solidFill>
-                <a:srgbClr val="FFC000"/>
-              </a:solidFill>
-            </a:endParaRPr>
-          </a:p>
-        </p:txBody>
-      </p:sp>
-      <p:sp>
-        <p:nvSpPr>
-          <p:cNvPr id="46" name="Rectangle 45">
-            <a:extLst>
-              <a:ext uri="{FF2B5EF4-FFF2-40B4-BE49-F238E27FC236}">
-                <a16:creationId xmlns:a16="http://schemas.microsoft.com/office/drawing/2014/main" id="{046392F6-712F-4248-819F-5F03FBDBE02B}"/>
-              </a:ext>
-            </a:extLst>
-          </p:cNvPr>
-          <p:cNvSpPr/>
-          <p:nvPr/>
-        </p:nvSpPr>
-        <p:spPr>
-          <a:xfrm>
-            <a:off x="1526181" y="3880858"/>
-            <a:ext cx="4482462" cy="96793"/>
-          </a:xfrm>
-          <a:prstGeom prst="rect">
-            <a:avLst/>
-          </a:prstGeom>
-          <a:noFill/>
-          <a:ln w="9525" cap="flat" cmpd="sng" algn="ctr">
-            <a:solidFill>
-              <a:schemeClr val="dk1"/>
-            </a:solidFill>
-            <a:prstDash val="solid"/>
-            <a:round/>
-            <a:headEnd type="none" w="med" len="med"/>
-            <a:tailEnd type="none" w="med" len="med"/>
-          </a:ln>
-        </p:spPr>
-        <p:style>
-          <a:lnRef idx="0">
-            <a:scrgbClr r="0" g="0" b="0"/>
-          </a:lnRef>
-          <a:fillRef idx="0">
-            <a:scrgbClr r="0" g="0" b="0"/>
-          </a:fillRef>
-          <a:effectRef idx="0">
-            <a:scrgbClr r="0" g="0" b="0"/>
-          </a:effectRef>
-          <a:fontRef idx="minor">
-            <a:schemeClr val="dk1"/>
-          </a:fontRef>
-        </p:style>
-        <p:txBody>
-          <a:bodyPr rtlCol="0" anchor="ctr"/>
-          <a:lstStyle/>
-          <a:p>
-            <a:pPr algn="ctr"/>
-            <a:endParaRPr lang="en-SG"/>
-          </a:p>
-        </p:txBody>
-      </p:sp>
-      <p:sp>
-        <p:nvSpPr>
-          <p:cNvPr id="48" name="Arrow: Left 47">
-            <a:extLst>
-              <a:ext uri="{FF2B5EF4-FFF2-40B4-BE49-F238E27FC236}">
-                <a16:creationId xmlns:a16="http://schemas.microsoft.com/office/drawing/2014/main" id="{1B3593E0-8F68-41EA-A8FE-5188B0C5C7EA}"/>
-              </a:ext>
-            </a:extLst>
-          </p:cNvPr>
-          <p:cNvSpPr/>
-          <p:nvPr/>
-        </p:nvSpPr>
-        <p:spPr>
-          <a:xfrm>
-            <a:off x="1133943" y="3880858"/>
-            <a:ext cx="348052" cy="96793"/>
-          </a:xfrm>
-          <a:prstGeom prst="leftArrow">
-            <a:avLst/>
-          </a:prstGeom>
-        </p:spPr>
-        <p:style>
-          <a:lnRef idx="2">
-            <a:schemeClr val="dk1">
-              <a:shade val="50000"/>
-            </a:schemeClr>
-          </a:lnRef>
-          <a:fillRef idx="1">
-            <a:schemeClr val="dk1"/>
-          </a:fillRef>
-          <a:effectRef idx="0">
-            <a:schemeClr val="dk1"/>
-          </a:effectRef>
-          <a:fontRef idx="minor">
-            <a:schemeClr val="lt1"/>
-          </a:fontRef>
-        </p:style>
-        <p:txBody>
-          <a:bodyPr rtlCol="0" anchor="ctr"/>
-          <a:lstStyle/>
-          <a:p>
-            <a:pPr algn="ctr"/>
-            <a:endParaRPr lang="en-SG"/>
-          </a:p>
-        </p:txBody>
-      </p:sp>
-      <p:sp>
-        <p:nvSpPr>
-          <p:cNvPr id="49" name="TextBox 48">
-            <a:extLst>
-              <a:ext uri="{FF2B5EF4-FFF2-40B4-BE49-F238E27FC236}">
-                <a16:creationId xmlns:a16="http://schemas.microsoft.com/office/drawing/2014/main" id="{B179F6A5-F356-4AE0-BE67-A636F79B6560}"/>
-              </a:ext>
-            </a:extLst>
-          </p:cNvPr>
-          <p:cNvSpPr txBox="1"/>
-          <p:nvPr/>
-        </p:nvSpPr>
-        <p:spPr>
-          <a:xfrm>
-            <a:off x="181614" y="3716589"/>
-            <a:ext cx="1014711" cy="461665"/>
-          </a:xfrm>
-          <a:prstGeom prst="rect">
-            <a:avLst/>
-          </a:prstGeom>
-          <a:noFill/>
-        </p:spPr>
-        <p:txBody>
-          <a:bodyPr wrap="square" rtlCol="0">
-            <a:spAutoFit/>
-          </a:bodyPr>
-          <a:lstStyle/>
-          <a:p>
-            <a:pPr algn="ctr"/>
-            <a:r>
-              <a:rPr lang="en-US" sz="1200" dirty="0"/>
-              <a:t>Contribution Bar</a:t>
-            </a:r>
-            <a:endParaRPr lang="en-SG" sz="1200" dirty="0"/>
-          </a:p>
-        </p:txBody>
-      </p:sp>
-      <p:sp>
-        <p:nvSpPr>
-          <p:cNvPr id="50" name="Rectangle 49">
-            <a:extLst>
-              <a:ext uri="{FF2B5EF4-FFF2-40B4-BE49-F238E27FC236}">
-                <a16:creationId xmlns:a16="http://schemas.microsoft.com/office/drawing/2014/main" id="{66E4832A-82B6-4ACE-88A2-1FC6DCF2CED8}"/>
-              </a:ext>
-            </a:extLst>
-          </p:cNvPr>
-          <p:cNvSpPr/>
-          <p:nvPr/>
-        </p:nvSpPr>
-        <p:spPr>
-          <a:xfrm>
-            <a:off x="6202680" y="1861062"/>
-            <a:ext cx="2151751" cy="276999"/>
-          </a:xfrm>
-          <a:prstGeom prst="rect">
-            <a:avLst/>
-          </a:prstGeom>
-          <a:noFill/>
-          <a:ln w="19050" cap="flat" cmpd="sng" algn="ctr">
-            <a:solidFill>
+              <a:prstDash val="solid"/>
+              <a:round/>
+              <a:headEnd type="none" w="med" len="med"/>
+              <a:tailEnd type="none" w="med" len="med"/>
+            </a:ln>
+          </p:spPr>
+          <p:style>
+            <a:lnRef idx="0">
+              <a:scrgbClr r="0" g="0" b="0"/>
+            </a:lnRef>
+            <a:fillRef idx="0">
+              <a:scrgbClr r="0" g="0" b="0"/>
+            </a:fillRef>
+            <a:effectRef idx="0">
+              <a:scrgbClr r="0" g="0" b="0"/>
+            </a:effectRef>
+            <a:fontRef idx="minor">
               <a:schemeClr val="accent6"/>
-            </a:solidFill>
-            <a:prstDash val="solid"/>
-            <a:round/>
-            <a:headEnd type="none" w="med" len="med"/>
-            <a:tailEnd type="none" w="med" len="med"/>
-          </a:ln>
-        </p:spPr>
-        <p:style>
-          <a:lnRef idx="0">
-            <a:scrgbClr r="0" g="0" b="0"/>
-          </a:lnRef>
-          <a:fillRef idx="0">
-            <a:scrgbClr r="0" g="0" b="0"/>
-          </a:fillRef>
-          <a:effectRef idx="0">
-            <a:scrgbClr r="0" g="0" b="0"/>
-          </a:effectRef>
-          <a:fontRef idx="minor">
-            <a:schemeClr val="accent6"/>
-          </a:fontRef>
-        </p:style>
-        <p:txBody>
-          <a:bodyPr rtlCol="0" anchor="ctr"/>
-          <a:lstStyle/>
-          <a:p>
-            <a:pPr algn="ctr"/>
-            <a:endParaRPr lang="en-SG"/>
-          </a:p>
-        </p:txBody>
-      </p:sp>
+            </a:fontRef>
+          </p:style>
+          <p:txBody>
+            <a:bodyPr rtlCol="0" anchor="ctr"/>
+            <a:lstStyle/>
+            <a:p>
+              <a:pPr algn="ctr"/>
+              <a:endParaRPr lang="en-SG"/>
+            </a:p>
+          </p:txBody>
+        </p:sp>
+      </p:grpSp>
     </p:spTree>
     <p:extLst>
       <p:ext uri="{BB962C8B-B14F-4D97-AF65-F5344CB8AC3E}">
         <p14:creationId xmlns:p14="http://schemas.microsoft.com/office/powerpoint/2010/main" val="121365696"/>
+      </p:ext>
+    </p:extLst>
+  </p:cSld>
+  <p:clrMapOvr>
+    <a:masterClrMapping/>
+  </p:clrMapOvr>
+</p:sld>
+</file>
+
+<file path=ppt/slides/slide2.xml><?xml version="1.0" encoding="utf-8"?>
+<p:sld xmlns:a="http://schemas.openxmlformats.org/drawingml/2006/main" xmlns:r="http://schemas.openxmlformats.org/officeDocument/2006/relationships" xmlns:p="http://schemas.openxmlformats.org/presentationml/2006/main">
+  <p:cSld>
+    <p:spTree>
+      <p:nvGrpSpPr>
+        <p:cNvPr id="1" name=""/>
+        <p:cNvGrpSpPr/>
+        <p:nvPr/>
+      </p:nvGrpSpPr>
+      <p:grpSpPr>
+        <a:xfrm>
+          <a:off x="0" y="0"/>
+          <a:ext cx="0" cy="0"/>
+          <a:chOff x="0" y="0"/>
+          <a:chExt cx="0" cy="0"/>
+        </a:xfrm>
+      </p:grpSpPr>
+    </p:spTree>
+    <p:extLst>
+      <p:ext uri="{BB962C8B-B14F-4D97-AF65-F5344CB8AC3E}">
+        <p14:creationId xmlns:p14="http://schemas.microsoft.com/office/powerpoint/2010/main" val="933415120"/>
       </p:ext>
     </p:extLst>
   </p:cSld>

--- a/docs/diagrams/report-features.pptx
+++ b/docs/diagrams/report-features.pptx
@@ -262,7 +262,7 @@
           <a:p>
             <a:fld id="{BC643CBC-B76F-46AA-8129-8C84DB44B84D}" type="datetimeFigureOut">
               <a:rPr lang="en-SG" smtClean="0"/>
-              <a:t>24/7/2019</a:t>
+              <a:t>29/7/2019</a:t>
             </a:fld>
             <a:endParaRPr lang="en-SG"/>
           </a:p>
@@ -462,7 +462,7 @@
           <a:p>
             <a:fld id="{BC643CBC-B76F-46AA-8129-8C84DB44B84D}" type="datetimeFigureOut">
               <a:rPr lang="en-SG" smtClean="0"/>
-              <a:t>24/7/2019</a:t>
+              <a:t>29/7/2019</a:t>
             </a:fld>
             <a:endParaRPr lang="en-SG"/>
           </a:p>
@@ -672,7 +672,7 @@
           <a:p>
             <a:fld id="{BC643CBC-B76F-46AA-8129-8C84DB44B84D}" type="datetimeFigureOut">
               <a:rPr lang="en-SG" smtClean="0"/>
-              <a:t>24/7/2019</a:t>
+              <a:t>29/7/2019</a:t>
             </a:fld>
             <a:endParaRPr lang="en-SG"/>
           </a:p>
@@ -872,7 +872,7 @@
           <a:p>
             <a:fld id="{BC643CBC-B76F-46AA-8129-8C84DB44B84D}" type="datetimeFigureOut">
               <a:rPr lang="en-SG" smtClean="0"/>
-              <a:t>24/7/2019</a:t>
+              <a:t>29/7/2019</a:t>
             </a:fld>
             <a:endParaRPr lang="en-SG"/>
           </a:p>
@@ -1148,7 +1148,7 @@
           <a:p>
             <a:fld id="{BC643CBC-B76F-46AA-8129-8C84DB44B84D}" type="datetimeFigureOut">
               <a:rPr lang="en-SG" smtClean="0"/>
-              <a:t>24/7/2019</a:t>
+              <a:t>29/7/2019</a:t>
             </a:fld>
             <a:endParaRPr lang="en-SG"/>
           </a:p>
@@ -1416,7 +1416,7 @@
           <a:p>
             <a:fld id="{BC643CBC-B76F-46AA-8129-8C84DB44B84D}" type="datetimeFigureOut">
               <a:rPr lang="en-SG" smtClean="0"/>
-              <a:t>24/7/2019</a:t>
+              <a:t>29/7/2019</a:t>
             </a:fld>
             <a:endParaRPr lang="en-SG"/>
           </a:p>
@@ -1831,7 +1831,7 @@
           <a:p>
             <a:fld id="{BC643CBC-B76F-46AA-8129-8C84DB44B84D}" type="datetimeFigureOut">
               <a:rPr lang="en-SG" smtClean="0"/>
-              <a:t>24/7/2019</a:t>
+              <a:t>29/7/2019</a:t>
             </a:fld>
             <a:endParaRPr lang="en-SG"/>
           </a:p>
@@ -1973,7 +1973,7 @@
           <a:p>
             <a:fld id="{BC643CBC-B76F-46AA-8129-8C84DB44B84D}" type="datetimeFigureOut">
               <a:rPr lang="en-SG" smtClean="0"/>
-              <a:t>24/7/2019</a:t>
+              <a:t>29/7/2019</a:t>
             </a:fld>
             <a:endParaRPr lang="en-SG"/>
           </a:p>
@@ -2086,7 +2086,7 @@
           <a:p>
             <a:fld id="{BC643CBC-B76F-46AA-8129-8C84DB44B84D}" type="datetimeFigureOut">
               <a:rPr lang="en-SG" smtClean="0"/>
-              <a:t>24/7/2019</a:t>
+              <a:t>29/7/2019</a:t>
             </a:fld>
             <a:endParaRPr lang="en-SG"/>
           </a:p>
@@ -2399,7 +2399,7 @@
           <a:p>
             <a:fld id="{BC643CBC-B76F-46AA-8129-8C84DB44B84D}" type="datetimeFigureOut">
               <a:rPr lang="en-SG" smtClean="0"/>
-              <a:t>24/7/2019</a:t>
+              <a:t>29/7/2019</a:t>
             </a:fld>
             <a:endParaRPr lang="en-SG"/>
           </a:p>
@@ -2688,7 +2688,7 @@
           <a:p>
             <a:fld id="{BC643CBC-B76F-46AA-8129-8C84DB44B84D}" type="datetimeFigureOut">
               <a:rPr lang="en-SG" smtClean="0"/>
-              <a:t>24/7/2019</a:t>
+              <a:t>29/7/2019</a:t>
             </a:fld>
             <a:endParaRPr lang="en-SG"/>
           </a:p>
@@ -2931,7 +2931,7 @@
           <a:p>
             <a:fld id="{BC643CBC-B76F-46AA-8129-8C84DB44B84D}" type="datetimeFigureOut">
               <a:rPr lang="en-SG" smtClean="0"/>
-              <a:t>24/7/2019</a:t>
+              <a:t>29/7/2019</a:t>
             </a:fld>
             <a:endParaRPr lang="en-SG"/>
           </a:p>
@@ -3348,36 +3348,155 @@
           <a:chExt cx="0" cy="0"/>
         </a:xfrm>
       </p:grpSpPr>
-      <p:pic>
-        <p:nvPicPr>
-          <p:cNvPr id="51" name="Picture 50">
-            <a:extLst>
-              <a:ext uri="{FF2B5EF4-FFF2-40B4-BE49-F238E27FC236}">
-                <a16:creationId xmlns:a16="http://schemas.microsoft.com/office/drawing/2014/main" id="{43940CE2-443C-4D03-B021-D0729CD68F89}"/>
-              </a:ext>
-            </a:extLst>
-          </p:cNvPr>
-          <p:cNvPicPr>
-            <a:picLocks noChangeAspect="1"/>
-          </p:cNvPicPr>
+      <p:grpSp>
+        <p:nvGrpSpPr>
+          <p:cNvPr id="3" name="Group 2">
+            <a:extLst>
+              <a:ext uri="{FF2B5EF4-FFF2-40B4-BE49-F238E27FC236}">
+                <a16:creationId xmlns:a16="http://schemas.microsoft.com/office/drawing/2014/main" id="{39C8E79E-29B9-4920-9818-61F14E57D617}"/>
+              </a:ext>
+            </a:extLst>
+          </p:cNvPr>
+          <p:cNvGrpSpPr/>
           <p:nvPr/>
-        </p:nvPicPr>
-        <p:blipFill>
-          <a:blip r:embed="rId2"/>
-          <a:stretch>
-            <a:fillRect/>
-          </a:stretch>
-        </p:blipFill>
-        <p:spPr>
+        </p:nvGrpSpPr>
+        <p:grpSpPr>
           <a:xfrm>
             <a:off x="1491428" y="841241"/>
             <a:ext cx="9201025" cy="5175576"/>
+            <a:chOff x="1491428" y="841241"/>
+            <a:chExt cx="9201025" cy="5175576"/>
           </a:xfrm>
-          <a:prstGeom prst="rect">
-            <a:avLst/>
-          </a:prstGeom>
-        </p:spPr>
-      </p:pic>
+        </p:grpSpPr>
+        <p:pic>
+          <p:nvPicPr>
+            <p:cNvPr id="51" name="Picture 50">
+              <a:extLst>
+                <a:ext uri="{FF2B5EF4-FFF2-40B4-BE49-F238E27FC236}">
+                  <a16:creationId xmlns:a16="http://schemas.microsoft.com/office/drawing/2014/main" id="{43940CE2-443C-4D03-B021-D0729CD68F89}"/>
+                </a:ext>
+              </a:extLst>
+            </p:cNvPr>
+            <p:cNvPicPr>
+              <a:picLocks noChangeAspect="1"/>
+            </p:cNvPicPr>
+            <p:nvPr/>
+          </p:nvPicPr>
+          <p:blipFill>
+            <a:blip r:embed="rId2"/>
+            <a:stretch>
+              <a:fillRect/>
+            </a:stretch>
+          </p:blipFill>
+          <p:spPr>
+            <a:xfrm>
+              <a:off x="1491428" y="841241"/>
+              <a:ext cx="9201025" cy="5175576"/>
+            </a:xfrm>
+            <a:prstGeom prst="rect">
+              <a:avLst/>
+            </a:prstGeom>
+          </p:spPr>
+        </p:pic>
+        <p:sp>
+          <p:nvSpPr>
+            <p:cNvPr id="44" name="TextBox 43">
+              <a:extLst>
+                <a:ext uri="{FF2B5EF4-FFF2-40B4-BE49-F238E27FC236}">
+                  <a16:creationId xmlns:a16="http://schemas.microsoft.com/office/drawing/2014/main" id="{4DB4692F-5627-4F26-AA17-560705B6CBA1}"/>
+                </a:ext>
+              </a:extLst>
+            </p:cNvPr>
+            <p:cNvSpPr txBox="1"/>
+            <p:nvPr/>
+          </p:nvSpPr>
+          <p:spPr>
+            <a:xfrm>
+              <a:off x="3946269" y="5051399"/>
+              <a:ext cx="1019826" cy="276999"/>
+            </a:xfrm>
+            <a:prstGeom prst="rect">
+              <a:avLst/>
+            </a:prstGeom>
+            <a:noFill/>
+          </p:spPr>
+          <p:txBody>
+            <a:bodyPr wrap="square" rtlCol="0">
+              <a:spAutoFit/>
+            </a:bodyPr>
+            <a:lstStyle/>
+            <a:p>
+              <a:r>
+                <a:rPr lang="en-US" sz="1200" dirty="0">
+                  <a:solidFill>
+                    <a:schemeClr val="accent1"/>
+                  </a:solidFill>
+                </a:rPr>
+                <a:t>Ramps</a:t>
+              </a:r>
+              <a:endParaRPr lang="en-SG" sz="1200" dirty="0">
+                <a:solidFill>
+                  <a:schemeClr val="accent1"/>
+                </a:solidFill>
+              </a:endParaRPr>
+            </a:p>
+          </p:txBody>
+        </p:sp>
+        <p:sp>
+          <p:nvSpPr>
+            <p:cNvPr id="2" name="Oval 1">
+              <a:extLst>
+                <a:ext uri="{FF2B5EF4-FFF2-40B4-BE49-F238E27FC236}">
+                  <a16:creationId xmlns:a16="http://schemas.microsoft.com/office/drawing/2014/main" id="{7CBF2F7E-DF4B-4937-B579-9A5191DFED6B}"/>
+                </a:ext>
+              </a:extLst>
+            </p:cNvPr>
+            <p:cNvSpPr/>
+            <p:nvPr/>
+          </p:nvSpPr>
+          <p:spPr>
+            <a:xfrm>
+              <a:off x="4121944" y="5331619"/>
+              <a:ext cx="161925" cy="342900"/>
+            </a:xfrm>
+            <a:prstGeom prst="ellipse">
+              <a:avLst/>
+            </a:prstGeom>
+            <a:noFill/>
+            <a:ln w="9525" cap="flat" cmpd="sng" algn="ctr">
+              <a:solidFill>
+                <a:schemeClr val="accent1"/>
+              </a:solidFill>
+              <a:prstDash val="solid"/>
+              <a:round/>
+              <a:headEnd type="none" w="med" len="med"/>
+              <a:tailEnd type="none" w="med" len="med"/>
+            </a:ln>
+          </p:spPr>
+          <p:style>
+            <a:lnRef idx="0">
+              <a:scrgbClr r="0" g="0" b="0"/>
+            </a:lnRef>
+            <a:fillRef idx="0">
+              <a:scrgbClr r="0" g="0" b="0"/>
+            </a:fillRef>
+            <a:effectRef idx="0">
+              <a:scrgbClr r="0" g="0" b="0"/>
+            </a:effectRef>
+            <a:fontRef idx="minor">
+              <a:schemeClr val="accent1"/>
+            </a:fontRef>
+          </p:style>
+          <p:txBody>
+            <a:bodyPr rtlCol="0" anchor="ctr"/>
+            <a:lstStyle/>
+            <a:p>
+              <a:pPr algn="ctr"/>
+              <a:endParaRPr lang="en-US"/>
+            </a:p>
+          </p:txBody>
+        </p:sp>
+      </p:grpSp>
       <p:grpSp>
         <p:nvGrpSpPr>
           <p:cNvPr id="40" name="Group 39">
@@ -4681,194 +4800,6 @@
                 </a:rPr>
                 <a:t>Ramp Chart</a:t>
               </a:r>
-            </a:p>
-          </p:txBody>
-        </p:sp>
-      </p:grpSp>
-      <p:grpSp>
-        <p:nvGrpSpPr>
-          <p:cNvPr id="45" name="Group 44">
-            <a:extLst>
-              <a:ext uri="{FF2B5EF4-FFF2-40B4-BE49-F238E27FC236}">
-                <a16:creationId xmlns:a16="http://schemas.microsoft.com/office/drawing/2014/main" id="{A3EDE96A-E762-454E-915E-E31F3E6BD7AB}"/>
-              </a:ext>
-            </a:extLst>
-          </p:cNvPr>
-          <p:cNvGrpSpPr/>
-          <p:nvPr/>
-        </p:nvGrpSpPr>
-        <p:grpSpPr>
-          <a:xfrm>
-            <a:off x="4850928" y="3842053"/>
-            <a:ext cx="1157715" cy="672401"/>
-            <a:chOff x="4181285" y="3497779"/>
-            <a:chExt cx="1157715" cy="672401"/>
-          </a:xfrm>
-        </p:grpSpPr>
-        <p:cxnSp>
-          <p:nvCxnSpPr>
-            <p:cNvPr id="39" name="Straight Arrow Connector 38">
-              <a:extLst>
-                <a:ext uri="{FF2B5EF4-FFF2-40B4-BE49-F238E27FC236}">
-                  <a16:creationId xmlns:a16="http://schemas.microsoft.com/office/drawing/2014/main" id="{B342102E-EAF2-4DC0-B960-4F7846016550}"/>
-                </a:ext>
-              </a:extLst>
-            </p:cNvPr>
-            <p:cNvCxnSpPr>
-              <a:cxnSpLocks/>
-            </p:cNvCxnSpPr>
-            <p:nvPr/>
-          </p:nvCxnSpPr>
-          <p:spPr>
-            <a:xfrm flipV="1">
-              <a:off x="4181285" y="3764584"/>
-              <a:ext cx="291556" cy="382919"/>
-            </a:xfrm>
-            <a:prstGeom prst="straightConnector1">
-              <a:avLst/>
-            </a:prstGeom>
-            <a:ln>
-              <a:tailEnd type="triangle"/>
-            </a:ln>
-          </p:spPr>
-          <p:style>
-            <a:lnRef idx="3">
-              <a:schemeClr val="accent4"/>
-            </a:lnRef>
-            <a:fillRef idx="0">
-              <a:schemeClr val="accent4"/>
-            </a:fillRef>
-            <a:effectRef idx="2">
-              <a:schemeClr val="accent4"/>
-            </a:effectRef>
-            <a:fontRef idx="minor">
-              <a:schemeClr val="tx1"/>
-            </a:fontRef>
-          </p:style>
-        </p:cxnSp>
-        <p:cxnSp>
-          <p:nvCxnSpPr>
-            <p:cNvPr id="41" name="Straight Arrow Connector 40">
-              <a:extLst>
-                <a:ext uri="{FF2B5EF4-FFF2-40B4-BE49-F238E27FC236}">
-                  <a16:creationId xmlns:a16="http://schemas.microsoft.com/office/drawing/2014/main" id="{54A0E17B-CC65-450A-8DA3-6E665798ACA3}"/>
-                </a:ext>
-              </a:extLst>
-            </p:cNvPr>
-            <p:cNvCxnSpPr>
-              <a:cxnSpLocks/>
-            </p:cNvCxnSpPr>
-            <p:nvPr/>
-          </p:nvCxnSpPr>
-          <p:spPr>
-            <a:xfrm flipV="1">
-              <a:off x="4529328" y="3764584"/>
-              <a:ext cx="93730" cy="378010"/>
-            </a:xfrm>
-            <a:prstGeom prst="straightConnector1">
-              <a:avLst/>
-            </a:prstGeom>
-            <a:ln>
-              <a:tailEnd type="triangle"/>
-            </a:ln>
-          </p:spPr>
-          <p:style>
-            <a:lnRef idx="3">
-              <a:schemeClr val="accent4"/>
-            </a:lnRef>
-            <a:fillRef idx="0">
-              <a:schemeClr val="accent4"/>
-            </a:fillRef>
-            <a:effectRef idx="2">
-              <a:schemeClr val="accent4"/>
-            </a:effectRef>
-            <a:fontRef idx="minor">
-              <a:schemeClr val="tx1"/>
-            </a:fontRef>
-          </p:style>
-        </p:cxnSp>
-        <p:cxnSp>
-          <p:nvCxnSpPr>
-            <p:cNvPr id="43" name="Straight Arrow Connector 42">
-              <a:extLst>
-                <a:ext uri="{FF2B5EF4-FFF2-40B4-BE49-F238E27FC236}">
-                  <a16:creationId xmlns:a16="http://schemas.microsoft.com/office/drawing/2014/main" id="{859A842E-D51F-4106-BF0A-90048A2FAC0A}"/>
-                </a:ext>
-              </a:extLst>
-            </p:cNvPr>
-            <p:cNvCxnSpPr>
-              <a:cxnSpLocks/>
-            </p:cNvCxnSpPr>
-            <p:nvPr/>
-          </p:nvCxnSpPr>
-          <p:spPr>
-            <a:xfrm flipH="1" flipV="1">
-              <a:off x="4731644" y="3764584"/>
-              <a:ext cx="297080" cy="405596"/>
-            </a:xfrm>
-            <a:prstGeom prst="straightConnector1">
-              <a:avLst/>
-            </a:prstGeom>
-            <a:ln>
-              <a:tailEnd type="triangle"/>
-            </a:ln>
-          </p:spPr>
-          <p:style>
-            <a:lnRef idx="3">
-              <a:schemeClr val="accent4"/>
-            </a:lnRef>
-            <a:fillRef idx="0">
-              <a:schemeClr val="accent4"/>
-            </a:fillRef>
-            <a:effectRef idx="2">
-              <a:schemeClr val="accent4"/>
-            </a:effectRef>
-            <a:fontRef idx="minor">
-              <a:schemeClr val="tx1"/>
-            </a:fontRef>
-          </p:style>
-        </p:cxnSp>
-        <p:sp>
-          <p:nvSpPr>
-            <p:cNvPr id="44" name="TextBox 43">
-              <a:extLst>
-                <a:ext uri="{FF2B5EF4-FFF2-40B4-BE49-F238E27FC236}">
-                  <a16:creationId xmlns:a16="http://schemas.microsoft.com/office/drawing/2014/main" id="{4DB4692F-5627-4F26-AA17-560705B6CBA1}"/>
-                </a:ext>
-              </a:extLst>
-            </p:cNvPr>
-            <p:cNvSpPr txBox="1"/>
-            <p:nvPr/>
-          </p:nvSpPr>
-          <p:spPr>
-            <a:xfrm>
-              <a:off x="4319174" y="3497779"/>
-              <a:ext cx="1019826" cy="276999"/>
-            </a:xfrm>
-            <a:prstGeom prst="rect">
-              <a:avLst/>
-            </a:prstGeom>
-            <a:noFill/>
-          </p:spPr>
-          <p:txBody>
-            <a:bodyPr wrap="square" rtlCol="0">
-              <a:spAutoFit/>
-            </a:bodyPr>
-            <a:lstStyle/>
-            <a:p>
-              <a:r>
-                <a:rPr lang="en-US" sz="1200" dirty="0">
-                  <a:solidFill>
-                    <a:srgbClr val="FFC000"/>
-                  </a:solidFill>
-                </a:rPr>
-                <a:t>Ramps</a:t>
-              </a:r>
-              <a:endParaRPr lang="en-SG" sz="1200" dirty="0">
-                <a:solidFill>
-                  <a:srgbClr val="FFC000"/>
-                </a:solidFill>
-              </a:endParaRPr>
             </a:p>
           </p:txBody>
         </p:sp>

--- a/docs/diagrams/report-features.pptx
+++ b/docs/diagrams/report-features.pptx
@@ -6,7 +6,6 @@
   </p:sldMasterIdLst>
   <p:sldIdLst>
     <p:sldId id="256" r:id="rId2"/>
-    <p:sldId id="257" r:id="rId3"/>
   </p:sldIdLst>
   <p:sldSz cx="12192000" cy="6858000"/>
   <p:notesSz cx="6858000" cy="9144000"/>
@@ -262,7 +261,7 @@
           <a:p>
             <a:fld id="{BC643CBC-B76F-46AA-8129-8C84DB44B84D}" type="datetimeFigureOut">
               <a:rPr lang="en-SG" smtClean="0"/>
-              <a:t>29/7/2019</a:t>
+              <a:t>30/7/2019</a:t>
             </a:fld>
             <a:endParaRPr lang="en-SG"/>
           </a:p>
@@ -462,7 +461,7 @@
           <a:p>
             <a:fld id="{BC643CBC-B76F-46AA-8129-8C84DB44B84D}" type="datetimeFigureOut">
               <a:rPr lang="en-SG" smtClean="0"/>
-              <a:t>29/7/2019</a:t>
+              <a:t>30/7/2019</a:t>
             </a:fld>
             <a:endParaRPr lang="en-SG"/>
           </a:p>
@@ -672,7 +671,7 @@
           <a:p>
             <a:fld id="{BC643CBC-B76F-46AA-8129-8C84DB44B84D}" type="datetimeFigureOut">
               <a:rPr lang="en-SG" smtClean="0"/>
-              <a:t>29/7/2019</a:t>
+              <a:t>30/7/2019</a:t>
             </a:fld>
             <a:endParaRPr lang="en-SG"/>
           </a:p>
@@ -872,7 +871,7 @@
           <a:p>
             <a:fld id="{BC643CBC-B76F-46AA-8129-8C84DB44B84D}" type="datetimeFigureOut">
               <a:rPr lang="en-SG" smtClean="0"/>
-              <a:t>29/7/2019</a:t>
+              <a:t>30/7/2019</a:t>
             </a:fld>
             <a:endParaRPr lang="en-SG"/>
           </a:p>
@@ -1148,7 +1147,7 @@
           <a:p>
             <a:fld id="{BC643CBC-B76F-46AA-8129-8C84DB44B84D}" type="datetimeFigureOut">
               <a:rPr lang="en-SG" smtClean="0"/>
-              <a:t>29/7/2019</a:t>
+              <a:t>30/7/2019</a:t>
             </a:fld>
             <a:endParaRPr lang="en-SG"/>
           </a:p>
@@ -1416,7 +1415,7 @@
           <a:p>
             <a:fld id="{BC643CBC-B76F-46AA-8129-8C84DB44B84D}" type="datetimeFigureOut">
               <a:rPr lang="en-SG" smtClean="0"/>
-              <a:t>29/7/2019</a:t>
+              <a:t>30/7/2019</a:t>
             </a:fld>
             <a:endParaRPr lang="en-SG"/>
           </a:p>
@@ -1831,7 +1830,7 @@
           <a:p>
             <a:fld id="{BC643CBC-B76F-46AA-8129-8C84DB44B84D}" type="datetimeFigureOut">
               <a:rPr lang="en-SG" smtClean="0"/>
-              <a:t>29/7/2019</a:t>
+              <a:t>30/7/2019</a:t>
             </a:fld>
             <a:endParaRPr lang="en-SG"/>
           </a:p>
@@ -1973,7 +1972,7 @@
           <a:p>
             <a:fld id="{BC643CBC-B76F-46AA-8129-8C84DB44B84D}" type="datetimeFigureOut">
               <a:rPr lang="en-SG" smtClean="0"/>
-              <a:t>29/7/2019</a:t>
+              <a:t>30/7/2019</a:t>
             </a:fld>
             <a:endParaRPr lang="en-SG"/>
           </a:p>
@@ -2086,7 +2085,7 @@
           <a:p>
             <a:fld id="{BC643CBC-B76F-46AA-8129-8C84DB44B84D}" type="datetimeFigureOut">
               <a:rPr lang="en-SG" smtClean="0"/>
-              <a:t>29/7/2019</a:t>
+              <a:t>30/7/2019</a:t>
             </a:fld>
             <a:endParaRPr lang="en-SG"/>
           </a:p>
@@ -2399,7 +2398,7 @@
           <a:p>
             <a:fld id="{BC643CBC-B76F-46AA-8129-8C84DB44B84D}" type="datetimeFigureOut">
               <a:rPr lang="en-SG" smtClean="0"/>
-              <a:t>29/7/2019</a:t>
+              <a:t>30/7/2019</a:t>
             </a:fld>
             <a:endParaRPr lang="en-SG"/>
           </a:p>
@@ -2688,7 +2687,7 @@
           <a:p>
             <a:fld id="{BC643CBC-B76F-46AA-8129-8C84DB44B84D}" type="datetimeFigureOut">
               <a:rPr lang="en-SG" smtClean="0"/>
-              <a:t>29/7/2019</a:t>
+              <a:t>30/7/2019</a:t>
             </a:fld>
             <a:endParaRPr lang="en-SG"/>
           </a:p>
@@ -2931,7 +2930,7 @@
           <a:p>
             <a:fld id="{BC643CBC-B76F-46AA-8129-8C84DB44B84D}" type="datetimeFigureOut">
               <a:rPr lang="en-SG" smtClean="0"/>
-              <a:t>29/7/2019</a:t>
+              <a:t>30/7/2019</a:t>
             </a:fld>
             <a:endParaRPr lang="en-SG"/>
           </a:p>
@@ -3348,12 +3347,42 @@
           <a:chExt cx="0" cy="0"/>
         </a:xfrm>
       </p:grpSpPr>
+      <p:pic>
+        <p:nvPicPr>
+          <p:cNvPr id="39" name="Picture 38">
+            <a:extLst>
+              <a:ext uri="{FF2B5EF4-FFF2-40B4-BE49-F238E27FC236}">
+                <a16:creationId xmlns:a16="http://schemas.microsoft.com/office/drawing/2014/main" id="{59A6AF1E-F6B6-4A7D-977C-0F045E2CE70E}"/>
+              </a:ext>
+            </a:extLst>
+          </p:cNvPr>
+          <p:cNvPicPr>
+            <a:picLocks noChangeAspect="1"/>
+          </p:cNvPicPr>
+          <p:nvPr/>
+        </p:nvPicPr>
+        <p:blipFill>
+          <a:blip r:embed="rId2"/>
+          <a:stretch>
+            <a:fillRect/>
+          </a:stretch>
+        </p:blipFill>
+        <p:spPr>
+          <a:xfrm>
+            <a:off x="1435129" y="839523"/>
+            <a:ext cx="9296401" cy="5229225"/>
+          </a:xfrm>
+          <a:prstGeom prst="rect">
+            <a:avLst/>
+          </a:prstGeom>
+        </p:spPr>
+      </p:pic>
       <p:grpSp>
         <p:nvGrpSpPr>
-          <p:cNvPr id="3" name="Group 2">
-            <a:extLst>
-              <a:ext uri="{FF2B5EF4-FFF2-40B4-BE49-F238E27FC236}">
-                <a16:creationId xmlns:a16="http://schemas.microsoft.com/office/drawing/2014/main" id="{39C8E79E-29B9-4920-9818-61F14E57D617}"/>
+          <p:cNvPr id="4" name="Group 3">
+            <a:extLst>
+              <a:ext uri="{FF2B5EF4-FFF2-40B4-BE49-F238E27FC236}">
+                <a16:creationId xmlns:a16="http://schemas.microsoft.com/office/drawing/2014/main" id="{F0D58C48-0153-4B14-BF07-F967F1B7F730}"/>
               </a:ext>
             </a:extLst>
           </p:cNvPr>
@@ -3362,42 +3391,12 @@
         </p:nvGrpSpPr>
         <p:grpSpPr>
           <a:xfrm>
-            <a:off x="1491428" y="841241"/>
-            <a:ext cx="9201025" cy="5175576"/>
-            <a:chOff x="1491428" y="841241"/>
-            <a:chExt cx="9201025" cy="5175576"/>
+            <a:off x="3896739" y="5085689"/>
+            <a:ext cx="1019826" cy="623120"/>
+            <a:chOff x="3946269" y="5051399"/>
+            <a:chExt cx="1019826" cy="623120"/>
           </a:xfrm>
         </p:grpSpPr>
-        <p:pic>
-          <p:nvPicPr>
-            <p:cNvPr id="51" name="Picture 50">
-              <a:extLst>
-                <a:ext uri="{FF2B5EF4-FFF2-40B4-BE49-F238E27FC236}">
-                  <a16:creationId xmlns:a16="http://schemas.microsoft.com/office/drawing/2014/main" id="{43940CE2-443C-4D03-B021-D0729CD68F89}"/>
-                </a:ext>
-              </a:extLst>
-            </p:cNvPr>
-            <p:cNvPicPr>
-              <a:picLocks noChangeAspect="1"/>
-            </p:cNvPicPr>
-            <p:nvPr/>
-          </p:nvPicPr>
-          <p:blipFill>
-            <a:blip r:embed="rId2"/>
-            <a:stretch>
-              <a:fillRect/>
-            </a:stretch>
-          </p:blipFill>
-          <p:spPr>
-            <a:xfrm>
-              <a:off x="1491428" y="841241"/>
-              <a:ext cx="9201025" cy="5175576"/>
-            </a:xfrm>
-            <a:prstGeom prst="rect">
-              <a:avLst/>
-            </a:prstGeom>
-          </p:spPr>
-        </p:pic>
         <p:sp>
           <p:nvSpPr>
             <p:cNvPr id="44" name="TextBox 43">
@@ -3511,7 +3510,7 @@
         </p:nvGrpSpPr>
         <p:grpSpPr>
           <a:xfrm>
-            <a:off x="9698639" y="3086002"/>
+            <a:off x="9723023" y="3098194"/>
             <a:ext cx="1095413" cy="560378"/>
             <a:chOff x="8603087" y="2719565"/>
             <a:chExt cx="1095413" cy="560378"/>
@@ -3676,7 +3675,7 @@
         </p:nvGrpSpPr>
         <p:grpSpPr>
           <a:xfrm>
-            <a:off x="8625163" y="2657670"/>
+            <a:off x="8625163" y="2688150"/>
             <a:ext cx="1127684" cy="568600"/>
             <a:chOff x="7475403" y="3115227"/>
             <a:chExt cx="1127684" cy="568600"/>
@@ -4159,7 +4158,7 @@
         </p:nvGrpSpPr>
         <p:grpSpPr>
           <a:xfrm>
-            <a:off x="2800484" y="3118023"/>
+            <a:off x="2749335" y="3120737"/>
             <a:ext cx="1695743" cy="246221"/>
             <a:chOff x="2464522" y="2361561"/>
             <a:chExt cx="1695743" cy="246221"/>
@@ -4324,7 +4323,7 @@
         </p:nvGrpSpPr>
         <p:grpSpPr>
           <a:xfrm>
-            <a:off x="2800484" y="2502323"/>
+            <a:off x="2770004" y="2490131"/>
             <a:ext cx="2165611" cy="263574"/>
             <a:chOff x="2230032" y="2870443"/>
             <a:chExt cx="2165611" cy="263574"/>
@@ -5131,40 +5130,175 @@
           </p:txBody>
         </p:sp>
       </p:grpSp>
+      <p:grpSp>
+        <p:nvGrpSpPr>
+          <p:cNvPr id="45" name="Group 44">
+            <a:extLst>
+              <a:ext uri="{FF2B5EF4-FFF2-40B4-BE49-F238E27FC236}">
+                <a16:creationId xmlns:a16="http://schemas.microsoft.com/office/drawing/2014/main" id="{BA9B9247-4484-4646-8644-07DCE3660A2C}"/>
+              </a:ext>
+            </a:extLst>
+          </p:cNvPr>
+          <p:cNvGrpSpPr/>
+          <p:nvPr/>
+        </p:nvGrpSpPr>
+        <p:grpSpPr>
+          <a:xfrm>
+            <a:off x="2943039" y="3682075"/>
+            <a:ext cx="1674876" cy="246221"/>
+            <a:chOff x="2943039" y="3682075"/>
+            <a:chExt cx="1674876" cy="246221"/>
+          </a:xfrm>
+        </p:grpSpPr>
+        <p:sp>
+          <p:nvSpPr>
+            <p:cNvPr id="41" name="Oval 40">
+              <a:extLst>
+                <a:ext uri="{FF2B5EF4-FFF2-40B4-BE49-F238E27FC236}">
+                  <a16:creationId xmlns:a16="http://schemas.microsoft.com/office/drawing/2014/main" id="{6880A5AA-24C1-43E2-8DFB-1B2950E077F8}"/>
+                </a:ext>
+              </a:extLst>
+            </p:cNvPr>
+            <p:cNvSpPr/>
+            <p:nvPr/>
+          </p:nvSpPr>
+          <p:spPr>
+            <a:xfrm>
+              <a:off x="2943039" y="3747521"/>
+              <a:ext cx="121920" cy="155835"/>
+            </a:xfrm>
+            <a:prstGeom prst="ellipse">
+              <a:avLst/>
+            </a:prstGeom>
+            <a:noFill/>
+            <a:ln w="9525" cap="flat" cmpd="sng" algn="ctr">
+              <a:solidFill>
+                <a:schemeClr val="accent1"/>
+              </a:solidFill>
+              <a:prstDash val="solid"/>
+              <a:round/>
+              <a:headEnd type="none" w="med" len="med"/>
+              <a:tailEnd type="none" w="med" len="med"/>
+            </a:ln>
+          </p:spPr>
+          <p:style>
+            <a:lnRef idx="0">
+              <a:scrgbClr r="0" g="0" b="0"/>
+            </a:lnRef>
+            <a:fillRef idx="0">
+              <a:scrgbClr r="0" g="0" b="0"/>
+            </a:fillRef>
+            <a:effectRef idx="0">
+              <a:scrgbClr r="0" g="0" b="0"/>
+            </a:effectRef>
+            <a:fontRef idx="minor">
+              <a:schemeClr val="accent1"/>
+            </a:fontRef>
+          </p:style>
+          <p:txBody>
+            <a:bodyPr rtlCol="0" anchor="ctr"/>
+            <a:lstStyle/>
+            <a:p>
+              <a:pPr algn="ctr"/>
+              <a:endParaRPr lang="en-SG"/>
+            </a:p>
+          </p:txBody>
+        </p:sp>
+        <p:sp>
+          <p:nvSpPr>
+            <p:cNvPr id="43" name="Arrow: Right 42">
+              <a:extLst>
+                <a:ext uri="{FF2B5EF4-FFF2-40B4-BE49-F238E27FC236}">
+                  <a16:creationId xmlns:a16="http://schemas.microsoft.com/office/drawing/2014/main" id="{EF37E420-EADC-4F88-A44F-E20C33AD8985}"/>
+                </a:ext>
+              </a:extLst>
+            </p:cNvPr>
+            <p:cNvSpPr/>
+            <p:nvPr/>
+          </p:nvSpPr>
+          <p:spPr>
+            <a:xfrm>
+              <a:off x="3120106" y="3768558"/>
+              <a:ext cx="147081" cy="96793"/>
+            </a:xfrm>
+            <a:prstGeom prst="rightArrow">
+              <a:avLst/>
+            </a:prstGeom>
+          </p:spPr>
+          <p:style>
+            <a:lnRef idx="2">
+              <a:schemeClr val="accent1">
+                <a:shade val="50000"/>
+              </a:schemeClr>
+            </a:lnRef>
+            <a:fillRef idx="1">
+              <a:schemeClr val="accent1"/>
+            </a:fillRef>
+            <a:effectRef idx="0">
+              <a:schemeClr val="accent1"/>
+            </a:effectRef>
+            <a:fontRef idx="minor">
+              <a:schemeClr val="lt1"/>
+            </a:fontRef>
+          </p:style>
+          <p:txBody>
+            <a:bodyPr rtlCol="0" anchor="ctr"/>
+            <a:lstStyle/>
+            <a:p>
+              <a:pPr algn="ctr"/>
+              <a:endParaRPr lang="en-SG"/>
+            </a:p>
+          </p:txBody>
+        </p:sp>
+        <p:sp>
+          <p:nvSpPr>
+            <p:cNvPr id="52" name="TextBox 51">
+              <a:extLst>
+                <a:ext uri="{FF2B5EF4-FFF2-40B4-BE49-F238E27FC236}">
+                  <a16:creationId xmlns:a16="http://schemas.microsoft.com/office/drawing/2014/main" id="{20B2E512-146C-44A7-8F30-D1175B798E6B}"/>
+                </a:ext>
+              </a:extLst>
+            </p:cNvPr>
+            <p:cNvSpPr txBox="1"/>
+            <p:nvPr/>
+          </p:nvSpPr>
+          <p:spPr>
+            <a:xfrm>
+              <a:off x="3217740" y="3682075"/>
+              <a:ext cx="1400175" cy="246221"/>
+            </a:xfrm>
+            <a:prstGeom prst="rect">
+              <a:avLst/>
+            </a:prstGeom>
+            <a:noFill/>
+          </p:spPr>
+          <p:txBody>
+            <a:bodyPr wrap="square" rtlCol="0">
+              <a:spAutoFit/>
+            </a:bodyPr>
+            <a:lstStyle/>
+            <a:p>
+              <a:r>
+                <a:rPr lang="en-US" sz="1000" dirty="0">
+                  <a:solidFill>
+                    <a:schemeClr val="accent1"/>
+                  </a:solidFill>
+                </a:rPr>
+                <a:t>Link to commits panel</a:t>
+              </a:r>
+              <a:endParaRPr lang="en-SG" sz="1000" dirty="0">
+                <a:solidFill>
+                  <a:schemeClr val="accent1"/>
+                </a:solidFill>
+              </a:endParaRPr>
+            </a:p>
+          </p:txBody>
+        </p:sp>
+      </p:grpSp>
     </p:spTree>
     <p:extLst>
       <p:ext uri="{BB962C8B-B14F-4D97-AF65-F5344CB8AC3E}">
         <p14:creationId xmlns:p14="http://schemas.microsoft.com/office/powerpoint/2010/main" val="121365696"/>
-      </p:ext>
-    </p:extLst>
-  </p:cSld>
-  <p:clrMapOvr>
-    <a:masterClrMapping/>
-  </p:clrMapOvr>
-</p:sld>
-</file>
-
-<file path=ppt/slides/slide2.xml><?xml version="1.0" encoding="utf-8"?>
-<p:sld xmlns:a="http://schemas.openxmlformats.org/drawingml/2006/main" xmlns:r="http://schemas.openxmlformats.org/officeDocument/2006/relationships" xmlns:p="http://schemas.openxmlformats.org/presentationml/2006/main">
-  <p:cSld>
-    <p:spTree>
-      <p:nvGrpSpPr>
-        <p:cNvPr id="1" name=""/>
-        <p:cNvGrpSpPr/>
-        <p:nvPr/>
-      </p:nvGrpSpPr>
-      <p:grpSpPr>
-        <a:xfrm>
-          <a:off x="0" y="0"/>
-          <a:ext cx="0" cy="0"/>
-          <a:chOff x="0" y="0"/>
-          <a:chExt cx="0" cy="0"/>
-        </a:xfrm>
-      </p:grpSpPr>
-    </p:spTree>
-    <p:extLst>
-      <p:ext uri="{BB962C8B-B14F-4D97-AF65-F5344CB8AC3E}">
-        <p14:creationId xmlns:p14="http://schemas.microsoft.com/office/powerpoint/2010/main" val="933415120"/>
       </p:ext>
     </p:extLst>
   </p:cSld>

--- a/docs/diagrams/report-features.pptx
+++ b/docs/diagrams/report-features.pptx
@@ -261,7 +261,7 @@
           <a:p>
             <a:fld id="{BC643CBC-B76F-46AA-8129-8C84DB44B84D}" type="datetimeFigureOut">
               <a:rPr lang="en-SG" smtClean="0"/>
-              <a:t>30/7/2019</a:t>
+              <a:t>31/7/2019</a:t>
             </a:fld>
             <a:endParaRPr lang="en-SG"/>
           </a:p>
@@ -461,7 +461,7 @@
           <a:p>
             <a:fld id="{BC643CBC-B76F-46AA-8129-8C84DB44B84D}" type="datetimeFigureOut">
               <a:rPr lang="en-SG" smtClean="0"/>
-              <a:t>30/7/2019</a:t>
+              <a:t>31/7/2019</a:t>
             </a:fld>
             <a:endParaRPr lang="en-SG"/>
           </a:p>
@@ -671,7 +671,7 @@
           <a:p>
             <a:fld id="{BC643CBC-B76F-46AA-8129-8C84DB44B84D}" type="datetimeFigureOut">
               <a:rPr lang="en-SG" smtClean="0"/>
-              <a:t>30/7/2019</a:t>
+              <a:t>31/7/2019</a:t>
             </a:fld>
             <a:endParaRPr lang="en-SG"/>
           </a:p>
@@ -871,7 +871,7 @@
           <a:p>
             <a:fld id="{BC643CBC-B76F-46AA-8129-8C84DB44B84D}" type="datetimeFigureOut">
               <a:rPr lang="en-SG" smtClean="0"/>
-              <a:t>30/7/2019</a:t>
+              <a:t>31/7/2019</a:t>
             </a:fld>
             <a:endParaRPr lang="en-SG"/>
           </a:p>
@@ -1147,7 +1147,7 @@
           <a:p>
             <a:fld id="{BC643CBC-B76F-46AA-8129-8C84DB44B84D}" type="datetimeFigureOut">
               <a:rPr lang="en-SG" smtClean="0"/>
-              <a:t>30/7/2019</a:t>
+              <a:t>31/7/2019</a:t>
             </a:fld>
             <a:endParaRPr lang="en-SG"/>
           </a:p>
@@ -1415,7 +1415,7 @@
           <a:p>
             <a:fld id="{BC643CBC-B76F-46AA-8129-8C84DB44B84D}" type="datetimeFigureOut">
               <a:rPr lang="en-SG" smtClean="0"/>
-              <a:t>30/7/2019</a:t>
+              <a:t>31/7/2019</a:t>
             </a:fld>
             <a:endParaRPr lang="en-SG"/>
           </a:p>
@@ -1830,7 +1830,7 @@
           <a:p>
             <a:fld id="{BC643CBC-B76F-46AA-8129-8C84DB44B84D}" type="datetimeFigureOut">
               <a:rPr lang="en-SG" smtClean="0"/>
-              <a:t>30/7/2019</a:t>
+              <a:t>31/7/2019</a:t>
             </a:fld>
             <a:endParaRPr lang="en-SG"/>
           </a:p>
@@ -1972,7 +1972,7 @@
           <a:p>
             <a:fld id="{BC643CBC-B76F-46AA-8129-8C84DB44B84D}" type="datetimeFigureOut">
               <a:rPr lang="en-SG" smtClean="0"/>
-              <a:t>30/7/2019</a:t>
+              <a:t>31/7/2019</a:t>
             </a:fld>
             <a:endParaRPr lang="en-SG"/>
           </a:p>
@@ -2085,7 +2085,7 @@
           <a:p>
             <a:fld id="{BC643CBC-B76F-46AA-8129-8C84DB44B84D}" type="datetimeFigureOut">
               <a:rPr lang="en-SG" smtClean="0"/>
-              <a:t>30/7/2019</a:t>
+              <a:t>31/7/2019</a:t>
             </a:fld>
             <a:endParaRPr lang="en-SG"/>
           </a:p>
@@ -2398,7 +2398,7 @@
           <a:p>
             <a:fld id="{BC643CBC-B76F-46AA-8129-8C84DB44B84D}" type="datetimeFigureOut">
               <a:rPr lang="en-SG" smtClean="0"/>
-              <a:t>30/7/2019</a:t>
+              <a:t>31/7/2019</a:t>
             </a:fld>
             <a:endParaRPr lang="en-SG"/>
           </a:p>
@@ -2687,7 +2687,7 @@
           <a:p>
             <a:fld id="{BC643CBC-B76F-46AA-8129-8C84DB44B84D}" type="datetimeFigureOut">
               <a:rPr lang="en-SG" smtClean="0"/>
-              <a:t>30/7/2019</a:t>
+              <a:t>31/7/2019</a:t>
             </a:fld>
             <a:endParaRPr lang="en-SG"/>
           </a:p>
@@ -2930,7 +2930,7 @@
           <a:p>
             <a:fld id="{BC643CBC-B76F-46AA-8129-8C84DB44B84D}" type="datetimeFigureOut">
               <a:rPr lang="en-SG" smtClean="0"/>
-              <a:t>30/7/2019</a:t>
+              <a:t>31/7/2019</a:t>
             </a:fld>
             <a:endParaRPr lang="en-SG"/>
           </a:p>
@@ -3349,10 +3349,10 @@
       </p:grpSpPr>
       <p:pic>
         <p:nvPicPr>
-          <p:cNvPr id="39" name="Picture 38">
-            <a:extLst>
-              <a:ext uri="{FF2B5EF4-FFF2-40B4-BE49-F238E27FC236}">
-                <a16:creationId xmlns:a16="http://schemas.microsoft.com/office/drawing/2014/main" id="{59A6AF1E-F6B6-4A7D-977C-0F045E2CE70E}"/>
+          <p:cNvPr id="47" name="Picture 46">
+            <a:extLst>
+              <a:ext uri="{FF2B5EF4-FFF2-40B4-BE49-F238E27FC236}">
+                <a16:creationId xmlns:a16="http://schemas.microsoft.com/office/drawing/2014/main" id="{93313844-D6A5-4663-BFA6-6614735A1446}"/>
               </a:ext>
             </a:extLst>
           </p:cNvPr>
@@ -3369,8 +3369,8 @@
         </p:blipFill>
         <p:spPr>
           <a:xfrm>
-            <a:off x="1435129" y="839523"/>
-            <a:ext cx="9296401" cy="5229225"/>
+            <a:off x="1447797" y="841021"/>
+            <a:ext cx="9268452" cy="5213504"/>
           </a:xfrm>
           <a:prstGeom prst="rect">
             <a:avLst/>
@@ -3391,7 +3391,7 @@
         </p:nvGrpSpPr>
         <p:grpSpPr>
           <a:xfrm>
-            <a:off x="3896739" y="5085689"/>
+            <a:off x="3876419" y="5090769"/>
             <a:ext cx="1019826" cy="623120"/>
             <a:chOff x="3946269" y="5051399"/>
             <a:chExt cx="1019826" cy="623120"/>
@@ -3996,10 +3996,10 @@
         </p:nvGrpSpPr>
         <p:grpSpPr>
           <a:xfrm>
-            <a:off x="569214" y="945870"/>
-            <a:ext cx="4997085" cy="869029"/>
-            <a:chOff x="569214" y="945870"/>
-            <a:chExt cx="4997085" cy="869029"/>
+            <a:off x="544590" y="945870"/>
+            <a:ext cx="5327890" cy="869029"/>
+            <a:chOff x="823377" y="945870"/>
+            <a:chExt cx="4742922" cy="869029"/>
           </a:xfrm>
         </p:grpSpPr>
         <p:sp>
@@ -4016,13 +4016,13 @@
           </p:nvSpPr>
           <p:spPr>
             <a:xfrm>
-              <a:off x="1343406" y="945870"/>
-              <a:ext cx="516530" cy="869029"/>
+              <a:off x="1548971" y="945870"/>
+              <a:ext cx="310965" cy="869029"/>
             </a:xfrm>
             <a:prstGeom prst="leftBrace">
               <a:avLst>
                 <a:gd name="adj1" fmla="val 14462"/>
-                <a:gd name="adj2" fmla="val 50000"/>
+                <a:gd name="adj2" fmla="val 48831"/>
               </a:avLst>
             </a:prstGeom>
           </p:spPr>
@@ -4063,7 +4063,7 @@
           </p:nvSpPr>
           <p:spPr>
             <a:xfrm>
-              <a:off x="569214" y="1222349"/>
+              <a:off x="823377" y="1208184"/>
               <a:ext cx="723900" cy="276999"/>
             </a:xfrm>
             <a:prstGeom prst="rect">
@@ -4158,7 +4158,7 @@
         </p:nvGrpSpPr>
         <p:grpSpPr>
           <a:xfrm>
-            <a:off x="2749335" y="3120737"/>
+            <a:off x="2754415" y="3135977"/>
             <a:ext cx="1695743" cy="246221"/>
             <a:chOff x="2464522" y="2361561"/>
             <a:chExt cx="1695743" cy="246221"/>
@@ -4323,7 +4323,7 @@
         </p:nvGrpSpPr>
         <p:grpSpPr>
           <a:xfrm>
-            <a:off x="2770004" y="2490131"/>
+            <a:off x="2775084" y="2520611"/>
             <a:ext cx="2165611" cy="263574"/>
             <a:chOff x="2230032" y="2870443"/>
             <a:chExt cx="2165611" cy="263574"/>
@@ -4497,8 +4497,8 @@
         </p:nvGrpSpPr>
         <p:grpSpPr>
           <a:xfrm>
-            <a:off x="6196584" y="79248"/>
-            <a:ext cx="4555617" cy="5964363"/>
+            <a:off x="6140186" y="79248"/>
+            <a:ext cx="4612015" cy="5964363"/>
             <a:chOff x="6196584" y="79248"/>
             <a:chExt cx="4555617" cy="5964363"/>
           </a:xfrm>
@@ -4817,7 +4817,7 @@
         </p:nvGrpSpPr>
         <p:grpSpPr>
           <a:xfrm>
-            <a:off x="181614" y="3449883"/>
+            <a:off x="181614" y="3460043"/>
             <a:ext cx="5827029" cy="461665"/>
             <a:chOff x="181614" y="3716589"/>
             <a:chExt cx="5827029" cy="461665"/>
@@ -5144,7 +5144,7 @@
         </p:nvGrpSpPr>
         <p:grpSpPr>
           <a:xfrm>
-            <a:off x="2943039" y="3682075"/>
+            <a:off x="2958279" y="3702395"/>
             <a:ext cx="1674876" cy="246221"/>
             <a:chOff x="2943039" y="3682075"/>
             <a:chExt cx="1674876" cy="246221"/>

--- a/docs/diagrams/report-features.pptx
+++ b/docs/diagrams/report-features.pptx
@@ -261,7 +261,7 @@
           <a:p>
             <a:fld id="{BC643CBC-B76F-46AA-8129-8C84DB44B84D}" type="datetimeFigureOut">
               <a:rPr lang="en-SG" smtClean="0"/>
-              <a:t>3/7/19</a:t>
+              <a:t>31/7/2019</a:t>
             </a:fld>
             <a:endParaRPr lang="en-SG"/>
           </a:p>
@@ -461,7 +461,7 @@
           <a:p>
             <a:fld id="{BC643CBC-B76F-46AA-8129-8C84DB44B84D}" type="datetimeFigureOut">
               <a:rPr lang="en-SG" smtClean="0"/>
-              <a:t>3/7/19</a:t>
+              <a:t>31/7/2019</a:t>
             </a:fld>
             <a:endParaRPr lang="en-SG"/>
           </a:p>
@@ -671,7 +671,7 @@
           <a:p>
             <a:fld id="{BC643CBC-B76F-46AA-8129-8C84DB44B84D}" type="datetimeFigureOut">
               <a:rPr lang="en-SG" smtClean="0"/>
-              <a:t>3/7/19</a:t>
+              <a:t>31/7/2019</a:t>
             </a:fld>
             <a:endParaRPr lang="en-SG"/>
           </a:p>
@@ -871,7 +871,7 @@
           <a:p>
             <a:fld id="{BC643CBC-B76F-46AA-8129-8C84DB44B84D}" type="datetimeFigureOut">
               <a:rPr lang="en-SG" smtClean="0"/>
-              <a:t>3/7/19</a:t>
+              <a:t>31/7/2019</a:t>
             </a:fld>
             <a:endParaRPr lang="en-SG"/>
           </a:p>
@@ -1147,7 +1147,7 @@
           <a:p>
             <a:fld id="{BC643CBC-B76F-46AA-8129-8C84DB44B84D}" type="datetimeFigureOut">
               <a:rPr lang="en-SG" smtClean="0"/>
-              <a:t>3/7/19</a:t>
+              <a:t>31/7/2019</a:t>
             </a:fld>
             <a:endParaRPr lang="en-SG"/>
           </a:p>
@@ -1415,7 +1415,7 @@
           <a:p>
             <a:fld id="{BC643CBC-B76F-46AA-8129-8C84DB44B84D}" type="datetimeFigureOut">
               <a:rPr lang="en-SG" smtClean="0"/>
-              <a:t>3/7/19</a:t>
+              <a:t>31/7/2019</a:t>
             </a:fld>
             <a:endParaRPr lang="en-SG"/>
           </a:p>
@@ -1830,7 +1830,7 @@
           <a:p>
             <a:fld id="{BC643CBC-B76F-46AA-8129-8C84DB44B84D}" type="datetimeFigureOut">
               <a:rPr lang="en-SG" smtClean="0"/>
-              <a:t>3/7/19</a:t>
+              <a:t>31/7/2019</a:t>
             </a:fld>
             <a:endParaRPr lang="en-SG"/>
           </a:p>
@@ -1972,7 +1972,7 @@
           <a:p>
             <a:fld id="{BC643CBC-B76F-46AA-8129-8C84DB44B84D}" type="datetimeFigureOut">
               <a:rPr lang="en-SG" smtClean="0"/>
-              <a:t>3/7/19</a:t>
+              <a:t>31/7/2019</a:t>
             </a:fld>
             <a:endParaRPr lang="en-SG"/>
           </a:p>
@@ -2085,7 +2085,7 @@
           <a:p>
             <a:fld id="{BC643CBC-B76F-46AA-8129-8C84DB44B84D}" type="datetimeFigureOut">
               <a:rPr lang="en-SG" smtClean="0"/>
-              <a:t>3/7/19</a:t>
+              <a:t>31/7/2019</a:t>
             </a:fld>
             <a:endParaRPr lang="en-SG"/>
           </a:p>
@@ -2398,7 +2398,7 @@
           <a:p>
             <a:fld id="{BC643CBC-B76F-46AA-8129-8C84DB44B84D}" type="datetimeFigureOut">
               <a:rPr lang="en-SG" smtClean="0"/>
-              <a:t>3/7/19</a:t>
+              <a:t>31/7/2019</a:t>
             </a:fld>
             <a:endParaRPr lang="en-SG"/>
           </a:p>
@@ -2687,7 +2687,7 @@
           <a:p>
             <a:fld id="{BC643CBC-B76F-46AA-8129-8C84DB44B84D}" type="datetimeFigureOut">
               <a:rPr lang="en-SG" smtClean="0"/>
-              <a:t>3/7/19</a:t>
+              <a:t>31/7/2019</a:t>
             </a:fld>
             <a:endParaRPr lang="en-SG"/>
           </a:p>
@@ -2930,7 +2930,7 @@
           <a:p>
             <a:fld id="{BC643CBC-B76F-46AA-8129-8C84DB44B84D}" type="datetimeFigureOut">
               <a:rPr lang="en-SG" smtClean="0"/>
-              <a:t>3/7/19</a:t>
+              <a:t>31/7/2019</a:t>
             </a:fld>
             <a:endParaRPr lang="en-SG"/>
           </a:p>
@@ -3349,10 +3349,10 @@
       </p:grpSpPr>
       <p:pic>
         <p:nvPicPr>
-          <p:cNvPr id="3" name="Picture 2" descr="A screenshot of a cell phone&#10;&#10;Description automatically generated">
-            <a:extLst>
-              <a:ext uri="{FF2B5EF4-FFF2-40B4-BE49-F238E27FC236}">
-                <a16:creationId xmlns:a16="http://schemas.microsoft.com/office/drawing/2014/main" id="{BD7FEA8C-2EBC-CC4B-BC15-0FC6A9779435}"/>
+          <p:cNvPr id="47" name="Picture 46">
+            <a:extLst>
+              <a:ext uri="{FF2B5EF4-FFF2-40B4-BE49-F238E27FC236}">
+                <a16:creationId xmlns:a16="http://schemas.microsoft.com/office/drawing/2014/main" id="{93313844-D6A5-4663-BFA6-6614735A1446}"/>
               </a:ext>
             </a:extLst>
           </p:cNvPr>
@@ -3362,1618 +3362,1939 @@
           <p:nvPr/>
         </p:nvPicPr>
         <p:blipFill>
-          <a:blip r:embed="rId2">
-            <a:extLst>
-              <a:ext uri="{28A0092B-C50C-407E-A947-70E740481C1C}">
-                <a14:useLocalDpi xmlns:a14="http://schemas.microsoft.com/office/drawing/2010/main" val="0"/>
-              </a:ext>
-            </a:extLst>
-          </a:blip>
+          <a:blip r:embed="rId2"/>
           <a:stretch>
             <a:fillRect/>
           </a:stretch>
         </p:blipFill>
         <p:spPr>
           <a:xfrm>
-            <a:off x="1447800" y="796318"/>
-            <a:ext cx="9304401" cy="5269897"/>
+            <a:off x="1447797" y="841021"/>
+            <a:ext cx="9268452" cy="5213504"/>
           </a:xfrm>
           <a:prstGeom prst="rect">
             <a:avLst/>
           </a:prstGeom>
         </p:spPr>
       </p:pic>
-      <p:sp>
-        <p:nvSpPr>
-          <p:cNvPr id="8" name="Right Brace 7">
-            <a:extLst>
-              <a:ext uri="{FF2B5EF4-FFF2-40B4-BE49-F238E27FC236}">
-                <a16:creationId xmlns:a16="http://schemas.microsoft.com/office/drawing/2014/main" id="{C05B2C6F-DCA4-45F9-94E5-345EC17842DB}"/>
-              </a:ext>
-            </a:extLst>
-          </p:cNvPr>
-          <p:cNvSpPr/>
+      <p:grpSp>
+        <p:nvGrpSpPr>
+          <p:cNvPr id="4" name="Group 3">
+            <a:extLst>
+              <a:ext uri="{FF2B5EF4-FFF2-40B4-BE49-F238E27FC236}">
+                <a16:creationId xmlns:a16="http://schemas.microsoft.com/office/drawing/2014/main" id="{F0D58C48-0153-4B14-BF07-F967F1B7F730}"/>
+              </a:ext>
+            </a:extLst>
+          </p:cNvPr>
+          <p:cNvGrpSpPr/>
           <p:nvPr/>
-        </p:nvSpPr>
-        <p:spPr>
-          <a:xfrm rot="16200000">
-            <a:off x="3599688" y="-1681925"/>
-            <a:ext cx="344424" cy="4648200"/>
+        </p:nvGrpSpPr>
+        <p:grpSpPr>
+          <a:xfrm>
+            <a:off x="3876419" y="5090769"/>
+            <a:ext cx="1019826" cy="623120"/>
+            <a:chOff x="3946269" y="5051399"/>
+            <a:chExt cx="1019826" cy="623120"/>
           </a:xfrm>
-          <a:prstGeom prst="rightBrace">
-            <a:avLst/>
-          </a:prstGeom>
-        </p:spPr>
-        <p:style>
-          <a:lnRef idx="3">
-            <a:schemeClr val="accent1"/>
-          </a:lnRef>
-          <a:fillRef idx="0">
-            <a:schemeClr val="accent1"/>
-          </a:fillRef>
-          <a:effectRef idx="2">
-            <a:schemeClr val="accent1"/>
-          </a:effectRef>
-          <a:fontRef idx="minor">
-            <a:schemeClr val="tx1"/>
-          </a:fontRef>
-        </p:style>
-        <p:txBody>
-          <a:bodyPr rtlCol="0" anchor="ctr"/>
-          <a:lstStyle/>
-          <a:p>
-            <a:pPr algn="ctr"/>
-            <a:endParaRPr lang="en-SG"/>
-          </a:p>
-        </p:txBody>
-      </p:sp>
-      <p:sp>
-        <p:nvSpPr>
-          <p:cNvPr id="9" name="TextBox 8">
-            <a:extLst>
-              <a:ext uri="{FF2B5EF4-FFF2-40B4-BE49-F238E27FC236}">
-                <a16:creationId xmlns:a16="http://schemas.microsoft.com/office/drawing/2014/main" id="{64E7039B-00EC-4DDC-B348-58F4C75F63AF}"/>
-              </a:ext>
-            </a:extLst>
-          </p:cNvPr>
-          <p:cNvSpPr txBox="1"/>
+        </p:grpSpPr>
+        <p:sp>
+          <p:nvSpPr>
+            <p:cNvPr id="44" name="TextBox 43">
+              <a:extLst>
+                <a:ext uri="{FF2B5EF4-FFF2-40B4-BE49-F238E27FC236}">
+                  <a16:creationId xmlns:a16="http://schemas.microsoft.com/office/drawing/2014/main" id="{4DB4692F-5627-4F26-AA17-560705B6CBA1}"/>
+                </a:ext>
+              </a:extLst>
+            </p:cNvPr>
+            <p:cNvSpPr txBox="1"/>
+            <p:nvPr/>
+          </p:nvSpPr>
+          <p:spPr>
+            <a:xfrm>
+              <a:off x="3946269" y="5051399"/>
+              <a:ext cx="1019826" cy="276999"/>
+            </a:xfrm>
+            <a:prstGeom prst="rect">
+              <a:avLst/>
+            </a:prstGeom>
+            <a:noFill/>
+          </p:spPr>
+          <p:txBody>
+            <a:bodyPr wrap="square" rtlCol="0">
+              <a:spAutoFit/>
+            </a:bodyPr>
+            <a:lstStyle/>
+            <a:p>
+              <a:r>
+                <a:rPr lang="en-US" sz="1200" dirty="0">
+                  <a:solidFill>
+                    <a:schemeClr val="accent1"/>
+                  </a:solidFill>
+                </a:rPr>
+                <a:t>Ramps</a:t>
+              </a:r>
+              <a:endParaRPr lang="en-SG" sz="1200" dirty="0">
+                <a:solidFill>
+                  <a:schemeClr val="accent1"/>
+                </a:solidFill>
+              </a:endParaRPr>
+            </a:p>
+          </p:txBody>
+        </p:sp>
+        <p:sp>
+          <p:nvSpPr>
+            <p:cNvPr id="2" name="Oval 1">
+              <a:extLst>
+                <a:ext uri="{FF2B5EF4-FFF2-40B4-BE49-F238E27FC236}">
+                  <a16:creationId xmlns:a16="http://schemas.microsoft.com/office/drawing/2014/main" id="{7CBF2F7E-DF4B-4937-B579-9A5191DFED6B}"/>
+                </a:ext>
+              </a:extLst>
+            </p:cNvPr>
+            <p:cNvSpPr/>
+            <p:nvPr/>
+          </p:nvSpPr>
+          <p:spPr>
+            <a:xfrm>
+              <a:off x="4121944" y="5331619"/>
+              <a:ext cx="161925" cy="342900"/>
+            </a:xfrm>
+            <a:prstGeom prst="ellipse">
+              <a:avLst/>
+            </a:prstGeom>
+            <a:noFill/>
+            <a:ln w="9525" cap="flat" cmpd="sng" algn="ctr">
+              <a:solidFill>
+                <a:schemeClr val="accent1"/>
+              </a:solidFill>
+              <a:prstDash val="solid"/>
+              <a:round/>
+              <a:headEnd type="none" w="med" len="med"/>
+              <a:tailEnd type="none" w="med" len="med"/>
+            </a:ln>
+          </p:spPr>
+          <p:style>
+            <a:lnRef idx="0">
+              <a:scrgbClr r="0" g="0" b="0"/>
+            </a:lnRef>
+            <a:fillRef idx="0">
+              <a:scrgbClr r="0" g="0" b="0"/>
+            </a:fillRef>
+            <a:effectRef idx="0">
+              <a:scrgbClr r="0" g="0" b="0"/>
+            </a:effectRef>
+            <a:fontRef idx="minor">
+              <a:schemeClr val="accent1"/>
+            </a:fontRef>
+          </p:style>
+          <p:txBody>
+            <a:bodyPr rtlCol="0" anchor="ctr"/>
+            <a:lstStyle/>
+            <a:p>
+              <a:pPr algn="ctr"/>
+              <a:endParaRPr lang="en-US"/>
+            </a:p>
+          </p:txBody>
+        </p:sp>
+      </p:grpSp>
+      <p:grpSp>
+        <p:nvGrpSpPr>
+          <p:cNvPr id="40" name="Group 39">
+            <a:extLst>
+              <a:ext uri="{FF2B5EF4-FFF2-40B4-BE49-F238E27FC236}">
+                <a16:creationId xmlns:a16="http://schemas.microsoft.com/office/drawing/2014/main" id="{355B37A5-8EA6-41FF-AE7C-7F8A4FFA63AA}"/>
+              </a:ext>
+            </a:extLst>
+          </p:cNvPr>
+          <p:cNvGrpSpPr/>
           <p:nvPr/>
-        </p:nvSpPr>
-        <p:spPr>
+        </p:nvGrpSpPr>
+        <p:grpSpPr>
           <a:xfrm>
-            <a:off x="2726436" y="79248"/>
-            <a:ext cx="2090928" cy="276999"/>
+            <a:off x="9723023" y="3098194"/>
+            <a:ext cx="1095413" cy="560378"/>
+            <a:chOff x="8603087" y="2719565"/>
+            <a:chExt cx="1095413" cy="560378"/>
           </a:xfrm>
-          <a:prstGeom prst="rect">
-            <a:avLst/>
-          </a:prstGeom>
-          <a:noFill/>
-        </p:spPr>
-        <p:txBody>
-          <a:bodyPr wrap="square" rtlCol="0">
-            <a:spAutoFit/>
-          </a:bodyPr>
-          <a:lstStyle/>
-          <a:p>
-            <a:pPr algn="ctr"/>
-            <a:r>
-              <a:rPr lang="en-US" sz="1200" dirty="0"/>
-              <a:t>Chart Panel</a:t>
-            </a:r>
-            <a:endParaRPr lang="en-SG" sz="1200" dirty="0"/>
-          </a:p>
-        </p:txBody>
-      </p:sp>
-      <p:sp>
-        <p:nvSpPr>
-          <p:cNvPr id="10" name="Right Brace 9">
-            <a:extLst>
-              <a:ext uri="{FF2B5EF4-FFF2-40B4-BE49-F238E27FC236}">
-                <a16:creationId xmlns:a16="http://schemas.microsoft.com/office/drawing/2014/main" id="{195D0920-5C1C-411D-A43A-B7FB72C2CF80}"/>
-              </a:ext>
-            </a:extLst>
-          </p:cNvPr>
-          <p:cNvSpPr/>
+        </p:grpSpPr>
+        <p:sp>
+          <p:nvSpPr>
+            <p:cNvPr id="16" name="Oval 15">
+              <a:extLst>
+                <a:ext uri="{FF2B5EF4-FFF2-40B4-BE49-F238E27FC236}">
+                  <a16:creationId xmlns:a16="http://schemas.microsoft.com/office/drawing/2014/main" id="{0FA3B7FA-4DB5-4EB3-9614-C6246C535AC6}"/>
+                </a:ext>
+              </a:extLst>
+            </p:cNvPr>
+            <p:cNvSpPr/>
+            <p:nvPr/>
+          </p:nvSpPr>
+          <p:spPr>
+            <a:xfrm>
+              <a:off x="8603087" y="3116629"/>
+              <a:ext cx="154341" cy="163314"/>
+            </a:xfrm>
+            <a:prstGeom prst="ellipse">
+              <a:avLst/>
+            </a:prstGeom>
+            <a:noFill/>
+            <a:ln w="9525" cap="flat" cmpd="sng" algn="ctr">
+              <a:solidFill>
+                <a:schemeClr val="accent5"/>
+              </a:solidFill>
+              <a:prstDash val="solid"/>
+              <a:round/>
+              <a:headEnd type="none" w="med" len="med"/>
+              <a:tailEnd type="none" w="med" len="med"/>
+            </a:ln>
+          </p:spPr>
+          <p:style>
+            <a:lnRef idx="0">
+              <a:scrgbClr r="0" g="0" b="0"/>
+            </a:lnRef>
+            <a:fillRef idx="0">
+              <a:scrgbClr r="0" g="0" b="0"/>
+            </a:fillRef>
+            <a:effectRef idx="0">
+              <a:scrgbClr r="0" g="0" b="0"/>
+            </a:effectRef>
+            <a:fontRef idx="minor">
+              <a:schemeClr val="accent5"/>
+            </a:fontRef>
+          </p:style>
+          <p:txBody>
+            <a:bodyPr rtlCol="0" anchor="ctr"/>
+            <a:lstStyle/>
+            <a:p>
+              <a:pPr algn="ctr"/>
+              <a:endParaRPr lang="en-SG"/>
+            </a:p>
+          </p:txBody>
+        </p:sp>
+        <p:sp>
+          <p:nvSpPr>
+            <p:cNvPr id="17" name="TextBox 16">
+              <a:extLst>
+                <a:ext uri="{FF2B5EF4-FFF2-40B4-BE49-F238E27FC236}">
+                  <a16:creationId xmlns:a16="http://schemas.microsoft.com/office/drawing/2014/main" id="{0213D02D-4396-4437-B87F-870EECAA3F68}"/>
+                </a:ext>
+              </a:extLst>
+            </p:cNvPr>
+            <p:cNvSpPr txBox="1"/>
+            <p:nvPr/>
+          </p:nvSpPr>
+          <p:spPr>
+            <a:xfrm>
+              <a:off x="8777222" y="2719565"/>
+              <a:ext cx="921278" cy="276999"/>
+            </a:xfrm>
+            <a:prstGeom prst="rect">
+              <a:avLst/>
+            </a:prstGeom>
+            <a:noFill/>
+          </p:spPr>
+          <p:txBody>
+            <a:bodyPr wrap="none" rtlCol="0">
+              <a:spAutoFit/>
+            </a:bodyPr>
+            <a:lstStyle/>
+            <a:p>
+              <a:r>
+                <a:rPr lang="en-US" sz="1200" dirty="0">
+                  <a:solidFill>
+                    <a:schemeClr val="accent1"/>
+                  </a:solidFill>
+                </a:rPr>
+                <a:t>Blame View</a:t>
+              </a:r>
+              <a:endParaRPr lang="en-SG" sz="1200" dirty="0">
+                <a:solidFill>
+                  <a:schemeClr val="accent1"/>
+                </a:solidFill>
+              </a:endParaRPr>
+            </a:p>
+          </p:txBody>
+        </p:sp>
+        <p:sp>
+          <p:nvSpPr>
+            <p:cNvPr id="19" name="Arrow: Right 18">
+              <a:extLst>
+                <a:ext uri="{FF2B5EF4-FFF2-40B4-BE49-F238E27FC236}">
+                  <a16:creationId xmlns:a16="http://schemas.microsoft.com/office/drawing/2014/main" id="{A85A5DB4-65AD-4483-B496-640C742923A0}"/>
+                </a:ext>
+              </a:extLst>
+            </p:cNvPr>
+            <p:cNvSpPr/>
+            <p:nvPr/>
+          </p:nvSpPr>
+          <p:spPr>
+            <a:xfrm rot="19492286">
+              <a:off x="8747796" y="2993386"/>
+              <a:ext cx="236436" cy="97790"/>
+            </a:xfrm>
+            <a:prstGeom prst="rightArrow">
+              <a:avLst/>
+            </a:prstGeom>
+          </p:spPr>
+          <p:style>
+            <a:lnRef idx="2">
+              <a:schemeClr val="accent1">
+                <a:shade val="50000"/>
+              </a:schemeClr>
+            </a:lnRef>
+            <a:fillRef idx="1">
+              <a:schemeClr val="accent1"/>
+            </a:fillRef>
+            <a:effectRef idx="0">
+              <a:schemeClr val="accent1"/>
+            </a:effectRef>
+            <a:fontRef idx="minor">
+              <a:schemeClr val="lt1"/>
+            </a:fontRef>
+          </p:style>
+          <p:txBody>
+            <a:bodyPr rtlCol="0" anchor="ctr"/>
+            <a:lstStyle/>
+            <a:p>
+              <a:pPr algn="ctr"/>
+              <a:endParaRPr lang="en-SG"/>
+            </a:p>
+          </p:txBody>
+        </p:sp>
+      </p:grpSp>
+      <p:grpSp>
+        <p:nvGrpSpPr>
+          <p:cNvPr id="38" name="Group 37">
+            <a:extLst>
+              <a:ext uri="{FF2B5EF4-FFF2-40B4-BE49-F238E27FC236}">
+                <a16:creationId xmlns:a16="http://schemas.microsoft.com/office/drawing/2014/main" id="{E8CB930F-3742-4BA6-BECD-C54762D6B43C}"/>
+              </a:ext>
+            </a:extLst>
+          </p:cNvPr>
+          <p:cNvGrpSpPr/>
           <p:nvPr/>
-        </p:nvSpPr>
-        <p:spPr>
-          <a:xfrm rot="16200000">
-            <a:off x="8298180" y="-1631634"/>
-            <a:ext cx="344424" cy="4547616"/>
+        </p:nvGrpSpPr>
+        <p:grpSpPr>
+          <a:xfrm>
+            <a:off x="8625163" y="2688150"/>
+            <a:ext cx="1127684" cy="568600"/>
+            <a:chOff x="7475403" y="3115227"/>
+            <a:chExt cx="1127684" cy="568600"/>
           </a:xfrm>
-          <a:prstGeom prst="rightBrace">
-            <a:avLst/>
-          </a:prstGeom>
-        </p:spPr>
-        <p:style>
-          <a:lnRef idx="3">
-            <a:schemeClr val="accent2"/>
-          </a:lnRef>
-          <a:fillRef idx="0">
-            <a:schemeClr val="accent2"/>
-          </a:fillRef>
-          <a:effectRef idx="2">
-            <a:schemeClr val="accent2"/>
-          </a:effectRef>
-          <a:fontRef idx="minor">
-            <a:schemeClr val="tx1"/>
-          </a:fontRef>
-        </p:style>
-        <p:txBody>
-          <a:bodyPr rtlCol="0" anchor="ctr"/>
-          <a:lstStyle/>
-          <a:p>
-            <a:pPr algn="ctr"/>
-            <a:endParaRPr lang="en-SG"/>
-          </a:p>
-        </p:txBody>
-      </p:sp>
-      <p:sp>
-        <p:nvSpPr>
-          <p:cNvPr id="11" name="TextBox 10">
-            <a:extLst>
-              <a:ext uri="{FF2B5EF4-FFF2-40B4-BE49-F238E27FC236}">
-                <a16:creationId xmlns:a16="http://schemas.microsoft.com/office/drawing/2014/main" id="{08293D95-459E-4730-BC16-CD778BC8DE8A}"/>
-              </a:ext>
-            </a:extLst>
-          </p:cNvPr>
-          <p:cNvSpPr txBox="1"/>
+        </p:grpSpPr>
+        <p:sp>
+          <p:nvSpPr>
+            <p:cNvPr id="18" name="Oval 17">
+              <a:extLst>
+                <a:ext uri="{FF2B5EF4-FFF2-40B4-BE49-F238E27FC236}">
+                  <a16:creationId xmlns:a16="http://schemas.microsoft.com/office/drawing/2014/main" id="{3698720C-0C2B-463A-B70A-97FF666889C2}"/>
+                </a:ext>
+              </a:extLst>
+            </p:cNvPr>
+            <p:cNvSpPr/>
+            <p:nvPr/>
+          </p:nvSpPr>
+          <p:spPr>
+            <a:xfrm>
+              <a:off x="8448746" y="3115227"/>
+              <a:ext cx="154341" cy="165109"/>
+            </a:xfrm>
+            <a:prstGeom prst="ellipse">
+              <a:avLst/>
+            </a:prstGeom>
+            <a:noFill/>
+            <a:ln w="9525" cap="flat" cmpd="sng" algn="ctr">
+              <a:solidFill>
+                <a:schemeClr val="accent2"/>
+              </a:solidFill>
+              <a:prstDash val="solid"/>
+              <a:round/>
+              <a:headEnd type="none" w="med" len="med"/>
+              <a:tailEnd type="none" w="med" len="med"/>
+            </a:ln>
+          </p:spPr>
+          <p:style>
+            <a:lnRef idx="0">
+              <a:scrgbClr r="0" g="0" b="0"/>
+            </a:lnRef>
+            <a:fillRef idx="0">
+              <a:scrgbClr r="0" g="0" b="0"/>
+            </a:fillRef>
+            <a:effectRef idx="0">
+              <a:scrgbClr r="0" g="0" b="0"/>
+            </a:effectRef>
+            <a:fontRef idx="minor">
+              <a:schemeClr val="accent2"/>
+            </a:fontRef>
+          </p:style>
+          <p:txBody>
+            <a:bodyPr rtlCol="0" anchor="ctr"/>
+            <a:lstStyle/>
+            <a:p>
+              <a:pPr algn="ctr"/>
+              <a:endParaRPr lang="en-SG"/>
+            </a:p>
+          </p:txBody>
+        </p:sp>
+        <p:sp>
+          <p:nvSpPr>
+            <p:cNvPr id="20" name="Arrow: Right 19">
+              <a:extLst>
+                <a:ext uri="{FF2B5EF4-FFF2-40B4-BE49-F238E27FC236}">
+                  <a16:creationId xmlns:a16="http://schemas.microsoft.com/office/drawing/2014/main" id="{620CEC16-4148-4C61-AC47-F7DFED9FDB71}"/>
+                </a:ext>
+              </a:extLst>
+            </p:cNvPr>
+            <p:cNvSpPr/>
+            <p:nvPr/>
+          </p:nvSpPr>
+          <p:spPr>
+            <a:xfrm rot="18900000">
+              <a:off x="8286583" y="3318450"/>
+              <a:ext cx="158874" cy="97790"/>
+            </a:xfrm>
+            <a:prstGeom prst="rightArrow">
+              <a:avLst/>
+            </a:prstGeom>
+          </p:spPr>
+          <p:style>
+            <a:lnRef idx="2">
+              <a:schemeClr val="accent2">
+                <a:shade val="50000"/>
+              </a:schemeClr>
+            </a:lnRef>
+            <a:fillRef idx="1">
+              <a:schemeClr val="accent2"/>
+            </a:fillRef>
+            <a:effectRef idx="0">
+              <a:schemeClr val="accent2"/>
+            </a:effectRef>
+            <a:fontRef idx="minor">
+              <a:schemeClr val="lt1"/>
+            </a:fontRef>
+          </p:style>
+          <p:txBody>
+            <a:bodyPr rtlCol="0" anchor="ctr"/>
+            <a:lstStyle/>
+            <a:p>
+              <a:pPr algn="ctr"/>
+              <a:endParaRPr lang="en-SG"/>
+            </a:p>
+          </p:txBody>
+        </p:sp>
+        <p:sp>
+          <p:nvSpPr>
+            <p:cNvPr id="21" name="TextBox 20">
+              <a:extLst>
+                <a:ext uri="{FF2B5EF4-FFF2-40B4-BE49-F238E27FC236}">
+                  <a16:creationId xmlns:a16="http://schemas.microsoft.com/office/drawing/2014/main" id="{D1178780-E5C8-40A3-866C-F0D48D349217}"/>
+                </a:ext>
+              </a:extLst>
+            </p:cNvPr>
+            <p:cNvSpPr txBox="1"/>
+            <p:nvPr/>
+          </p:nvSpPr>
+          <p:spPr>
+            <a:xfrm>
+              <a:off x="7475403" y="3406828"/>
+              <a:ext cx="973343" cy="276999"/>
+            </a:xfrm>
+            <a:prstGeom prst="rect">
+              <a:avLst/>
+            </a:prstGeom>
+            <a:noFill/>
+          </p:spPr>
+          <p:txBody>
+            <a:bodyPr wrap="none" rtlCol="0">
+              <a:spAutoFit/>
+            </a:bodyPr>
+            <a:lstStyle/>
+            <a:p>
+              <a:r>
+                <a:rPr lang="en-US" sz="1200" dirty="0">
+                  <a:solidFill>
+                    <a:schemeClr val="accent2"/>
+                  </a:solidFill>
+                </a:rPr>
+                <a:t>History View</a:t>
+              </a:r>
+              <a:endParaRPr lang="en-SG" sz="1200" dirty="0">
+                <a:solidFill>
+                  <a:schemeClr val="accent2"/>
+                </a:solidFill>
+              </a:endParaRPr>
+            </a:p>
+          </p:txBody>
+        </p:sp>
+      </p:grpSp>
+      <p:grpSp>
+        <p:nvGrpSpPr>
+          <p:cNvPr id="15" name="Group 14">
+            <a:extLst>
+              <a:ext uri="{FF2B5EF4-FFF2-40B4-BE49-F238E27FC236}">
+                <a16:creationId xmlns:a16="http://schemas.microsoft.com/office/drawing/2014/main" id="{63E15A1F-3E59-4DDC-A66B-A3347279DE71}"/>
+              </a:ext>
+            </a:extLst>
+          </p:cNvPr>
+          <p:cNvGrpSpPr/>
           <p:nvPr/>
-        </p:nvSpPr>
-        <p:spPr>
+        </p:nvGrpSpPr>
+        <p:grpSpPr>
           <a:xfrm>
-            <a:off x="7424928" y="79248"/>
-            <a:ext cx="2090928" cy="276999"/>
+            <a:off x="1443990" y="79248"/>
+            <a:ext cx="4652010" cy="5964363"/>
+            <a:chOff x="1443990" y="79248"/>
+            <a:chExt cx="4652010" cy="5964363"/>
           </a:xfrm>
-          <a:prstGeom prst="rect">
-            <a:avLst/>
-          </a:prstGeom>
-          <a:noFill/>
-        </p:spPr>
-        <p:txBody>
-          <a:bodyPr wrap="square" rtlCol="0">
-            <a:spAutoFit/>
-          </a:bodyPr>
-          <a:lstStyle/>
-          <a:p>
-            <a:pPr algn="ctr"/>
-            <a:r>
-              <a:rPr lang="en-US" sz="1200" dirty="0"/>
-              <a:t>Code Panel</a:t>
-            </a:r>
-            <a:endParaRPr lang="en-SG" sz="1200" dirty="0"/>
-          </a:p>
-        </p:txBody>
-      </p:sp>
-      <p:sp>
-        <p:nvSpPr>
-          <p:cNvPr id="12" name="Arrow: Right 11">
-            <a:extLst>
-              <a:ext uri="{FF2B5EF4-FFF2-40B4-BE49-F238E27FC236}">
-                <a16:creationId xmlns:a16="http://schemas.microsoft.com/office/drawing/2014/main" id="{88177BEA-4D65-45B7-A56C-6FBD7CF8C471}"/>
-              </a:ext>
-            </a:extLst>
-          </p:cNvPr>
-          <p:cNvSpPr/>
+        </p:grpSpPr>
+        <p:sp>
+          <p:nvSpPr>
+            <p:cNvPr id="8" name="Right Brace 7">
+              <a:extLst>
+                <a:ext uri="{FF2B5EF4-FFF2-40B4-BE49-F238E27FC236}">
+                  <a16:creationId xmlns:a16="http://schemas.microsoft.com/office/drawing/2014/main" id="{C05B2C6F-DCA4-45F9-94E5-345EC17842DB}"/>
+                </a:ext>
+              </a:extLst>
+            </p:cNvPr>
+            <p:cNvSpPr/>
+            <p:nvPr/>
+          </p:nvSpPr>
+          <p:spPr>
+            <a:xfrm rot="16200000">
+              <a:off x="3599688" y="-1681925"/>
+              <a:ext cx="344424" cy="4648200"/>
+            </a:xfrm>
+            <a:prstGeom prst="rightBrace">
+              <a:avLst/>
+            </a:prstGeom>
+          </p:spPr>
+          <p:style>
+            <a:lnRef idx="3">
+              <a:schemeClr val="accent1"/>
+            </a:lnRef>
+            <a:fillRef idx="0">
+              <a:schemeClr val="accent1"/>
+            </a:fillRef>
+            <a:effectRef idx="2">
+              <a:schemeClr val="accent1"/>
+            </a:effectRef>
+            <a:fontRef idx="minor">
+              <a:schemeClr val="tx1"/>
+            </a:fontRef>
+          </p:style>
+          <p:txBody>
+            <a:bodyPr rtlCol="0" anchor="ctr"/>
+            <a:lstStyle/>
+            <a:p>
+              <a:pPr algn="ctr"/>
+              <a:endParaRPr lang="en-SG"/>
+            </a:p>
+          </p:txBody>
+        </p:sp>
+        <p:sp>
+          <p:nvSpPr>
+            <p:cNvPr id="9" name="TextBox 8">
+              <a:extLst>
+                <a:ext uri="{FF2B5EF4-FFF2-40B4-BE49-F238E27FC236}">
+                  <a16:creationId xmlns:a16="http://schemas.microsoft.com/office/drawing/2014/main" id="{64E7039B-00EC-4DDC-B348-58F4C75F63AF}"/>
+                </a:ext>
+              </a:extLst>
+            </p:cNvPr>
+            <p:cNvSpPr txBox="1"/>
+            <p:nvPr/>
+          </p:nvSpPr>
+          <p:spPr>
+            <a:xfrm>
+              <a:off x="2726436" y="79248"/>
+              <a:ext cx="2090928" cy="276999"/>
+            </a:xfrm>
+            <a:prstGeom prst="rect">
+              <a:avLst/>
+            </a:prstGeom>
+            <a:noFill/>
+          </p:spPr>
+          <p:txBody>
+            <a:bodyPr wrap="square" rtlCol="0">
+              <a:spAutoFit/>
+            </a:bodyPr>
+            <a:lstStyle/>
+            <a:p>
+              <a:pPr algn="ctr"/>
+              <a:r>
+                <a:rPr lang="en-US" sz="1200" dirty="0"/>
+                <a:t>Chart Panel</a:t>
+              </a:r>
+              <a:endParaRPr lang="en-SG" sz="1200" dirty="0"/>
+            </a:p>
+          </p:txBody>
+        </p:sp>
+        <p:sp>
+          <p:nvSpPr>
+            <p:cNvPr id="23" name="Rectangle 22">
+              <a:extLst>
+                <a:ext uri="{FF2B5EF4-FFF2-40B4-BE49-F238E27FC236}">
+                  <a16:creationId xmlns:a16="http://schemas.microsoft.com/office/drawing/2014/main" id="{6D6AB3E9-494B-45F6-B9FF-736F40C71E04}"/>
+                </a:ext>
+              </a:extLst>
+            </p:cNvPr>
+            <p:cNvSpPr/>
+            <p:nvPr/>
+          </p:nvSpPr>
+          <p:spPr>
+            <a:xfrm>
+              <a:off x="1443990" y="814386"/>
+              <a:ext cx="4607814" cy="5229225"/>
+            </a:xfrm>
+            <a:prstGeom prst="rect">
+              <a:avLst/>
+            </a:prstGeom>
+            <a:noFill/>
+            <a:ln w="57150" cap="flat" cmpd="sng" algn="ctr">
+              <a:solidFill>
+                <a:schemeClr val="accent1"/>
+              </a:solidFill>
+              <a:prstDash val="solid"/>
+              <a:round/>
+              <a:headEnd type="none" w="med" len="med"/>
+              <a:tailEnd type="none" w="med" len="med"/>
+            </a:ln>
+          </p:spPr>
+          <p:style>
+            <a:lnRef idx="0">
+              <a:scrgbClr r="0" g="0" b="0"/>
+            </a:lnRef>
+            <a:fillRef idx="0">
+              <a:scrgbClr r="0" g="0" b="0"/>
+            </a:fillRef>
+            <a:effectRef idx="0">
+              <a:scrgbClr r="0" g="0" b="0"/>
+            </a:effectRef>
+            <a:fontRef idx="minor">
+              <a:schemeClr val="accent1"/>
+            </a:fontRef>
+          </p:style>
+          <p:txBody>
+            <a:bodyPr rtlCol="0" anchor="ctr"/>
+            <a:lstStyle/>
+            <a:p>
+              <a:pPr algn="ctr"/>
+              <a:endParaRPr lang="en-SG"/>
+            </a:p>
+          </p:txBody>
+        </p:sp>
+      </p:grpSp>
+      <p:grpSp>
+        <p:nvGrpSpPr>
+          <p:cNvPr id="7" name="Group 6">
+            <a:extLst>
+              <a:ext uri="{FF2B5EF4-FFF2-40B4-BE49-F238E27FC236}">
+                <a16:creationId xmlns:a16="http://schemas.microsoft.com/office/drawing/2014/main" id="{136E2079-5E0D-4506-AFAA-58961257A6DD}"/>
+              </a:ext>
+            </a:extLst>
+          </p:cNvPr>
+          <p:cNvGrpSpPr/>
           <p:nvPr/>
-        </p:nvSpPr>
-        <p:spPr>
-          <a:xfrm rot="21372755">
-            <a:off x="8429466" y="1857407"/>
-            <a:ext cx="402336" cy="121920"/>
+        </p:nvGrpSpPr>
+        <p:grpSpPr>
+          <a:xfrm>
+            <a:off x="544590" y="945870"/>
+            <a:ext cx="5327890" cy="869029"/>
+            <a:chOff x="823377" y="945870"/>
+            <a:chExt cx="4742922" cy="869029"/>
           </a:xfrm>
-          <a:prstGeom prst="rightArrow">
-            <a:avLst/>
-          </a:prstGeom>
-        </p:spPr>
-        <p:style>
-          <a:lnRef idx="2">
-            <a:schemeClr val="accent6">
-              <a:shade val="50000"/>
-            </a:schemeClr>
-          </a:lnRef>
-          <a:fillRef idx="1">
-            <a:schemeClr val="accent6"/>
-          </a:fillRef>
-          <a:effectRef idx="0">
-            <a:schemeClr val="accent6"/>
-          </a:effectRef>
-          <a:fontRef idx="minor">
-            <a:schemeClr val="lt1"/>
-          </a:fontRef>
-        </p:style>
-        <p:txBody>
-          <a:bodyPr rtlCol="0" anchor="ctr"/>
-          <a:lstStyle/>
-          <a:p>
-            <a:pPr algn="ctr"/>
-            <a:endParaRPr lang="en-SG"/>
-          </a:p>
-        </p:txBody>
-      </p:sp>
-      <p:sp>
-        <p:nvSpPr>
-          <p:cNvPr id="13" name="TextBox 12">
-            <a:extLst>
-              <a:ext uri="{FF2B5EF4-FFF2-40B4-BE49-F238E27FC236}">
-                <a16:creationId xmlns:a16="http://schemas.microsoft.com/office/drawing/2014/main" id="{C135F275-4477-467B-8D51-84AA5700DE35}"/>
-              </a:ext>
-            </a:extLst>
-          </p:cNvPr>
-          <p:cNvSpPr txBox="1"/>
+        </p:grpSpPr>
+        <p:sp>
+          <p:nvSpPr>
+            <p:cNvPr id="22" name="Left Brace 21">
+              <a:extLst>
+                <a:ext uri="{FF2B5EF4-FFF2-40B4-BE49-F238E27FC236}">
+                  <a16:creationId xmlns:a16="http://schemas.microsoft.com/office/drawing/2014/main" id="{C4A07B1E-02AC-4689-807B-B2620194B508}"/>
+                </a:ext>
+              </a:extLst>
+            </p:cNvPr>
+            <p:cNvSpPr/>
+            <p:nvPr/>
+          </p:nvSpPr>
+          <p:spPr>
+            <a:xfrm>
+              <a:off x="1548971" y="945870"/>
+              <a:ext cx="310965" cy="869029"/>
+            </a:xfrm>
+            <a:prstGeom prst="leftBrace">
+              <a:avLst>
+                <a:gd name="adj1" fmla="val 14462"/>
+                <a:gd name="adj2" fmla="val 48831"/>
+              </a:avLst>
+            </a:prstGeom>
+          </p:spPr>
+          <p:style>
+            <a:lnRef idx="3">
+              <a:schemeClr val="accent6"/>
+            </a:lnRef>
+            <a:fillRef idx="0">
+              <a:schemeClr val="accent6"/>
+            </a:fillRef>
+            <a:effectRef idx="2">
+              <a:schemeClr val="accent6"/>
+            </a:effectRef>
+            <a:fontRef idx="minor">
+              <a:schemeClr val="tx1"/>
+            </a:fontRef>
+          </p:style>
+          <p:txBody>
+            <a:bodyPr rtlCol="0" anchor="ctr"/>
+            <a:lstStyle/>
+            <a:p>
+              <a:pPr algn="ctr"/>
+              <a:endParaRPr lang="en-SG"/>
+            </a:p>
+          </p:txBody>
+        </p:sp>
+        <p:sp>
+          <p:nvSpPr>
+            <p:cNvPr id="24" name="TextBox 23">
+              <a:extLst>
+                <a:ext uri="{FF2B5EF4-FFF2-40B4-BE49-F238E27FC236}">
+                  <a16:creationId xmlns:a16="http://schemas.microsoft.com/office/drawing/2014/main" id="{ACDC6C00-2DF8-42EF-B108-6D30BD3CBE76}"/>
+                </a:ext>
+              </a:extLst>
+            </p:cNvPr>
+            <p:cNvSpPr txBox="1"/>
+            <p:nvPr/>
+          </p:nvSpPr>
+          <p:spPr>
+            <a:xfrm>
+              <a:off x="823377" y="1208184"/>
+              <a:ext cx="723900" cy="276999"/>
+            </a:xfrm>
+            <a:prstGeom prst="rect">
+              <a:avLst/>
+            </a:prstGeom>
+            <a:noFill/>
+          </p:spPr>
+          <p:txBody>
+            <a:bodyPr wrap="square" rtlCol="0">
+              <a:spAutoFit/>
+            </a:bodyPr>
+            <a:lstStyle/>
+            <a:p>
+              <a:pPr algn="ctr"/>
+              <a:r>
+                <a:rPr lang="en-US" sz="1200" dirty="0">
+                  <a:solidFill>
+                    <a:schemeClr val="accent6"/>
+                  </a:solidFill>
+                </a:rPr>
+                <a:t>Toolbar</a:t>
+              </a:r>
+            </a:p>
+          </p:txBody>
+        </p:sp>
+        <p:sp>
+          <p:nvSpPr>
+            <p:cNvPr id="25" name="Rectangle 24">
+              <a:extLst>
+                <a:ext uri="{FF2B5EF4-FFF2-40B4-BE49-F238E27FC236}">
+                  <a16:creationId xmlns:a16="http://schemas.microsoft.com/office/drawing/2014/main" id="{38234176-8BB8-4114-96C5-171C66ECDE3F}"/>
+                </a:ext>
+              </a:extLst>
+            </p:cNvPr>
+            <p:cNvSpPr/>
+            <p:nvPr/>
+          </p:nvSpPr>
+          <p:spPr>
+            <a:xfrm>
+              <a:off x="1859936" y="945870"/>
+              <a:ext cx="3706363" cy="869029"/>
+            </a:xfrm>
+            <a:prstGeom prst="rect">
+              <a:avLst/>
+            </a:prstGeom>
+            <a:noFill/>
+            <a:ln w="9525" cap="flat" cmpd="sng" algn="ctr">
+              <a:solidFill>
+                <a:schemeClr val="accent6"/>
+              </a:solidFill>
+              <a:prstDash val="solid"/>
+              <a:round/>
+              <a:headEnd type="none" w="med" len="med"/>
+              <a:tailEnd type="none" w="med" len="med"/>
+            </a:ln>
+          </p:spPr>
+          <p:style>
+            <a:lnRef idx="0">
+              <a:scrgbClr r="0" g="0" b="0"/>
+            </a:lnRef>
+            <a:fillRef idx="0">
+              <a:scrgbClr r="0" g="0" b="0"/>
+            </a:fillRef>
+            <a:effectRef idx="0">
+              <a:scrgbClr r="0" g="0" b="0"/>
+            </a:effectRef>
+            <a:fontRef idx="minor">
+              <a:schemeClr val="accent6"/>
+            </a:fontRef>
+          </p:style>
+          <p:txBody>
+            <a:bodyPr rtlCol="0" anchor="ctr"/>
+            <a:lstStyle/>
+            <a:p>
+              <a:pPr algn="ctr"/>
+              <a:endParaRPr lang="en-SG"/>
+            </a:p>
+          </p:txBody>
+        </p:sp>
+      </p:grpSp>
+      <p:grpSp>
+        <p:nvGrpSpPr>
+          <p:cNvPr id="5" name="Group 4">
+            <a:extLst>
+              <a:ext uri="{FF2B5EF4-FFF2-40B4-BE49-F238E27FC236}">
+                <a16:creationId xmlns:a16="http://schemas.microsoft.com/office/drawing/2014/main" id="{4FF72358-8A89-4AE0-983B-BB094CC4E4D9}"/>
+              </a:ext>
+            </a:extLst>
+          </p:cNvPr>
+          <p:cNvGrpSpPr/>
           <p:nvPr/>
-        </p:nvSpPr>
-        <p:spPr>
+        </p:nvGrpSpPr>
+        <p:grpSpPr>
           <a:xfrm>
-            <a:off x="8790433" y="1735827"/>
-            <a:ext cx="836402" cy="276999"/>
+            <a:off x="2754415" y="3135977"/>
+            <a:ext cx="1695743" cy="246221"/>
+            <a:chOff x="2464522" y="2361561"/>
+            <a:chExt cx="1695743" cy="246221"/>
           </a:xfrm>
-          <a:prstGeom prst="rect">
-            <a:avLst/>
-          </a:prstGeom>
-          <a:noFill/>
-        </p:spPr>
-        <p:txBody>
-          <a:bodyPr wrap="square" rtlCol="0">
-            <a:spAutoFit/>
-          </a:bodyPr>
-          <a:lstStyle/>
-          <a:p>
-            <a:r>
-              <a:rPr lang="en-US" sz="1200" dirty="0">
+        </p:grpSpPr>
+        <p:sp>
+          <p:nvSpPr>
+            <p:cNvPr id="26" name="Oval 25">
+              <a:extLst>
+                <a:ext uri="{FF2B5EF4-FFF2-40B4-BE49-F238E27FC236}">
+                  <a16:creationId xmlns:a16="http://schemas.microsoft.com/office/drawing/2014/main" id="{1173C975-EBB3-439F-8872-826D3DAF91EB}"/>
+                </a:ext>
+              </a:extLst>
+            </p:cNvPr>
+            <p:cNvSpPr/>
+            <p:nvPr/>
+          </p:nvSpPr>
+          <p:spPr>
+            <a:xfrm>
+              <a:off x="2464522" y="2454206"/>
+              <a:ext cx="142875" cy="133350"/>
+            </a:xfrm>
+            <a:prstGeom prst="ellipse">
+              <a:avLst/>
+            </a:prstGeom>
+            <a:noFill/>
+            <a:ln w="9525" cap="flat" cmpd="sng" algn="ctr">
+              <a:solidFill>
+                <a:schemeClr val="accent2"/>
+              </a:solidFill>
+              <a:prstDash val="solid"/>
+              <a:round/>
+              <a:headEnd type="none" w="med" len="med"/>
+              <a:tailEnd type="none" w="med" len="med"/>
+            </a:ln>
+          </p:spPr>
+          <p:style>
+            <a:lnRef idx="0">
+              <a:scrgbClr r="0" g="0" b="0"/>
+            </a:lnRef>
+            <a:fillRef idx="0">
+              <a:scrgbClr r="0" g="0" b="0"/>
+            </a:fillRef>
+            <a:effectRef idx="0">
+              <a:scrgbClr r="0" g="0" b="0"/>
+            </a:effectRef>
+            <a:fontRef idx="minor">
+              <a:schemeClr val="accent2"/>
+            </a:fontRef>
+          </p:style>
+          <p:txBody>
+            <a:bodyPr rtlCol="0" anchor="ctr"/>
+            <a:lstStyle/>
+            <a:p>
+              <a:pPr algn="ctr"/>
+              <a:endParaRPr lang="en-SG"/>
+            </a:p>
+          </p:txBody>
+        </p:sp>
+        <p:sp>
+          <p:nvSpPr>
+            <p:cNvPr id="27" name="Arrow: Right 26">
+              <a:extLst>
+                <a:ext uri="{FF2B5EF4-FFF2-40B4-BE49-F238E27FC236}">
+                  <a16:creationId xmlns:a16="http://schemas.microsoft.com/office/drawing/2014/main" id="{A58405F1-EAAD-4099-A00D-F41C9263239F}"/>
+                </a:ext>
+              </a:extLst>
+            </p:cNvPr>
+            <p:cNvSpPr/>
+            <p:nvPr/>
+          </p:nvSpPr>
+          <p:spPr>
+            <a:xfrm rot="21204583">
+              <a:off x="2661847" y="2453845"/>
+              <a:ext cx="142378" cy="66676"/>
+            </a:xfrm>
+            <a:prstGeom prst="rightArrow">
+              <a:avLst/>
+            </a:prstGeom>
+          </p:spPr>
+          <p:style>
+            <a:lnRef idx="2">
+              <a:schemeClr val="accent2">
+                <a:shade val="50000"/>
+              </a:schemeClr>
+            </a:lnRef>
+            <a:fillRef idx="1">
+              <a:schemeClr val="accent2"/>
+            </a:fillRef>
+            <a:effectRef idx="0">
+              <a:schemeClr val="accent2"/>
+            </a:effectRef>
+            <a:fontRef idx="minor">
+              <a:schemeClr val="lt1"/>
+            </a:fontRef>
+          </p:style>
+          <p:txBody>
+            <a:bodyPr rtlCol="0" anchor="ctr"/>
+            <a:lstStyle/>
+            <a:p>
+              <a:pPr algn="ctr"/>
+              <a:endParaRPr lang="en-SG"/>
+            </a:p>
+          </p:txBody>
+        </p:sp>
+        <p:sp>
+          <p:nvSpPr>
+            <p:cNvPr id="28" name="TextBox 27">
+              <a:extLst>
+                <a:ext uri="{FF2B5EF4-FFF2-40B4-BE49-F238E27FC236}">
+                  <a16:creationId xmlns:a16="http://schemas.microsoft.com/office/drawing/2014/main" id="{34AE8672-B518-45E4-9DE5-A05EE9D1C6F3}"/>
+                </a:ext>
+              </a:extLst>
+            </p:cNvPr>
+            <p:cNvSpPr txBox="1"/>
+            <p:nvPr/>
+          </p:nvSpPr>
+          <p:spPr>
+            <a:xfrm>
+              <a:off x="2760090" y="2361561"/>
+              <a:ext cx="1400175" cy="246221"/>
+            </a:xfrm>
+            <a:prstGeom prst="rect">
+              <a:avLst/>
+            </a:prstGeom>
+            <a:noFill/>
+          </p:spPr>
+          <p:txBody>
+            <a:bodyPr wrap="square" rtlCol="0">
+              <a:spAutoFit/>
+            </a:bodyPr>
+            <a:lstStyle/>
+            <a:p>
+              <a:r>
+                <a:rPr lang="en-US" sz="1000" dirty="0">
+                  <a:solidFill>
+                    <a:schemeClr val="accent2"/>
+                  </a:solidFill>
+                </a:rPr>
+                <a:t>Link to repository</a:t>
+              </a:r>
+              <a:endParaRPr lang="en-SG" sz="1000" dirty="0">
+                <a:solidFill>
+                  <a:schemeClr val="accent2"/>
+                </a:solidFill>
+              </a:endParaRPr>
+            </a:p>
+          </p:txBody>
+        </p:sp>
+      </p:grpSp>
+      <p:grpSp>
+        <p:nvGrpSpPr>
+          <p:cNvPr id="6" name="Group 5">
+            <a:extLst>
+              <a:ext uri="{FF2B5EF4-FFF2-40B4-BE49-F238E27FC236}">
+                <a16:creationId xmlns:a16="http://schemas.microsoft.com/office/drawing/2014/main" id="{71B6EB53-FA00-4D6F-8B6D-CFC7C368353A}"/>
+              </a:ext>
+            </a:extLst>
+          </p:cNvPr>
+          <p:cNvGrpSpPr/>
+          <p:nvPr/>
+        </p:nvGrpSpPr>
+        <p:grpSpPr>
+          <a:xfrm>
+            <a:off x="2775084" y="2520611"/>
+            <a:ext cx="2165611" cy="263574"/>
+            <a:chOff x="2230032" y="2870443"/>
+            <a:chExt cx="2165611" cy="263574"/>
+          </a:xfrm>
+        </p:grpSpPr>
+        <p:sp>
+          <p:nvSpPr>
+            <p:cNvPr id="29" name="Oval 28">
+              <a:extLst>
+                <a:ext uri="{FF2B5EF4-FFF2-40B4-BE49-F238E27FC236}">
+                  <a16:creationId xmlns:a16="http://schemas.microsoft.com/office/drawing/2014/main" id="{2206B7BC-33E8-473B-84CD-DA37BCD06CDF}"/>
+                </a:ext>
+              </a:extLst>
+            </p:cNvPr>
+            <p:cNvSpPr/>
+            <p:nvPr/>
+          </p:nvSpPr>
+          <p:spPr>
+            <a:xfrm>
+              <a:off x="2230032" y="3000667"/>
+              <a:ext cx="130499" cy="133350"/>
+            </a:xfrm>
+            <a:prstGeom prst="ellipse">
+              <a:avLst/>
+            </a:prstGeom>
+            <a:noFill/>
+            <a:ln w="9525" cap="flat" cmpd="sng" algn="ctr">
+              <a:solidFill>
+                <a:schemeClr val="accent6"/>
+              </a:solidFill>
+              <a:prstDash val="solid"/>
+              <a:round/>
+              <a:headEnd type="none" w="med" len="med"/>
+              <a:tailEnd type="none" w="med" len="med"/>
+            </a:ln>
+          </p:spPr>
+          <p:style>
+            <a:lnRef idx="0">
+              <a:scrgbClr r="0" g="0" b="0"/>
+            </a:lnRef>
+            <a:fillRef idx="0">
+              <a:scrgbClr r="0" g="0" b="0"/>
+            </a:fillRef>
+            <a:effectRef idx="0">
+              <a:scrgbClr r="0" g="0" b="0"/>
+            </a:effectRef>
+            <a:fontRef idx="minor">
+              <a:schemeClr val="accent6"/>
+            </a:fontRef>
+          </p:style>
+          <p:txBody>
+            <a:bodyPr rtlCol="0" anchor="ctr"/>
+            <a:lstStyle/>
+            <a:p>
+              <a:pPr algn="ctr"/>
+              <a:endParaRPr lang="en-SG"/>
+            </a:p>
+          </p:txBody>
+        </p:sp>
+        <p:sp>
+          <p:nvSpPr>
+            <p:cNvPr id="30" name="Arrow: Bent 29">
+              <a:extLst>
+                <a:ext uri="{FF2B5EF4-FFF2-40B4-BE49-F238E27FC236}">
+                  <a16:creationId xmlns:a16="http://schemas.microsoft.com/office/drawing/2014/main" id="{DFCFA230-CA83-4084-9F6D-71E51B2037DE}"/>
+                </a:ext>
+              </a:extLst>
+            </p:cNvPr>
+            <p:cNvSpPr/>
+            <p:nvPr/>
+          </p:nvSpPr>
+          <p:spPr>
+            <a:xfrm>
+              <a:off x="2281147" y="2943385"/>
+              <a:ext cx="243840" cy="62865"/>
+            </a:xfrm>
+            <a:prstGeom prst="bentArrow">
+              <a:avLst>
+                <a:gd name="adj1" fmla="val 25000"/>
+                <a:gd name="adj2" fmla="val 26516"/>
+                <a:gd name="adj3" fmla="val 25000"/>
+                <a:gd name="adj4" fmla="val 43750"/>
+              </a:avLst>
+            </a:prstGeom>
+          </p:spPr>
+          <p:style>
+            <a:lnRef idx="2">
+              <a:schemeClr val="accent6">
+                <a:shade val="50000"/>
+              </a:schemeClr>
+            </a:lnRef>
+            <a:fillRef idx="1">
+              <a:schemeClr val="accent6"/>
+            </a:fillRef>
+            <a:effectRef idx="0">
+              <a:schemeClr val="accent6"/>
+            </a:effectRef>
+            <a:fontRef idx="minor">
+              <a:schemeClr val="lt1"/>
+            </a:fontRef>
+          </p:style>
+          <p:txBody>
+            <a:bodyPr rtlCol="0" anchor="ctr"/>
+            <a:lstStyle/>
+            <a:p>
+              <a:pPr algn="ctr"/>
+              <a:endParaRPr lang="en-SG">
+                <a:solidFill>
+                  <a:schemeClr val="tx1"/>
+                </a:solidFill>
+              </a:endParaRPr>
+            </a:p>
+          </p:txBody>
+        </p:sp>
+        <p:sp>
+          <p:nvSpPr>
+            <p:cNvPr id="31" name="TextBox 30">
+              <a:extLst>
+                <a:ext uri="{FF2B5EF4-FFF2-40B4-BE49-F238E27FC236}">
+                  <a16:creationId xmlns:a16="http://schemas.microsoft.com/office/drawing/2014/main" id="{FD5681D1-EF5F-4AB0-9C45-DF91004DFCC2}"/>
+                </a:ext>
+              </a:extLst>
+            </p:cNvPr>
+            <p:cNvSpPr txBox="1"/>
+            <p:nvPr/>
+          </p:nvSpPr>
+          <p:spPr>
+            <a:xfrm>
+              <a:off x="2493500" y="2870443"/>
+              <a:ext cx="1902143" cy="246221"/>
+            </a:xfrm>
+            <a:prstGeom prst="rect">
+              <a:avLst/>
+            </a:prstGeom>
+            <a:noFill/>
+          </p:spPr>
+          <p:txBody>
+            <a:bodyPr wrap="square" rtlCol="0">
+              <a:spAutoFit/>
+            </a:bodyPr>
+            <a:lstStyle/>
+            <a:p>
+              <a:r>
+                <a:rPr lang="en-US" sz="1000" dirty="0">
+                  <a:solidFill>
+                    <a:schemeClr val="accent6"/>
+                  </a:solidFill>
+                </a:rPr>
+                <a:t>View author’s committed codes</a:t>
+              </a:r>
+              <a:endParaRPr lang="en-SG" sz="1000" dirty="0">
+                <a:solidFill>
+                  <a:schemeClr val="accent6"/>
+                </a:solidFill>
+              </a:endParaRPr>
+            </a:p>
+          </p:txBody>
+        </p:sp>
+      </p:grpSp>
+      <p:grpSp>
+        <p:nvGrpSpPr>
+          <p:cNvPr id="36" name="Group 35">
+            <a:extLst>
+              <a:ext uri="{FF2B5EF4-FFF2-40B4-BE49-F238E27FC236}">
+                <a16:creationId xmlns:a16="http://schemas.microsoft.com/office/drawing/2014/main" id="{A7AFB063-FD92-44F4-BCAE-B42330D96AE2}"/>
+              </a:ext>
+            </a:extLst>
+          </p:cNvPr>
+          <p:cNvGrpSpPr/>
+          <p:nvPr/>
+        </p:nvGrpSpPr>
+        <p:grpSpPr>
+          <a:xfrm>
+            <a:off x="6140186" y="79248"/>
+            <a:ext cx="4612015" cy="5964363"/>
+            <a:chOff x="6196584" y="79248"/>
+            <a:chExt cx="4555617" cy="5964363"/>
+          </a:xfrm>
+        </p:grpSpPr>
+        <p:sp>
+          <p:nvSpPr>
+            <p:cNvPr id="10" name="Right Brace 9">
+              <a:extLst>
+                <a:ext uri="{FF2B5EF4-FFF2-40B4-BE49-F238E27FC236}">
+                  <a16:creationId xmlns:a16="http://schemas.microsoft.com/office/drawing/2014/main" id="{195D0920-5C1C-411D-A43A-B7FB72C2CF80}"/>
+                </a:ext>
+              </a:extLst>
+            </p:cNvPr>
+            <p:cNvSpPr/>
+            <p:nvPr/>
+          </p:nvSpPr>
+          <p:spPr>
+            <a:xfrm rot="16200000">
+              <a:off x="8298180" y="-1631634"/>
+              <a:ext cx="344424" cy="4547616"/>
+            </a:xfrm>
+            <a:prstGeom prst="rightBrace">
+              <a:avLst/>
+            </a:prstGeom>
+          </p:spPr>
+          <p:style>
+            <a:lnRef idx="3">
+              <a:schemeClr val="accent2"/>
+            </a:lnRef>
+            <a:fillRef idx="0">
+              <a:schemeClr val="accent2"/>
+            </a:fillRef>
+            <a:effectRef idx="2">
+              <a:schemeClr val="accent2"/>
+            </a:effectRef>
+            <a:fontRef idx="minor">
+              <a:schemeClr val="tx1"/>
+            </a:fontRef>
+          </p:style>
+          <p:txBody>
+            <a:bodyPr rtlCol="0" anchor="ctr"/>
+            <a:lstStyle/>
+            <a:p>
+              <a:pPr algn="ctr"/>
+              <a:endParaRPr lang="en-SG"/>
+            </a:p>
+          </p:txBody>
+        </p:sp>
+        <p:sp>
+          <p:nvSpPr>
+            <p:cNvPr id="11" name="TextBox 10">
+              <a:extLst>
+                <a:ext uri="{FF2B5EF4-FFF2-40B4-BE49-F238E27FC236}">
+                  <a16:creationId xmlns:a16="http://schemas.microsoft.com/office/drawing/2014/main" id="{08293D95-459E-4730-BC16-CD778BC8DE8A}"/>
+                </a:ext>
+              </a:extLst>
+            </p:cNvPr>
+            <p:cNvSpPr txBox="1"/>
+            <p:nvPr/>
+          </p:nvSpPr>
+          <p:spPr>
+            <a:xfrm>
+              <a:off x="7424928" y="79248"/>
+              <a:ext cx="2090928" cy="276999"/>
+            </a:xfrm>
+            <a:prstGeom prst="rect">
+              <a:avLst/>
+            </a:prstGeom>
+            <a:noFill/>
+          </p:spPr>
+          <p:txBody>
+            <a:bodyPr wrap="square" rtlCol="0">
+              <a:spAutoFit/>
+            </a:bodyPr>
+            <a:lstStyle/>
+            <a:p>
+              <a:pPr algn="ctr"/>
+              <a:r>
+                <a:rPr lang="en-US" sz="1200" dirty="0"/>
+                <a:t>Code Panel</a:t>
+              </a:r>
+              <a:endParaRPr lang="en-SG" sz="1200" dirty="0"/>
+            </a:p>
+          </p:txBody>
+        </p:sp>
+        <p:sp>
+          <p:nvSpPr>
+            <p:cNvPr id="32" name="Rectangle 31">
+              <a:extLst>
+                <a:ext uri="{FF2B5EF4-FFF2-40B4-BE49-F238E27FC236}">
+                  <a16:creationId xmlns:a16="http://schemas.microsoft.com/office/drawing/2014/main" id="{78349196-1F24-461D-AD8C-4AD1D6A0E5B6}"/>
+                </a:ext>
+              </a:extLst>
+            </p:cNvPr>
+            <p:cNvSpPr/>
+            <p:nvPr/>
+          </p:nvSpPr>
+          <p:spPr>
+            <a:xfrm>
+              <a:off x="6204585" y="814386"/>
+              <a:ext cx="4547616" cy="5229225"/>
+            </a:xfrm>
+            <a:prstGeom prst="rect">
+              <a:avLst/>
+            </a:prstGeom>
+            <a:noFill/>
+            <a:ln w="57150" cap="flat" cmpd="sng" algn="ctr">
+              <a:solidFill>
+                <a:schemeClr val="accent2"/>
+              </a:solidFill>
+              <a:prstDash val="solid"/>
+              <a:round/>
+              <a:headEnd type="none" w="med" len="med"/>
+              <a:tailEnd type="none" w="med" len="med"/>
+            </a:ln>
+          </p:spPr>
+          <p:style>
+            <a:lnRef idx="0">
+              <a:scrgbClr r="0" g="0" b="0"/>
+            </a:lnRef>
+            <a:fillRef idx="0">
+              <a:scrgbClr r="0" g="0" b="0"/>
+            </a:fillRef>
+            <a:effectRef idx="0">
+              <a:scrgbClr r="0" g="0" b="0"/>
+            </a:effectRef>
+            <a:fontRef idx="minor">
+              <a:schemeClr val="accent1"/>
+            </a:fontRef>
+          </p:style>
+          <p:txBody>
+            <a:bodyPr rtlCol="0" anchor="ctr"/>
+            <a:lstStyle/>
+            <a:p>
+              <a:pPr algn="ctr"/>
+              <a:endParaRPr lang="en-SG"/>
+            </a:p>
+          </p:txBody>
+        </p:sp>
+      </p:grpSp>
+      <p:grpSp>
+        <p:nvGrpSpPr>
+          <p:cNvPr id="14" name="Group 13">
+            <a:extLst>
+              <a:ext uri="{FF2B5EF4-FFF2-40B4-BE49-F238E27FC236}">
+                <a16:creationId xmlns:a16="http://schemas.microsoft.com/office/drawing/2014/main" id="{F0680E85-D3A9-48B1-B089-8B49261F1BEF}"/>
+              </a:ext>
+            </a:extLst>
+          </p:cNvPr>
+          <p:cNvGrpSpPr/>
+          <p:nvPr/>
+        </p:nvGrpSpPr>
+        <p:grpSpPr>
+          <a:xfrm>
+            <a:off x="440200" y="2158326"/>
+            <a:ext cx="5526892" cy="461665"/>
+            <a:chOff x="460520" y="1991112"/>
+            <a:chExt cx="5526892" cy="461665"/>
+          </a:xfrm>
+        </p:grpSpPr>
+        <p:sp>
+          <p:nvSpPr>
+            <p:cNvPr id="33" name="Rectangle 32">
+              <a:extLst>
+                <a:ext uri="{FF2B5EF4-FFF2-40B4-BE49-F238E27FC236}">
+                  <a16:creationId xmlns:a16="http://schemas.microsoft.com/office/drawing/2014/main" id="{0C689E94-04DA-4405-AE79-8BC095FCC283}"/>
+                </a:ext>
+              </a:extLst>
+            </p:cNvPr>
+            <p:cNvSpPr/>
+            <p:nvPr/>
+          </p:nvSpPr>
+          <p:spPr>
+            <a:xfrm>
+              <a:off x="1504949" y="2067663"/>
+              <a:ext cx="4482463" cy="276999"/>
+            </a:xfrm>
+            <a:prstGeom prst="rect">
+              <a:avLst/>
+            </a:prstGeom>
+            <a:noFill/>
+            <a:ln w="28575" cap="flat" cmpd="sng" algn="ctr">
+              <a:solidFill>
+                <a:srgbClr val="A401FF"/>
+              </a:solidFill>
+              <a:prstDash val="solid"/>
+              <a:round/>
+              <a:headEnd type="none" w="med" len="med"/>
+              <a:tailEnd type="none" w="med" len="med"/>
+            </a:ln>
+          </p:spPr>
+          <p:style>
+            <a:lnRef idx="0">
+              <a:scrgbClr r="0" g="0" b="0"/>
+            </a:lnRef>
+            <a:fillRef idx="0">
+              <a:scrgbClr r="0" g="0" b="0"/>
+            </a:fillRef>
+            <a:effectRef idx="0">
+              <a:scrgbClr r="0" g="0" b="0"/>
+            </a:effectRef>
+            <a:fontRef idx="minor">
+              <a:schemeClr val="accent4"/>
+            </a:fontRef>
+          </p:style>
+          <p:txBody>
+            <a:bodyPr rtlCol="0" anchor="ctr"/>
+            <a:lstStyle/>
+            <a:p>
+              <a:pPr algn="ctr"/>
+              <a:endParaRPr lang="en-SG"/>
+            </a:p>
+          </p:txBody>
+        </p:sp>
+        <p:sp>
+          <p:nvSpPr>
+            <p:cNvPr id="34" name="Left Brace 33">
+              <a:extLst>
+                <a:ext uri="{FF2B5EF4-FFF2-40B4-BE49-F238E27FC236}">
+                  <a16:creationId xmlns:a16="http://schemas.microsoft.com/office/drawing/2014/main" id="{222FAE24-7A73-4290-9FB2-3A3528D6EBA2}"/>
+                </a:ext>
+              </a:extLst>
+            </p:cNvPr>
+            <p:cNvSpPr/>
+            <p:nvPr/>
+          </p:nvSpPr>
+          <p:spPr>
+            <a:xfrm>
+              <a:off x="1098796" y="2084176"/>
+              <a:ext cx="348052" cy="237053"/>
+            </a:xfrm>
+            <a:prstGeom prst="leftBrace">
+              <a:avLst/>
+            </a:prstGeom>
+            <a:ln w="19050">
+              <a:solidFill>
+                <a:srgbClr val="A401FF"/>
+              </a:solidFill>
+            </a:ln>
+          </p:spPr>
+          <p:style>
+            <a:lnRef idx="1">
+              <a:schemeClr val="accent1"/>
+            </a:lnRef>
+            <a:fillRef idx="0">
+              <a:schemeClr val="accent1"/>
+            </a:fillRef>
+            <a:effectRef idx="0">
+              <a:schemeClr val="accent1"/>
+            </a:effectRef>
+            <a:fontRef idx="minor">
+              <a:schemeClr val="tx1"/>
+            </a:fontRef>
+          </p:style>
+          <p:txBody>
+            <a:bodyPr rtlCol="0" anchor="ctr"/>
+            <a:lstStyle/>
+            <a:p>
+              <a:pPr algn="ctr"/>
+              <a:endParaRPr lang="en-SG"/>
+            </a:p>
+          </p:txBody>
+        </p:sp>
+        <p:sp>
+          <p:nvSpPr>
+            <p:cNvPr id="35" name="TextBox 34">
+              <a:extLst>
+                <a:ext uri="{FF2B5EF4-FFF2-40B4-BE49-F238E27FC236}">
+                  <a16:creationId xmlns:a16="http://schemas.microsoft.com/office/drawing/2014/main" id="{EF436BD1-46E2-4EB0-8C8E-A61FF6951C31}"/>
+                </a:ext>
+              </a:extLst>
+            </p:cNvPr>
+            <p:cNvSpPr txBox="1"/>
+            <p:nvPr/>
+          </p:nvSpPr>
+          <p:spPr>
+            <a:xfrm>
+              <a:off x="460520" y="1991112"/>
+              <a:ext cx="723900" cy="461665"/>
+            </a:xfrm>
+            <a:prstGeom prst="rect">
+              <a:avLst/>
+            </a:prstGeom>
+            <a:noFill/>
+          </p:spPr>
+          <p:txBody>
+            <a:bodyPr wrap="square" rtlCol="0">
+              <a:spAutoFit/>
+            </a:bodyPr>
+            <a:lstStyle/>
+            <a:p>
+              <a:pPr algn="ctr"/>
+              <a:r>
+                <a:rPr lang="en-US" sz="1200" dirty="0">
+                  <a:solidFill>
+                    <a:srgbClr val="7030A0"/>
+                  </a:solidFill>
+                </a:rPr>
+                <a:t>Ramp Chart</a:t>
+              </a:r>
+            </a:p>
+          </p:txBody>
+        </p:sp>
+      </p:grpSp>
+      <p:grpSp>
+        <p:nvGrpSpPr>
+          <p:cNvPr id="42" name="Group 41">
+            <a:extLst>
+              <a:ext uri="{FF2B5EF4-FFF2-40B4-BE49-F238E27FC236}">
+                <a16:creationId xmlns:a16="http://schemas.microsoft.com/office/drawing/2014/main" id="{B9C91654-E14E-4BC1-8843-976ECB18131B}"/>
+              </a:ext>
+            </a:extLst>
+          </p:cNvPr>
+          <p:cNvGrpSpPr/>
+          <p:nvPr/>
+        </p:nvGrpSpPr>
+        <p:grpSpPr>
+          <a:xfrm>
+            <a:off x="181614" y="3460043"/>
+            <a:ext cx="5827029" cy="461665"/>
+            <a:chOff x="181614" y="3716589"/>
+            <a:chExt cx="5827029" cy="461665"/>
+          </a:xfrm>
+        </p:grpSpPr>
+        <p:sp>
+          <p:nvSpPr>
+            <p:cNvPr id="46" name="Rectangle 45">
+              <a:extLst>
+                <a:ext uri="{FF2B5EF4-FFF2-40B4-BE49-F238E27FC236}">
+                  <a16:creationId xmlns:a16="http://schemas.microsoft.com/office/drawing/2014/main" id="{046392F6-712F-4248-819F-5F03FBDBE02B}"/>
+                </a:ext>
+              </a:extLst>
+            </p:cNvPr>
+            <p:cNvSpPr/>
+            <p:nvPr/>
+          </p:nvSpPr>
+          <p:spPr>
+            <a:xfrm>
+              <a:off x="1526181" y="3880858"/>
+              <a:ext cx="4482462" cy="96793"/>
+            </a:xfrm>
+            <a:prstGeom prst="rect">
+              <a:avLst/>
+            </a:prstGeom>
+            <a:noFill/>
+            <a:ln w="9525" cap="flat" cmpd="sng" algn="ctr">
+              <a:solidFill>
+                <a:schemeClr val="dk1"/>
+              </a:solidFill>
+              <a:prstDash val="solid"/>
+              <a:round/>
+              <a:headEnd type="none" w="med" len="med"/>
+              <a:tailEnd type="none" w="med" len="med"/>
+            </a:ln>
+          </p:spPr>
+          <p:style>
+            <a:lnRef idx="0">
+              <a:scrgbClr r="0" g="0" b="0"/>
+            </a:lnRef>
+            <a:fillRef idx="0">
+              <a:scrgbClr r="0" g="0" b="0"/>
+            </a:fillRef>
+            <a:effectRef idx="0">
+              <a:scrgbClr r="0" g="0" b="0"/>
+            </a:effectRef>
+            <a:fontRef idx="minor">
+              <a:schemeClr val="dk1"/>
+            </a:fontRef>
+          </p:style>
+          <p:txBody>
+            <a:bodyPr rtlCol="0" anchor="ctr"/>
+            <a:lstStyle/>
+            <a:p>
+              <a:pPr algn="ctr"/>
+              <a:endParaRPr lang="en-SG"/>
+            </a:p>
+          </p:txBody>
+        </p:sp>
+        <p:sp>
+          <p:nvSpPr>
+            <p:cNvPr id="48" name="Arrow: Left 47">
+              <a:extLst>
+                <a:ext uri="{FF2B5EF4-FFF2-40B4-BE49-F238E27FC236}">
+                  <a16:creationId xmlns:a16="http://schemas.microsoft.com/office/drawing/2014/main" id="{1B3593E0-8F68-41EA-A8FE-5188B0C5C7EA}"/>
+                </a:ext>
+              </a:extLst>
+            </p:cNvPr>
+            <p:cNvSpPr/>
+            <p:nvPr/>
+          </p:nvSpPr>
+          <p:spPr>
+            <a:xfrm>
+              <a:off x="1133943" y="3880858"/>
+              <a:ext cx="348052" cy="96793"/>
+            </a:xfrm>
+            <a:prstGeom prst="leftArrow">
+              <a:avLst/>
+            </a:prstGeom>
+          </p:spPr>
+          <p:style>
+            <a:lnRef idx="2">
+              <a:schemeClr val="dk1">
+                <a:shade val="50000"/>
+              </a:schemeClr>
+            </a:lnRef>
+            <a:fillRef idx="1">
+              <a:schemeClr val="dk1"/>
+            </a:fillRef>
+            <a:effectRef idx="0">
+              <a:schemeClr val="dk1"/>
+            </a:effectRef>
+            <a:fontRef idx="minor">
+              <a:schemeClr val="lt1"/>
+            </a:fontRef>
+          </p:style>
+          <p:txBody>
+            <a:bodyPr rtlCol="0" anchor="ctr"/>
+            <a:lstStyle/>
+            <a:p>
+              <a:pPr algn="ctr"/>
+              <a:endParaRPr lang="en-SG"/>
+            </a:p>
+          </p:txBody>
+        </p:sp>
+        <p:sp>
+          <p:nvSpPr>
+            <p:cNvPr id="49" name="TextBox 48">
+              <a:extLst>
+                <a:ext uri="{FF2B5EF4-FFF2-40B4-BE49-F238E27FC236}">
+                  <a16:creationId xmlns:a16="http://schemas.microsoft.com/office/drawing/2014/main" id="{B179F6A5-F356-4AE0-BE67-A636F79B6560}"/>
+                </a:ext>
+              </a:extLst>
+            </p:cNvPr>
+            <p:cNvSpPr txBox="1"/>
+            <p:nvPr/>
+          </p:nvSpPr>
+          <p:spPr>
+            <a:xfrm>
+              <a:off x="181614" y="3716589"/>
+              <a:ext cx="1014711" cy="461665"/>
+            </a:xfrm>
+            <a:prstGeom prst="rect">
+              <a:avLst/>
+            </a:prstGeom>
+            <a:noFill/>
+          </p:spPr>
+          <p:txBody>
+            <a:bodyPr wrap="square" rtlCol="0">
+              <a:spAutoFit/>
+            </a:bodyPr>
+            <a:lstStyle/>
+            <a:p>
+              <a:pPr algn="ctr"/>
+              <a:r>
+                <a:rPr lang="en-US" sz="1200" dirty="0"/>
+                <a:t>Contribution Bar</a:t>
+              </a:r>
+              <a:endParaRPr lang="en-SG" sz="1200" dirty="0"/>
+            </a:p>
+          </p:txBody>
+        </p:sp>
+      </p:grpSp>
+      <p:grpSp>
+        <p:nvGrpSpPr>
+          <p:cNvPr id="37" name="Group 36">
+            <a:extLst>
+              <a:ext uri="{FF2B5EF4-FFF2-40B4-BE49-F238E27FC236}">
+                <a16:creationId xmlns:a16="http://schemas.microsoft.com/office/drawing/2014/main" id="{40CE11B1-9A6E-4A62-839A-2DCDA1A8D4FF}"/>
+              </a:ext>
+            </a:extLst>
+          </p:cNvPr>
+          <p:cNvGrpSpPr/>
+          <p:nvPr/>
+        </p:nvGrpSpPr>
+        <p:grpSpPr>
+          <a:xfrm>
+            <a:off x="6204585" y="1871638"/>
+            <a:ext cx="3424155" cy="402234"/>
+            <a:chOff x="6202680" y="1735827"/>
+            <a:chExt cx="3424155" cy="402234"/>
+          </a:xfrm>
+        </p:grpSpPr>
+        <p:sp>
+          <p:nvSpPr>
+            <p:cNvPr id="12" name="Arrow: Right 11">
+              <a:extLst>
+                <a:ext uri="{FF2B5EF4-FFF2-40B4-BE49-F238E27FC236}">
+                  <a16:creationId xmlns:a16="http://schemas.microsoft.com/office/drawing/2014/main" id="{88177BEA-4D65-45B7-A56C-6FBD7CF8C471}"/>
+                </a:ext>
+              </a:extLst>
+            </p:cNvPr>
+            <p:cNvSpPr/>
+            <p:nvPr/>
+          </p:nvSpPr>
+          <p:spPr>
+            <a:xfrm rot="21372755">
+              <a:off x="8429466" y="1857407"/>
+              <a:ext cx="402336" cy="121920"/>
+            </a:xfrm>
+            <a:prstGeom prst="rightArrow">
+              <a:avLst/>
+            </a:prstGeom>
+          </p:spPr>
+          <p:style>
+            <a:lnRef idx="2">
+              <a:schemeClr val="accent6">
+                <a:shade val="50000"/>
+              </a:schemeClr>
+            </a:lnRef>
+            <a:fillRef idx="1">
+              <a:schemeClr val="accent6"/>
+            </a:fillRef>
+            <a:effectRef idx="0">
+              <a:schemeClr val="accent6"/>
+            </a:effectRef>
+            <a:fontRef idx="minor">
+              <a:schemeClr val="lt1"/>
+            </a:fontRef>
+          </p:style>
+          <p:txBody>
+            <a:bodyPr rtlCol="0" anchor="ctr"/>
+            <a:lstStyle/>
+            <a:p>
+              <a:pPr algn="ctr"/>
+              <a:endParaRPr lang="en-SG"/>
+            </a:p>
+          </p:txBody>
+        </p:sp>
+        <p:sp>
+          <p:nvSpPr>
+            <p:cNvPr id="13" name="TextBox 12">
+              <a:extLst>
+                <a:ext uri="{FF2B5EF4-FFF2-40B4-BE49-F238E27FC236}">
+                  <a16:creationId xmlns:a16="http://schemas.microsoft.com/office/drawing/2014/main" id="{C135F275-4477-467B-8D51-84AA5700DE35}"/>
+                </a:ext>
+              </a:extLst>
+            </p:cNvPr>
+            <p:cNvSpPr txBox="1"/>
+            <p:nvPr/>
+          </p:nvSpPr>
+          <p:spPr>
+            <a:xfrm>
+              <a:off x="8790433" y="1735827"/>
+              <a:ext cx="836402" cy="276999"/>
+            </a:xfrm>
+            <a:prstGeom prst="rect">
+              <a:avLst/>
+            </a:prstGeom>
+            <a:noFill/>
+          </p:spPr>
+          <p:txBody>
+            <a:bodyPr wrap="square" rtlCol="0">
+              <a:spAutoFit/>
+            </a:bodyPr>
+            <a:lstStyle/>
+            <a:p>
+              <a:r>
+                <a:rPr lang="en-US" sz="1200" dirty="0">
+                  <a:solidFill>
+                    <a:schemeClr val="accent6">
+                      <a:lumMod val="75000"/>
+                    </a:schemeClr>
+                  </a:solidFill>
+                </a:rPr>
+                <a:t>Glob Filter</a:t>
+              </a:r>
+              <a:endParaRPr lang="en-SG" sz="1200" dirty="0">
                 <a:solidFill>
                   <a:schemeClr val="accent6">
                     <a:lumMod val="75000"/>
                   </a:schemeClr>
                 </a:solidFill>
-              </a:rPr>
-              <a:t>Glob Filter</a:t>
-            </a:r>
-            <a:endParaRPr lang="en-SG" sz="1200" dirty="0">
+              </a:endParaRPr>
+            </a:p>
+          </p:txBody>
+        </p:sp>
+        <p:sp>
+          <p:nvSpPr>
+            <p:cNvPr id="50" name="Rectangle 49">
+              <a:extLst>
+                <a:ext uri="{FF2B5EF4-FFF2-40B4-BE49-F238E27FC236}">
+                  <a16:creationId xmlns:a16="http://schemas.microsoft.com/office/drawing/2014/main" id="{66E4832A-82B6-4ACE-88A2-1FC6DCF2CED8}"/>
+                </a:ext>
+              </a:extLst>
+            </p:cNvPr>
+            <p:cNvSpPr/>
+            <p:nvPr/>
+          </p:nvSpPr>
+          <p:spPr>
+            <a:xfrm>
+              <a:off x="6202680" y="1861062"/>
+              <a:ext cx="2151751" cy="276999"/>
+            </a:xfrm>
+            <a:prstGeom prst="rect">
+              <a:avLst/>
+            </a:prstGeom>
+            <a:noFill/>
+            <a:ln w="19050" cap="flat" cmpd="sng" algn="ctr">
               <a:solidFill>
-                <a:schemeClr val="accent6">
-                  <a:lumMod val="75000"/>
-                </a:schemeClr>
+                <a:schemeClr val="accent6"/>
               </a:solidFill>
-            </a:endParaRPr>
-          </a:p>
-        </p:txBody>
-      </p:sp>
-      <p:sp>
-        <p:nvSpPr>
-          <p:cNvPr id="16" name="Oval 15">
-            <a:extLst>
-              <a:ext uri="{FF2B5EF4-FFF2-40B4-BE49-F238E27FC236}">
-                <a16:creationId xmlns:a16="http://schemas.microsoft.com/office/drawing/2014/main" id="{0FA3B7FA-4DB5-4EB3-9614-C6246C535AC6}"/>
-              </a:ext>
-            </a:extLst>
-          </p:cNvPr>
-          <p:cNvSpPr/>
+              <a:prstDash val="solid"/>
+              <a:round/>
+              <a:headEnd type="none" w="med" len="med"/>
+              <a:tailEnd type="none" w="med" len="med"/>
+            </a:ln>
+          </p:spPr>
+          <p:style>
+            <a:lnRef idx="0">
+              <a:scrgbClr r="0" g="0" b="0"/>
+            </a:lnRef>
+            <a:fillRef idx="0">
+              <a:scrgbClr r="0" g="0" b="0"/>
+            </a:fillRef>
+            <a:effectRef idx="0">
+              <a:scrgbClr r="0" g="0" b="0"/>
+            </a:effectRef>
+            <a:fontRef idx="minor">
+              <a:schemeClr val="accent6"/>
+            </a:fontRef>
+          </p:style>
+          <p:txBody>
+            <a:bodyPr rtlCol="0" anchor="ctr"/>
+            <a:lstStyle/>
+            <a:p>
+              <a:pPr algn="ctr"/>
+              <a:endParaRPr lang="en-SG"/>
+            </a:p>
+          </p:txBody>
+        </p:sp>
+      </p:grpSp>
+      <p:grpSp>
+        <p:nvGrpSpPr>
+          <p:cNvPr id="45" name="Group 44">
+            <a:extLst>
+              <a:ext uri="{FF2B5EF4-FFF2-40B4-BE49-F238E27FC236}">
+                <a16:creationId xmlns:a16="http://schemas.microsoft.com/office/drawing/2014/main" id="{BA9B9247-4484-4646-8644-07DCE3660A2C}"/>
+              </a:ext>
+            </a:extLst>
+          </p:cNvPr>
+          <p:cNvGrpSpPr/>
           <p:nvPr/>
-        </p:nvSpPr>
-        <p:spPr>
+        </p:nvGrpSpPr>
+        <p:grpSpPr>
           <a:xfrm>
-            <a:off x="8603087" y="3116629"/>
-            <a:ext cx="154341" cy="163314"/>
+            <a:off x="2958279" y="3702395"/>
+            <a:ext cx="1674876" cy="246221"/>
+            <a:chOff x="2943039" y="3682075"/>
+            <a:chExt cx="1674876" cy="246221"/>
           </a:xfrm>
-          <a:prstGeom prst="ellipse">
-            <a:avLst/>
-          </a:prstGeom>
-          <a:noFill/>
-          <a:ln w="9525" cap="flat" cmpd="sng" algn="ctr">
-            <a:solidFill>
-              <a:schemeClr val="accent5"/>
-            </a:solidFill>
-            <a:prstDash val="solid"/>
-            <a:round/>
-            <a:headEnd type="none" w="med" len="med"/>
-            <a:tailEnd type="none" w="med" len="med"/>
-          </a:ln>
-        </p:spPr>
-        <p:style>
-          <a:lnRef idx="0">
-            <a:scrgbClr r="0" g="0" b="0"/>
-          </a:lnRef>
-          <a:fillRef idx="0">
-            <a:scrgbClr r="0" g="0" b="0"/>
-          </a:fillRef>
-          <a:effectRef idx="0">
-            <a:scrgbClr r="0" g="0" b="0"/>
-          </a:effectRef>
-          <a:fontRef idx="minor">
-            <a:schemeClr val="accent5"/>
-          </a:fontRef>
-        </p:style>
-        <p:txBody>
-          <a:bodyPr rtlCol="0" anchor="ctr"/>
-          <a:lstStyle/>
-          <a:p>
-            <a:pPr algn="ctr"/>
-            <a:endParaRPr lang="en-SG"/>
-          </a:p>
-        </p:txBody>
-      </p:sp>
-      <p:sp>
-        <p:nvSpPr>
-          <p:cNvPr id="17" name="TextBox 16">
-            <a:extLst>
-              <a:ext uri="{FF2B5EF4-FFF2-40B4-BE49-F238E27FC236}">
-                <a16:creationId xmlns:a16="http://schemas.microsoft.com/office/drawing/2014/main" id="{0213D02D-4396-4437-B87F-870EECAA3F68}"/>
-              </a:ext>
-            </a:extLst>
-          </p:cNvPr>
-          <p:cNvSpPr txBox="1"/>
-          <p:nvPr/>
-        </p:nvSpPr>
-        <p:spPr>
-          <a:xfrm>
-            <a:off x="8777222" y="2719565"/>
-            <a:ext cx="921278" cy="276999"/>
-          </a:xfrm>
-          <a:prstGeom prst="rect">
-            <a:avLst/>
-          </a:prstGeom>
-          <a:noFill/>
-        </p:spPr>
-        <p:txBody>
-          <a:bodyPr wrap="none" rtlCol="0">
-            <a:spAutoFit/>
-          </a:bodyPr>
-          <a:lstStyle/>
-          <a:p>
-            <a:r>
-              <a:rPr lang="en-US" sz="1200" dirty="0">
+        </p:grpSpPr>
+        <p:sp>
+          <p:nvSpPr>
+            <p:cNvPr id="41" name="Oval 40">
+              <a:extLst>
+                <a:ext uri="{FF2B5EF4-FFF2-40B4-BE49-F238E27FC236}">
+                  <a16:creationId xmlns:a16="http://schemas.microsoft.com/office/drawing/2014/main" id="{6880A5AA-24C1-43E2-8DFB-1B2950E077F8}"/>
+                </a:ext>
+              </a:extLst>
+            </p:cNvPr>
+            <p:cNvSpPr/>
+            <p:nvPr/>
+          </p:nvSpPr>
+          <p:spPr>
+            <a:xfrm>
+              <a:off x="2943039" y="3747521"/>
+              <a:ext cx="121920" cy="155835"/>
+            </a:xfrm>
+            <a:prstGeom prst="ellipse">
+              <a:avLst/>
+            </a:prstGeom>
+            <a:noFill/>
+            <a:ln w="9525" cap="flat" cmpd="sng" algn="ctr">
+              <a:solidFill>
+                <a:schemeClr val="accent1"/>
+              </a:solidFill>
+              <a:prstDash val="solid"/>
+              <a:round/>
+              <a:headEnd type="none" w="med" len="med"/>
+              <a:tailEnd type="none" w="med" len="med"/>
+            </a:ln>
+          </p:spPr>
+          <p:style>
+            <a:lnRef idx="0">
+              <a:scrgbClr r="0" g="0" b="0"/>
+            </a:lnRef>
+            <a:fillRef idx="0">
+              <a:scrgbClr r="0" g="0" b="0"/>
+            </a:fillRef>
+            <a:effectRef idx="0">
+              <a:scrgbClr r="0" g="0" b="0"/>
+            </a:effectRef>
+            <a:fontRef idx="minor">
+              <a:schemeClr val="accent1"/>
+            </a:fontRef>
+          </p:style>
+          <p:txBody>
+            <a:bodyPr rtlCol="0" anchor="ctr"/>
+            <a:lstStyle/>
+            <a:p>
+              <a:pPr algn="ctr"/>
+              <a:endParaRPr lang="en-SG"/>
+            </a:p>
+          </p:txBody>
+        </p:sp>
+        <p:sp>
+          <p:nvSpPr>
+            <p:cNvPr id="43" name="Arrow: Right 42">
+              <a:extLst>
+                <a:ext uri="{FF2B5EF4-FFF2-40B4-BE49-F238E27FC236}">
+                  <a16:creationId xmlns:a16="http://schemas.microsoft.com/office/drawing/2014/main" id="{EF37E420-EADC-4F88-A44F-E20C33AD8985}"/>
+                </a:ext>
+              </a:extLst>
+            </p:cNvPr>
+            <p:cNvSpPr/>
+            <p:nvPr/>
+          </p:nvSpPr>
+          <p:spPr>
+            <a:xfrm>
+              <a:off x="3120106" y="3768558"/>
+              <a:ext cx="147081" cy="96793"/>
+            </a:xfrm>
+            <a:prstGeom prst="rightArrow">
+              <a:avLst/>
+            </a:prstGeom>
+          </p:spPr>
+          <p:style>
+            <a:lnRef idx="2">
+              <a:schemeClr val="accent1">
+                <a:shade val="50000"/>
+              </a:schemeClr>
+            </a:lnRef>
+            <a:fillRef idx="1">
+              <a:schemeClr val="accent1"/>
+            </a:fillRef>
+            <a:effectRef idx="0">
+              <a:schemeClr val="accent1"/>
+            </a:effectRef>
+            <a:fontRef idx="minor">
+              <a:schemeClr val="lt1"/>
+            </a:fontRef>
+          </p:style>
+          <p:txBody>
+            <a:bodyPr rtlCol="0" anchor="ctr"/>
+            <a:lstStyle/>
+            <a:p>
+              <a:pPr algn="ctr"/>
+              <a:endParaRPr lang="en-SG"/>
+            </a:p>
+          </p:txBody>
+        </p:sp>
+        <p:sp>
+          <p:nvSpPr>
+            <p:cNvPr id="52" name="TextBox 51">
+              <a:extLst>
+                <a:ext uri="{FF2B5EF4-FFF2-40B4-BE49-F238E27FC236}">
+                  <a16:creationId xmlns:a16="http://schemas.microsoft.com/office/drawing/2014/main" id="{20B2E512-146C-44A7-8F30-D1175B798E6B}"/>
+                </a:ext>
+              </a:extLst>
+            </p:cNvPr>
+            <p:cNvSpPr txBox="1"/>
+            <p:nvPr/>
+          </p:nvSpPr>
+          <p:spPr>
+            <a:xfrm>
+              <a:off x="3217740" y="3682075"/>
+              <a:ext cx="1400175" cy="246221"/>
+            </a:xfrm>
+            <a:prstGeom prst="rect">
+              <a:avLst/>
+            </a:prstGeom>
+            <a:noFill/>
+          </p:spPr>
+          <p:txBody>
+            <a:bodyPr wrap="square" rtlCol="0">
+              <a:spAutoFit/>
+            </a:bodyPr>
+            <a:lstStyle/>
+            <a:p>
+              <a:r>
+                <a:rPr lang="en-US" sz="1000" dirty="0">
+                  <a:solidFill>
+                    <a:schemeClr val="accent1"/>
+                  </a:solidFill>
+                </a:rPr>
+                <a:t>Link to commits panel</a:t>
+              </a:r>
+              <a:endParaRPr lang="en-SG" sz="1000" dirty="0">
                 <a:solidFill>
                   <a:schemeClr val="accent1"/>
                 </a:solidFill>
-              </a:rPr>
-              <a:t>Blame View</a:t>
-            </a:r>
-            <a:endParaRPr lang="en-SG" sz="1200" dirty="0">
-              <a:solidFill>
-                <a:schemeClr val="accent1"/>
-              </a:solidFill>
-            </a:endParaRPr>
-          </a:p>
-        </p:txBody>
-      </p:sp>
-      <p:sp>
-        <p:nvSpPr>
-          <p:cNvPr id="18" name="Oval 17">
-            <a:extLst>
-              <a:ext uri="{FF2B5EF4-FFF2-40B4-BE49-F238E27FC236}">
-                <a16:creationId xmlns:a16="http://schemas.microsoft.com/office/drawing/2014/main" id="{3698720C-0C2B-463A-B70A-97FF666889C2}"/>
-              </a:ext>
-            </a:extLst>
-          </p:cNvPr>
-          <p:cNvSpPr/>
-          <p:nvPr/>
-        </p:nvSpPr>
-        <p:spPr>
-          <a:xfrm>
-            <a:off x="8448746" y="3115227"/>
-            <a:ext cx="154341" cy="165109"/>
-          </a:xfrm>
-          <a:prstGeom prst="ellipse">
-            <a:avLst/>
-          </a:prstGeom>
-          <a:noFill/>
-          <a:ln w="9525" cap="flat" cmpd="sng" algn="ctr">
-            <a:solidFill>
-              <a:schemeClr val="accent2"/>
-            </a:solidFill>
-            <a:prstDash val="solid"/>
-            <a:round/>
-            <a:headEnd type="none" w="med" len="med"/>
-            <a:tailEnd type="none" w="med" len="med"/>
-          </a:ln>
-        </p:spPr>
-        <p:style>
-          <a:lnRef idx="0">
-            <a:scrgbClr r="0" g="0" b="0"/>
-          </a:lnRef>
-          <a:fillRef idx="0">
-            <a:scrgbClr r="0" g="0" b="0"/>
-          </a:fillRef>
-          <a:effectRef idx="0">
-            <a:scrgbClr r="0" g="0" b="0"/>
-          </a:effectRef>
-          <a:fontRef idx="minor">
-            <a:schemeClr val="accent2"/>
-          </a:fontRef>
-        </p:style>
-        <p:txBody>
-          <a:bodyPr rtlCol="0" anchor="ctr"/>
-          <a:lstStyle/>
-          <a:p>
-            <a:pPr algn="ctr"/>
-            <a:endParaRPr lang="en-SG"/>
-          </a:p>
-        </p:txBody>
-      </p:sp>
-      <p:sp>
-        <p:nvSpPr>
-          <p:cNvPr id="19" name="Arrow: Right 18">
-            <a:extLst>
-              <a:ext uri="{FF2B5EF4-FFF2-40B4-BE49-F238E27FC236}">
-                <a16:creationId xmlns:a16="http://schemas.microsoft.com/office/drawing/2014/main" id="{A85A5DB4-65AD-4483-B496-640C742923A0}"/>
-              </a:ext>
-            </a:extLst>
-          </p:cNvPr>
-          <p:cNvSpPr/>
-          <p:nvPr/>
-        </p:nvSpPr>
-        <p:spPr>
-          <a:xfrm rot="19492286">
-            <a:off x="8747796" y="2993386"/>
-            <a:ext cx="236436" cy="97790"/>
-          </a:xfrm>
-          <a:prstGeom prst="rightArrow">
-            <a:avLst/>
-          </a:prstGeom>
-        </p:spPr>
-        <p:style>
-          <a:lnRef idx="2">
-            <a:schemeClr val="accent1">
-              <a:shade val="50000"/>
-            </a:schemeClr>
-          </a:lnRef>
-          <a:fillRef idx="1">
-            <a:schemeClr val="accent1"/>
-          </a:fillRef>
-          <a:effectRef idx="0">
-            <a:schemeClr val="accent1"/>
-          </a:effectRef>
-          <a:fontRef idx="minor">
-            <a:schemeClr val="lt1"/>
-          </a:fontRef>
-        </p:style>
-        <p:txBody>
-          <a:bodyPr rtlCol="0" anchor="ctr"/>
-          <a:lstStyle/>
-          <a:p>
-            <a:pPr algn="ctr"/>
-            <a:endParaRPr lang="en-SG"/>
-          </a:p>
-        </p:txBody>
-      </p:sp>
-      <p:sp>
-        <p:nvSpPr>
-          <p:cNvPr id="20" name="Arrow: Right 19">
-            <a:extLst>
-              <a:ext uri="{FF2B5EF4-FFF2-40B4-BE49-F238E27FC236}">
-                <a16:creationId xmlns:a16="http://schemas.microsoft.com/office/drawing/2014/main" id="{620CEC16-4148-4C61-AC47-F7DFED9FDB71}"/>
-              </a:ext>
-            </a:extLst>
-          </p:cNvPr>
-          <p:cNvSpPr/>
-          <p:nvPr/>
-        </p:nvSpPr>
-        <p:spPr>
-          <a:xfrm rot="18900000">
-            <a:off x="8286583" y="3318450"/>
-            <a:ext cx="158874" cy="97790"/>
-          </a:xfrm>
-          <a:prstGeom prst="rightArrow">
-            <a:avLst/>
-          </a:prstGeom>
-        </p:spPr>
-        <p:style>
-          <a:lnRef idx="2">
-            <a:schemeClr val="accent2">
-              <a:shade val="50000"/>
-            </a:schemeClr>
-          </a:lnRef>
-          <a:fillRef idx="1">
-            <a:schemeClr val="accent2"/>
-          </a:fillRef>
-          <a:effectRef idx="0">
-            <a:schemeClr val="accent2"/>
-          </a:effectRef>
-          <a:fontRef idx="minor">
-            <a:schemeClr val="lt1"/>
-          </a:fontRef>
-        </p:style>
-        <p:txBody>
-          <a:bodyPr rtlCol="0" anchor="ctr"/>
-          <a:lstStyle/>
-          <a:p>
-            <a:pPr algn="ctr"/>
-            <a:endParaRPr lang="en-SG"/>
-          </a:p>
-        </p:txBody>
-      </p:sp>
-      <p:sp>
-        <p:nvSpPr>
-          <p:cNvPr id="21" name="TextBox 20">
-            <a:extLst>
-              <a:ext uri="{FF2B5EF4-FFF2-40B4-BE49-F238E27FC236}">
-                <a16:creationId xmlns:a16="http://schemas.microsoft.com/office/drawing/2014/main" id="{D1178780-E5C8-40A3-866C-F0D48D349217}"/>
-              </a:ext>
-            </a:extLst>
-          </p:cNvPr>
-          <p:cNvSpPr txBox="1"/>
-          <p:nvPr/>
-        </p:nvSpPr>
-        <p:spPr>
-          <a:xfrm>
-            <a:off x="7475403" y="3406828"/>
-            <a:ext cx="973343" cy="276999"/>
-          </a:xfrm>
-          <a:prstGeom prst="rect">
-            <a:avLst/>
-          </a:prstGeom>
-          <a:noFill/>
-        </p:spPr>
-        <p:txBody>
-          <a:bodyPr wrap="none" rtlCol="0">
-            <a:spAutoFit/>
-          </a:bodyPr>
-          <a:lstStyle/>
-          <a:p>
-            <a:r>
-              <a:rPr lang="en-US" sz="1200" dirty="0">
-                <a:solidFill>
-                  <a:schemeClr val="accent2"/>
-                </a:solidFill>
-              </a:rPr>
-              <a:t>History View</a:t>
-            </a:r>
-            <a:endParaRPr lang="en-SG" sz="1200" dirty="0">
-              <a:solidFill>
-                <a:schemeClr val="accent2"/>
-              </a:solidFill>
-            </a:endParaRPr>
-          </a:p>
-        </p:txBody>
-      </p:sp>
-      <p:sp>
-        <p:nvSpPr>
-          <p:cNvPr id="23" name="Rectangle 22">
-            <a:extLst>
-              <a:ext uri="{FF2B5EF4-FFF2-40B4-BE49-F238E27FC236}">
-                <a16:creationId xmlns:a16="http://schemas.microsoft.com/office/drawing/2014/main" id="{6D6AB3E9-494B-45F6-B9FF-736F40C71E04}"/>
-              </a:ext>
-            </a:extLst>
-          </p:cNvPr>
-          <p:cNvSpPr/>
-          <p:nvPr/>
-        </p:nvSpPr>
-        <p:spPr>
-          <a:xfrm>
-            <a:off x="1443990" y="814386"/>
-            <a:ext cx="4607814" cy="5229225"/>
-          </a:xfrm>
-          <a:prstGeom prst="rect">
-            <a:avLst/>
-          </a:prstGeom>
-          <a:noFill/>
-          <a:ln w="57150" cap="flat" cmpd="sng" algn="ctr">
-            <a:solidFill>
-              <a:schemeClr val="accent1"/>
-            </a:solidFill>
-            <a:prstDash val="solid"/>
-            <a:round/>
-            <a:headEnd type="none" w="med" len="med"/>
-            <a:tailEnd type="none" w="med" len="med"/>
-          </a:ln>
-        </p:spPr>
-        <p:style>
-          <a:lnRef idx="0">
-            <a:scrgbClr r="0" g="0" b="0"/>
-          </a:lnRef>
-          <a:fillRef idx="0">
-            <a:scrgbClr r="0" g="0" b="0"/>
-          </a:fillRef>
-          <a:effectRef idx="0">
-            <a:scrgbClr r="0" g="0" b="0"/>
-          </a:effectRef>
-          <a:fontRef idx="minor">
-            <a:schemeClr val="accent1"/>
-          </a:fontRef>
-        </p:style>
-        <p:txBody>
-          <a:bodyPr rtlCol="0" anchor="ctr"/>
-          <a:lstStyle/>
-          <a:p>
-            <a:pPr algn="ctr"/>
-            <a:endParaRPr lang="en-SG"/>
-          </a:p>
-        </p:txBody>
-      </p:sp>
-      <p:sp>
-        <p:nvSpPr>
-          <p:cNvPr id="22" name="Left Brace 21">
-            <a:extLst>
-              <a:ext uri="{FF2B5EF4-FFF2-40B4-BE49-F238E27FC236}">
-                <a16:creationId xmlns:a16="http://schemas.microsoft.com/office/drawing/2014/main" id="{C4A07B1E-02AC-4689-807B-B2620194B508}"/>
-              </a:ext>
-            </a:extLst>
-          </p:cNvPr>
-          <p:cNvSpPr/>
-          <p:nvPr/>
-        </p:nvSpPr>
-        <p:spPr>
-          <a:xfrm>
-            <a:off x="1343406" y="945870"/>
-            <a:ext cx="516530" cy="869029"/>
-          </a:xfrm>
-          <a:prstGeom prst="leftBrace">
-            <a:avLst>
-              <a:gd name="adj1" fmla="val 14462"/>
-              <a:gd name="adj2" fmla="val 50000"/>
-            </a:avLst>
-          </a:prstGeom>
-        </p:spPr>
-        <p:style>
-          <a:lnRef idx="3">
-            <a:schemeClr val="accent6"/>
-          </a:lnRef>
-          <a:fillRef idx="0">
-            <a:schemeClr val="accent6"/>
-          </a:fillRef>
-          <a:effectRef idx="2">
-            <a:schemeClr val="accent6"/>
-          </a:effectRef>
-          <a:fontRef idx="minor">
-            <a:schemeClr val="tx1"/>
-          </a:fontRef>
-        </p:style>
-        <p:txBody>
-          <a:bodyPr rtlCol="0" anchor="ctr"/>
-          <a:lstStyle/>
-          <a:p>
-            <a:pPr algn="ctr"/>
-            <a:endParaRPr lang="en-SG"/>
-          </a:p>
-        </p:txBody>
-      </p:sp>
-      <p:sp>
-        <p:nvSpPr>
-          <p:cNvPr id="24" name="TextBox 23">
-            <a:extLst>
-              <a:ext uri="{FF2B5EF4-FFF2-40B4-BE49-F238E27FC236}">
-                <a16:creationId xmlns:a16="http://schemas.microsoft.com/office/drawing/2014/main" id="{ACDC6C00-2DF8-42EF-B108-6D30BD3CBE76}"/>
-              </a:ext>
-            </a:extLst>
-          </p:cNvPr>
-          <p:cNvSpPr txBox="1"/>
-          <p:nvPr/>
-        </p:nvSpPr>
-        <p:spPr>
-          <a:xfrm>
-            <a:off x="569214" y="1222349"/>
-            <a:ext cx="723900" cy="276999"/>
-          </a:xfrm>
-          <a:prstGeom prst="rect">
-            <a:avLst/>
-          </a:prstGeom>
-          <a:noFill/>
-        </p:spPr>
-        <p:txBody>
-          <a:bodyPr wrap="square" rtlCol="0">
-            <a:spAutoFit/>
-          </a:bodyPr>
-          <a:lstStyle/>
-          <a:p>
-            <a:pPr algn="ctr"/>
-            <a:r>
-              <a:rPr lang="en-US" sz="1200" dirty="0">
-                <a:solidFill>
-                  <a:schemeClr val="accent6"/>
-                </a:solidFill>
-              </a:rPr>
-              <a:t>Toolbar</a:t>
-            </a:r>
-          </a:p>
-        </p:txBody>
-      </p:sp>
-      <p:sp>
-        <p:nvSpPr>
-          <p:cNvPr id="25" name="Rectangle 24">
-            <a:extLst>
-              <a:ext uri="{FF2B5EF4-FFF2-40B4-BE49-F238E27FC236}">
-                <a16:creationId xmlns:a16="http://schemas.microsoft.com/office/drawing/2014/main" id="{38234176-8BB8-4114-96C5-171C66ECDE3F}"/>
-              </a:ext>
-            </a:extLst>
-          </p:cNvPr>
-          <p:cNvSpPr/>
-          <p:nvPr/>
-        </p:nvSpPr>
-        <p:spPr>
-          <a:xfrm>
-            <a:off x="1859936" y="945870"/>
-            <a:ext cx="3706363" cy="869029"/>
-          </a:xfrm>
-          <a:prstGeom prst="rect">
-            <a:avLst/>
-          </a:prstGeom>
-          <a:noFill/>
-          <a:ln w="9525" cap="flat" cmpd="sng" algn="ctr">
-            <a:solidFill>
-              <a:schemeClr val="accent6"/>
-            </a:solidFill>
-            <a:prstDash val="solid"/>
-            <a:round/>
-            <a:headEnd type="none" w="med" len="med"/>
-            <a:tailEnd type="none" w="med" len="med"/>
-          </a:ln>
-        </p:spPr>
-        <p:style>
-          <a:lnRef idx="0">
-            <a:scrgbClr r="0" g="0" b="0"/>
-          </a:lnRef>
-          <a:fillRef idx="0">
-            <a:scrgbClr r="0" g="0" b="0"/>
-          </a:fillRef>
-          <a:effectRef idx="0">
-            <a:scrgbClr r="0" g="0" b="0"/>
-          </a:effectRef>
-          <a:fontRef idx="minor">
-            <a:schemeClr val="accent6"/>
-          </a:fontRef>
-        </p:style>
-        <p:txBody>
-          <a:bodyPr rtlCol="0" anchor="ctr"/>
-          <a:lstStyle/>
-          <a:p>
-            <a:pPr algn="ctr"/>
-            <a:endParaRPr lang="en-SG"/>
-          </a:p>
-        </p:txBody>
-      </p:sp>
-      <p:sp>
-        <p:nvSpPr>
-          <p:cNvPr id="26" name="Oval 25">
-            <a:extLst>
-              <a:ext uri="{FF2B5EF4-FFF2-40B4-BE49-F238E27FC236}">
-                <a16:creationId xmlns:a16="http://schemas.microsoft.com/office/drawing/2014/main" id="{1173C975-EBB3-439F-8872-826D3DAF91EB}"/>
-              </a:ext>
-            </a:extLst>
-          </p:cNvPr>
-          <p:cNvSpPr/>
-          <p:nvPr/>
-        </p:nvSpPr>
-        <p:spPr>
-          <a:xfrm>
-            <a:off x="2464522" y="2454206"/>
-            <a:ext cx="142875" cy="133350"/>
-          </a:xfrm>
-          <a:prstGeom prst="ellipse">
-            <a:avLst/>
-          </a:prstGeom>
-          <a:noFill/>
-          <a:ln w="9525" cap="flat" cmpd="sng" algn="ctr">
-            <a:solidFill>
-              <a:schemeClr val="accent2"/>
-            </a:solidFill>
-            <a:prstDash val="solid"/>
-            <a:round/>
-            <a:headEnd type="none" w="med" len="med"/>
-            <a:tailEnd type="none" w="med" len="med"/>
-          </a:ln>
-        </p:spPr>
-        <p:style>
-          <a:lnRef idx="0">
-            <a:scrgbClr r="0" g="0" b="0"/>
-          </a:lnRef>
-          <a:fillRef idx="0">
-            <a:scrgbClr r="0" g="0" b="0"/>
-          </a:fillRef>
-          <a:effectRef idx="0">
-            <a:scrgbClr r="0" g="0" b="0"/>
-          </a:effectRef>
-          <a:fontRef idx="minor">
-            <a:schemeClr val="accent2"/>
-          </a:fontRef>
-        </p:style>
-        <p:txBody>
-          <a:bodyPr rtlCol="0" anchor="ctr"/>
-          <a:lstStyle/>
-          <a:p>
-            <a:pPr algn="ctr"/>
-            <a:endParaRPr lang="en-SG"/>
-          </a:p>
-        </p:txBody>
-      </p:sp>
-      <p:sp>
-        <p:nvSpPr>
-          <p:cNvPr id="27" name="Arrow: Right 26">
-            <a:extLst>
-              <a:ext uri="{FF2B5EF4-FFF2-40B4-BE49-F238E27FC236}">
-                <a16:creationId xmlns:a16="http://schemas.microsoft.com/office/drawing/2014/main" id="{A58405F1-EAAD-4099-A00D-F41C9263239F}"/>
-              </a:ext>
-            </a:extLst>
-          </p:cNvPr>
-          <p:cNvSpPr/>
-          <p:nvPr/>
-        </p:nvSpPr>
-        <p:spPr>
-          <a:xfrm rot="21204583">
-            <a:off x="2661847" y="2453845"/>
-            <a:ext cx="142378" cy="66676"/>
-          </a:xfrm>
-          <a:prstGeom prst="rightArrow">
-            <a:avLst/>
-          </a:prstGeom>
-        </p:spPr>
-        <p:style>
-          <a:lnRef idx="2">
-            <a:schemeClr val="accent2">
-              <a:shade val="50000"/>
-            </a:schemeClr>
-          </a:lnRef>
-          <a:fillRef idx="1">
-            <a:schemeClr val="accent2"/>
-          </a:fillRef>
-          <a:effectRef idx="0">
-            <a:schemeClr val="accent2"/>
-          </a:effectRef>
-          <a:fontRef idx="minor">
-            <a:schemeClr val="lt1"/>
-          </a:fontRef>
-        </p:style>
-        <p:txBody>
-          <a:bodyPr rtlCol="0" anchor="ctr"/>
-          <a:lstStyle/>
-          <a:p>
-            <a:pPr algn="ctr"/>
-            <a:endParaRPr lang="en-SG"/>
-          </a:p>
-        </p:txBody>
-      </p:sp>
-      <p:sp>
-        <p:nvSpPr>
-          <p:cNvPr id="28" name="TextBox 27">
-            <a:extLst>
-              <a:ext uri="{FF2B5EF4-FFF2-40B4-BE49-F238E27FC236}">
-                <a16:creationId xmlns:a16="http://schemas.microsoft.com/office/drawing/2014/main" id="{34AE8672-B518-45E4-9DE5-A05EE9D1C6F3}"/>
-              </a:ext>
-            </a:extLst>
-          </p:cNvPr>
-          <p:cNvSpPr txBox="1"/>
-          <p:nvPr/>
-        </p:nvSpPr>
-        <p:spPr>
-          <a:xfrm>
-            <a:off x="2760090" y="2361561"/>
-            <a:ext cx="1400175" cy="246221"/>
-          </a:xfrm>
-          <a:prstGeom prst="rect">
-            <a:avLst/>
-          </a:prstGeom>
-          <a:noFill/>
-        </p:spPr>
-        <p:txBody>
-          <a:bodyPr wrap="square" rtlCol="0">
-            <a:spAutoFit/>
-          </a:bodyPr>
-          <a:lstStyle/>
-          <a:p>
-            <a:r>
-              <a:rPr lang="en-US" sz="1000" dirty="0">
-                <a:solidFill>
-                  <a:schemeClr val="accent2"/>
-                </a:solidFill>
-              </a:rPr>
-              <a:t>Link to repository</a:t>
-            </a:r>
-            <a:endParaRPr lang="en-SG" sz="1000" dirty="0">
-              <a:solidFill>
-                <a:schemeClr val="accent2"/>
-              </a:solidFill>
-            </a:endParaRPr>
-          </a:p>
-        </p:txBody>
-      </p:sp>
-      <p:sp>
-        <p:nvSpPr>
-          <p:cNvPr id="29" name="Oval 28">
-            <a:extLst>
-              <a:ext uri="{FF2B5EF4-FFF2-40B4-BE49-F238E27FC236}">
-                <a16:creationId xmlns:a16="http://schemas.microsoft.com/office/drawing/2014/main" id="{2206B7BC-33E8-473B-84CD-DA37BCD06CDF}"/>
-              </a:ext>
-            </a:extLst>
-          </p:cNvPr>
-          <p:cNvSpPr/>
-          <p:nvPr/>
-        </p:nvSpPr>
-        <p:spPr>
-          <a:xfrm>
-            <a:off x="2230032" y="3000667"/>
-            <a:ext cx="130499" cy="133350"/>
-          </a:xfrm>
-          <a:prstGeom prst="ellipse">
-            <a:avLst/>
-          </a:prstGeom>
-          <a:noFill/>
-          <a:ln w="9525" cap="flat" cmpd="sng" algn="ctr">
-            <a:solidFill>
-              <a:schemeClr val="accent6"/>
-            </a:solidFill>
-            <a:prstDash val="solid"/>
-            <a:round/>
-            <a:headEnd type="none" w="med" len="med"/>
-            <a:tailEnd type="none" w="med" len="med"/>
-          </a:ln>
-        </p:spPr>
-        <p:style>
-          <a:lnRef idx="0">
-            <a:scrgbClr r="0" g="0" b="0"/>
-          </a:lnRef>
-          <a:fillRef idx="0">
-            <a:scrgbClr r="0" g="0" b="0"/>
-          </a:fillRef>
-          <a:effectRef idx="0">
-            <a:scrgbClr r="0" g="0" b="0"/>
-          </a:effectRef>
-          <a:fontRef idx="minor">
-            <a:schemeClr val="accent6"/>
-          </a:fontRef>
-        </p:style>
-        <p:txBody>
-          <a:bodyPr rtlCol="0" anchor="ctr"/>
-          <a:lstStyle/>
-          <a:p>
-            <a:pPr algn="ctr"/>
-            <a:endParaRPr lang="en-SG"/>
-          </a:p>
-        </p:txBody>
-      </p:sp>
-      <p:sp>
-        <p:nvSpPr>
-          <p:cNvPr id="30" name="Arrow: Bent 29">
-            <a:extLst>
-              <a:ext uri="{FF2B5EF4-FFF2-40B4-BE49-F238E27FC236}">
-                <a16:creationId xmlns:a16="http://schemas.microsoft.com/office/drawing/2014/main" id="{DFCFA230-CA83-4084-9F6D-71E51B2037DE}"/>
-              </a:ext>
-            </a:extLst>
-          </p:cNvPr>
-          <p:cNvSpPr/>
-          <p:nvPr/>
-        </p:nvSpPr>
-        <p:spPr>
-          <a:xfrm>
-            <a:off x="2281147" y="2943385"/>
-            <a:ext cx="243840" cy="62865"/>
-          </a:xfrm>
-          <a:prstGeom prst="bentArrow">
-            <a:avLst>
-              <a:gd name="adj1" fmla="val 25000"/>
-              <a:gd name="adj2" fmla="val 26516"/>
-              <a:gd name="adj3" fmla="val 25000"/>
-              <a:gd name="adj4" fmla="val 43750"/>
-            </a:avLst>
-          </a:prstGeom>
-        </p:spPr>
-        <p:style>
-          <a:lnRef idx="2">
-            <a:schemeClr val="accent6">
-              <a:shade val="50000"/>
-            </a:schemeClr>
-          </a:lnRef>
-          <a:fillRef idx="1">
-            <a:schemeClr val="accent6"/>
-          </a:fillRef>
-          <a:effectRef idx="0">
-            <a:schemeClr val="accent6"/>
-          </a:effectRef>
-          <a:fontRef idx="minor">
-            <a:schemeClr val="lt1"/>
-          </a:fontRef>
-        </p:style>
-        <p:txBody>
-          <a:bodyPr rtlCol="0" anchor="ctr"/>
-          <a:lstStyle/>
-          <a:p>
-            <a:pPr algn="ctr"/>
-            <a:endParaRPr lang="en-SG">
-              <a:solidFill>
-                <a:schemeClr val="tx1"/>
-              </a:solidFill>
-            </a:endParaRPr>
-          </a:p>
-        </p:txBody>
-      </p:sp>
-      <p:sp>
-        <p:nvSpPr>
-          <p:cNvPr id="31" name="TextBox 30">
-            <a:extLst>
-              <a:ext uri="{FF2B5EF4-FFF2-40B4-BE49-F238E27FC236}">
-                <a16:creationId xmlns:a16="http://schemas.microsoft.com/office/drawing/2014/main" id="{FD5681D1-EF5F-4AB0-9C45-DF91004DFCC2}"/>
-              </a:ext>
-            </a:extLst>
-          </p:cNvPr>
-          <p:cNvSpPr txBox="1"/>
-          <p:nvPr/>
-        </p:nvSpPr>
-        <p:spPr>
-          <a:xfrm>
-            <a:off x="2493500" y="2870443"/>
-            <a:ext cx="1902143" cy="246221"/>
-          </a:xfrm>
-          <a:prstGeom prst="rect">
-            <a:avLst/>
-          </a:prstGeom>
-          <a:noFill/>
-        </p:spPr>
-        <p:txBody>
-          <a:bodyPr wrap="square" rtlCol="0">
-            <a:spAutoFit/>
-          </a:bodyPr>
-          <a:lstStyle/>
-          <a:p>
-            <a:r>
-              <a:rPr lang="en-US" sz="1000" dirty="0">
-                <a:solidFill>
-                  <a:schemeClr val="accent6"/>
-                </a:solidFill>
-              </a:rPr>
-              <a:t>View author’s committed codes</a:t>
-            </a:r>
-            <a:endParaRPr lang="en-SG" sz="1000" dirty="0">
-              <a:solidFill>
-                <a:schemeClr val="accent6"/>
-              </a:solidFill>
-            </a:endParaRPr>
-          </a:p>
-        </p:txBody>
-      </p:sp>
-      <p:sp>
-        <p:nvSpPr>
-          <p:cNvPr id="32" name="Rectangle 31">
-            <a:extLst>
-              <a:ext uri="{FF2B5EF4-FFF2-40B4-BE49-F238E27FC236}">
-                <a16:creationId xmlns:a16="http://schemas.microsoft.com/office/drawing/2014/main" id="{78349196-1F24-461D-AD8C-4AD1D6A0E5B6}"/>
-              </a:ext>
-            </a:extLst>
-          </p:cNvPr>
-          <p:cNvSpPr/>
-          <p:nvPr/>
-        </p:nvSpPr>
-        <p:spPr>
-          <a:xfrm>
-            <a:off x="6204585" y="814386"/>
-            <a:ext cx="4547616" cy="5229225"/>
-          </a:xfrm>
-          <a:prstGeom prst="rect">
-            <a:avLst/>
-          </a:prstGeom>
-          <a:noFill/>
-          <a:ln w="57150" cap="flat" cmpd="sng" algn="ctr">
-            <a:solidFill>
-              <a:schemeClr val="accent2"/>
-            </a:solidFill>
-            <a:prstDash val="solid"/>
-            <a:round/>
-            <a:headEnd type="none" w="med" len="med"/>
-            <a:tailEnd type="none" w="med" len="med"/>
-          </a:ln>
-        </p:spPr>
-        <p:style>
-          <a:lnRef idx="0">
-            <a:scrgbClr r="0" g="0" b="0"/>
-          </a:lnRef>
-          <a:fillRef idx="0">
-            <a:scrgbClr r="0" g="0" b="0"/>
-          </a:fillRef>
-          <a:effectRef idx="0">
-            <a:scrgbClr r="0" g="0" b="0"/>
-          </a:effectRef>
-          <a:fontRef idx="minor">
-            <a:schemeClr val="accent1"/>
-          </a:fontRef>
-        </p:style>
-        <p:txBody>
-          <a:bodyPr rtlCol="0" anchor="ctr"/>
-          <a:lstStyle/>
-          <a:p>
-            <a:pPr algn="ctr"/>
-            <a:endParaRPr lang="en-SG"/>
-          </a:p>
-        </p:txBody>
-      </p:sp>
-      <p:sp>
-        <p:nvSpPr>
-          <p:cNvPr id="33" name="Rectangle 32">
-            <a:extLst>
-              <a:ext uri="{FF2B5EF4-FFF2-40B4-BE49-F238E27FC236}">
-                <a16:creationId xmlns:a16="http://schemas.microsoft.com/office/drawing/2014/main" id="{0C689E94-04DA-4405-AE79-8BC095FCC283}"/>
-              </a:ext>
-            </a:extLst>
-          </p:cNvPr>
-          <p:cNvSpPr/>
-          <p:nvPr/>
-        </p:nvSpPr>
-        <p:spPr>
-          <a:xfrm>
-            <a:off x="1504949" y="2067663"/>
-            <a:ext cx="4482463" cy="276999"/>
-          </a:xfrm>
-          <a:prstGeom prst="rect">
-            <a:avLst/>
-          </a:prstGeom>
-          <a:noFill/>
-          <a:ln w="28575" cap="flat" cmpd="sng" algn="ctr">
-            <a:solidFill>
-              <a:srgbClr val="A401FF"/>
-            </a:solidFill>
-            <a:prstDash val="solid"/>
-            <a:round/>
-            <a:headEnd type="none" w="med" len="med"/>
-            <a:tailEnd type="none" w="med" len="med"/>
-          </a:ln>
-        </p:spPr>
-        <p:style>
-          <a:lnRef idx="0">
-            <a:scrgbClr r="0" g="0" b="0"/>
-          </a:lnRef>
-          <a:fillRef idx="0">
-            <a:scrgbClr r="0" g="0" b="0"/>
-          </a:fillRef>
-          <a:effectRef idx="0">
-            <a:scrgbClr r="0" g="0" b="0"/>
-          </a:effectRef>
-          <a:fontRef idx="minor">
-            <a:schemeClr val="accent4"/>
-          </a:fontRef>
-        </p:style>
-        <p:txBody>
-          <a:bodyPr rtlCol="0" anchor="ctr"/>
-          <a:lstStyle/>
-          <a:p>
-            <a:pPr algn="ctr"/>
-            <a:endParaRPr lang="en-SG"/>
-          </a:p>
-        </p:txBody>
-      </p:sp>
-      <p:sp>
-        <p:nvSpPr>
-          <p:cNvPr id="34" name="Left Brace 33">
-            <a:extLst>
-              <a:ext uri="{FF2B5EF4-FFF2-40B4-BE49-F238E27FC236}">
-                <a16:creationId xmlns:a16="http://schemas.microsoft.com/office/drawing/2014/main" id="{222FAE24-7A73-4290-9FB2-3A3528D6EBA2}"/>
-              </a:ext>
-            </a:extLst>
-          </p:cNvPr>
-          <p:cNvSpPr/>
-          <p:nvPr/>
-        </p:nvSpPr>
-        <p:spPr>
-          <a:xfrm>
-            <a:off x="1098796" y="2084176"/>
-            <a:ext cx="348052" cy="237053"/>
-          </a:xfrm>
-          <a:prstGeom prst="leftBrace">
-            <a:avLst/>
-          </a:prstGeom>
-          <a:ln w="19050">
-            <a:solidFill>
-              <a:srgbClr val="A401FF"/>
-            </a:solidFill>
-          </a:ln>
-        </p:spPr>
-        <p:style>
-          <a:lnRef idx="1">
-            <a:schemeClr val="accent1"/>
-          </a:lnRef>
-          <a:fillRef idx="0">
-            <a:schemeClr val="accent1"/>
-          </a:fillRef>
-          <a:effectRef idx="0">
-            <a:schemeClr val="accent1"/>
-          </a:effectRef>
-          <a:fontRef idx="minor">
-            <a:schemeClr val="tx1"/>
-          </a:fontRef>
-        </p:style>
-        <p:txBody>
-          <a:bodyPr rtlCol="0" anchor="ctr"/>
-          <a:lstStyle/>
-          <a:p>
-            <a:pPr algn="ctr"/>
-            <a:endParaRPr lang="en-SG"/>
-          </a:p>
-        </p:txBody>
-      </p:sp>
-      <p:sp>
-        <p:nvSpPr>
-          <p:cNvPr id="35" name="TextBox 34">
-            <a:extLst>
-              <a:ext uri="{FF2B5EF4-FFF2-40B4-BE49-F238E27FC236}">
-                <a16:creationId xmlns:a16="http://schemas.microsoft.com/office/drawing/2014/main" id="{EF436BD1-46E2-4EB0-8C8E-A61FF6951C31}"/>
-              </a:ext>
-            </a:extLst>
-          </p:cNvPr>
-          <p:cNvSpPr txBox="1"/>
-          <p:nvPr/>
-        </p:nvSpPr>
-        <p:spPr>
-          <a:xfrm>
-            <a:off x="460520" y="1991112"/>
-            <a:ext cx="723900" cy="461665"/>
-          </a:xfrm>
-          <a:prstGeom prst="rect">
-            <a:avLst/>
-          </a:prstGeom>
-          <a:noFill/>
-        </p:spPr>
-        <p:txBody>
-          <a:bodyPr wrap="square" rtlCol="0">
-            <a:spAutoFit/>
-          </a:bodyPr>
-          <a:lstStyle/>
-          <a:p>
-            <a:pPr algn="ctr"/>
-            <a:r>
-              <a:rPr lang="en-US" sz="1200" dirty="0">
-                <a:solidFill>
-                  <a:srgbClr val="7030A0"/>
-                </a:solidFill>
-              </a:rPr>
-              <a:t>Ramp Chart</a:t>
-            </a:r>
-          </a:p>
-        </p:txBody>
-      </p:sp>
-      <p:cxnSp>
-        <p:nvCxnSpPr>
-          <p:cNvPr id="39" name="Straight Arrow Connector 38">
-            <a:extLst>
-              <a:ext uri="{FF2B5EF4-FFF2-40B4-BE49-F238E27FC236}">
-                <a16:creationId xmlns:a16="http://schemas.microsoft.com/office/drawing/2014/main" id="{B342102E-EAF2-4DC0-B960-4F7846016550}"/>
-              </a:ext>
-            </a:extLst>
-          </p:cNvPr>
-          <p:cNvCxnSpPr>
-            <a:cxnSpLocks/>
-          </p:cNvCxnSpPr>
-          <p:nvPr/>
-        </p:nvCxnSpPr>
-        <p:spPr>
-          <a:xfrm flipV="1">
-            <a:off x="4181285" y="3764584"/>
-            <a:ext cx="291556" cy="382919"/>
-          </a:xfrm>
-          <a:prstGeom prst="straightConnector1">
-            <a:avLst/>
-          </a:prstGeom>
-          <a:ln>
-            <a:tailEnd type="triangle"/>
-          </a:ln>
-        </p:spPr>
-        <p:style>
-          <a:lnRef idx="3">
-            <a:schemeClr val="accent4"/>
-          </a:lnRef>
-          <a:fillRef idx="0">
-            <a:schemeClr val="accent4"/>
-          </a:fillRef>
-          <a:effectRef idx="2">
-            <a:schemeClr val="accent4"/>
-          </a:effectRef>
-          <a:fontRef idx="minor">
-            <a:schemeClr val="tx1"/>
-          </a:fontRef>
-        </p:style>
-      </p:cxnSp>
-      <p:cxnSp>
-        <p:nvCxnSpPr>
-          <p:cNvPr id="41" name="Straight Arrow Connector 40">
-            <a:extLst>
-              <a:ext uri="{FF2B5EF4-FFF2-40B4-BE49-F238E27FC236}">
-                <a16:creationId xmlns:a16="http://schemas.microsoft.com/office/drawing/2014/main" id="{54A0E17B-CC65-450A-8DA3-6E665798ACA3}"/>
-              </a:ext>
-            </a:extLst>
-          </p:cNvPr>
-          <p:cNvCxnSpPr>
-            <a:cxnSpLocks/>
-          </p:cNvCxnSpPr>
-          <p:nvPr/>
-        </p:nvCxnSpPr>
-        <p:spPr>
-          <a:xfrm flipV="1">
-            <a:off x="4623058" y="3764584"/>
-            <a:ext cx="0" cy="389178"/>
-          </a:xfrm>
-          <a:prstGeom prst="straightConnector1">
-            <a:avLst/>
-          </a:prstGeom>
-          <a:ln>
-            <a:tailEnd type="triangle"/>
-          </a:ln>
-        </p:spPr>
-        <p:style>
-          <a:lnRef idx="3">
-            <a:schemeClr val="accent4"/>
-          </a:lnRef>
-          <a:fillRef idx="0">
-            <a:schemeClr val="accent4"/>
-          </a:fillRef>
-          <a:effectRef idx="2">
-            <a:schemeClr val="accent4"/>
-          </a:effectRef>
-          <a:fontRef idx="minor">
-            <a:schemeClr val="tx1"/>
-          </a:fontRef>
-        </p:style>
-      </p:cxnSp>
-      <p:cxnSp>
-        <p:nvCxnSpPr>
-          <p:cNvPr id="43" name="Straight Arrow Connector 42">
-            <a:extLst>
-              <a:ext uri="{FF2B5EF4-FFF2-40B4-BE49-F238E27FC236}">
-                <a16:creationId xmlns:a16="http://schemas.microsoft.com/office/drawing/2014/main" id="{859A842E-D51F-4106-BF0A-90048A2FAC0A}"/>
-              </a:ext>
-            </a:extLst>
-          </p:cNvPr>
-          <p:cNvCxnSpPr>
-            <a:cxnSpLocks/>
-          </p:cNvCxnSpPr>
-          <p:nvPr/>
-        </p:nvCxnSpPr>
-        <p:spPr>
-          <a:xfrm flipH="1" flipV="1">
-            <a:off x="4731644" y="3764584"/>
-            <a:ext cx="297080" cy="405596"/>
-          </a:xfrm>
-          <a:prstGeom prst="straightConnector1">
-            <a:avLst/>
-          </a:prstGeom>
-          <a:ln>
-            <a:tailEnd type="triangle"/>
-          </a:ln>
-        </p:spPr>
-        <p:style>
-          <a:lnRef idx="3">
-            <a:schemeClr val="accent4"/>
-          </a:lnRef>
-          <a:fillRef idx="0">
-            <a:schemeClr val="accent4"/>
-          </a:fillRef>
-          <a:effectRef idx="2">
-            <a:schemeClr val="accent4"/>
-          </a:effectRef>
-          <a:fontRef idx="minor">
-            <a:schemeClr val="tx1"/>
-          </a:fontRef>
-        </p:style>
-      </p:cxnSp>
-      <p:sp>
-        <p:nvSpPr>
-          <p:cNvPr id="44" name="TextBox 43">
-            <a:extLst>
-              <a:ext uri="{FF2B5EF4-FFF2-40B4-BE49-F238E27FC236}">
-                <a16:creationId xmlns:a16="http://schemas.microsoft.com/office/drawing/2014/main" id="{4DB4692F-5627-4F26-AA17-560705B6CBA1}"/>
-              </a:ext>
-            </a:extLst>
-          </p:cNvPr>
-          <p:cNvSpPr txBox="1"/>
-          <p:nvPr/>
-        </p:nvSpPr>
-        <p:spPr>
-          <a:xfrm>
-            <a:off x="4319174" y="3497779"/>
-            <a:ext cx="1019826" cy="276999"/>
-          </a:xfrm>
-          <a:prstGeom prst="rect">
-            <a:avLst/>
-          </a:prstGeom>
-          <a:noFill/>
-        </p:spPr>
-        <p:txBody>
-          <a:bodyPr wrap="square" rtlCol="0">
-            <a:spAutoFit/>
-          </a:bodyPr>
-          <a:lstStyle/>
-          <a:p>
-            <a:r>
-              <a:rPr lang="en-US" sz="1200" dirty="0">
-                <a:solidFill>
-                  <a:srgbClr val="FFC000"/>
-                </a:solidFill>
-              </a:rPr>
-              <a:t>Ramps</a:t>
-            </a:r>
-            <a:endParaRPr lang="en-SG" sz="1200" dirty="0">
-              <a:solidFill>
-                <a:srgbClr val="FFC000"/>
-              </a:solidFill>
-            </a:endParaRPr>
-          </a:p>
-        </p:txBody>
-      </p:sp>
-      <p:sp>
-        <p:nvSpPr>
-          <p:cNvPr id="46" name="Rectangle 45">
-            <a:extLst>
-              <a:ext uri="{FF2B5EF4-FFF2-40B4-BE49-F238E27FC236}">
-                <a16:creationId xmlns:a16="http://schemas.microsoft.com/office/drawing/2014/main" id="{046392F6-712F-4248-819F-5F03FBDBE02B}"/>
-              </a:ext>
-            </a:extLst>
-          </p:cNvPr>
-          <p:cNvSpPr/>
-          <p:nvPr/>
-        </p:nvSpPr>
-        <p:spPr>
-          <a:xfrm>
-            <a:off x="1526181" y="3880858"/>
-            <a:ext cx="4482462" cy="96793"/>
-          </a:xfrm>
-          <a:prstGeom prst="rect">
-            <a:avLst/>
-          </a:prstGeom>
-          <a:noFill/>
-          <a:ln w="9525" cap="flat" cmpd="sng" algn="ctr">
-            <a:solidFill>
-              <a:schemeClr val="dk1"/>
-            </a:solidFill>
-            <a:prstDash val="solid"/>
-            <a:round/>
-            <a:headEnd type="none" w="med" len="med"/>
-            <a:tailEnd type="none" w="med" len="med"/>
-          </a:ln>
-        </p:spPr>
-        <p:style>
-          <a:lnRef idx="0">
-            <a:scrgbClr r="0" g="0" b="0"/>
-          </a:lnRef>
-          <a:fillRef idx="0">
-            <a:scrgbClr r="0" g="0" b="0"/>
-          </a:fillRef>
-          <a:effectRef idx="0">
-            <a:scrgbClr r="0" g="0" b="0"/>
-          </a:effectRef>
-          <a:fontRef idx="minor">
-            <a:schemeClr val="dk1"/>
-          </a:fontRef>
-        </p:style>
-        <p:txBody>
-          <a:bodyPr rtlCol="0" anchor="ctr"/>
-          <a:lstStyle/>
-          <a:p>
-            <a:pPr algn="ctr"/>
-            <a:endParaRPr lang="en-SG"/>
-          </a:p>
-        </p:txBody>
-      </p:sp>
-      <p:sp>
-        <p:nvSpPr>
-          <p:cNvPr id="48" name="Arrow: Left 47">
-            <a:extLst>
-              <a:ext uri="{FF2B5EF4-FFF2-40B4-BE49-F238E27FC236}">
-                <a16:creationId xmlns:a16="http://schemas.microsoft.com/office/drawing/2014/main" id="{1B3593E0-8F68-41EA-A8FE-5188B0C5C7EA}"/>
-              </a:ext>
-            </a:extLst>
-          </p:cNvPr>
-          <p:cNvSpPr/>
-          <p:nvPr/>
-        </p:nvSpPr>
-        <p:spPr>
-          <a:xfrm>
-            <a:off x="1133943" y="3880858"/>
-            <a:ext cx="348052" cy="96793"/>
-          </a:xfrm>
-          <a:prstGeom prst="leftArrow">
-            <a:avLst/>
-          </a:prstGeom>
-        </p:spPr>
-        <p:style>
-          <a:lnRef idx="2">
-            <a:schemeClr val="dk1">
-              <a:shade val="50000"/>
-            </a:schemeClr>
-          </a:lnRef>
-          <a:fillRef idx="1">
-            <a:schemeClr val="dk1"/>
-          </a:fillRef>
-          <a:effectRef idx="0">
-            <a:schemeClr val="dk1"/>
-          </a:effectRef>
-          <a:fontRef idx="minor">
-            <a:schemeClr val="lt1"/>
-          </a:fontRef>
-        </p:style>
-        <p:txBody>
-          <a:bodyPr rtlCol="0" anchor="ctr"/>
-          <a:lstStyle/>
-          <a:p>
-            <a:pPr algn="ctr"/>
-            <a:endParaRPr lang="en-SG"/>
-          </a:p>
-        </p:txBody>
-      </p:sp>
-      <p:sp>
-        <p:nvSpPr>
-          <p:cNvPr id="49" name="TextBox 48">
-            <a:extLst>
-              <a:ext uri="{FF2B5EF4-FFF2-40B4-BE49-F238E27FC236}">
-                <a16:creationId xmlns:a16="http://schemas.microsoft.com/office/drawing/2014/main" id="{B179F6A5-F356-4AE0-BE67-A636F79B6560}"/>
-              </a:ext>
-            </a:extLst>
-          </p:cNvPr>
-          <p:cNvSpPr txBox="1"/>
-          <p:nvPr/>
-        </p:nvSpPr>
-        <p:spPr>
-          <a:xfrm>
-            <a:off x="181614" y="3716589"/>
-            <a:ext cx="1014711" cy="461665"/>
-          </a:xfrm>
-          <a:prstGeom prst="rect">
-            <a:avLst/>
-          </a:prstGeom>
-          <a:noFill/>
-        </p:spPr>
-        <p:txBody>
-          <a:bodyPr wrap="square" rtlCol="0">
-            <a:spAutoFit/>
-          </a:bodyPr>
-          <a:lstStyle/>
-          <a:p>
-            <a:pPr algn="ctr"/>
-            <a:r>
-              <a:rPr lang="en-US" sz="1200" dirty="0"/>
-              <a:t>Contribution Bar</a:t>
-            </a:r>
-            <a:endParaRPr lang="en-SG" sz="1200" dirty="0"/>
-          </a:p>
-        </p:txBody>
-      </p:sp>
-      <p:sp>
-        <p:nvSpPr>
-          <p:cNvPr id="50" name="Rectangle 49">
-            <a:extLst>
-              <a:ext uri="{FF2B5EF4-FFF2-40B4-BE49-F238E27FC236}">
-                <a16:creationId xmlns:a16="http://schemas.microsoft.com/office/drawing/2014/main" id="{66E4832A-82B6-4ACE-88A2-1FC6DCF2CED8}"/>
-              </a:ext>
-            </a:extLst>
-          </p:cNvPr>
-          <p:cNvSpPr/>
-          <p:nvPr/>
-        </p:nvSpPr>
-        <p:spPr>
-          <a:xfrm>
-            <a:off x="6202680" y="1861062"/>
-            <a:ext cx="2151751" cy="276999"/>
-          </a:xfrm>
-          <a:prstGeom prst="rect">
-            <a:avLst/>
-          </a:prstGeom>
-          <a:noFill/>
-          <a:ln w="19050" cap="flat" cmpd="sng" algn="ctr">
-            <a:solidFill>
-              <a:schemeClr val="accent6"/>
-            </a:solidFill>
-            <a:prstDash val="solid"/>
-            <a:round/>
-            <a:headEnd type="none" w="med" len="med"/>
-            <a:tailEnd type="none" w="med" len="med"/>
-          </a:ln>
-        </p:spPr>
-        <p:style>
-          <a:lnRef idx="0">
-            <a:scrgbClr r="0" g="0" b="0"/>
-          </a:lnRef>
-          <a:fillRef idx="0">
-            <a:scrgbClr r="0" g="0" b="0"/>
-          </a:fillRef>
-          <a:effectRef idx="0">
-            <a:scrgbClr r="0" g="0" b="0"/>
-          </a:effectRef>
-          <a:fontRef idx="minor">
-            <a:schemeClr val="accent6"/>
-          </a:fontRef>
-        </p:style>
-        <p:txBody>
-          <a:bodyPr rtlCol="0" anchor="ctr"/>
-          <a:lstStyle/>
-          <a:p>
-            <a:pPr algn="ctr"/>
-            <a:endParaRPr lang="en-SG"/>
-          </a:p>
-        </p:txBody>
-      </p:sp>
+              </a:endParaRPr>
+            </a:p>
+          </p:txBody>
+        </p:sp>
+      </p:grpSp>
     </p:spTree>
     <p:extLst>
       <p:ext uri="{BB962C8B-B14F-4D97-AF65-F5344CB8AC3E}">

--- a/docs/diagrams/report-features.pptx
+++ b/docs/diagrams/report-features.pptx
@@ -261,7 +261,7 @@
           <a:p>
             <a:fld id="{BC643CBC-B76F-46AA-8129-8C84DB44B84D}" type="datetimeFigureOut">
               <a:rPr lang="en-SG" smtClean="0"/>
-              <a:t>31/7/2019</a:t>
+              <a:t>1/1/2020</a:t>
             </a:fld>
             <a:endParaRPr lang="en-SG"/>
           </a:p>
@@ -461,7 +461,7 @@
           <a:p>
             <a:fld id="{BC643CBC-B76F-46AA-8129-8C84DB44B84D}" type="datetimeFigureOut">
               <a:rPr lang="en-SG" smtClean="0"/>
-              <a:t>31/7/2019</a:t>
+              <a:t>1/1/2020</a:t>
             </a:fld>
             <a:endParaRPr lang="en-SG"/>
           </a:p>
@@ -671,7 +671,7 @@
           <a:p>
             <a:fld id="{BC643CBC-B76F-46AA-8129-8C84DB44B84D}" type="datetimeFigureOut">
               <a:rPr lang="en-SG" smtClean="0"/>
-              <a:t>31/7/2019</a:t>
+              <a:t>1/1/2020</a:t>
             </a:fld>
             <a:endParaRPr lang="en-SG"/>
           </a:p>
@@ -871,7 +871,7 @@
           <a:p>
             <a:fld id="{BC643CBC-B76F-46AA-8129-8C84DB44B84D}" type="datetimeFigureOut">
               <a:rPr lang="en-SG" smtClean="0"/>
-              <a:t>31/7/2019</a:t>
+              <a:t>1/1/2020</a:t>
             </a:fld>
             <a:endParaRPr lang="en-SG"/>
           </a:p>
@@ -1147,7 +1147,7 @@
           <a:p>
             <a:fld id="{BC643CBC-B76F-46AA-8129-8C84DB44B84D}" type="datetimeFigureOut">
               <a:rPr lang="en-SG" smtClean="0"/>
-              <a:t>31/7/2019</a:t>
+              <a:t>1/1/2020</a:t>
             </a:fld>
             <a:endParaRPr lang="en-SG"/>
           </a:p>
@@ -1415,7 +1415,7 @@
           <a:p>
             <a:fld id="{BC643CBC-B76F-46AA-8129-8C84DB44B84D}" type="datetimeFigureOut">
               <a:rPr lang="en-SG" smtClean="0"/>
-              <a:t>31/7/2019</a:t>
+              <a:t>1/1/2020</a:t>
             </a:fld>
             <a:endParaRPr lang="en-SG"/>
           </a:p>
@@ -1830,7 +1830,7 @@
           <a:p>
             <a:fld id="{BC643CBC-B76F-46AA-8129-8C84DB44B84D}" type="datetimeFigureOut">
               <a:rPr lang="en-SG" smtClean="0"/>
-              <a:t>31/7/2019</a:t>
+              <a:t>1/1/2020</a:t>
             </a:fld>
             <a:endParaRPr lang="en-SG"/>
           </a:p>
@@ -1972,7 +1972,7 @@
           <a:p>
             <a:fld id="{BC643CBC-B76F-46AA-8129-8C84DB44B84D}" type="datetimeFigureOut">
               <a:rPr lang="en-SG" smtClean="0"/>
-              <a:t>31/7/2019</a:t>
+              <a:t>1/1/2020</a:t>
             </a:fld>
             <a:endParaRPr lang="en-SG"/>
           </a:p>
@@ -2085,7 +2085,7 @@
           <a:p>
             <a:fld id="{BC643CBC-B76F-46AA-8129-8C84DB44B84D}" type="datetimeFigureOut">
               <a:rPr lang="en-SG" smtClean="0"/>
-              <a:t>31/7/2019</a:t>
+              <a:t>1/1/2020</a:t>
             </a:fld>
             <a:endParaRPr lang="en-SG"/>
           </a:p>
@@ -2398,7 +2398,7 @@
           <a:p>
             <a:fld id="{BC643CBC-B76F-46AA-8129-8C84DB44B84D}" type="datetimeFigureOut">
               <a:rPr lang="en-SG" smtClean="0"/>
-              <a:t>31/7/2019</a:t>
+              <a:t>1/1/2020</a:t>
             </a:fld>
             <a:endParaRPr lang="en-SG"/>
           </a:p>
@@ -2687,7 +2687,7 @@
           <a:p>
             <a:fld id="{BC643CBC-B76F-46AA-8129-8C84DB44B84D}" type="datetimeFigureOut">
               <a:rPr lang="en-SG" smtClean="0"/>
-              <a:t>31/7/2019</a:t>
+              <a:t>1/1/2020</a:t>
             </a:fld>
             <a:endParaRPr lang="en-SG"/>
           </a:p>
@@ -2930,7 +2930,7 @@
           <a:p>
             <a:fld id="{BC643CBC-B76F-46AA-8129-8C84DB44B84D}" type="datetimeFigureOut">
               <a:rPr lang="en-SG" smtClean="0"/>
-              <a:t>31/7/2019</a:t>
+              <a:t>1/1/2020</a:t>
             </a:fld>
             <a:endParaRPr lang="en-SG"/>
           </a:p>
@@ -3349,10 +3349,10 @@
       </p:grpSpPr>
       <p:pic>
         <p:nvPicPr>
-          <p:cNvPr id="47" name="Picture 46">
-            <a:extLst>
-              <a:ext uri="{FF2B5EF4-FFF2-40B4-BE49-F238E27FC236}">
-                <a16:creationId xmlns:a16="http://schemas.microsoft.com/office/drawing/2014/main" id="{93313844-D6A5-4663-BFA6-6614735A1446}"/>
+          <p:cNvPr id="59" name="Picture 58">
+            <a:extLst>
+              <a:ext uri="{FF2B5EF4-FFF2-40B4-BE49-F238E27FC236}">
+                <a16:creationId xmlns:a16="http://schemas.microsoft.com/office/drawing/2014/main" id="{F3C703F0-DCC2-438D-830F-AEEDBEB852A9}"/>
               </a:ext>
             </a:extLst>
           </p:cNvPr>
@@ -3362,15 +3362,21 @@
           <p:nvPr/>
         </p:nvPicPr>
         <p:blipFill>
-          <a:blip r:embed="rId2"/>
+          <a:blip r:embed="rId2">
+            <a:extLst>
+              <a:ext uri="{28A0092B-C50C-407E-A947-70E740481C1C}">
+                <a14:useLocalDpi xmlns:a14="http://schemas.microsoft.com/office/drawing/2010/main" val="0"/>
+              </a:ext>
+            </a:extLst>
+          </a:blip>
           <a:stretch>
             <a:fillRect/>
           </a:stretch>
         </p:blipFill>
         <p:spPr>
           <a:xfrm>
-            <a:off x="1447797" y="841021"/>
-            <a:ext cx="9268452" cy="5213504"/>
+            <a:off x="1439799" y="814385"/>
+            <a:ext cx="9341158" cy="5162105"/>
           </a:xfrm>
           <a:prstGeom prst="rect">
             <a:avLst/>
@@ -3391,7 +3397,7 @@
         </p:nvGrpSpPr>
         <p:grpSpPr>
           <a:xfrm>
-            <a:off x="3876419" y="5090769"/>
+            <a:off x="3353297" y="5041811"/>
             <a:ext cx="1019826" cy="623120"/>
             <a:chOff x="3946269" y="5051399"/>
             <a:chExt cx="1019826" cy="623120"/>
@@ -3510,7 +3516,7 @@
         </p:nvGrpSpPr>
         <p:grpSpPr>
           <a:xfrm>
-            <a:off x="9723023" y="3098194"/>
+            <a:off x="9598506" y="2857087"/>
             <a:ext cx="1095413" cy="560378"/>
             <a:chOff x="8603087" y="2719565"/>
             <a:chExt cx="1095413" cy="560378"/>
@@ -3675,7 +3681,7 @@
         </p:nvGrpSpPr>
         <p:grpSpPr>
           <a:xfrm>
-            <a:off x="8625163" y="2688150"/>
+            <a:off x="8507108" y="2488443"/>
             <a:ext cx="1127684" cy="568600"/>
             <a:chOff x="7475403" y="3115227"/>
             <a:chExt cx="1127684" cy="568600"/>
@@ -4158,7 +4164,7 @@
         </p:nvGrpSpPr>
         <p:grpSpPr>
           <a:xfrm>
-            <a:off x="2754415" y="3135977"/>
+            <a:off x="2824966" y="3083362"/>
             <a:ext cx="1695743" cy="246221"/>
             <a:chOff x="2464522" y="2361561"/>
             <a:chExt cx="1695743" cy="246221"/>
@@ -4323,7 +4329,7 @@
         </p:nvGrpSpPr>
         <p:grpSpPr>
           <a:xfrm>
-            <a:off x="2775084" y="2520611"/>
+            <a:off x="2773892" y="2499943"/>
             <a:ext cx="2165611" cy="263574"/>
             <a:chOff x="2230032" y="2870443"/>
             <a:chExt cx="2165611" cy="263574"/>
@@ -4817,7 +4823,7 @@
         </p:nvGrpSpPr>
         <p:grpSpPr>
           <a:xfrm>
-            <a:off x="181614" y="3460043"/>
+            <a:off x="105361" y="3392098"/>
             <a:ext cx="5827029" cy="461665"/>
             <a:chOff x="181614" y="3716589"/>
             <a:chExt cx="5827029" cy="461665"/>
@@ -4975,7 +4981,7 @@
         </p:nvGrpSpPr>
         <p:grpSpPr>
           <a:xfrm>
-            <a:off x="6204585" y="1871638"/>
+            <a:off x="6174351" y="1712697"/>
             <a:ext cx="3424155" cy="402234"/>
             <a:chOff x="6202680" y="1735827"/>
             <a:chExt cx="3424155" cy="402234"/>
@@ -5144,8 +5150,8 @@
         </p:nvGrpSpPr>
         <p:grpSpPr>
           <a:xfrm>
-            <a:off x="2958279" y="3702395"/>
-            <a:ext cx="1674876" cy="246221"/>
+            <a:off x="2888422" y="3630692"/>
+            <a:ext cx="1674876" cy="291016"/>
             <a:chOff x="2943039" y="3682075"/>
             <a:chExt cx="1674876" cy="246221"/>
           </a:xfrm>

--- a/docs/diagrams/report-features.pptx
+++ b/docs/diagrams/report-features.pptx
@@ -5,7 +5,7 @@
     <p:sldMasterId id="2147483648" r:id="rId1"/>
   </p:sldMasterIdLst>
   <p:sldIdLst>
-    <p:sldId id="256" r:id="rId2"/>
+    <p:sldId id="261" r:id="rId2"/>
   </p:sldIdLst>
   <p:sldSz cx="12192000" cy="6858000"/>
   <p:notesSz cx="6858000" cy="9144000"/>
@@ -261,7 +261,7 @@
           <a:p>
             <a:fld id="{BC643CBC-B76F-46AA-8129-8C84DB44B84D}" type="datetimeFigureOut">
               <a:rPr lang="en-SG" smtClean="0"/>
-              <a:t>1/1/2020</a:t>
+              <a:t>18/3/20</a:t>
             </a:fld>
             <a:endParaRPr lang="en-SG"/>
           </a:p>
@@ -461,7 +461,7 @@
           <a:p>
             <a:fld id="{BC643CBC-B76F-46AA-8129-8C84DB44B84D}" type="datetimeFigureOut">
               <a:rPr lang="en-SG" smtClean="0"/>
-              <a:t>1/1/2020</a:t>
+              <a:t>18/3/20</a:t>
             </a:fld>
             <a:endParaRPr lang="en-SG"/>
           </a:p>
@@ -671,7 +671,7 @@
           <a:p>
             <a:fld id="{BC643CBC-B76F-46AA-8129-8C84DB44B84D}" type="datetimeFigureOut">
               <a:rPr lang="en-SG" smtClean="0"/>
-              <a:t>1/1/2020</a:t>
+              <a:t>18/3/20</a:t>
             </a:fld>
             <a:endParaRPr lang="en-SG"/>
           </a:p>
@@ -871,7 +871,7 @@
           <a:p>
             <a:fld id="{BC643CBC-B76F-46AA-8129-8C84DB44B84D}" type="datetimeFigureOut">
               <a:rPr lang="en-SG" smtClean="0"/>
-              <a:t>1/1/2020</a:t>
+              <a:t>18/3/20</a:t>
             </a:fld>
             <a:endParaRPr lang="en-SG"/>
           </a:p>
@@ -1147,7 +1147,7 @@
           <a:p>
             <a:fld id="{BC643CBC-B76F-46AA-8129-8C84DB44B84D}" type="datetimeFigureOut">
               <a:rPr lang="en-SG" smtClean="0"/>
-              <a:t>1/1/2020</a:t>
+              <a:t>18/3/20</a:t>
             </a:fld>
             <a:endParaRPr lang="en-SG"/>
           </a:p>
@@ -1415,7 +1415,7 @@
           <a:p>
             <a:fld id="{BC643CBC-B76F-46AA-8129-8C84DB44B84D}" type="datetimeFigureOut">
               <a:rPr lang="en-SG" smtClean="0"/>
-              <a:t>1/1/2020</a:t>
+              <a:t>18/3/20</a:t>
             </a:fld>
             <a:endParaRPr lang="en-SG"/>
           </a:p>
@@ -1830,7 +1830,7 @@
           <a:p>
             <a:fld id="{BC643CBC-B76F-46AA-8129-8C84DB44B84D}" type="datetimeFigureOut">
               <a:rPr lang="en-SG" smtClean="0"/>
-              <a:t>1/1/2020</a:t>
+              <a:t>18/3/20</a:t>
             </a:fld>
             <a:endParaRPr lang="en-SG"/>
           </a:p>
@@ -1972,7 +1972,7 @@
           <a:p>
             <a:fld id="{BC643CBC-B76F-46AA-8129-8C84DB44B84D}" type="datetimeFigureOut">
               <a:rPr lang="en-SG" smtClean="0"/>
-              <a:t>1/1/2020</a:t>
+              <a:t>18/3/20</a:t>
             </a:fld>
             <a:endParaRPr lang="en-SG"/>
           </a:p>
@@ -2085,7 +2085,7 @@
           <a:p>
             <a:fld id="{BC643CBC-B76F-46AA-8129-8C84DB44B84D}" type="datetimeFigureOut">
               <a:rPr lang="en-SG" smtClean="0"/>
-              <a:t>1/1/2020</a:t>
+              <a:t>18/3/20</a:t>
             </a:fld>
             <a:endParaRPr lang="en-SG"/>
           </a:p>
@@ -2398,7 +2398,7 @@
           <a:p>
             <a:fld id="{BC643CBC-B76F-46AA-8129-8C84DB44B84D}" type="datetimeFigureOut">
               <a:rPr lang="en-SG" smtClean="0"/>
-              <a:t>1/1/2020</a:t>
+              <a:t>18/3/20</a:t>
             </a:fld>
             <a:endParaRPr lang="en-SG"/>
           </a:p>
@@ -2687,7 +2687,7 @@
           <a:p>
             <a:fld id="{BC643CBC-B76F-46AA-8129-8C84DB44B84D}" type="datetimeFigureOut">
               <a:rPr lang="en-SG" smtClean="0"/>
-              <a:t>1/1/2020</a:t>
+              <a:t>18/3/20</a:t>
             </a:fld>
             <a:endParaRPr lang="en-SG"/>
           </a:p>
@@ -2930,7 +2930,7 @@
           <a:p>
             <a:fld id="{BC643CBC-B76F-46AA-8129-8C84DB44B84D}" type="datetimeFigureOut">
               <a:rPr lang="en-SG" smtClean="0"/>
-              <a:t>1/1/2020</a:t>
+              <a:t>18/3/20</a:t>
             </a:fld>
             <a:endParaRPr lang="en-SG"/>
           </a:p>
@@ -3333,6 +3333,14 @@
 <file path=ppt/slides/slide1.xml><?xml version="1.0" encoding="utf-8"?>
 <p:sld xmlns:a="http://schemas.openxmlformats.org/drawingml/2006/main" xmlns:r="http://schemas.openxmlformats.org/officeDocument/2006/relationships" xmlns:p="http://schemas.openxmlformats.org/presentationml/2006/main">
   <p:cSld>
+    <p:bg>
+      <p:bgPr>
+        <a:solidFill>
+          <a:schemeClr val="bg1"/>
+        </a:solidFill>
+        <a:effectLst/>
+      </p:bgPr>
+    </p:bg>
     <p:spTree>
       <p:nvGrpSpPr>
         <p:cNvPr id="1" name=""/>
@@ -3349,10 +3357,10 @@
       </p:grpSpPr>
       <p:pic>
         <p:nvPicPr>
-          <p:cNvPr id="59" name="Picture 58">
-            <a:extLst>
-              <a:ext uri="{FF2B5EF4-FFF2-40B4-BE49-F238E27FC236}">
-                <a16:creationId xmlns:a16="http://schemas.microsoft.com/office/drawing/2014/main" id="{F3C703F0-DCC2-438D-830F-AEEDBEB852A9}"/>
+          <p:cNvPr id="5" name="Picture 4" descr="A screenshot of a social media post&#10;&#10;Description automatically generated">
+            <a:extLst>
+              <a:ext uri="{FF2B5EF4-FFF2-40B4-BE49-F238E27FC236}">
+                <a16:creationId xmlns:a16="http://schemas.microsoft.com/office/drawing/2014/main" id="{B4E5294F-444B-4447-B9AA-FA88D06B7743}"/>
               </a:ext>
             </a:extLst>
           </p:cNvPr>
@@ -3375,8 +3383,8 @@
         </p:blipFill>
         <p:spPr>
           <a:xfrm>
-            <a:off x="1439799" y="814385"/>
-            <a:ext cx="9341158" cy="5162105"/>
+            <a:off x="1187572" y="643466"/>
+            <a:ext cx="9813566" cy="5569200"/>
           </a:xfrm>
           <a:prstGeom prst="rect">
             <a:avLst/>
@@ -3385,10 +3393,10 @@
       </p:pic>
       <p:grpSp>
         <p:nvGrpSpPr>
-          <p:cNvPr id="4" name="Group 3">
-            <a:extLst>
-              <a:ext uri="{FF2B5EF4-FFF2-40B4-BE49-F238E27FC236}">
-                <a16:creationId xmlns:a16="http://schemas.microsoft.com/office/drawing/2014/main" id="{F0D58C48-0153-4B14-BF07-F967F1B7F730}"/>
+          <p:cNvPr id="6" name="Group 5">
+            <a:extLst>
+              <a:ext uri="{FF2B5EF4-FFF2-40B4-BE49-F238E27FC236}">
+                <a16:creationId xmlns:a16="http://schemas.microsoft.com/office/drawing/2014/main" id="{79766EAC-8642-D843-AAF2-A0EAEA91F400}"/>
               </a:ext>
             </a:extLst>
           </p:cNvPr>
@@ -3397,7 +3405,7 @@
         </p:nvGrpSpPr>
         <p:grpSpPr>
           <a:xfrm>
-            <a:off x="3353297" y="5041811"/>
+            <a:off x="3604583" y="5552602"/>
             <a:ext cx="1019826" cy="623120"/>
             <a:chOff x="3946269" y="5051399"/>
             <a:chExt cx="1019826" cy="623120"/>
@@ -3405,10 +3413,10 @@
         </p:grpSpPr>
         <p:sp>
           <p:nvSpPr>
-            <p:cNvPr id="44" name="TextBox 43">
+            <p:cNvPr id="7" name="TextBox 6">
               <a:extLst>
                 <a:ext uri="{FF2B5EF4-FFF2-40B4-BE49-F238E27FC236}">
-                  <a16:creationId xmlns:a16="http://schemas.microsoft.com/office/drawing/2014/main" id="{4DB4692F-5627-4F26-AA17-560705B6CBA1}"/>
+                  <a16:creationId xmlns:a16="http://schemas.microsoft.com/office/drawing/2014/main" id="{B0BA5182-A179-4D47-86ED-5C1E184ADFAD}"/>
                 </a:ext>
               </a:extLst>
             </p:cNvPr>
@@ -3449,10 +3457,10 @@
         </p:sp>
         <p:sp>
           <p:nvSpPr>
-            <p:cNvPr id="2" name="Oval 1">
+            <p:cNvPr id="8" name="Oval 7">
               <a:extLst>
                 <a:ext uri="{FF2B5EF4-FFF2-40B4-BE49-F238E27FC236}">
-                  <a16:creationId xmlns:a16="http://schemas.microsoft.com/office/drawing/2014/main" id="{7CBF2F7E-DF4B-4937-B579-9A5191DFED6B}"/>
+                  <a16:creationId xmlns:a16="http://schemas.microsoft.com/office/drawing/2014/main" id="{5C2C6CF5-9D38-9349-A1A2-5B2FAAAACBB2}"/>
                 </a:ext>
               </a:extLst>
             </p:cNvPr>
@@ -3504,10 +3512,10 @@
       </p:grpSp>
       <p:grpSp>
         <p:nvGrpSpPr>
-          <p:cNvPr id="40" name="Group 39">
-            <a:extLst>
-              <a:ext uri="{FF2B5EF4-FFF2-40B4-BE49-F238E27FC236}">
-                <a16:creationId xmlns:a16="http://schemas.microsoft.com/office/drawing/2014/main" id="{355B37A5-8EA6-41FF-AE7C-7F8A4FFA63AA}"/>
+          <p:cNvPr id="9" name="Group 8">
+            <a:extLst>
+              <a:ext uri="{FF2B5EF4-FFF2-40B4-BE49-F238E27FC236}">
+                <a16:creationId xmlns:a16="http://schemas.microsoft.com/office/drawing/2014/main" id="{F5C23996-7C4F-7E4F-B4FF-3A2029C89358}"/>
               </a:ext>
             </a:extLst>
           </p:cNvPr>
@@ -3516,18 +3524,18 @@
         </p:nvGrpSpPr>
         <p:grpSpPr>
           <a:xfrm>
-            <a:off x="9598506" y="2857087"/>
-            <a:ext cx="1095413" cy="560378"/>
-            <a:chOff x="8603087" y="2719565"/>
-            <a:chExt cx="1095413" cy="560378"/>
+            <a:off x="3048219" y="3723003"/>
+            <a:ext cx="1695743" cy="246221"/>
+            <a:chOff x="2464522" y="2361561"/>
+            <a:chExt cx="1695743" cy="246221"/>
           </a:xfrm>
         </p:grpSpPr>
         <p:sp>
           <p:nvSpPr>
-            <p:cNvPr id="16" name="Oval 15">
+            <p:cNvPr id="10" name="Oval 9">
               <a:extLst>
                 <a:ext uri="{FF2B5EF4-FFF2-40B4-BE49-F238E27FC236}">
-                  <a16:creationId xmlns:a16="http://schemas.microsoft.com/office/drawing/2014/main" id="{0FA3B7FA-4DB5-4EB3-9614-C6246C535AC6}"/>
+                  <a16:creationId xmlns:a16="http://schemas.microsoft.com/office/drawing/2014/main" id="{FFC95C22-4AFA-764A-9BFB-1CBCF6917C7E}"/>
                 </a:ext>
               </a:extLst>
             </p:cNvPr>
@@ -3536,8 +3544,960 @@
           </p:nvSpPr>
           <p:spPr>
             <a:xfrm>
-              <a:off x="8603087" y="3116629"/>
-              <a:ext cx="154341" cy="163314"/>
+              <a:off x="2464522" y="2454206"/>
+              <a:ext cx="142875" cy="133350"/>
+            </a:xfrm>
+            <a:prstGeom prst="ellipse">
+              <a:avLst/>
+            </a:prstGeom>
+            <a:noFill/>
+            <a:ln w="9525" cap="flat" cmpd="sng" algn="ctr">
+              <a:solidFill>
+                <a:schemeClr val="accent2"/>
+              </a:solidFill>
+              <a:prstDash val="solid"/>
+              <a:round/>
+              <a:headEnd type="none" w="med" len="med"/>
+              <a:tailEnd type="none" w="med" len="med"/>
+            </a:ln>
+          </p:spPr>
+          <p:style>
+            <a:lnRef idx="0">
+              <a:scrgbClr r="0" g="0" b="0"/>
+            </a:lnRef>
+            <a:fillRef idx="0">
+              <a:scrgbClr r="0" g="0" b="0"/>
+            </a:fillRef>
+            <a:effectRef idx="0">
+              <a:scrgbClr r="0" g="0" b="0"/>
+            </a:effectRef>
+            <a:fontRef idx="minor">
+              <a:schemeClr val="accent2"/>
+            </a:fontRef>
+          </p:style>
+          <p:txBody>
+            <a:bodyPr rtlCol="0" anchor="ctr"/>
+            <a:lstStyle/>
+            <a:p>
+              <a:pPr algn="ctr"/>
+              <a:endParaRPr lang="en-SG"/>
+            </a:p>
+          </p:txBody>
+        </p:sp>
+        <p:sp>
+          <p:nvSpPr>
+            <p:cNvPr id="11" name="Arrow: Right 26">
+              <a:extLst>
+                <a:ext uri="{FF2B5EF4-FFF2-40B4-BE49-F238E27FC236}">
+                  <a16:creationId xmlns:a16="http://schemas.microsoft.com/office/drawing/2014/main" id="{92F77A80-7975-A047-9AC8-95F3789669E7}"/>
+                </a:ext>
+              </a:extLst>
+            </p:cNvPr>
+            <p:cNvSpPr/>
+            <p:nvPr/>
+          </p:nvSpPr>
+          <p:spPr>
+            <a:xfrm rot="21204583">
+              <a:off x="2661847" y="2453845"/>
+              <a:ext cx="142378" cy="66676"/>
+            </a:xfrm>
+            <a:prstGeom prst="rightArrow">
+              <a:avLst/>
+            </a:prstGeom>
+          </p:spPr>
+          <p:style>
+            <a:lnRef idx="2">
+              <a:schemeClr val="accent2">
+                <a:shade val="50000"/>
+              </a:schemeClr>
+            </a:lnRef>
+            <a:fillRef idx="1">
+              <a:schemeClr val="accent2"/>
+            </a:fillRef>
+            <a:effectRef idx="0">
+              <a:schemeClr val="accent2"/>
+            </a:effectRef>
+            <a:fontRef idx="minor">
+              <a:schemeClr val="lt1"/>
+            </a:fontRef>
+          </p:style>
+          <p:txBody>
+            <a:bodyPr rtlCol="0" anchor="ctr"/>
+            <a:lstStyle/>
+            <a:p>
+              <a:pPr algn="ctr"/>
+              <a:endParaRPr lang="en-SG"/>
+            </a:p>
+          </p:txBody>
+        </p:sp>
+        <p:sp>
+          <p:nvSpPr>
+            <p:cNvPr id="12" name="TextBox 11">
+              <a:extLst>
+                <a:ext uri="{FF2B5EF4-FFF2-40B4-BE49-F238E27FC236}">
+                  <a16:creationId xmlns:a16="http://schemas.microsoft.com/office/drawing/2014/main" id="{82FD49BE-679E-FB4E-9B2C-DB6B3E1AD08D}"/>
+                </a:ext>
+              </a:extLst>
+            </p:cNvPr>
+            <p:cNvSpPr txBox="1"/>
+            <p:nvPr/>
+          </p:nvSpPr>
+          <p:spPr>
+            <a:xfrm>
+              <a:off x="2760090" y="2361561"/>
+              <a:ext cx="1400175" cy="246221"/>
+            </a:xfrm>
+            <a:prstGeom prst="rect">
+              <a:avLst/>
+            </a:prstGeom>
+            <a:noFill/>
+          </p:spPr>
+          <p:txBody>
+            <a:bodyPr wrap="square" rtlCol="0">
+              <a:spAutoFit/>
+            </a:bodyPr>
+            <a:lstStyle/>
+            <a:p>
+              <a:r>
+                <a:rPr lang="en-US" sz="1000" dirty="0">
+                  <a:solidFill>
+                    <a:schemeClr val="accent2"/>
+                  </a:solidFill>
+                </a:rPr>
+                <a:t>Link to repository</a:t>
+              </a:r>
+              <a:endParaRPr lang="en-SG" sz="1000" dirty="0">
+                <a:solidFill>
+                  <a:schemeClr val="accent2"/>
+                </a:solidFill>
+              </a:endParaRPr>
+            </a:p>
+          </p:txBody>
+        </p:sp>
+      </p:grpSp>
+      <p:grpSp>
+        <p:nvGrpSpPr>
+          <p:cNvPr id="13" name="Group 12">
+            <a:extLst>
+              <a:ext uri="{FF2B5EF4-FFF2-40B4-BE49-F238E27FC236}">
+                <a16:creationId xmlns:a16="http://schemas.microsoft.com/office/drawing/2014/main" id="{D62F89A8-1701-DF47-B09B-2D40770BE744}"/>
+              </a:ext>
+            </a:extLst>
+          </p:cNvPr>
+          <p:cNvGrpSpPr/>
+          <p:nvPr/>
+        </p:nvGrpSpPr>
+        <p:grpSpPr>
+          <a:xfrm>
+            <a:off x="2942352" y="4322650"/>
+            <a:ext cx="1672681" cy="291016"/>
+            <a:chOff x="2945234" y="3682075"/>
+            <a:chExt cx="1672681" cy="246221"/>
+          </a:xfrm>
+        </p:grpSpPr>
+        <p:sp>
+          <p:nvSpPr>
+            <p:cNvPr id="14" name="Oval 13">
+              <a:extLst>
+                <a:ext uri="{FF2B5EF4-FFF2-40B4-BE49-F238E27FC236}">
+                  <a16:creationId xmlns:a16="http://schemas.microsoft.com/office/drawing/2014/main" id="{BDCB45B0-8710-AE4F-8F1C-D69EB6E825F5}"/>
+                </a:ext>
+              </a:extLst>
+            </p:cNvPr>
+            <p:cNvSpPr/>
+            <p:nvPr/>
+          </p:nvSpPr>
+          <p:spPr>
+            <a:xfrm>
+              <a:off x="2945234" y="3739036"/>
+              <a:ext cx="147081" cy="158015"/>
+            </a:xfrm>
+            <a:prstGeom prst="ellipse">
+              <a:avLst/>
+            </a:prstGeom>
+            <a:noFill/>
+            <a:ln w="9525" cap="flat" cmpd="sng" algn="ctr">
+              <a:solidFill>
+                <a:schemeClr val="accent1"/>
+              </a:solidFill>
+              <a:prstDash val="solid"/>
+              <a:round/>
+              <a:headEnd type="none" w="med" len="med"/>
+              <a:tailEnd type="none" w="med" len="med"/>
+            </a:ln>
+          </p:spPr>
+          <p:style>
+            <a:lnRef idx="0">
+              <a:scrgbClr r="0" g="0" b="0"/>
+            </a:lnRef>
+            <a:fillRef idx="0">
+              <a:scrgbClr r="0" g="0" b="0"/>
+            </a:fillRef>
+            <a:effectRef idx="0">
+              <a:scrgbClr r="0" g="0" b="0"/>
+            </a:effectRef>
+            <a:fontRef idx="minor">
+              <a:schemeClr val="accent1"/>
+            </a:fontRef>
+          </p:style>
+          <p:txBody>
+            <a:bodyPr rtlCol="0" anchor="ctr"/>
+            <a:lstStyle/>
+            <a:p>
+              <a:pPr algn="ctr"/>
+              <a:endParaRPr lang="en-SG"/>
+            </a:p>
+          </p:txBody>
+        </p:sp>
+        <p:sp>
+          <p:nvSpPr>
+            <p:cNvPr id="15" name="Arrow: Right 42">
+              <a:extLst>
+                <a:ext uri="{FF2B5EF4-FFF2-40B4-BE49-F238E27FC236}">
+                  <a16:creationId xmlns:a16="http://schemas.microsoft.com/office/drawing/2014/main" id="{9E9ABC44-2B22-0042-AFBE-32BB6D8F04D6}"/>
+                </a:ext>
+              </a:extLst>
+            </p:cNvPr>
+            <p:cNvSpPr/>
+            <p:nvPr/>
+          </p:nvSpPr>
+          <p:spPr>
+            <a:xfrm>
+              <a:off x="3120106" y="3768558"/>
+              <a:ext cx="147081" cy="96793"/>
+            </a:xfrm>
+            <a:prstGeom prst="rightArrow">
+              <a:avLst/>
+            </a:prstGeom>
+          </p:spPr>
+          <p:style>
+            <a:lnRef idx="2">
+              <a:schemeClr val="accent1">
+                <a:shade val="50000"/>
+              </a:schemeClr>
+            </a:lnRef>
+            <a:fillRef idx="1">
+              <a:schemeClr val="accent1"/>
+            </a:fillRef>
+            <a:effectRef idx="0">
+              <a:schemeClr val="accent1"/>
+            </a:effectRef>
+            <a:fontRef idx="minor">
+              <a:schemeClr val="lt1"/>
+            </a:fontRef>
+          </p:style>
+          <p:txBody>
+            <a:bodyPr rtlCol="0" anchor="ctr"/>
+            <a:lstStyle/>
+            <a:p>
+              <a:pPr algn="ctr"/>
+              <a:endParaRPr lang="en-SG"/>
+            </a:p>
+          </p:txBody>
+        </p:sp>
+        <p:sp>
+          <p:nvSpPr>
+            <p:cNvPr id="16" name="TextBox 15">
+              <a:extLst>
+                <a:ext uri="{FF2B5EF4-FFF2-40B4-BE49-F238E27FC236}">
+                  <a16:creationId xmlns:a16="http://schemas.microsoft.com/office/drawing/2014/main" id="{C7DD8455-0AED-F846-AD19-213E95104B40}"/>
+                </a:ext>
+              </a:extLst>
+            </p:cNvPr>
+            <p:cNvSpPr txBox="1"/>
+            <p:nvPr/>
+          </p:nvSpPr>
+          <p:spPr>
+            <a:xfrm>
+              <a:off x="3217740" y="3682075"/>
+              <a:ext cx="1400175" cy="246221"/>
+            </a:xfrm>
+            <a:prstGeom prst="rect">
+              <a:avLst/>
+            </a:prstGeom>
+            <a:noFill/>
+          </p:spPr>
+          <p:txBody>
+            <a:bodyPr wrap="square" rtlCol="0">
+              <a:spAutoFit/>
+            </a:bodyPr>
+            <a:lstStyle/>
+            <a:p>
+              <a:r>
+                <a:rPr lang="en-US" sz="1000" dirty="0">
+                  <a:solidFill>
+                    <a:schemeClr val="accent1"/>
+                  </a:solidFill>
+                </a:rPr>
+                <a:t>Link to commits panel</a:t>
+              </a:r>
+              <a:endParaRPr lang="en-SG" sz="1000" dirty="0">
+                <a:solidFill>
+                  <a:schemeClr val="accent1"/>
+                </a:solidFill>
+              </a:endParaRPr>
+            </a:p>
+          </p:txBody>
+        </p:sp>
+      </p:grpSp>
+      <p:grpSp>
+        <p:nvGrpSpPr>
+          <p:cNvPr id="17" name="Group 16">
+            <a:extLst>
+              <a:ext uri="{FF2B5EF4-FFF2-40B4-BE49-F238E27FC236}">
+                <a16:creationId xmlns:a16="http://schemas.microsoft.com/office/drawing/2014/main" id="{B79D4D12-0CDC-3846-848D-865CEED1A53E}"/>
+              </a:ext>
+            </a:extLst>
+          </p:cNvPr>
+          <p:cNvGrpSpPr/>
+          <p:nvPr/>
+        </p:nvGrpSpPr>
+        <p:grpSpPr>
+          <a:xfrm>
+            <a:off x="2753264" y="3023089"/>
+            <a:ext cx="2165611" cy="263574"/>
+            <a:chOff x="2230032" y="2870443"/>
+            <a:chExt cx="2165611" cy="263574"/>
+          </a:xfrm>
+        </p:grpSpPr>
+        <p:sp>
+          <p:nvSpPr>
+            <p:cNvPr id="18" name="Oval 17">
+              <a:extLst>
+                <a:ext uri="{FF2B5EF4-FFF2-40B4-BE49-F238E27FC236}">
+                  <a16:creationId xmlns:a16="http://schemas.microsoft.com/office/drawing/2014/main" id="{AF5ADA51-9563-D943-9B4A-E31F0847BA2C}"/>
+                </a:ext>
+              </a:extLst>
+            </p:cNvPr>
+            <p:cNvSpPr/>
+            <p:nvPr/>
+          </p:nvSpPr>
+          <p:spPr>
+            <a:xfrm>
+              <a:off x="2230032" y="3000667"/>
+              <a:ext cx="130499" cy="133350"/>
+            </a:xfrm>
+            <a:prstGeom prst="ellipse">
+              <a:avLst/>
+            </a:prstGeom>
+            <a:noFill/>
+            <a:ln w="9525" cap="flat" cmpd="sng" algn="ctr">
+              <a:solidFill>
+                <a:schemeClr val="accent6"/>
+              </a:solidFill>
+              <a:prstDash val="solid"/>
+              <a:round/>
+              <a:headEnd type="none" w="med" len="med"/>
+              <a:tailEnd type="none" w="med" len="med"/>
+            </a:ln>
+          </p:spPr>
+          <p:style>
+            <a:lnRef idx="0">
+              <a:scrgbClr r="0" g="0" b="0"/>
+            </a:lnRef>
+            <a:fillRef idx="0">
+              <a:scrgbClr r="0" g="0" b="0"/>
+            </a:fillRef>
+            <a:effectRef idx="0">
+              <a:scrgbClr r="0" g="0" b="0"/>
+            </a:effectRef>
+            <a:fontRef idx="minor">
+              <a:schemeClr val="accent6"/>
+            </a:fontRef>
+          </p:style>
+          <p:txBody>
+            <a:bodyPr rtlCol="0" anchor="ctr"/>
+            <a:lstStyle/>
+            <a:p>
+              <a:pPr algn="ctr"/>
+              <a:endParaRPr lang="en-SG"/>
+            </a:p>
+          </p:txBody>
+        </p:sp>
+        <p:sp>
+          <p:nvSpPr>
+            <p:cNvPr id="19" name="Arrow: Bent 29">
+              <a:extLst>
+                <a:ext uri="{FF2B5EF4-FFF2-40B4-BE49-F238E27FC236}">
+                  <a16:creationId xmlns:a16="http://schemas.microsoft.com/office/drawing/2014/main" id="{460DE55D-DDF3-364A-A026-D777B4FA3774}"/>
+                </a:ext>
+              </a:extLst>
+            </p:cNvPr>
+            <p:cNvSpPr/>
+            <p:nvPr/>
+          </p:nvSpPr>
+          <p:spPr>
+            <a:xfrm>
+              <a:off x="2281147" y="2943385"/>
+              <a:ext cx="243840" cy="62865"/>
+            </a:xfrm>
+            <a:prstGeom prst="bentArrow">
+              <a:avLst>
+                <a:gd name="adj1" fmla="val 25000"/>
+                <a:gd name="adj2" fmla="val 26516"/>
+                <a:gd name="adj3" fmla="val 25000"/>
+                <a:gd name="adj4" fmla="val 43750"/>
+              </a:avLst>
+            </a:prstGeom>
+          </p:spPr>
+          <p:style>
+            <a:lnRef idx="2">
+              <a:schemeClr val="accent6">
+                <a:shade val="50000"/>
+              </a:schemeClr>
+            </a:lnRef>
+            <a:fillRef idx="1">
+              <a:schemeClr val="accent6"/>
+            </a:fillRef>
+            <a:effectRef idx="0">
+              <a:schemeClr val="accent6"/>
+            </a:effectRef>
+            <a:fontRef idx="minor">
+              <a:schemeClr val="lt1"/>
+            </a:fontRef>
+          </p:style>
+          <p:txBody>
+            <a:bodyPr rtlCol="0" anchor="ctr"/>
+            <a:lstStyle/>
+            <a:p>
+              <a:pPr algn="ctr"/>
+              <a:endParaRPr lang="en-SG">
+                <a:solidFill>
+                  <a:schemeClr val="tx1"/>
+                </a:solidFill>
+              </a:endParaRPr>
+            </a:p>
+          </p:txBody>
+        </p:sp>
+        <p:sp>
+          <p:nvSpPr>
+            <p:cNvPr id="20" name="TextBox 19">
+              <a:extLst>
+                <a:ext uri="{FF2B5EF4-FFF2-40B4-BE49-F238E27FC236}">
+                  <a16:creationId xmlns:a16="http://schemas.microsoft.com/office/drawing/2014/main" id="{13633E74-DB09-6F48-B9E2-8BDA72C8A93D}"/>
+                </a:ext>
+              </a:extLst>
+            </p:cNvPr>
+            <p:cNvSpPr txBox="1"/>
+            <p:nvPr/>
+          </p:nvSpPr>
+          <p:spPr>
+            <a:xfrm>
+              <a:off x="2493500" y="2870443"/>
+              <a:ext cx="1902143" cy="246221"/>
+            </a:xfrm>
+            <a:prstGeom prst="rect">
+              <a:avLst/>
+            </a:prstGeom>
+            <a:noFill/>
+          </p:spPr>
+          <p:txBody>
+            <a:bodyPr wrap="square" rtlCol="0">
+              <a:spAutoFit/>
+            </a:bodyPr>
+            <a:lstStyle/>
+            <a:p>
+              <a:r>
+                <a:rPr lang="en-US" sz="1000" dirty="0">
+                  <a:solidFill>
+                    <a:schemeClr val="accent6"/>
+                  </a:solidFill>
+                </a:rPr>
+                <a:t>View author’s committed codes</a:t>
+              </a:r>
+              <a:endParaRPr lang="en-SG" sz="1000" dirty="0">
+                <a:solidFill>
+                  <a:schemeClr val="accent6"/>
+                </a:solidFill>
+              </a:endParaRPr>
+            </a:p>
+          </p:txBody>
+        </p:sp>
+      </p:grpSp>
+      <p:grpSp>
+        <p:nvGrpSpPr>
+          <p:cNvPr id="22" name="Group 21">
+            <a:extLst>
+              <a:ext uri="{FF2B5EF4-FFF2-40B4-BE49-F238E27FC236}">
+                <a16:creationId xmlns:a16="http://schemas.microsoft.com/office/drawing/2014/main" id="{25A622BC-A5B7-A44A-9C42-676F5FE8C9F9}"/>
+              </a:ext>
+            </a:extLst>
+          </p:cNvPr>
+          <p:cNvGrpSpPr/>
+          <p:nvPr/>
+        </p:nvGrpSpPr>
+        <p:grpSpPr>
+          <a:xfrm>
+            <a:off x="118577" y="4640643"/>
+            <a:ext cx="5959559" cy="461665"/>
+            <a:chOff x="731728" y="3629956"/>
+            <a:chExt cx="5399128" cy="461665"/>
+          </a:xfrm>
+        </p:grpSpPr>
+        <p:sp>
+          <p:nvSpPr>
+            <p:cNvPr id="23" name="Rectangle 22">
+              <a:extLst>
+                <a:ext uri="{FF2B5EF4-FFF2-40B4-BE49-F238E27FC236}">
+                  <a16:creationId xmlns:a16="http://schemas.microsoft.com/office/drawing/2014/main" id="{B564F8AB-86E1-AE47-8AEE-A391EE3A595A}"/>
+                </a:ext>
+              </a:extLst>
+            </p:cNvPr>
+            <p:cNvSpPr/>
+            <p:nvPr/>
+          </p:nvSpPr>
+          <p:spPr>
+            <a:xfrm>
+              <a:off x="1803254" y="3860789"/>
+              <a:ext cx="4327602" cy="119555"/>
+            </a:xfrm>
+            <a:prstGeom prst="rect">
+              <a:avLst/>
+            </a:prstGeom>
+            <a:noFill/>
+            <a:ln w="9525" cap="flat" cmpd="sng" algn="ctr">
+              <a:solidFill>
+                <a:schemeClr val="dk1"/>
+              </a:solidFill>
+              <a:prstDash val="solid"/>
+              <a:round/>
+              <a:headEnd type="none" w="med" len="med"/>
+              <a:tailEnd type="none" w="med" len="med"/>
+            </a:ln>
+          </p:spPr>
+          <p:style>
+            <a:lnRef idx="0">
+              <a:scrgbClr r="0" g="0" b="0"/>
+            </a:lnRef>
+            <a:fillRef idx="0">
+              <a:scrgbClr r="0" g="0" b="0"/>
+            </a:fillRef>
+            <a:effectRef idx="0">
+              <a:scrgbClr r="0" g="0" b="0"/>
+            </a:effectRef>
+            <a:fontRef idx="minor">
+              <a:schemeClr val="dk1"/>
+            </a:fontRef>
+          </p:style>
+          <p:txBody>
+            <a:bodyPr rtlCol="0" anchor="ctr"/>
+            <a:lstStyle/>
+            <a:p>
+              <a:pPr algn="ctr"/>
+              <a:endParaRPr lang="en-SG"/>
+            </a:p>
+          </p:txBody>
+        </p:sp>
+        <p:sp>
+          <p:nvSpPr>
+            <p:cNvPr id="25" name="TextBox 24">
+              <a:extLst>
+                <a:ext uri="{FF2B5EF4-FFF2-40B4-BE49-F238E27FC236}">
+                  <a16:creationId xmlns:a16="http://schemas.microsoft.com/office/drawing/2014/main" id="{C8343F1E-8844-E749-B305-01B53FD52B56}"/>
+                </a:ext>
+              </a:extLst>
+            </p:cNvPr>
+            <p:cNvSpPr txBox="1"/>
+            <p:nvPr/>
+          </p:nvSpPr>
+          <p:spPr>
+            <a:xfrm>
+              <a:off x="731728" y="3629956"/>
+              <a:ext cx="1014711" cy="461665"/>
+            </a:xfrm>
+            <a:prstGeom prst="rect">
+              <a:avLst/>
+            </a:prstGeom>
+            <a:noFill/>
+          </p:spPr>
+          <p:txBody>
+            <a:bodyPr wrap="square" rtlCol="0">
+              <a:spAutoFit/>
+            </a:bodyPr>
+            <a:lstStyle/>
+            <a:p>
+              <a:pPr algn="ctr"/>
+              <a:r>
+                <a:rPr lang="en-US" sz="1200" dirty="0"/>
+                <a:t>Contribution Bar</a:t>
+              </a:r>
+              <a:endParaRPr lang="en-SG" sz="1200" dirty="0"/>
+            </a:p>
+          </p:txBody>
+        </p:sp>
+      </p:grpSp>
+      <p:grpSp>
+        <p:nvGrpSpPr>
+          <p:cNvPr id="26" name="Group 25">
+            <a:extLst>
+              <a:ext uri="{FF2B5EF4-FFF2-40B4-BE49-F238E27FC236}">
+                <a16:creationId xmlns:a16="http://schemas.microsoft.com/office/drawing/2014/main" id="{DEF0A00E-6934-F848-A76D-E0C0910D196B}"/>
+              </a:ext>
+            </a:extLst>
+          </p:cNvPr>
+          <p:cNvGrpSpPr/>
+          <p:nvPr/>
+        </p:nvGrpSpPr>
+        <p:grpSpPr>
+          <a:xfrm>
+            <a:off x="189682" y="3246565"/>
+            <a:ext cx="5752649" cy="530943"/>
+            <a:chOff x="778195" y="2021953"/>
+            <a:chExt cx="5209217" cy="461665"/>
+          </a:xfrm>
+        </p:grpSpPr>
+        <p:sp>
+          <p:nvSpPr>
+            <p:cNvPr id="27" name="Rectangle 26">
+              <a:extLst>
+                <a:ext uri="{FF2B5EF4-FFF2-40B4-BE49-F238E27FC236}">
+                  <a16:creationId xmlns:a16="http://schemas.microsoft.com/office/drawing/2014/main" id="{C7A45855-68A6-F540-A5D5-8009F825F12B}"/>
+                </a:ext>
+              </a:extLst>
+            </p:cNvPr>
+            <p:cNvSpPr/>
+            <p:nvPr/>
+          </p:nvSpPr>
+          <p:spPr>
+            <a:xfrm>
+              <a:off x="1843248" y="2067663"/>
+              <a:ext cx="4144164" cy="276999"/>
+            </a:xfrm>
+            <a:prstGeom prst="rect">
+              <a:avLst/>
+            </a:prstGeom>
+            <a:noFill/>
+            <a:ln w="28575" cap="flat" cmpd="sng" algn="ctr">
+              <a:solidFill>
+                <a:srgbClr val="A401FF"/>
+              </a:solidFill>
+              <a:prstDash val="solid"/>
+              <a:round/>
+              <a:headEnd type="none" w="med" len="med"/>
+              <a:tailEnd type="none" w="med" len="med"/>
+            </a:ln>
+          </p:spPr>
+          <p:style>
+            <a:lnRef idx="0">
+              <a:scrgbClr r="0" g="0" b="0"/>
+            </a:lnRef>
+            <a:fillRef idx="0">
+              <a:scrgbClr r="0" g="0" b="0"/>
+            </a:fillRef>
+            <a:effectRef idx="0">
+              <a:scrgbClr r="0" g="0" b="0"/>
+            </a:effectRef>
+            <a:fontRef idx="minor">
+              <a:schemeClr val="accent4"/>
+            </a:fontRef>
+          </p:style>
+          <p:txBody>
+            <a:bodyPr rtlCol="0" anchor="ctr"/>
+            <a:lstStyle/>
+            <a:p>
+              <a:pPr algn="ctr"/>
+              <a:endParaRPr lang="en-SG"/>
+            </a:p>
+          </p:txBody>
+        </p:sp>
+        <p:sp>
+          <p:nvSpPr>
+            <p:cNvPr id="29" name="TextBox 28">
+              <a:extLst>
+                <a:ext uri="{FF2B5EF4-FFF2-40B4-BE49-F238E27FC236}">
+                  <a16:creationId xmlns:a16="http://schemas.microsoft.com/office/drawing/2014/main" id="{7F64F347-F556-4A40-9DBB-1A737BF6C468}"/>
+                </a:ext>
+              </a:extLst>
+            </p:cNvPr>
+            <p:cNvSpPr txBox="1"/>
+            <p:nvPr/>
+          </p:nvSpPr>
+          <p:spPr>
+            <a:xfrm>
+              <a:off x="778195" y="2021953"/>
+              <a:ext cx="723900" cy="461665"/>
+            </a:xfrm>
+            <a:prstGeom prst="rect">
+              <a:avLst/>
+            </a:prstGeom>
+            <a:noFill/>
+          </p:spPr>
+          <p:txBody>
+            <a:bodyPr wrap="square" rtlCol="0">
+              <a:spAutoFit/>
+            </a:bodyPr>
+            <a:lstStyle/>
+            <a:p>
+              <a:pPr algn="ctr"/>
+              <a:r>
+                <a:rPr lang="en-US" sz="1200" dirty="0">
+                  <a:solidFill>
+                    <a:srgbClr val="7030A0"/>
+                  </a:solidFill>
+                </a:rPr>
+                <a:t>Ramp Chart</a:t>
+              </a:r>
+            </a:p>
+          </p:txBody>
+        </p:sp>
+        <p:sp>
+          <p:nvSpPr>
+            <p:cNvPr id="28" name="Left Brace 27">
+              <a:extLst>
+                <a:ext uri="{FF2B5EF4-FFF2-40B4-BE49-F238E27FC236}">
+                  <a16:creationId xmlns:a16="http://schemas.microsoft.com/office/drawing/2014/main" id="{02D57226-4585-844C-9BC1-7E76A3AD52DA}"/>
+                </a:ext>
+              </a:extLst>
+            </p:cNvPr>
+            <p:cNvSpPr/>
+            <p:nvPr/>
+          </p:nvSpPr>
+          <p:spPr>
+            <a:xfrm>
+              <a:off x="1311783" y="2087636"/>
+              <a:ext cx="522533" cy="257026"/>
+            </a:xfrm>
+            <a:prstGeom prst="leftBrace">
+              <a:avLst>
+                <a:gd name="adj1" fmla="val 8333"/>
+                <a:gd name="adj2" fmla="val 53106"/>
+              </a:avLst>
+            </a:prstGeom>
+            <a:ln w="19050">
+              <a:solidFill>
+                <a:srgbClr val="A401FF"/>
+              </a:solidFill>
+            </a:ln>
+          </p:spPr>
+          <p:style>
+            <a:lnRef idx="1">
+              <a:schemeClr val="accent1"/>
+            </a:lnRef>
+            <a:fillRef idx="0">
+              <a:schemeClr val="accent1"/>
+            </a:fillRef>
+            <a:effectRef idx="0">
+              <a:schemeClr val="accent1"/>
+            </a:effectRef>
+            <a:fontRef idx="minor">
+              <a:schemeClr val="tx1"/>
+            </a:fontRef>
+          </p:style>
+          <p:txBody>
+            <a:bodyPr rtlCol="0" anchor="ctr"/>
+            <a:lstStyle/>
+            <a:p>
+              <a:pPr algn="ctr"/>
+              <a:endParaRPr lang="en-SG"/>
+            </a:p>
+          </p:txBody>
+        </p:sp>
+      </p:grpSp>
+      <p:grpSp>
+        <p:nvGrpSpPr>
+          <p:cNvPr id="30" name="Group 29">
+            <a:extLst>
+              <a:ext uri="{FF2B5EF4-FFF2-40B4-BE49-F238E27FC236}">
+                <a16:creationId xmlns:a16="http://schemas.microsoft.com/office/drawing/2014/main" id="{B006722F-2E7C-2A42-8BC9-3C585481D959}"/>
+              </a:ext>
+            </a:extLst>
+          </p:cNvPr>
+          <p:cNvGrpSpPr/>
+          <p:nvPr/>
+        </p:nvGrpSpPr>
+        <p:grpSpPr>
+          <a:xfrm>
+            <a:off x="6509832" y="1982345"/>
+            <a:ext cx="3424155" cy="402234"/>
+            <a:chOff x="6202680" y="1735827"/>
+            <a:chExt cx="3424155" cy="402234"/>
+          </a:xfrm>
+        </p:grpSpPr>
+        <p:sp>
+          <p:nvSpPr>
+            <p:cNvPr id="31" name="Arrow: Right 11">
+              <a:extLst>
+                <a:ext uri="{FF2B5EF4-FFF2-40B4-BE49-F238E27FC236}">
+                  <a16:creationId xmlns:a16="http://schemas.microsoft.com/office/drawing/2014/main" id="{D4F445DF-DF09-F24E-AB16-DB9631CF26EA}"/>
+                </a:ext>
+              </a:extLst>
+            </p:cNvPr>
+            <p:cNvSpPr/>
+            <p:nvPr/>
+          </p:nvSpPr>
+          <p:spPr>
+            <a:xfrm rot="21372755">
+              <a:off x="8429466" y="1857407"/>
+              <a:ext cx="402336" cy="121920"/>
+            </a:xfrm>
+            <a:prstGeom prst="rightArrow">
+              <a:avLst/>
+            </a:prstGeom>
+          </p:spPr>
+          <p:style>
+            <a:lnRef idx="2">
+              <a:schemeClr val="accent6">
+                <a:shade val="50000"/>
+              </a:schemeClr>
+            </a:lnRef>
+            <a:fillRef idx="1">
+              <a:schemeClr val="accent6"/>
+            </a:fillRef>
+            <a:effectRef idx="0">
+              <a:schemeClr val="accent6"/>
+            </a:effectRef>
+            <a:fontRef idx="minor">
+              <a:schemeClr val="lt1"/>
+            </a:fontRef>
+          </p:style>
+          <p:txBody>
+            <a:bodyPr rtlCol="0" anchor="ctr"/>
+            <a:lstStyle/>
+            <a:p>
+              <a:pPr algn="ctr"/>
+              <a:endParaRPr lang="en-SG"/>
+            </a:p>
+          </p:txBody>
+        </p:sp>
+        <p:sp>
+          <p:nvSpPr>
+            <p:cNvPr id="32" name="TextBox 31">
+              <a:extLst>
+                <a:ext uri="{FF2B5EF4-FFF2-40B4-BE49-F238E27FC236}">
+                  <a16:creationId xmlns:a16="http://schemas.microsoft.com/office/drawing/2014/main" id="{E262627B-E8FC-6541-85DB-FBD3727EF674}"/>
+                </a:ext>
+              </a:extLst>
+            </p:cNvPr>
+            <p:cNvSpPr txBox="1"/>
+            <p:nvPr/>
+          </p:nvSpPr>
+          <p:spPr>
+            <a:xfrm>
+              <a:off x="8790433" y="1735827"/>
+              <a:ext cx="836402" cy="276999"/>
+            </a:xfrm>
+            <a:prstGeom prst="rect">
+              <a:avLst/>
+            </a:prstGeom>
+            <a:noFill/>
+          </p:spPr>
+          <p:txBody>
+            <a:bodyPr wrap="square" rtlCol="0">
+              <a:spAutoFit/>
+            </a:bodyPr>
+            <a:lstStyle/>
+            <a:p>
+              <a:r>
+                <a:rPr lang="en-US" sz="1200" dirty="0">
+                  <a:solidFill>
+                    <a:schemeClr val="accent6">
+                      <a:lumMod val="75000"/>
+                    </a:schemeClr>
+                  </a:solidFill>
+                </a:rPr>
+                <a:t>Glob Filter</a:t>
+              </a:r>
+              <a:endParaRPr lang="en-SG" sz="1200" dirty="0">
+                <a:solidFill>
+                  <a:schemeClr val="accent6">
+                    <a:lumMod val="75000"/>
+                  </a:schemeClr>
+                </a:solidFill>
+              </a:endParaRPr>
+            </a:p>
+          </p:txBody>
+        </p:sp>
+        <p:sp>
+          <p:nvSpPr>
+            <p:cNvPr id="33" name="Rectangle 32">
+              <a:extLst>
+                <a:ext uri="{FF2B5EF4-FFF2-40B4-BE49-F238E27FC236}">
+                  <a16:creationId xmlns:a16="http://schemas.microsoft.com/office/drawing/2014/main" id="{E4380F1C-1A19-6949-931D-E836972EBE98}"/>
+                </a:ext>
+              </a:extLst>
+            </p:cNvPr>
+            <p:cNvSpPr/>
+            <p:nvPr/>
+          </p:nvSpPr>
+          <p:spPr>
+            <a:xfrm>
+              <a:off x="6202680" y="1861062"/>
+              <a:ext cx="2151751" cy="276999"/>
+            </a:xfrm>
+            <a:prstGeom prst="rect">
+              <a:avLst/>
+            </a:prstGeom>
+            <a:noFill/>
+            <a:ln w="19050" cap="flat" cmpd="sng" algn="ctr">
+              <a:solidFill>
+                <a:schemeClr val="accent6"/>
+              </a:solidFill>
+              <a:prstDash val="solid"/>
+              <a:round/>
+              <a:headEnd type="none" w="med" len="med"/>
+              <a:tailEnd type="none" w="med" len="med"/>
+            </a:ln>
+          </p:spPr>
+          <p:style>
+            <a:lnRef idx="0">
+              <a:scrgbClr r="0" g="0" b="0"/>
+            </a:lnRef>
+            <a:fillRef idx="0">
+              <a:scrgbClr r="0" g="0" b="0"/>
+            </a:fillRef>
+            <a:effectRef idx="0">
+              <a:scrgbClr r="0" g="0" b="0"/>
+            </a:effectRef>
+            <a:fontRef idx="minor">
+              <a:schemeClr val="accent6"/>
+            </a:fontRef>
+          </p:style>
+          <p:txBody>
+            <a:bodyPr rtlCol="0" anchor="ctr"/>
+            <a:lstStyle/>
+            <a:p>
+              <a:pPr algn="ctr"/>
+              <a:endParaRPr lang="en-SG"/>
+            </a:p>
+          </p:txBody>
+        </p:sp>
+      </p:grpSp>
+      <p:grpSp>
+        <p:nvGrpSpPr>
+          <p:cNvPr id="34" name="Group 33">
+            <a:extLst>
+              <a:ext uri="{FF2B5EF4-FFF2-40B4-BE49-F238E27FC236}">
+                <a16:creationId xmlns:a16="http://schemas.microsoft.com/office/drawing/2014/main" id="{D4AD8626-A999-EF41-9A8A-8089B1A093A9}"/>
+              </a:ext>
+            </a:extLst>
+          </p:cNvPr>
+          <p:cNvGrpSpPr/>
+          <p:nvPr/>
+        </p:nvGrpSpPr>
+        <p:grpSpPr>
+          <a:xfrm>
+            <a:off x="9567334" y="3299134"/>
+            <a:ext cx="1139315" cy="562172"/>
+            <a:chOff x="8559185" y="2719565"/>
+            <a:chExt cx="1139315" cy="562172"/>
+          </a:xfrm>
+        </p:grpSpPr>
+        <p:sp>
+          <p:nvSpPr>
+            <p:cNvPr id="35" name="Oval 34">
+              <a:extLst>
+                <a:ext uri="{FF2B5EF4-FFF2-40B4-BE49-F238E27FC236}">
+                  <a16:creationId xmlns:a16="http://schemas.microsoft.com/office/drawing/2014/main" id="{5AF2C386-5D22-2A40-86A1-D31380F7236C}"/>
+                </a:ext>
+              </a:extLst>
+            </p:cNvPr>
+            <p:cNvSpPr/>
+            <p:nvPr/>
+          </p:nvSpPr>
+          <p:spPr>
+            <a:xfrm>
+              <a:off x="8559185" y="3116628"/>
+              <a:ext cx="198244" cy="165109"/>
             </a:xfrm>
             <a:prstGeom prst="ellipse">
               <a:avLst/>
@@ -3572,16 +4532,16 @@
             <a:lstStyle/>
             <a:p>
               <a:pPr algn="ctr"/>
-              <a:endParaRPr lang="en-SG"/>
+              <a:endParaRPr lang="en-SG" dirty="0"/>
             </a:p>
           </p:txBody>
         </p:sp>
         <p:sp>
           <p:nvSpPr>
-            <p:cNvPr id="17" name="TextBox 16">
+            <p:cNvPr id="36" name="TextBox 35">
               <a:extLst>
                 <a:ext uri="{FF2B5EF4-FFF2-40B4-BE49-F238E27FC236}">
-                  <a16:creationId xmlns:a16="http://schemas.microsoft.com/office/drawing/2014/main" id="{0213D02D-4396-4437-B87F-870EECAA3F68}"/>
+                  <a16:creationId xmlns:a16="http://schemas.microsoft.com/office/drawing/2014/main" id="{03D2FA7A-9E06-A04F-B625-97362DA15A32}"/>
                 </a:ext>
               </a:extLst>
             </p:cNvPr>
@@ -3622,10 +4582,10 @@
         </p:sp>
         <p:sp>
           <p:nvSpPr>
-            <p:cNvPr id="19" name="Arrow: Right 18">
+            <p:cNvPr id="37" name="Arrow: Right 18">
               <a:extLst>
                 <a:ext uri="{FF2B5EF4-FFF2-40B4-BE49-F238E27FC236}">
-                  <a16:creationId xmlns:a16="http://schemas.microsoft.com/office/drawing/2014/main" id="{A85A5DB4-65AD-4483-B496-640C742923A0}"/>
+                  <a16:creationId xmlns:a16="http://schemas.microsoft.com/office/drawing/2014/main" id="{091ABFBD-A089-3549-B8B5-BD5FC37AB45A}"/>
                 </a:ext>
               </a:extLst>
             </p:cNvPr>
@@ -3672,7 +4632,7 @@
           <p:cNvPr id="38" name="Group 37">
             <a:extLst>
               <a:ext uri="{FF2B5EF4-FFF2-40B4-BE49-F238E27FC236}">
-                <a16:creationId xmlns:a16="http://schemas.microsoft.com/office/drawing/2014/main" id="{E8CB930F-3742-4BA6-BECD-C54762D6B43C}"/>
+                <a16:creationId xmlns:a16="http://schemas.microsoft.com/office/drawing/2014/main" id="{A6A6B5EE-F6C1-4642-9E3A-6F5A08A078BC}"/>
               </a:ext>
             </a:extLst>
           </p:cNvPr>
@@ -3681,18 +4641,18 @@
         </p:nvGrpSpPr>
         <p:grpSpPr>
           <a:xfrm>
-            <a:off x="8507108" y="2488443"/>
-            <a:ext cx="1127684" cy="568600"/>
-            <a:chOff x="7475403" y="3115227"/>
-            <a:chExt cx="1127684" cy="568600"/>
+            <a:off x="8358978" y="2895216"/>
+            <a:ext cx="1252259" cy="404424"/>
+            <a:chOff x="7350829" y="3118022"/>
+            <a:chExt cx="1252259" cy="404424"/>
           </a:xfrm>
         </p:grpSpPr>
         <p:sp>
           <p:nvSpPr>
-            <p:cNvPr id="18" name="Oval 17">
+            <p:cNvPr id="39" name="Oval 38">
               <a:extLst>
                 <a:ext uri="{FF2B5EF4-FFF2-40B4-BE49-F238E27FC236}">
-                  <a16:creationId xmlns:a16="http://schemas.microsoft.com/office/drawing/2014/main" id="{3698720C-0C2B-463A-B70A-97FF666889C2}"/>
+                  <a16:creationId xmlns:a16="http://schemas.microsoft.com/office/drawing/2014/main" id="{054FADD2-562C-AF43-9AE4-764DFC55F605}"/>
                 </a:ext>
               </a:extLst>
             </p:cNvPr>
@@ -3701,8 +4661,8 @@
           </p:nvSpPr>
           <p:spPr>
             <a:xfrm>
-              <a:off x="8448746" y="3115227"/>
-              <a:ext cx="154341" cy="165109"/>
+              <a:off x="8427028" y="3118022"/>
+              <a:ext cx="176060" cy="162314"/>
             </a:xfrm>
             <a:prstGeom prst="ellipse">
               <a:avLst/>
@@ -3743,10 +4703,10 @@
         </p:sp>
         <p:sp>
           <p:nvSpPr>
-            <p:cNvPr id="20" name="Arrow: Right 19">
+            <p:cNvPr id="40" name="Arrow: Right 19">
               <a:extLst>
                 <a:ext uri="{FF2B5EF4-FFF2-40B4-BE49-F238E27FC236}">
-                  <a16:creationId xmlns:a16="http://schemas.microsoft.com/office/drawing/2014/main" id="{620CEC16-4148-4C61-AC47-F7DFED9FDB71}"/>
+                  <a16:creationId xmlns:a16="http://schemas.microsoft.com/office/drawing/2014/main" id="{DA30601D-F89B-9F4E-846D-1A2744B968ED}"/>
                 </a:ext>
               </a:extLst>
             </p:cNvPr>
@@ -3754,8 +4714,8 @@
             <p:nvPr/>
           </p:nvSpPr>
           <p:spPr>
-            <a:xfrm rot="18900000">
-              <a:off x="8286583" y="3318450"/>
+            <a:xfrm rot="19328561">
+              <a:off x="8260549" y="3244306"/>
               <a:ext cx="158874" cy="97790"/>
             </a:xfrm>
             <a:prstGeom prst="rightArrow">
@@ -3789,10 +4749,10 @@
         </p:sp>
         <p:sp>
           <p:nvSpPr>
-            <p:cNvPr id="21" name="TextBox 20">
+            <p:cNvPr id="41" name="TextBox 40">
               <a:extLst>
                 <a:ext uri="{FF2B5EF4-FFF2-40B4-BE49-F238E27FC236}">
-                  <a16:creationId xmlns:a16="http://schemas.microsoft.com/office/drawing/2014/main" id="{D1178780-E5C8-40A3-866C-F0D48D349217}"/>
+                  <a16:creationId xmlns:a16="http://schemas.microsoft.com/office/drawing/2014/main" id="{C98B7E2C-4543-8540-987D-32B81D0ECA45}"/>
                 </a:ext>
               </a:extLst>
             </p:cNvPr>
@@ -3801,7 +4761,7 @@
           </p:nvSpPr>
           <p:spPr>
             <a:xfrm>
-              <a:off x="7475403" y="3406828"/>
+              <a:off x="7350829" y="3245447"/>
               <a:ext cx="973343" cy="276999"/>
             </a:xfrm>
             <a:prstGeom prst="rect">
@@ -3834,10 +4794,10 @@
       </p:grpSp>
       <p:grpSp>
         <p:nvGrpSpPr>
-          <p:cNvPr id="15" name="Group 14">
-            <a:extLst>
-              <a:ext uri="{FF2B5EF4-FFF2-40B4-BE49-F238E27FC236}">
-                <a16:creationId xmlns:a16="http://schemas.microsoft.com/office/drawing/2014/main" id="{63E15A1F-3E59-4DDC-A66B-A3347279DE71}"/>
+          <p:cNvPr id="42" name="Group 41">
+            <a:extLst>
+              <a:ext uri="{FF2B5EF4-FFF2-40B4-BE49-F238E27FC236}">
+                <a16:creationId xmlns:a16="http://schemas.microsoft.com/office/drawing/2014/main" id="{DD6026D3-4444-4741-8BF4-79B21C750898}"/>
               </a:ext>
             </a:extLst>
           </p:cNvPr>
@@ -3846,18 +4806,18 @@
         </p:nvGrpSpPr>
         <p:grpSpPr>
           <a:xfrm>
-            <a:off x="1443990" y="79248"/>
-            <a:ext cx="4652010" cy="5964363"/>
-            <a:chOff x="1443990" y="79248"/>
-            <a:chExt cx="4652010" cy="5964363"/>
+            <a:off x="1167842" y="10803"/>
+            <a:ext cx="4940161" cy="6203729"/>
+            <a:chOff x="1443990" y="207969"/>
+            <a:chExt cx="4652010" cy="5835642"/>
           </a:xfrm>
         </p:grpSpPr>
         <p:sp>
           <p:nvSpPr>
-            <p:cNvPr id="8" name="Right Brace 7">
+            <p:cNvPr id="43" name="Right Brace 42">
               <a:extLst>
                 <a:ext uri="{FF2B5EF4-FFF2-40B4-BE49-F238E27FC236}">
-                  <a16:creationId xmlns:a16="http://schemas.microsoft.com/office/drawing/2014/main" id="{C05B2C6F-DCA4-45F9-94E5-345EC17842DB}"/>
+                  <a16:creationId xmlns:a16="http://schemas.microsoft.com/office/drawing/2014/main" id="{7CC774A1-EA77-2A4C-BD1D-0EAE3FADDC0B}"/>
                 </a:ext>
               </a:extLst>
             </p:cNvPr>
@@ -3898,10 +4858,10 @@
         </p:sp>
         <p:sp>
           <p:nvSpPr>
-            <p:cNvPr id="9" name="TextBox 8">
+            <p:cNvPr id="44" name="TextBox 43">
               <a:extLst>
                 <a:ext uri="{FF2B5EF4-FFF2-40B4-BE49-F238E27FC236}">
-                  <a16:creationId xmlns:a16="http://schemas.microsoft.com/office/drawing/2014/main" id="{64E7039B-00EC-4DDC-B348-58F4C75F63AF}"/>
+                  <a16:creationId xmlns:a16="http://schemas.microsoft.com/office/drawing/2014/main" id="{DAD29254-7522-BC42-B9C9-5A551CFCBCD6}"/>
                 </a:ext>
               </a:extLst>
             </p:cNvPr>
@@ -3910,7 +4870,7 @@
           </p:nvSpPr>
           <p:spPr>
             <a:xfrm>
-              <a:off x="2726436" y="79248"/>
+              <a:off x="2702432" y="207969"/>
               <a:ext cx="2090928" cy="276999"/>
             </a:xfrm>
             <a:prstGeom prst="rect">
@@ -3935,10 +4895,10 @@
         </p:sp>
         <p:sp>
           <p:nvSpPr>
-            <p:cNvPr id="23" name="Rectangle 22">
+            <p:cNvPr id="45" name="Rectangle 44">
               <a:extLst>
                 <a:ext uri="{FF2B5EF4-FFF2-40B4-BE49-F238E27FC236}">
-                  <a16:creationId xmlns:a16="http://schemas.microsoft.com/office/drawing/2014/main" id="{6D6AB3E9-494B-45F6-B9FF-736F40C71E04}"/>
+                  <a16:creationId xmlns:a16="http://schemas.microsoft.com/office/drawing/2014/main" id="{1AB64EEF-A7FE-2B45-8398-A7CBC07F2F20}"/>
                 </a:ext>
               </a:extLst>
             </p:cNvPr>
@@ -3990,10 +4950,10 @@
       </p:grpSp>
       <p:grpSp>
         <p:nvGrpSpPr>
-          <p:cNvPr id="7" name="Group 6">
-            <a:extLst>
-              <a:ext uri="{FF2B5EF4-FFF2-40B4-BE49-F238E27FC236}">
-                <a16:creationId xmlns:a16="http://schemas.microsoft.com/office/drawing/2014/main" id="{136E2079-5E0D-4506-AFAA-58961257A6DD}"/>
+          <p:cNvPr id="46" name="Group 45">
+            <a:extLst>
+              <a:ext uri="{FF2B5EF4-FFF2-40B4-BE49-F238E27FC236}">
+                <a16:creationId xmlns:a16="http://schemas.microsoft.com/office/drawing/2014/main" id="{E3017512-F6E2-6E44-9028-2AE547D43868}"/>
               </a:ext>
             </a:extLst>
           </p:cNvPr>
@@ -4002,519 +4962,18 @@
         </p:nvGrpSpPr>
         <p:grpSpPr>
           <a:xfrm>
-            <a:off x="544590" y="945870"/>
-            <a:ext cx="5327890" cy="869029"/>
-            <a:chOff x="823377" y="945870"/>
-            <a:chExt cx="4742922" cy="869029"/>
+            <a:off x="6155318" y="41570"/>
+            <a:ext cx="4900204" cy="6172963"/>
+            <a:chOff x="6196584" y="220234"/>
+            <a:chExt cx="4555617" cy="5823377"/>
           </a:xfrm>
         </p:grpSpPr>
         <p:sp>
           <p:nvSpPr>
-            <p:cNvPr id="22" name="Left Brace 21">
+            <p:cNvPr id="47" name="Right Brace 46">
               <a:extLst>
                 <a:ext uri="{FF2B5EF4-FFF2-40B4-BE49-F238E27FC236}">
-                  <a16:creationId xmlns:a16="http://schemas.microsoft.com/office/drawing/2014/main" id="{C4A07B1E-02AC-4689-807B-B2620194B508}"/>
-                </a:ext>
-              </a:extLst>
-            </p:cNvPr>
-            <p:cNvSpPr/>
-            <p:nvPr/>
-          </p:nvSpPr>
-          <p:spPr>
-            <a:xfrm>
-              <a:off x="1548971" y="945870"/>
-              <a:ext cx="310965" cy="869029"/>
-            </a:xfrm>
-            <a:prstGeom prst="leftBrace">
-              <a:avLst>
-                <a:gd name="adj1" fmla="val 14462"/>
-                <a:gd name="adj2" fmla="val 48831"/>
-              </a:avLst>
-            </a:prstGeom>
-          </p:spPr>
-          <p:style>
-            <a:lnRef idx="3">
-              <a:schemeClr val="accent6"/>
-            </a:lnRef>
-            <a:fillRef idx="0">
-              <a:schemeClr val="accent6"/>
-            </a:fillRef>
-            <a:effectRef idx="2">
-              <a:schemeClr val="accent6"/>
-            </a:effectRef>
-            <a:fontRef idx="minor">
-              <a:schemeClr val="tx1"/>
-            </a:fontRef>
-          </p:style>
-          <p:txBody>
-            <a:bodyPr rtlCol="0" anchor="ctr"/>
-            <a:lstStyle/>
-            <a:p>
-              <a:pPr algn="ctr"/>
-              <a:endParaRPr lang="en-SG"/>
-            </a:p>
-          </p:txBody>
-        </p:sp>
-        <p:sp>
-          <p:nvSpPr>
-            <p:cNvPr id="24" name="TextBox 23">
-              <a:extLst>
-                <a:ext uri="{FF2B5EF4-FFF2-40B4-BE49-F238E27FC236}">
-                  <a16:creationId xmlns:a16="http://schemas.microsoft.com/office/drawing/2014/main" id="{ACDC6C00-2DF8-42EF-B108-6D30BD3CBE76}"/>
-                </a:ext>
-              </a:extLst>
-            </p:cNvPr>
-            <p:cNvSpPr txBox="1"/>
-            <p:nvPr/>
-          </p:nvSpPr>
-          <p:spPr>
-            <a:xfrm>
-              <a:off x="823377" y="1208184"/>
-              <a:ext cx="723900" cy="276999"/>
-            </a:xfrm>
-            <a:prstGeom prst="rect">
-              <a:avLst/>
-            </a:prstGeom>
-            <a:noFill/>
-          </p:spPr>
-          <p:txBody>
-            <a:bodyPr wrap="square" rtlCol="0">
-              <a:spAutoFit/>
-            </a:bodyPr>
-            <a:lstStyle/>
-            <a:p>
-              <a:pPr algn="ctr"/>
-              <a:r>
-                <a:rPr lang="en-US" sz="1200" dirty="0">
-                  <a:solidFill>
-                    <a:schemeClr val="accent6"/>
-                  </a:solidFill>
-                </a:rPr>
-                <a:t>Toolbar</a:t>
-              </a:r>
-            </a:p>
-          </p:txBody>
-        </p:sp>
-        <p:sp>
-          <p:nvSpPr>
-            <p:cNvPr id="25" name="Rectangle 24">
-              <a:extLst>
-                <a:ext uri="{FF2B5EF4-FFF2-40B4-BE49-F238E27FC236}">
-                  <a16:creationId xmlns:a16="http://schemas.microsoft.com/office/drawing/2014/main" id="{38234176-8BB8-4114-96C5-171C66ECDE3F}"/>
-                </a:ext>
-              </a:extLst>
-            </p:cNvPr>
-            <p:cNvSpPr/>
-            <p:nvPr/>
-          </p:nvSpPr>
-          <p:spPr>
-            <a:xfrm>
-              <a:off x="1859936" y="945870"/>
-              <a:ext cx="3706363" cy="869029"/>
-            </a:xfrm>
-            <a:prstGeom prst="rect">
-              <a:avLst/>
-            </a:prstGeom>
-            <a:noFill/>
-            <a:ln w="9525" cap="flat" cmpd="sng" algn="ctr">
-              <a:solidFill>
-                <a:schemeClr val="accent6"/>
-              </a:solidFill>
-              <a:prstDash val="solid"/>
-              <a:round/>
-              <a:headEnd type="none" w="med" len="med"/>
-              <a:tailEnd type="none" w="med" len="med"/>
-            </a:ln>
-          </p:spPr>
-          <p:style>
-            <a:lnRef idx="0">
-              <a:scrgbClr r="0" g="0" b="0"/>
-            </a:lnRef>
-            <a:fillRef idx="0">
-              <a:scrgbClr r="0" g="0" b="0"/>
-            </a:fillRef>
-            <a:effectRef idx="0">
-              <a:scrgbClr r="0" g="0" b="0"/>
-            </a:effectRef>
-            <a:fontRef idx="minor">
-              <a:schemeClr val="accent6"/>
-            </a:fontRef>
-          </p:style>
-          <p:txBody>
-            <a:bodyPr rtlCol="0" anchor="ctr"/>
-            <a:lstStyle/>
-            <a:p>
-              <a:pPr algn="ctr"/>
-              <a:endParaRPr lang="en-SG"/>
-            </a:p>
-          </p:txBody>
-        </p:sp>
-      </p:grpSp>
-      <p:grpSp>
-        <p:nvGrpSpPr>
-          <p:cNvPr id="5" name="Group 4">
-            <a:extLst>
-              <a:ext uri="{FF2B5EF4-FFF2-40B4-BE49-F238E27FC236}">
-                <a16:creationId xmlns:a16="http://schemas.microsoft.com/office/drawing/2014/main" id="{4FF72358-8A89-4AE0-983B-BB094CC4E4D9}"/>
-              </a:ext>
-            </a:extLst>
-          </p:cNvPr>
-          <p:cNvGrpSpPr/>
-          <p:nvPr/>
-        </p:nvGrpSpPr>
-        <p:grpSpPr>
-          <a:xfrm>
-            <a:off x="2824966" y="3083362"/>
-            <a:ext cx="1695743" cy="246221"/>
-            <a:chOff x="2464522" y="2361561"/>
-            <a:chExt cx="1695743" cy="246221"/>
-          </a:xfrm>
-        </p:grpSpPr>
-        <p:sp>
-          <p:nvSpPr>
-            <p:cNvPr id="26" name="Oval 25">
-              <a:extLst>
-                <a:ext uri="{FF2B5EF4-FFF2-40B4-BE49-F238E27FC236}">
-                  <a16:creationId xmlns:a16="http://schemas.microsoft.com/office/drawing/2014/main" id="{1173C975-EBB3-439F-8872-826D3DAF91EB}"/>
-                </a:ext>
-              </a:extLst>
-            </p:cNvPr>
-            <p:cNvSpPr/>
-            <p:nvPr/>
-          </p:nvSpPr>
-          <p:spPr>
-            <a:xfrm>
-              <a:off x="2464522" y="2454206"/>
-              <a:ext cx="142875" cy="133350"/>
-            </a:xfrm>
-            <a:prstGeom prst="ellipse">
-              <a:avLst/>
-            </a:prstGeom>
-            <a:noFill/>
-            <a:ln w="9525" cap="flat" cmpd="sng" algn="ctr">
-              <a:solidFill>
-                <a:schemeClr val="accent2"/>
-              </a:solidFill>
-              <a:prstDash val="solid"/>
-              <a:round/>
-              <a:headEnd type="none" w="med" len="med"/>
-              <a:tailEnd type="none" w="med" len="med"/>
-            </a:ln>
-          </p:spPr>
-          <p:style>
-            <a:lnRef idx="0">
-              <a:scrgbClr r="0" g="0" b="0"/>
-            </a:lnRef>
-            <a:fillRef idx="0">
-              <a:scrgbClr r="0" g="0" b="0"/>
-            </a:fillRef>
-            <a:effectRef idx="0">
-              <a:scrgbClr r="0" g="0" b="0"/>
-            </a:effectRef>
-            <a:fontRef idx="minor">
-              <a:schemeClr val="accent2"/>
-            </a:fontRef>
-          </p:style>
-          <p:txBody>
-            <a:bodyPr rtlCol="0" anchor="ctr"/>
-            <a:lstStyle/>
-            <a:p>
-              <a:pPr algn="ctr"/>
-              <a:endParaRPr lang="en-SG"/>
-            </a:p>
-          </p:txBody>
-        </p:sp>
-        <p:sp>
-          <p:nvSpPr>
-            <p:cNvPr id="27" name="Arrow: Right 26">
-              <a:extLst>
-                <a:ext uri="{FF2B5EF4-FFF2-40B4-BE49-F238E27FC236}">
-                  <a16:creationId xmlns:a16="http://schemas.microsoft.com/office/drawing/2014/main" id="{A58405F1-EAAD-4099-A00D-F41C9263239F}"/>
-                </a:ext>
-              </a:extLst>
-            </p:cNvPr>
-            <p:cNvSpPr/>
-            <p:nvPr/>
-          </p:nvSpPr>
-          <p:spPr>
-            <a:xfrm rot="21204583">
-              <a:off x="2661847" y="2453845"/>
-              <a:ext cx="142378" cy="66676"/>
-            </a:xfrm>
-            <a:prstGeom prst="rightArrow">
-              <a:avLst/>
-            </a:prstGeom>
-          </p:spPr>
-          <p:style>
-            <a:lnRef idx="2">
-              <a:schemeClr val="accent2">
-                <a:shade val="50000"/>
-              </a:schemeClr>
-            </a:lnRef>
-            <a:fillRef idx="1">
-              <a:schemeClr val="accent2"/>
-            </a:fillRef>
-            <a:effectRef idx="0">
-              <a:schemeClr val="accent2"/>
-            </a:effectRef>
-            <a:fontRef idx="minor">
-              <a:schemeClr val="lt1"/>
-            </a:fontRef>
-          </p:style>
-          <p:txBody>
-            <a:bodyPr rtlCol="0" anchor="ctr"/>
-            <a:lstStyle/>
-            <a:p>
-              <a:pPr algn="ctr"/>
-              <a:endParaRPr lang="en-SG"/>
-            </a:p>
-          </p:txBody>
-        </p:sp>
-        <p:sp>
-          <p:nvSpPr>
-            <p:cNvPr id="28" name="TextBox 27">
-              <a:extLst>
-                <a:ext uri="{FF2B5EF4-FFF2-40B4-BE49-F238E27FC236}">
-                  <a16:creationId xmlns:a16="http://schemas.microsoft.com/office/drawing/2014/main" id="{34AE8672-B518-45E4-9DE5-A05EE9D1C6F3}"/>
-                </a:ext>
-              </a:extLst>
-            </p:cNvPr>
-            <p:cNvSpPr txBox="1"/>
-            <p:nvPr/>
-          </p:nvSpPr>
-          <p:spPr>
-            <a:xfrm>
-              <a:off x="2760090" y="2361561"/>
-              <a:ext cx="1400175" cy="246221"/>
-            </a:xfrm>
-            <a:prstGeom prst="rect">
-              <a:avLst/>
-            </a:prstGeom>
-            <a:noFill/>
-          </p:spPr>
-          <p:txBody>
-            <a:bodyPr wrap="square" rtlCol="0">
-              <a:spAutoFit/>
-            </a:bodyPr>
-            <a:lstStyle/>
-            <a:p>
-              <a:r>
-                <a:rPr lang="en-US" sz="1000" dirty="0">
-                  <a:solidFill>
-                    <a:schemeClr val="accent2"/>
-                  </a:solidFill>
-                </a:rPr>
-                <a:t>Link to repository</a:t>
-              </a:r>
-              <a:endParaRPr lang="en-SG" sz="1000" dirty="0">
-                <a:solidFill>
-                  <a:schemeClr val="accent2"/>
-                </a:solidFill>
-              </a:endParaRPr>
-            </a:p>
-          </p:txBody>
-        </p:sp>
-      </p:grpSp>
-      <p:grpSp>
-        <p:nvGrpSpPr>
-          <p:cNvPr id="6" name="Group 5">
-            <a:extLst>
-              <a:ext uri="{FF2B5EF4-FFF2-40B4-BE49-F238E27FC236}">
-                <a16:creationId xmlns:a16="http://schemas.microsoft.com/office/drawing/2014/main" id="{71B6EB53-FA00-4D6F-8B6D-CFC7C368353A}"/>
-              </a:ext>
-            </a:extLst>
-          </p:cNvPr>
-          <p:cNvGrpSpPr/>
-          <p:nvPr/>
-        </p:nvGrpSpPr>
-        <p:grpSpPr>
-          <a:xfrm>
-            <a:off x="2773892" y="2499943"/>
-            <a:ext cx="2165611" cy="263574"/>
-            <a:chOff x="2230032" y="2870443"/>
-            <a:chExt cx="2165611" cy="263574"/>
-          </a:xfrm>
-        </p:grpSpPr>
-        <p:sp>
-          <p:nvSpPr>
-            <p:cNvPr id="29" name="Oval 28">
-              <a:extLst>
-                <a:ext uri="{FF2B5EF4-FFF2-40B4-BE49-F238E27FC236}">
-                  <a16:creationId xmlns:a16="http://schemas.microsoft.com/office/drawing/2014/main" id="{2206B7BC-33E8-473B-84CD-DA37BCD06CDF}"/>
-                </a:ext>
-              </a:extLst>
-            </p:cNvPr>
-            <p:cNvSpPr/>
-            <p:nvPr/>
-          </p:nvSpPr>
-          <p:spPr>
-            <a:xfrm>
-              <a:off x="2230032" y="3000667"/>
-              <a:ext cx="130499" cy="133350"/>
-            </a:xfrm>
-            <a:prstGeom prst="ellipse">
-              <a:avLst/>
-            </a:prstGeom>
-            <a:noFill/>
-            <a:ln w="9525" cap="flat" cmpd="sng" algn="ctr">
-              <a:solidFill>
-                <a:schemeClr val="accent6"/>
-              </a:solidFill>
-              <a:prstDash val="solid"/>
-              <a:round/>
-              <a:headEnd type="none" w="med" len="med"/>
-              <a:tailEnd type="none" w="med" len="med"/>
-            </a:ln>
-          </p:spPr>
-          <p:style>
-            <a:lnRef idx="0">
-              <a:scrgbClr r="0" g="0" b="0"/>
-            </a:lnRef>
-            <a:fillRef idx="0">
-              <a:scrgbClr r="0" g="0" b="0"/>
-            </a:fillRef>
-            <a:effectRef idx="0">
-              <a:scrgbClr r="0" g="0" b="0"/>
-            </a:effectRef>
-            <a:fontRef idx="minor">
-              <a:schemeClr val="accent6"/>
-            </a:fontRef>
-          </p:style>
-          <p:txBody>
-            <a:bodyPr rtlCol="0" anchor="ctr"/>
-            <a:lstStyle/>
-            <a:p>
-              <a:pPr algn="ctr"/>
-              <a:endParaRPr lang="en-SG"/>
-            </a:p>
-          </p:txBody>
-        </p:sp>
-        <p:sp>
-          <p:nvSpPr>
-            <p:cNvPr id="30" name="Arrow: Bent 29">
-              <a:extLst>
-                <a:ext uri="{FF2B5EF4-FFF2-40B4-BE49-F238E27FC236}">
-                  <a16:creationId xmlns:a16="http://schemas.microsoft.com/office/drawing/2014/main" id="{DFCFA230-CA83-4084-9F6D-71E51B2037DE}"/>
-                </a:ext>
-              </a:extLst>
-            </p:cNvPr>
-            <p:cNvSpPr/>
-            <p:nvPr/>
-          </p:nvSpPr>
-          <p:spPr>
-            <a:xfrm>
-              <a:off x="2281147" y="2943385"/>
-              <a:ext cx="243840" cy="62865"/>
-            </a:xfrm>
-            <a:prstGeom prst="bentArrow">
-              <a:avLst>
-                <a:gd name="adj1" fmla="val 25000"/>
-                <a:gd name="adj2" fmla="val 26516"/>
-                <a:gd name="adj3" fmla="val 25000"/>
-                <a:gd name="adj4" fmla="val 43750"/>
-              </a:avLst>
-            </a:prstGeom>
-          </p:spPr>
-          <p:style>
-            <a:lnRef idx="2">
-              <a:schemeClr val="accent6">
-                <a:shade val="50000"/>
-              </a:schemeClr>
-            </a:lnRef>
-            <a:fillRef idx="1">
-              <a:schemeClr val="accent6"/>
-            </a:fillRef>
-            <a:effectRef idx="0">
-              <a:schemeClr val="accent6"/>
-            </a:effectRef>
-            <a:fontRef idx="minor">
-              <a:schemeClr val="lt1"/>
-            </a:fontRef>
-          </p:style>
-          <p:txBody>
-            <a:bodyPr rtlCol="0" anchor="ctr"/>
-            <a:lstStyle/>
-            <a:p>
-              <a:pPr algn="ctr"/>
-              <a:endParaRPr lang="en-SG">
-                <a:solidFill>
-                  <a:schemeClr val="tx1"/>
-                </a:solidFill>
-              </a:endParaRPr>
-            </a:p>
-          </p:txBody>
-        </p:sp>
-        <p:sp>
-          <p:nvSpPr>
-            <p:cNvPr id="31" name="TextBox 30">
-              <a:extLst>
-                <a:ext uri="{FF2B5EF4-FFF2-40B4-BE49-F238E27FC236}">
-                  <a16:creationId xmlns:a16="http://schemas.microsoft.com/office/drawing/2014/main" id="{FD5681D1-EF5F-4AB0-9C45-DF91004DFCC2}"/>
-                </a:ext>
-              </a:extLst>
-            </p:cNvPr>
-            <p:cNvSpPr txBox="1"/>
-            <p:nvPr/>
-          </p:nvSpPr>
-          <p:spPr>
-            <a:xfrm>
-              <a:off x="2493500" y="2870443"/>
-              <a:ext cx="1902143" cy="246221"/>
-            </a:xfrm>
-            <a:prstGeom prst="rect">
-              <a:avLst/>
-            </a:prstGeom>
-            <a:noFill/>
-          </p:spPr>
-          <p:txBody>
-            <a:bodyPr wrap="square" rtlCol="0">
-              <a:spAutoFit/>
-            </a:bodyPr>
-            <a:lstStyle/>
-            <a:p>
-              <a:r>
-                <a:rPr lang="en-US" sz="1000" dirty="0">
-                  <a:solidFill>
-                    <a:schemeClr val="accent6"/>
-                  </a:solidFill>
-                </a:rPr>
-                <a:t>View author’s committed codes</a:t>
-              </a:r>
-              <a:endParaRPr lang="en-SG" sz="1000" dirty="0">
-                <a:solidFill>
-                  <a:schemeClr val="accent6"/>
-                </a:solidFill>
-              </a:endParaRPr>
-            </a:p>
-          </p:txBody>
-        </p:sp>
-      </p:grpSp>
-      <p:grpSp>
-        <p:nvGrpSpPr>
-          <p:cNvPr id="36" name="Group 35">
-            <a:extLst>
-              <a:ext uri="{FF2B5EF4-FFF2-40B4-BE49-F238E27FC236}">
-                <a16:creationId xmlns:a16="http://schemas.microsoft.com/office/drawing/2014/main" id="{A7AFB063-FD92-44F4-BCAE-B42330D96AE2}"/>
-              </a:ext>
-            </a:extLst>
-          </p:cNvPr>
-          <p:cNvGrpSpPr/>
-          <p:nvPr/>
-        </p:nvGrpSpPr>
-        <p:grpSpPr>
-          <a:xfrm>
-            <a:off x="6140186" y="79248"/>
-            <a:ext cx="4612015" cy="5964363"/>
-            <a:chOff x="6196584" y="79248"/>
-            <a:chExt cx="4555617" cy="5964363"/>
-          </a:xfrm>
-        </p:grpSpPr>
-        <p:sp>
-          <p:nvSpPr>
-            <p:cNvPr id="10" name="Right Brace 9">
-              <a:extLst>
-                <a:ext uri="{FF2B5EF4-FFF2-40B4-BE49-F238E27FC236}">
-                  <a16:creationId xmlns:a16="http://schemas.microsoft.com/office/drawing/2014/main" id="{195D0920-5C1C-411D-A43A-B7FB72C2CF80}"/>
+                  <a16:creationId xmlns:a16="http://schemas.microsoft.com/office/drawing/2014/main" id="{2A46AAA6-B2C1-DD41-AB93-54EFF439EACE}"/>
                 </a:ext>
               </a:extLst>
             </p:cNvPr>
@@ -4555,10 +5014,10 @@
         </p:sp>
         <p:sp>
           <p:nvSpPr>
-            <p:cNvPr id="11" name="TextBox 10">
+            <p:cNvPr id="48" name="TextBox 47">
               <a:extLst>
                 <a:ext uri="{FF2B5EF4-FFF2-40B4-BE49-F238E27FC236}">
-                  <a16:creationId xmlns:a16="http://schemas.microsoft.com/office/drawing/2014/main" id="{08293D95-459E-4730-BC16-CD778BC8DE8A}"/>
+                  <a16:creationId xmlns:a16="http://schemas.microsoft.com/office/drawing/2014/main" id="{EA2562D6-C037-DB4E-BA0A-9FBB0C53A918}"/>
                 </a:ext>
               </a:extLst>
             </p:cNvPr>
@@ -4567,7 +5026,7 @@
           </p:nvSpPr>
           <p:spPr>
             <a:xfrm>
-              <a:off x="7424928" y="79248"/>
+              <a:off x="7424928" y="220234"/>
               <a:ext cx="2090928" cy="276999"/>
             </a:xfrm>
             <a:prstGeom prst="rect">
@@ -4592,10 +5051,10 @@
         </p:sp>
         <p:sp>
           <p:nvSpPr>
-            <p:cNvPr id="32" name="Rectangle 31">
+            <p:cNvPr id="49" name="Rectangle 48">
               <a:extLst>
                 <a:ext uri="{FF2B5EF4-FFF2-40B4-BE49-F238E27FC236}">
-                  <a16:creationId xmlns:a16="http://schemas.microsoft.com/office/drawing/2014/main" id="{78349196-1F24-461D-AD8C-4AD1D6A0E5B6}"/>
+                  <a16:creationId xmlns:a16="http://schemas.microsoft.com/office/drawing/2014/main" id="{BE36A025-2170-BD4C-85B7-9E52A6ECA41E}"/>
                 </a:ext>
               </a:extLst>
             </p:cNvPr>
@@ -4645,12 +5104,58 @@
           </p:txBody>
         </p:sp>
       </p:grpSp>
+      <p:sp>
+        <p:nvSpPr>
+          <p:cNvPr id="54" name="Arrow: Left 47">
+            <a:extLst>
+              <a:ext uri="{FF2B5EF4-FFF2-40B4-BE49-F238E27FC236}">
+                <a16:creationId xmlns:a16="http://schemas.microsoft.com/office/drawing/2014/main" id="{D08A5AA5-5E30-1B44-B88A-D53EE29DB3F4}"/>
+              </a:ext>
+            </a:extLst>
+          </p:cNvPr>
+          <p:cNvSpPr/>
+          <p:nvPr/>
+        </p:nvSpPr>
+        <p:spPr>
+          <a:xfrm>
+            <a:off x="969529" y="4892392"/>
+            <a:ext cx="250504" cy="77721"/>
+          </a:xfrm>
+          <a:prstGeom prst="leftArrow">
+            <a:avLst/>
+          </a:prstGeom>
+        </p:spPr>
+        <p:style>
+          <a:lnRef idx="2">
+            <a:schemeClr val="dk1">
+              <a:shade val="50000"/>
+            </a:schemeClr>
+          </a:lnRef>
+          <a:fillRef idx="1">
+            <a:schemeClr val="dk1"/>
+          </a:fillRef>
+          <a:effectRef idx="0">
+            <a:schemeClr val="dk1"/>
+          </a:effectRef>
+          <a:fontRef idx="minor">
+            <a:schemeClr val="lt1"/>
+          </a:fontRef>
+        </p:style>
+        <p:txBody>
+          <a:bodyPr rtlCol="0" anchor="ctr"/>
+          <a:lstStyle/>
+          <a:p>
+            <a:pPr algn="ctr"/>
+            <a:endParaRPr lang="en-SG"/>
+          </a:p>
+        </p:txBody>
+      </p:sp>
       <p:grpSp>
         <p:nvGrpSpPr>
-          <p:cNvPr id="14" name="Group 13">
-            <a:extLst>
-              <a:ext uri="{FF2B5EF4-FFF2-40B4-BE49-F238E27FC236}">
-                <a16:creationId xmlns:a16="http://schemas.microsoft.com/office/drawing/2014/main" id="{F0680E85-D3A9-48B1-B089-8B49261F1BEF}"/>
+          <p:cNvPr id="55" name="Group 54">
+            <a:extLst>
+              <a:ext uri="{FF2B5EF4-FFF2-40B4-BE49-F238E27FC236}">
+                <a16:creationId xmlns:a16="http://schemas.microsoft.com/office/drawing/2014/main" id="{87394544-1C31-4842-B355-A950D7748C56}"/>
               </a:ext>
             </a:extLst>
           </p:cNvPr>
@@ -4659,18 +5164,18 @@
         </p:nvGrpSpPr>
         <p:grpSpPr>
           <a:xfrm>
-            <a:off x="440200" y="2158326"/>
-            <a:ext cx="5526892" cy="461665"/>
-            <a:chOff x="460520" y="1991112"/>
-            <a:chExt cx="5526892" cy="461665"/>
+            <a:off x="140442" y="793236"/>
+            <a:ext cx="5801889" cy="869031"/>
+            <a:chOff x="315534" y="945868"/>
+            <a:chExt cx="5164879" cy="869031"/>
           </a:xfrm>
         </p:grpSpPr>
         <p:sp>
           <p:nvSpPr>
-            <p:cNvPr id="33" name="Rectangle 32">
+            <p:cNvPr id="56" name="Left Brace 55">
               <a:extLst>
                 <a:ext uri="{FF2B5EF4-FFF2-40B4-BE49-F238E27FC236}">
-                  <a16:creationId xmlns:a16="http://schemas.microsoft.com/office/drawing/2014/main" id="{0C689E94-04DA-4405-AE79-8BC095FCC283}"/>
+                  <a16:creationId xmlns:a16="http://schemas.microsoft.com/office/drawing/2014/main" id="{B199A6C2-8651-BE4D-92AE-2F236CD5DBE7}"/>
                 </a:ext>
               </a:extLst>
             </p:cNvPr>
@@ -4679,81 +5184,25 @@
           </p:nvSpPr>
           <p:spPr>
             <a:xfrm>
-              <a:off x="1504949" y="2067663"/>
-              <a:ext cx="4482463" cy="276999"/>
+              <a:off x="919101" y="945868"/>
+              <a:ext cx="513688" cy="869029"/>
             </a:xfrm>
-            <a:prstGeom prst="rect">
-              <a:avLst/>
+            <a:prstGeom prst="leftBrace">
+              <a:avLst>
+                <a:gd name="adj1" fmla="val 14462"/>
+                <a:gd name="adj2" fmla="val 49594"/>
+              </a:avLst>
             </a:prstGeom>
-            <a:noFill/>
-            <a:ln w="28575" cap="flat" cmpd="sng" algn="ctr">
-              <a:solidFill>
-                <a:srgbClr val="A401FF"/>
-              </a:solidFill>
-              <a:prstDash val="solid"/>
-              <a:round/>
-              <a:headEnd type="none" w="med" len="med"/>
-              <a:tailEnd type="none" w="med" len="med"/>
-            </a:ln>
           </p:spPr>
           <p:style>
-            <a:lnRef idx="0">
-              <a:scrgbClr r="0" g="0" b="0"/>
+            <a:lnRef idx="3">
+              <a:schemeClr val="accent6"/>
             </a:lnRef>
             <a:fillRef idx="0">
-              <a:scrgbClr r="0" g="0" b="0"/>
+              <a:schemeClr val="accent6"/>
             </a:fillRef>
-            <a:effectRef idx="0">
-              <a:scrgbClr r="0" g="0" b="0"/>
-            </a:effectRef>
-            <a:fontRef idx="minor">
-              <a:schemeClr val="accent4"/>
-            </a:fontRef>
-          </p:style>
-          <p:txBody>
-            <a:bodyPr rtlCol="0" anchor="ctr"/>
-            <a:lstStyle/>
-            <a:p>
-              <a:pPr algn="ctr"/>
-              <a:endParaRPr lang="en-SG"/>
-            </a:p>
-          </p:txBody>
-        </p:sp>
-        <p:sp>
-          <p:nvSpPr>
-            <p:cNvPr id="34" name="Left Brace 33">
-              <a:extLst>
-                <a:ext uri="{FF2B5EF4-FFF2-40B4-BE49-F238E27FC236}">
-                  <a16:creationId xmlns:a16="http://schemas.microsoft.com/office/drawing/2014/main" id="{222FAE24-7A73-4290-9FB2-3A3528D6EBA2}"/>
-                </a:ext>
-              </a:extLst>
-            </p:cNvPr>
-            <p:cNvSpPr/>
-            <p:nvPr/>
-          </p:nvSpPr>
-          <p:spPr>
-            <a:xfrm>
-              <a:off x="1098796" y="2084176"/>
-              <a:ext cx="348052" cy="237053"/>
-            </a:xfrm>
-            <a:prstGeom prst="leftBrace">
-              <a:avLst/>
-            </a:prstGeom>
-            <a:ln w="19050">
-              <a:solidFill>
-                <a:srgbClr val="A401FF"/>
-              </a:solidFill>
-            </a:ln>
-          </p:spPr>
-          <p:style>
-            <a:lnRef idx="1">
-              <a:schemeClr val="accent1"/>
-            </a:lnRef>
-            <a:fillRef idx="0">
-              <a:schemeClr val="accent1"/>
-            </a:fillRef>
-            <a:effectRef idx="0">
-              <a:schemeClr val="accent1"/>
+            <a:effectRef idx="2">
+              <a:schemeClr val="accent6"/>
             </a:effectRef>
             <a:fontRef idx="minor">
               <a:schemeClr val="tx1"/>
@@ -4770,10 +5219,10 @@
         </p:sp>
         <p:sp>
           <p:nvSpPr>
-            <p:cNvPr id="35" name="TextBox 34">
+            <p:cNvPr id="57" name="TextBox 56">
               <a:extLst>
                 <a:ext uri="{FF2B5EF4-FFF2-40B4-BE49-F238E27FC236}">
-                  <a16:creationId xmlns:a16="http://schemas.microsoft.com/office/drawing/2014/main" id="{EF436BD1-46E2-4EB0-8C8E-A61FF6951C31}"/>
+                  <a16:creationId xmlns:a16="http://schemas.microsoft.com/office/drawing/2014/main" id="{83C4785A-7BA6-3446-B8BA-1A7C2B9EB1E6}"/>
                 </a:ext>
               </a:extLst>
             </p:cNvPr>
@@ -4782,8 +5231,8 @@
           </p:nvSpPr>
           <p:spPr>
             <a:xfrm>
-              <a:off x="460520" y="1991112"/>
-              <a:ext cx="723900" cy="461665"/>
+              <a:off x="315534" y="1241882"/>
+              <a:ext cx="723900" cy="276999"/>
             </a:xfrm>
             <a:prstGeom prst="rect">
               <a:avLst/>
@@ -4800,41 +5249,20 @@
               <a:r>
                 <a:rPr lang="en-US" sz="1200" dirty="0">
                   <a:solidFill>
-                    <a:srgbClr val="7030A0"/>
+                    <a:schemeClr val="accent6"/>
                   </a:solidFill>
                 </a:rPr>
-                <a:t>Ramp Chart</a:t>
+                <a:t>Toolbar</a:t>
               </a:r>
             </a:p>
           </p:txBody>
         </p:sp>
-      </p:grpSp>
-      <p:grpSp>
-        <p:nvGrpSpPr>
-          <p:cNvPr id="42" name="Group 41">
-            <a:extLst>
-              <a:ext uri="{FF2B5EF4-FFF2-40B4-BE49-F238E27FC236}">
-                <a16:creationId xmlns:a16="http://schemas.microsoft.com/office/drawing/2014/main" id="{B9C91654-E14E-4BC1-8843-976ECB18131B}"/>
-              </a:ext>
-            </a:extLst>
-          </p:cNvPr>
-          <p:cNvGrpSpPr/>
-          <p:nvPr/>
-        </p:nvGrpSpPr>
-        <p:grpSpPr>
-          <a:xfrm>
-            <a:off x="105361" y="3392098"/>
-            <a:ext cx="5827029" cy="461665"/>
-            <a:chOff x="181614" y="3716589"/>
-            <a:chExt cx="5827029" cy="461665"/>
-          </a:xfrm>
-        </p:grpSpPr>
         <p:sp>
           <p:nvSpPr>
-            <p:cNvPr id="46" name="Rectangle 45">
+            <p:cNvPr id="58" name="Rectangle 57">
               <a:extLst>
                 <a:ext uri="{FF2B5EF4-FFF2-40B4-BE49-F238E27FC236}">
-                  <a16:creationId xmlns:a16="http://schemas.microsoft.com/office/drawing/2014/main" id="{046392F6-712F-4248-819F-5F03FBDBE02B}"/>
+                  <a16:creationId xmlns:a16="http://schemas.microsoft.com/office/drawing/2014/main" id="{D73EC32A-330F-0D40-B05F-4FE2354456D8}"/>
                 </a:ext>
               </a:extLst>
             </p:cNvPr>
@@ -4843,266 +5271,14 @@
           </p:nvSpPr>
           <p:spPr>
             <a:xfrm>
-              <a:off x="1526181" y="3880858"/>
-              <a:ext cx="4482462" cy="96793"/>
+              <a:off x="1432790" y="945870"/>
+              <a:ext cx="4047623" cy="869029"/>
             </a:xfrm>
             <a:prstGeom prst="rect">
               <a:avLst/>
             </a:prstGeom>
             <a:noFill/>
             <a:ln w="9525" cap="flat" cmpd="sng" algn="ctr">
-              <a:solidFill>
-                <a:schemeClr val="dk1"/>
-              </a:solidFill>
-              <a:prstDash val="solid"/>
-              <a:round/>
-              <a:headEnd type="none" w="med" len="med"/>
-              <a:tailEnd type="none" w="med" len="med"/>
-            </a:ln>
-          </p:spPr>
-          <p:style>
-            <a:lnRef idx="0">
-              <a:scrgbClr r="0" g="0" b="0"/>
-            </a:lnRef>
-            <a:fillRef idx="0">
-              <a:scrgbClr r="0" g="0" b="0"/>
-            </a:fillRef>
-            <a:effectRef idx="0">
-              <a:scrgbClr r="0" g="0" b="0"/>
-            </a:effectRef>
-            <a:fontRef idx="minor">
-              <a:schemeClr val="dk1"/>
-            </a:fontRef>
-          </p:style>
-          <p:txBody>
-            <a:bodyPr rtlCol="0" anchor="ctr"/>
-            <a:lstStyle/>
-            <a:p>
-              <a:pPr algn="ctr"/>
-              <a:endParaRPr lang="en-SG"/>
-            </a:p>
-          </p:txBody>
-        </p:sp>
-        <p:sp>
-          <p:nvSpPr>
-            <p:cNvPr id="48" name="Arrow: Left 47">
-              <a:extLst>
-                <a:ext uri="{FF2B5EF4-FFF2-40B4-BE49-F238E27FC236}">
-                  <a16:creationId xmlns:a16="http://schemas.microsoft.com/office/drawing/2014/main" id="{1B3593E0-8F68-41EA-A8FE-5188B0C5C7EA}"/>
-                </a:ext>
-              </a:extLst>
-            </p:cNvPr>
-            <p:cNvSpPr/>
-            <p:nvPr/>
-          </p:nvSpPr>
-          <p:spPr>
-            <a:xfrm>
-              <a:off x="1133943" y="3880858"/>
-              <a:ext cx="348052" cy="96793"/>
-            </a:xfrm>
-            <a:prstGeom prst="leftArrow">
-              <a:avLst/>
-            </a:prstGeom>
-          </p:spPr>
-          <p:style>
-            <a:lnRef idx="2">
-              <a:schemeClr val="dk1">
-                <a:shade val="50000"/>
-              </a:schemeClr>
-            </a:lnRef>
-            <a:fillRef idx="1">
-              <a:schemeClr val="dk1"/>
-            </a:fillRef>
-            <a:effectRef idx="0">
-              <a:schemeClr val="dk1"/>
-            </a:effectRef>
-            <a:fontRef idx="minor">
-              <a:schemeClr val="lt1"/>
-            </a:fontRef>
-          </p:style>
-          <p:txBody>
-            <a:bodyPr rtlCol="0" anchor="ctr"/>
-            <a:lstStyle/>
-            <a:p>
-              <a:pPr algn="ctr"/>
-              <a:endParaRPr lang="en-SG"/>
-            </a:p>
-          </p:txBody>
-        </p:sp>
-        <p:sp>
-          <p:nvSpPr>
-            <p:cNvPr id="49" name="TextBox 48">
-              <a:extLst>
-                <a:ext uri="{FF2B5EF4-FFF2-40B4-BE49-F238E27FC236}">
-                  <a16:creationId xmlns:a16="http://schemas.microsoft.com/office/drawing/2014/main" id="{B179F6A5-F356-4AE0-BE67-A636F79B6560}"/>
-                </a:ext>
-              </a:extLst>
-            </p:cNvPr>
-            <p:cNvSpPr txBox="1"/>
-            <p:nvPr/>
-          </p:nvSpPr>
-          <p:spPr>
-            <a:xfrm>
-              <a:off x="181614" y="3716589"/>
-              <a:ext cx="1014711" cy="461665"/>
-            </a:xfrm>
-            <a:prstGeom prst="rect">
-              <a:avLst/>
-            </a:prstGeom>
-            <a:noFill/>
-          </p:spPr>
-          <p:txBody>
-            <a:bodyPr wrap="square" rtlCol="0">
-              <a:spAutoFit/>
-            </a:bodyPr>
-            <a:lstStyle/>
-            <a:p>
-              <a:pPr algn="ctr"/>
-              <a:r>
-                <a:rPr lang="en-US" sz="1200" dirty="0"/>
-                <a:t>Contribution Bar</a:t>
-              </a:r>
-              <a:endParaRPr lang="en-SG" sz="1200" dirty="0"/>
-            </a:p>
-          </p:txBody>
-        </p:sp>
-      </p:grpSp>
-      <p:grpSp>
-        <p:nvGrpSpPr>
-          <p:cNvPr id="37" name="Group 36">
-            <a:extLst>
-              <a:ext uri="{FF2B5EF4-FFF2-40B4-BE49-F238E27FC236}">
-                <a16:creationId xmlns:a16="http://schemas.microsoft.com/office/drawing/2014/main" id="{40CE11B1-9A6E-4A62-839A-2DCDA1A8D4FF}"/>
-              </a:ext>
-            </a:extLst>
-          </p:cNvPr>
-          <p:cNvGrpSpPr/>
-          <p:nvPr/>
-        </p:nvGrpSpPr>
-        <p:grpSpPr>
-          <a:xfrm>
-            <a:off x="6174351" y="1712697"/>
-            <a:ext cx="3424155" cy="402234"/>
-            <a:chOff x="6202680" y="1735827"/>
-            <a:chExt cx="3424155" cy="402234"/>
-          </a:xfrm>
-        </p:grpSpPr>
-        <p:sp>
-          <p:nvSpPr>
-            <p:cNvPr id="12" name="Arrow: Right 11">
-              <a:extLst>
-                <a:ext uri="{FF2B5EF4-FFF2-40B4-BE49-F238E27FC236}">
-                  <a16:creationId xmlns:a16="http://schemas.microsoft.com/office/drawing/2014/main" id="{88177BEA-4D65-45B7-A56C-6FBD7CF8C471}"/>
-                </a:ext>
-              </a:extLst>
-            </p:cNvPr>
-            <p:cNvSpPr/>
-            <p:nvPr/>
-          </p:nvSpPr>
-          <p:spPr>
-            <a:xfrm rot="21372755">
-              <a:off x="8429466" y="1857407"/>
-              <a:ext cx="402336" cy="121920"/>
-            </a:xfrm>
-            <a:prstGeom prst="rightArrow">
-              <a:avLst/>
-            </a:prstGeom>
-          </p:spPr>
-          <p:style>
-            <a:lnRef idx="2">
-              <a:schemeClr val="accent6">
-                <a:shade val="50000"/>
-              </a:schemeClr>
-            </a:lnRef>
-            <a:fillRef idx="1">
-              <a:schemeClr val="accent6"/>
-            </a:fillRef>
-            <a:effectRef idx="0">
-              <a:schemeClr val="accent6"/>
-            </a:effectRef>
-            <a:fontRef idx="minor">
-              <a:schemeClr val="lt1"/>
-            </a:fontRef>
-          </p:style>
-          <p:txBody>
-            <a:bodyPr rtlCol="0" anchor="ctr"/>
-            <a:lstStyle/>
-            <a:p>
-              <a:pPr algn="ctr"/>
-              <a:endParaRPr lang="en-SG"/>
-            </a:p>
-          </p:txBody>
-        </p:sp>
-        <p:sp>
-          <p:nvSpPr>
-            <p:cNvPr id="13" name="TextBox 12">
-              <a:extLst>
-                <a:ext uri="{FF2B5EF4-FFF2-40B4-BE49-F238E27FC236}">
-                  <a16:creationId xmlns:a16="http://schemas.microsoft.com/office/drawing/2014/main" id="{C135F275-4477-467B-8D51-84AA5700DE35}"/>
-                </a:ext>
-              </a:extLst>
-            </p:cNvPr>
-            <p:cNvSpPr txBox="1"/>
-            <p:nvPr/>
-          </p:nvSpPr>
-          <p:spPr>
-            <a:xfrm>
-              <a:off x="8790433" y="1735827"/>
-              <a:ext cx="836402" cy="276999"/>
-            </a:xfrm>
-            <a:prstGeom prst="rect">
-              <a:avLst/>
-            </a:prstGeom>
-            <a:noFill/>
-          </p:spPr>
-          <p:txBody>
-            <a:bodyPr wrap="square" rtlCol="0">
-              <a:spAutoFit/>
-            </a:bodyPr>
-            <a:lstStyle/>
-            <a:p>
-              <a:r>
-                <a:rPr lang="en-US" sz="1200" dirty="0">
-                  <a:solidFill>
-                    <a:schemeClr val="accent6">
-                      <a:lumMod val="75000"/>
-                    </a:schemeClr>
-                  </a:solidFill>
-                </a:rPr>
-                <a:t>Glob Filter</a:t>
-              </a:r>
-              <a:endParaRPr lang="en-SG" sz="1200" dirty="0">
-                <a:solidFill>
-                  <a:schemeClr val="accent6">
-                    <a:lumMod val="75000"/>
-                  </a:schemeClr>
-                </a:solidFill>
-              </a:endParaRPr>
-            </a:p>
-          </p:txBody>
-        </p:sp>
-        <p:sp>
-          <p:nvSpPr>
-            <p:cNvPr id="50" name="Rectangle 49">
-              <a:extLst>
-                <a:ext uri="{FF2B5EF4-FFF2-40B4-BE49-F238E27FC236}">
-                  <a16:creationId xmlns:a16="http://schemas.microsoft.com/office/drawing/2014/main" id="{66E4832A-82B6-4ACE-88A2-1FC6DCF2CED8}"/>
-                </a:ext>
-              </a:extLst>
-            </p:cNvPr>
-            <p:cNvSpPr/>
-            <p:nvPr/>
-          </p:nvSpPr>
-          <p:spPr>
-            <a:xfrm>
-              <a:off x="6202680" y="1861062"/>
-              <a:ext cx="2151751" cy="276999"/>
-            </a:xfrm>
-            <a:prstGeom prst="rect">
-              <a:avLst/>
-            </a:prstGeom>
-            <a:noFill/>
-            <a:ln w="19050" cap="flat" cmpd="sng" algn="ctr">
               <a:solidFill>
                 <a:schemeClr val="accent6"/>
               </a:solidFill>
@@ -5136,175 +5312,10 @@
           </p:txBody>
         </p:sp>
       </p:grpSp>
-      <p:grpSp>
-        <p:nvGrpSpPr>
-          <p:cNvPr id="45" name="Group 44">
-            <a:extLst>
-              <a:ext uri="{FF2B5EF4-FFF2-40B4-BE49-F238E27FC236}">
-                <a16:creationId xmlns:a16="http://schemas.microsoft.com/office/drawing/2014/main" id="{BA9B9247-4484-4646-8644-07DCE3660A2C}"/>
-              </a:ext>
-            </a:extLst>
-          </p:cNvPr>
-          <p:cNvGrpSpPr/>
-          <p:nvPr/>
-        </p:nvGrpSpPr>
-        <p:grpSpPr>
-          <a:xfrm>
-            <a:off x="2888422" y="3630692"/>
-            <a:ext cx="1674876" cy="291016"/>
-            <a:chOff x="2943039" y="3682075"/>
-            <a:chExt cx="1674876" cy="246221"/>
-          </a:xfrm>
-        </p:grpSpPr>
-        <p:sp>
-          <p:nvSpPr>
-            <p:cNvPr id="41" name="Oval 40">
-              <a:extLst>
-                <a:ext uri="{FF2B5EF4-FFF2-40B4-BE49-F238E27FC236}">
-                  <a16:creationId xmlns:a16="http://schemas.microsoft.com/office/drawing/2014/main" id="{6880A5AA-24C1-43E2-8DFB-1B2950E077F8}"/>
-                </a:ext>
-              </a:extLst>
-            </p:cNvPr>
-            <p:cNvSpPr/>
-            <p:nvPr/>
-          </p:nvSpPr>
-          <p:spPr>
-            <a:xfrm>
-              <a:off x="2943039" y="3747521"/>
-              <a:ext cx="121920" cy="155835"/>
-            </a:xfrm>
-            <a:prstGeom prst="ellipse">
-              <a:avLst/>
-            </a:prstGeom>
-            <a:noFill/>
-            <a:ln w="9525" cap="flat" cmpd="sng" algn="ctr">
-              <a:solidFill>
-                <a:schemeClr val="accent1"/>
-              </a:solidFill>
-              <a:prstDash val="solid"/>
-              <a:round/>
-              <a:headEnd type="none" w="med" len="med"/>
-              <a:tailEnd type="none" w="med" len="med"/>
-            </a:ln>
-          </p:spPr>
-          <p:style>
-            <a:lnRef idx="0">
-              <a:scrgbClr r="0" g="0" b="0"/>
-            </a:lnRef>
-            <a:fillRef idx="0">
-              <a:scrgbClr r="0" g="0" b="0"/>
-            </a:fillRef>
-            <a:effectRef idx="0">
-              <a:scrgbClr r="0" g="0" b="0"/>
-            </a:effectRef>
-            <a:fontRef idx="minor">
-              <a:schemeClr val="accent1"/>
-            </a:fontRef>
-          </p:style>
-          <p:txBody>
-            <a:bodyPr rtlCol="0" anchor="ctr"/>
-            <a:lstStyle/>
-            <a:p>
-              <a:pPr algn="ctr"/>
-              <a:endParaRPr lang="en-SG"/>
-            </a:p>
-          </p:txBody>
-        </p:sp>
-        <p:sp>
-          <p:nvSpPr>
-            <p:cNvPr id="43" name="Arrow: Right 42">
-              <a:extLst>
-                <a:ext uri="{FF2B5EF4-FFF2-40B4-BE49-F238E27FC236}">
-                  <a16:creationId xmlns:a16="http://schemas.microsoft.com/office/drawing/2014/main" id="{EF37E420-EADC-4F88-A44F-E20C33AD8985}"/>
-                </a:ext>
-              </a:extLst>
-            </p:cNvPr>
-            <p:cNvSpPr/>
-            <p:nvPr/>
-          </p:nvSpPr>
-          <p:spPr>
-            <a:xfrm>
-              <a:off x="3120106" y="3768558"/>
-              <a:ext cx="147081" cy="96793"/>
-            </a:xfrm>
-            <a:prstGeom prst="rightArrow">
-              <a:avLst/>
-            </a:prstGeom>
-          </p:spPr>
-          <p:style>
-            <a:lnRef idx="2">
-              <a:schemeClr val="accent1">
-                <a:shade val="50000"/>
-              </a:schemeClr>
-            </a:lnRef>
-            <a:fillRef idx="1">
-              <a:schemeClr val="accent1"/>
-            </a:fillRef>
-            <a:effectRef idx="0">
-              <a:schemeClr val="accent1"/>
-            </a:effectRef>
-            <a:fontRef idx="minor">
-              <a:schemeClr val="lt1"/>
-            </a:fontRef>
-          </p:style>
-          <p:txBody>
-            <a:bodyPr rtlCol="0" anchor="ctr"/>
-            <a:lstStyle/>
-            <a:p>
-              <a:pPr algn="ctr"/>
-              <a:endParaRPr lang="en-SG"/>
-            </a:p>
-          </p:txBody>
-        </p:sp>
-        <p:sp>
-          <p:nvSpPr>
-            <p:cNvPr id="52" name="TextBox 51">
-              <a:extLst>
-                <a:ext uri="{FF2B5EF4-FFF2-40B4-BE49-F238E27FC236}">
-                  <a16:creationId xmlns:a16="http://schemas.microsoft.com/office/drawing/2014/main" id="{20B2E512-146C-44A7-8F30-D1175B798E6B}"/>
-                </a:ext>
-              </a:extLst>
-            </p:cNvPr>
-            <p:cNvSpPr txBox="1"/>
-            <p:nvPr/>
-          </p:nvSpPr>
-          <p:spPr>
-            <a:xfrm>
-              <a:off x="3217740" y="3682075"/>
-              <a:ext cx="1400175" cy="246221"/>
-            </a:xfrm>
-            <a:prstGeom prst="rect">
-              <a:avLst/>
-            </a:prstGeom>
-            <a:noFill/>
-          </p:spPr>
-          <p:txBody>
-            <a:bodyPr wrap="square" rtlCol="0">
-              <a:spAutoFit/>
-            </a:bodyPr>
-            <a:lstStyle/>
-            <a:p>
-              <a:r>
-                <a:rPr lang="en-US" sz="1000" dirty="0">
-                  <a:solidFill>
-                    <a:schemeClr val="accent1"/>
-                  </a:solidFill>
-                </a:rPr>
-                <a:t>Link to commits panel</a:t>
-              </a:r>
-              <a:endParaRPr lang="en-SG" sz="1000" dirty="0">
-                <a:solidFill>
-                  <a:schemeClr val="accent1"/>
-                </a:solidFill>
-              </a:endParaRPr>
-            </a:p>
-          </p:txBody>
-        </p:sp>
-      </p:grpSp>
     </p:spTree>
     <p:extLst>
       <p:ext uri="{BB962C8B-B14F-4D97-AF65-F5344CB8AC3E}">
-        <p14:creationId xmlns:p14="http://schemas.microsoft.com/office/powerpoint/2010/main" val="121365696"/>
+        <p14:creationId xmlns:p14="http://schemas.microsoft.com/office/powerpoint/2010/main" val="3109031595"/>
       </p:ext>
     </p:extLst>
   </p:cSld>

--- a/docs/diagrams/report-features.pptx
+++ b/docs/diagrams/report-features.pptx
@@ -261,7 +261,7 @@
           <a:p>
             <a:fld id="{BC643CBC-B76F-46AA-8129-8C84DB44B84D}" type="datetimeFigureOut">
               <a:rPr lang="en-SG" smtClean="0"/>
-              <a:t>18/3/20</a:t>
+              <a:t>23/4/20</a:t>
             </a:fld>
             <a:endParaRPr lang="en-SG"/>
           </a:p>
@@ -461,7 +461,7 @@
           <a:p>
             <a:fld id="{BC643CBC-B76F-46AA-8129-8C84DB44B84D}" type="datetimeFigureOut">
               <a:rPr lang="en-SG" smtClean="0"/>
-              <a:t>18/3/20</a:t>
+              <a:t>23/4/20</a:t>
             </a:fld>
             <a:endParaRPr lang="en-SG"/>
           </a:p>
@@ -671,7 +671,7 @@
           <a:p>
             <a:fld id="{BC643CBC-B76F-46AA-8129-8C84DB44B84D}" type="datetimeFigureOut">
               <a:rPr lang="en-SG" smtClean="0"/>
-              <a:t>18/3/20</a:t>
+              <a:t>23/4/20</a:t>
             </a:fld>
             <a:endParaRPr lang="en-SG"/>
           </a:p>
@@ -871,7 +871,7 @@
           <a:p>
             <a:fld id="{BC643CBC-B76F-46AA-8129-8C84DB44B84D}" type="datetimeFigureOut">
               <a:rPr lang="en-SG" smtClean="0"/>
-              <a:t>18/3/20</a:t>
+              <a:t>23/4/20</a:t>
             </a:fld>
             <a:endParaRPr lang="en-SG"/>
           </a:p>
@@ -1147,7 +1147,7 @@
           <a:p>
             <a:fld id="{BC643CBC-B76F-46AA-8129-8C84DB44B84D}" type="datetimeFigureOut">
               <a:rPr lang="en-SG" smtClean="0"/>
-              <a:t>18/3/20</a:t>
+              <a:t>23/4/20</a:t>
             </a:fld>
             <a:endParaRPr lang="en-SG"/>
           </a:p>
@@ -1415,7 +1415,7 @@
           <a:p>
             <a:fld id="{BC643CBC-B76F-46AA-8129-8C84DB44B84D}" type="datetimeFigureOut">
               <a:rPr lang="en-SG" smtClean="0"/>
-              <a:t>18/3/20</a:t>
+              <a:t>23/4/20</a:t>
             </a:fld>
             <a:endParaRPr lang="en-SG"/>
           </a:p>
@@ -1830,7 +1830,7 @@
           <a:p>
             <a:fld id="{BC643CBC-B76F-46AA-8129-8C84DB44B84D}" type="datetimeFigureOut">
               <a:rPr lang="en-SG" smtClean="0"/>
-              <a:t>18/3/20</a:t>
+              <a:t>23/4/20</a:t>
             </a:fld>
             <a:endParaRPr lang="en-SG"/>
           </a:p>
@@ -1972,7 +1972,7 @@
           <a:p>
             <a:fld id="{BC643CBC-B76F-46AA-8129-8C84DB44B84D}" type="datetimeFigureOut">
               <a:rPr lang="en-SG" smtClean="0"/>
-              <a:t>18/3/20</a:t>
+              <a:t>23/4/20</a:t>
             </a:fld>
             <a:endParaRPr lang="en-SG"/>
           </a:p>
@@ -2085,7 +2085,7 @@
           <a:p>
             <a:fld id="{BC643CBC-B76F-46AA-8129-8C84DB44B84D}" type="datetimeFigureOut">
               <a:rPr lang="en-SG" smtClean="0"/>
-              <a:t>18/3/20</a:t>
+              <a:t>23/4/20</a:t>
             </a:fld>
             <a:endParaRPr lang="en-SG"/>
           </a:p>
@@ -2398,7 +2398,7 @@
           <a:p>
             <a:fld id="{BC643CBC-B76F-46AA-8129-8C84DB44B84D}" type="datetimeFigureOut">
               <a:rPr lang="en-SG" smtClean="0"/>
-              <a:t>18/3/20</a:t>
+              <a:t>23/4/20</a:t>
             </a:fld>
             <a:endParaRPr lang="en-SG"/>
           </a:p>
@@ -2687,7 +2687,7 @@
           <a:p>
             <a:fld id="{BC643CBC-B76F-46AA-8129-8C84DB44B84D}" type="datetimeFigureOut">
               <a:rPr lang="en-SG" smtClean="0"/>
-              <a:t>18/3/20</a:t>
+              <a:t>23/4/20</a:t>
             </a:fld>
             <a:endParaRPr lang="en-SG"/>
           </a:p>
@@ -2930,7 +2930,7 @@
           <a:p>
             <a:fld id="{BC643CBC-B76F-46AA-8129-8C84DB44B84D}" type="datetimeFigureOut">
               <a:rPr lang="en-SG" smtClean="0"/>
-              <a:t>18/3/20</a:t>
+              <a:t>23/4/20</a:t>
             </a:fld>
             <a:endParaRPr lang="en-SG"/>
           </a:p>
@@ -3357,7 +3357,7 @@
       </p:grpSpPr>
       <p:pic>
         <p:nvPicPr>
-          <p:cNvPr id="5" name="Picture 4" descr="A screenshot of a social media post&#10;&#10;Description automatically generated">
+          <p:cNvPr id="5" name="Picture 4">
             <a:extLst>
               <a:ext uri="{FF2B5EF4-FFF2-40B4-BE49-F238E27FC236}">
                 <a16:creationId xmlns:a16="http://schemas.microsoft.com/office/drawing/2014/main" id="{B4E5294F-444B-4447-B9AA-FA88D06B7743}"/>
@@ -3377,14 +3377,13 @@
               </a:ext>
             </a:extLst>
           </a:blip>
-          <a:stretch>
-            <a:fillRect/>
-          </a:stretch>
+          <a:srcRect/>
+          <a:stretch/>
         </p:blipFill>
         <p:spPr>
           <a:xfrm>
-            <a:off x="1187572" y="643466"/>
-            <a:ext cx="9813566" cy="5569200"/>
+            <a:off x="1187572" y="665843"/>
+            <a:ext cx="9813566" cy="5524446"/>
           </a:xfrm>
           <a:prstGeom prst="rect">
             <a:avLst/>
@@ -3405,10 +3404,10 @@
         </p:nvGrpSpPr>
         <p:grpSpPr>
           <a:xfrm>
-            <a:off x="3604583" y="5552602"/>
-            <a:ext cx="1019826" cy="623120"/>
-            <a:chOff x="3946269" y="5051399"/>
-            <a:chExt cx="1019826" cy="623120"/>
+            <a:off x="3176752" y="5197952"/>
+            <a:ext cx="1019826" cy="585020"/>
+            <a:chOff x="3946269" y="5089499"/>
+            <a:chExt cx="1019826" cy="585020"/>
           </a:xfrm>
         </p:grpSpPr>
         <p:sp>
@@ -3425,7 +3424,7 @@
           </p:nvSpPr>
           <p:spPr>
             <a:xfrm>
-              <a:off x="3946269" y="5051399"/>
+              <a:off x="3946269" y="5089499"/>
               <a:ext cx="1019826" cy="276999"/>
             </a:xfrm>
             <a:prstGeom prst="rect">
@@ -3524,7 +3523,7 @@
         </p:nvGrpSpPr>
         <p:grpSpPr>
           <a:xfrm>
-            <a:off x="3048219" y="3723003"/>
+            <a:off x="3551139" y="3048633"/>
             <a:ext cx="1695743" cy="246221"/>
             <a:chOff x="2464522" y="2361561"/>
             <a:chExt cx="1695743" cy="246221"/>
@@ -3689,7 +3688,7 @@
         </p:nvGrpSpPr>
         <p:grpSpPr>
           <a:xfrm>
-            <a:off x="2942352" y="4322650"/>
+            <a:off x="2953782" y="4551250"/>
             <a:ext cx="1672681" cy="291016"/>
             <a:chOff x="2945234" y="3682075"/>
             <a:chExt cx="1672681" cy="246221"/>
@@ -3854,7 +3853,7 @@
         </p:nvGrpSpPr>
         <p:grpSpPr>
           <a:xfrm>
-            <a:off x="2753264" y="3023089"/>
+            <a:off x="2913284" y="3205969"/>
             <a:ext cx="2165611" cy="263574"/>
             <a:chOff x="2230032" y="2870443"/>
             <a:chExt cx="2165611" cy="263574"/>
@@ -4016,10 +4015,10 @@
       </p:grpSp>
       <p:grpSp>
         <p:nvGrpSpPr>
-          <p:cNvPr id="22" name="Group 21">
-            <a:extLst>
-              <a:ext uri="{FF2B5EF4-FFF2-40B4-BE49-F238E27FC236}">
-                <a16:creationId xmlns:a16="http://schemas.microsoft.com/office/drawing/2014/main" id="{25A622BC-A5B7-A44A-9C42-676F5FE8C9F9}"/>
+          <p:cNvPr id="26" name="Group 25">
+            <a:extLst>
+              <a:ext uri="{FF2B5EF4-FFF2-40B4-BE49-F238E27FC236}">
+                <a16:creationId xmlns:a16="http://schemas.microsoft.com/office/drawing/2014/main" id="{DEF0A00E-6934-F848-A76D-E0C0910D196B}"/>
               </a:ext>
             </a:extLst>
           </p:cNvPr>
@@ -4028,119 +4027,7 @@
         </p:nvGrpSpPr>
         <p:grpSpPr>
           <a:xfrm>
-            <a:off x="118577" y="4640643"/>
-            <a:ext cx="5959559" cy="461665"/>
-            <a:chOff x="731728" y="3629956"/>
-            <a:chExt cx="5399128" cy="461665"/>
-          </a:xfrm>
-        </p:grpSpPr>
-        <p:sp>
-          <p:nvSpPr>
-            <p:cNvPr id="23" name="Rectangle 22">
-              <a:extLst>
-                <a:ext uri="{FF2B5EF4-FFF2-40B4-BE49-F238E27FC236}">
-                  <a16:creationId xmlns:a16="http://schemas.microsoft.com/office/drawing/2014/main" id="{B564F8AB-86E1-AE47-8AEE-A391EE3A595A}"/>
-                </a:ext>
-              </a:extLst>
-            </p:cNvPr>
-            <p:cNvSpPr/>
-            <p:nvPr/>
-          </p:nvSpPr>
-          <p:spPr>
-            <a:xfrm>
-              <a:off x="1803254" y="3860789"/>
-              <a:ext cx="4327602" cy="119555"/>
-            </a:xfrm>
-            <a:prstGeom prst="rect">
-              <a:avLst/>
-            </a:prstGeom>
-            <a:noFill/>
-            <a:ln w="9525" cap="flat" cmpd="sng" algn="ctr">
-              <a:solidFill>
-                <a:schemeClr val="dk1"/>
-              </a:solidFill>
-              <a:prstDash val="solid"/>
-              <a:round/>
-              <a:headEnd type="none" w="med" len="med"/>
-              <a:tailEnd type="none" w="med" len="med"/>
-            </a:ln>
-          </p:spPr>
-          <p:style>
-            <a:lnRef idx="0">
-              <a:scrgbClr r="0" g="0" b="0"/>
-            </a:lnRef>
-            <a:fillRef idx="0">
-              <a:scrgbClr r="0" g="0" b="0"/>
-            </a:fillRef>
-            <a:effectRef idx="0">
-              <a:scrgbClr r="0" g="0" b="0"/>
-            </a:effectRef>
-            <a:fontRef idx="minor">
-              <a:schemeClr val="dk1"/>
-            </a:fontRef>
-          </p:style>
-          <p:txBody>
-            <a:bodyPr rtlCol="0" anchor="ctr"/>
-            <a:lstStyle/>
-            <a:p>
-              <a:pPr algn="ctr"/>
-              <a:endParaRPr lang="en-SG"/>
-            </a:p>
-          </p:txBody>
-        </p:sp>
-        <p:sp>
-          <p:nvSpPr>
-            <p:cNvPr id="25" name="TextBox 24">
-              <a:extLst>
-                <a:ext uri="{FF2B5EF4-FFF2-40B4-BE49-F238E27FC236}">
-                  <a16:creationId xmlns:a16="http://schemas.microsoft.com/office/drawing/2014/main" id="{C8343F1E-8844-E749-B305-01B53FD52B56}"/>
-                </a:ext>
-              </a:extLst>
-            </p:cNvPr>
-            <p:cNvSpPr txBox="1"/>
-            <p:nvPr/>
-          </p:nvSpPr>
-          <p:spPr>
-            <a:xfrm>
-              <a:off x="731728" y="3629956"/>
-              <a:ext cx="1014711" cy="461665"/>
-            </a:xfrm>
-            <a:prstGeom prst="rect">
-              <a:avLst/>
-            </a:prstGeom>
-            <a:noFill/>
-          </p:spPr>
-          <p:txBody>
-            <a:bodyPr wrap="square" rtlCol="0">
-              <a:spAutoFit/>
-            </a:bodyPr>
-            <a:lstStyle/>
-            <a:p>
-              <a:pPr algn="ctr"/>
-              <a:r>
-                <a:rPr lang="en-US" sz="1200" dirty="0"/>
-                <a:t>Contribution Bar</a:t>
-              </a:r>
-              <a:endParaRPr lang="en-SG" sz="1200" dirty="0"/>
-            </a:p>
-          </p:txBody>
-        </p:sp>
-      </p:grpSp>
-      <p:grpSp>
-        <p:nvGrpSpPr>
-          <p:cNvPr id="26" name="Group 25">
-            <a:extLst>
-              <a:ext uri="{FF2B5EF4-FFF2-40B4-BE49-F238E27FC236}">
-                <a16:creationId xmlns:a16="http://schemas.microsoft.com/office/drawing/2014/main" id="{DEF0A00E-6934-F848-A76D-E0C0910D196B}"/>
-              </a:ext>
-            </a:extLst>
-          </p:cNvPr>
-          <p:cNvGrpSpPr/>
-          <p:nvPr/>
-        </p:nvGrpSpPr>
-        <p:grpSpPr>
-          <a:xfrm>
-            <a:off x="189682" y="3246565"/>
+            <a:off x="189682" y="3429445"/>
             <a:ext cx="5752649" cy="530943"/>
             <a:chOff x="778195" y="2021953"/>
             <a:chExt cx="5209217" cy="461665"/>
@@ -4307,7 +4194,7 @@
         </p:nvGrpSpPr>
         <p:grpSpPr>
           <a:xfrm>
-            <a:off x="6509832" y="1982345"/>
+            <a:off x="6509832" y="2029970"/>
             <a:ext cx="3424155" cy="402234"/>
             <a:chOff x="6202680" y="1735827"/>
             <a:chExt cx="3424155" cy="402234"/>
@@ -4476,7 +4363,7 @@
         </p:nvGrpSpPr>
         <p:grpSpPr>
           <a:xfrm>
-            <a:off x="9567334" y="3299134"/>
+            <a:off x="9414934" y="4232584"/>
             <a:ext cx="1139315" cy="562172"/>
             <a:chOff x="8559185" y="2719565"/>
             <a:chExt cx="1139315" cy="562172"/>
@@ -4641,7 +4528,7 @@
         </p:nvGrpSpPr>
         <p:grpSpPr>
           <a:xfrm>
-            <a:off x="8358978" y="2895216"/>
+            <a:off x="8206578" y="3800091"/>
             <a:ext cx="1252259" cy="404424"/>
             <a:chOff x="7350829" y="3118022"/>
             <a:chExt cx="1252259" cy="404424"/>
@@ -5104,52 +4991,185 @@
           </p:txBody>
         </p:sp>
       </p:grpSp>
-      <p:sp>
-        <p:nvSpPr>
-          <p:cNvPr id="54" name="Arrow: Left 47">
-            <a:extLst>
-              <a:ext uri="{FF2B5EF4-FFF2-40B4-BE49-F238E27FC236}">
-                <a16:creationId xmlns:a16="http://schemas.microsoft.com/office/drawing/2014/main" id="{D08A5AA5-5E30-1B44-B88A-D53EE29DB3F4}"/>
-              </a:ext>
-            </a:extLst>
-          </p:cNvPr>
-          <p:cNvSpPr/>
+      <p:grpSp>
+        <p:nvGrpSpPr>
+          <p:cNvPr id="2" name="Group 1">
+            <a:extLst>
+              <a:ext uri="{FF2B5EF4-FFF2-40B4-BE49-F238E27FC236}">
+                <a16:creationId xmlns:a16="http://schemas.microsoft.com/office/drawing/2014/main" id="{FC32F964-DDAA-8C41-A0F8-5E30AECAEB34}"/>
+              </a:ext>
+            </a:extLst>
+          </p:cNvPr>
+          <p:cNvGrpSpPr/>
           <p:nvPr/>
-        </p:nvSpPr>
-        <p:spPr>
+        </p:nvGrpSpPr>
+        <p:grpSpPr>
           <a:xfrm>
-            <a:off x="969529" y="4892392"/>
-            <a:ext cx="250504" cy="77721"/>
+            <a:off x="118577" y="4869243"/>
+            <a:ext cx="5959559" cy="461665"/>
+            <a:chOff x="118577" y="4640643"/>
+            <a:chExt cx="5959559" cy="461665"/>
           </a:xfrm>
-          <a:prstGeom prst="leftArrow">
-            <a:avLst/>
-          </a:prstGeom>
-        </p:spPr>
-        <p:style>
-          <a:lnRef idx="2">
-            <a:schemeClr val="dk1">
-              <a:shade val="50000"/>
-            </a:schemeClr>
-          </a:lnRef>
-          <a:fillRef idx="1">
-            <a:schemeClr val="dk1"/>
-          </a:fillRef>
-          <a:effectRef idx="0">
-            <a:schemeClr val="dk1"/>
-          </a:effectRef>
-          <a:fontRef idx="minor">
-            <a:schemeClr val="lt1"/>
-          </a:fontRef>
-        </p:style>
-        <p:txBody>
-          <a:bodyPr rtlCol="0" anchor="ctr"/>
-          <a:lstStyle/>
-          <a:p>
-            <a:pPr algn="ctr"/>
-            <a:endParaRPr lang="en-SG"/>
-          </a:p>
-        </p:txBody>
-      </p:sp>
+        </p:grpSpPr>
+        <p:grpSp>
+          <p:nvGrpSpPr>
+            <p:cNvPr id="22" name="Group 21">
+              <a:extLst>
+                <a:ext uri="{FF2B5EF4-FFF2-40B4-BE49-F238E27FC236}">
+                  <a16:creationId xmlns:a16="http://schemas.microsoft.com/office/drawing/2014/main" id="{25A622BC-A5B7-A44A-9C42-676F5FE8C9F9}"/>
+                </a:ext>
+              </a:extLst>
+            </p:cNvPr>
+            <p:cNvGrpSpPr/>
+            <p:nvPr/>
+          </p:nvGrpSpPr>
+          <p:grpSpPr>
+            <a:xfrm>
+              <a:off x="118577" y="4640643"/>
+              <a:ext cx="5959559" cy="461665"/>
+              <a:chOff x="731728" y="3629956"/>
+              <a:chExt cx="5399128" cy="461665"/>
+            </a:xfrm>
+          </p:grpSpPr>
+          <p:sp>
+            <p:nvSpPr>
+              <p:cNvPr id="23" name="Rectangle 22">
+                <a:extLst>
+                  <a:ext uri="{FF2B5EF4-FFF2-40B4-BE49-F238E27FC236}">
+                    <a16:creationId xmlns:a16="http://schemas.microsoft.com/office/drawing/2014/main" id="{B564F8AB-86E1-AE47-8AEE-A391EE3A595A}"/>
+                  </a:ext>
+                </a:extLst>
+              </p:cNvPr>
+              <p:cNvSpPr/>
+              <p:nvPr/>
+            </p:nvSpPr>
+            <p:spPr>
+              <a:xfrm>
+                <a:off x="1803254" y="3860789"/>
+                <a:ext cx="4327602" cy="119555"/>
+              </a:xfrm>
+              <a:prstGeom prst="rect">
+                <a:avLst/>
+              </a:prstGeom>
+              <a:noFill/>
+              <a:ln w="9525" cap="flat" cmpd="sng" algn="ctr">
+                <a:solidFill>
+                  <a:schemeClr val="dk1"/>
+                </a:solidFill>
+                <a:prstDash val="solid"/>
+                <a:round/>
+                <a:headEnd type="none" w="med" len="med"/>
+                <a:tailEnd type="none" w="med" len="med"/>
+              </a:ln>
+            </p:spPr>
+            <p:style>
+              <a:lnRef idx="0">
+                <a:scrgbClr r="0" g="0" b="0"/>
+              </a:lnRef>
+              <a:fillRef idx="0">
+                <a:scrgbClr r="0" g="0" b="0"/>
+              </a:fillRef>
+              <a:effectRef idx="0">
+                <a:scrgbClr r="0" g="0" b="0"/>
+              </a:effectRef>
+              <a:fontRef idx="minor">
+                <a:schemeClr val="dk1"/>
+              </a:fontRef>
+            </p:style>
+            <p:txBody>
+              <a:bodyPr rtlCol="0" anchor="ctr"/>
+              <a:lstStyle/>
+              <a:p>
+                <a:pPr algn="ctr"/>
+                <a:endParaRPr lang="en-SG"/>
+              </a:p>
+            </p:txBody>
+          </p:sp>
+          <p:sp>
+            <p:nvSpPr>
+              <p:cNvPr id="25" name="TextBox 24">
+                <a:extLst>
+                  <a:ext uri="{FF2B5EF4-FFF2-40B4-BE49-F238E27FC236}">
+                    <a16:creationId xmlns:a16="http://schemas.microsoft.com/office/drawing/2014/main" id="{C8343F1E-8844-E749-B305-01B53FD52B56}"/>
+                  </a:ext>
+                </a:extLst>
+              </p:cNvPr>
+              <p:cNvSpPr txBox="1"/>
+              <p:nvPr/>
+            </p:nvSpPr>
+            <p:spPr>
+              <a:xfrm>
+                <a:off x="731728" y="3629956"/>
+                <a:ext cx="1014711" cy="461665"/>
+              </a:xfrm>
+              <a:prstGeom prst="rect">
+                <a:avLst/>
+              </a:prstGeom>
+              <a:noFill/>
+            </p:spPr>
+            <p:txBody>
+              <a:bodyPr wrap="square" rtlCol="0">
+                <a:spAutoFit/>
+              </a:bodyPr>
+              <a:lstStyle/>
+              <a:p>
+                <a:pPr algn="ctr"/>
+                <a:r>
+                  <a:rPr lang="en-US" sz="1200" dirty="0"/>
+                  <a:t>Contribution Bar</a:t>
+                </a:r>
+                <a:endParaRPr lang="en-SG" sz="1200" dirty="0"/>
+              </a:p>
+            </p:txBody>
+          </p:sp>
+        </p:grpSp>
+        <p:sp>
+          <p:nvSpPr>
+            <p:cNvPr id="54" name="Arrow: Left 47">
+              <a:extLst>
+                <a:ext uri="{FF2B5EF4-FFF2-40B4-BE49-F238E27FC236}">
+                  <a16:creationId xmlns:a16="http://schemas.microsoft.com/office/drawing/2014/main" id="{D08A5AA5-5E30-1B44-B88A-D53EE29DB3F4}"/>
+                </a:ext>
+              </a:extLst>
+            </p:cNvPr>
+            <p:cNvSpPr/>
+            <p:nvPr/>
+          </p:nvSpPr>
+          <p:spPr>
+            <a:xfrm>
+              <a:off x="969529" y="4892392"/>
+              <a:ext cx="250504" cy="77721"/>
+            </a:xfrm>
+            <a:prstGeom prst="leftArrow">
+              <a:avLst/>
+            </a:prstGeom>
+          </p:spPr>
+          <p:style>
+            <a:lnRef idx="2">
+              <a:schemeClr val="dk1">
+                <a:shade val="50000"/>
+              </a:schemeClr>
+            </a:lnRef>
+            <a:fillRef idx="1">
+              <a:schemeClr val="dk1"/>
+            </a:fillRef>
+            <a:effectRef idx="0">
+              <a:schemeClr val="dk1"/>
+            </a:effectRef>
+            <a:fontRef idx="minor">
+              <a:schemeClr val="lt1"/>
+            </a:fontRef>
+          </p:style>
+          <p:txBody>
+            <a:bodyPr rtlCol="0" anchor="ctr"/>
+            <a:lstStyle/>
+            <a:p>
+              <a:pPr algn="ctr"/>
+              <a:endParaRPr lang="en-SG"/>
+            </a:p>
+          </p:txBody>
+        </p:sp>
+      </p:grpSp>
       <p:grpSp>
         <p:nvGrpSpPr>
           <p:cNvPr id="55" name="Group 54">
@@ -5165,9 +5185,9 @@
         <p:grpSpPr>
           <a:xfrm>
             <a:off x="140442" y="793236"/>
-            <a:ext cx="5801889" cy="869031"/>
+            <a:ext cx="5801889" cy="1148907"/>
             <a:chOff x="315534" y="945868"/>
-            <a:chExt cx="5164879" cy="869031"/>
+            <a:chExt cx="5164879" cy="1148907"/>
           </a:xfrm>
         </p:grpSpPr>
         <p:sp>
@@ -5185,7 +5205,7 @@
           <p:spPr>
             <a:xfrm>
               <a:off x="919101" y="945868"/>
-              <a:ext cx="513688" cy="869029"/>
+              <a:ext cx="513688" cy="1148905"/>
             </a:xfrm>
             <a:prstGeom prst="leftBrace">
               <a:avLst>
@@ -5231,7 +5251,7 @@
           </p:nvSpPr>
           <p:spPr>
             <a:xfrm>
-              <a:off x="315534" y="1241882"/>
+              <a:off x="315534" y="1367612"/>
               <a:ext cx="723900" cy="276999"/>
             </a:xfrm>
             <a:prstGeom prst="rect">
@@ -5272,7 +5292,7 @@
           <p:spPr>
             <a:xfrm>
               <a:off x="1432790" y="945870"/>
-              <a:ext cx="4047623" cy="869029"/>
+              <a:ext cx="4047623" cy="1148905"/>
             </a:xfrm>
             <a:prstGeom prst="rect">
               <a:avLst/>
@@ -5308,6 +5328,258 @@
             <a:p>
               <a:pPr algn="ctr"/>
               <a:endParaRPr lang="en-SG"/>
+            </a:p>
+          </p:txBody>
+        </p:sp>
+      </p:grpSp>
+      <p:grpSp>
+        <p:nvGrpSpPr>
+          <p:cNvPr id="51" name="Group 50">
+            <a:extLst>
+              <a:ext uri="{FF2B5EF4-FFF2-40B4-BE49-F238E27FC236}">
+                <a16:creationId xmlns:a16="http://schemas.microsoft.com/office/drawing/2014/main" id="{9138041B-F15F-2944-BDDF-59C7EF162B12}"/>
+              </a:ext>
+            </a:extLst>
+          </p:cNvPr>
+          <p:cNvGrpSpPr/>
+          <p:nvPr/>
+        </p:nvGrpSpPr>
+        <p:grpSpPr>
+          <a:xfrm>
+            <a:off x="2882804" y="3872719"/>
+            <a:ext cx="2279911" cy="263574"/>
+            <a:chOff x="2230032" y="2870443"/>
+            <a:chExt cx="2279911" cy="263574"/>
+          </a:xfrm>
+        </p:grpSpPr>
+        <p:sp>
+          <p:nvSpPr>
+            <p:cNvPr id="52" name="Oval 51">
+              <a:extLst>
+                <a:ext uri="{FF2B5EF4-FFF2-40B4-BE49-F238E27FC236}">
+                  <a16:creationId xmlns:a16="http://schemas.microsoft.com/office/drawing/2014/main" id="{8C3DBB80-9D9A-114D-89A6-F5971AE0A38F}"/>
+                </a:ext>
+              </a:extLst>
+            </p:cNvPr>
+            <p:cNvSpPr/>
+            <p:nvPr/>
+          </p:nvSpPr>
+          <p:spPr>
+            <a:xfrm>
+              <a:off x="2230032" y="3000667"/>
+              <a:ext cx="130499" cy="133350"/>
+            </a:xfrm>
+            <a:prstGeom prst="ellipse">
+              <a:avLst/>
+            </a:prstGeom>
+            <a:noFill/>
+            <a:ln w="9525" cap="flat" cmpd="sng" algn="ctr">
+              <a:solidFill>
+                <a:schemeClr val="accent4">
+                  <a:lumMod val="75000"/>
+                </a:schemeClr>
+              </a:solidFill>
+              <a:prstDash val="solid"/>
+              <a:round/>
+              <a:headEnd type="none" w="med" len="med"/>
+              <a:tailEnd type="none" w="med" len="med"/>
+            </a:ln>
+          </p:spPr>
+          <p:style>
+            <a:lnRef idx="0">
+              <a:scrgbClr r="0" g="0" b="0"/>
+            </a:lnRef>
+            <a:fillRef idx="0">
+              <a:scrgbClr r="0" g="0" b="0"/>
+            </a:fillRef>
+            <a:effectRef idx="0">
+              <a:scrgbClr r="0" g="0" b="0"/>
+            </a:effectRef>
+            <a:fontRef idx="minor">
+              <a:schemeClr val="accent6"/>
+            </a:fontRef>
+          </p:style>
+          <p:txBody>
+            <a:bodyPr rtlCol="0" anchor="ctr"/>
+            <a:lstStyle/>
+            <a:p>
+              <a:pPr algn="ctr"/>
+              <a:endParaRPr lang="en-SG"/>
+            </a:p>
+          </p:txBody>
+        </p:sp>
+        <p:sp>
+          <p:nvSpPr>
+            <p:cNvPr id="53" name="Arrow: Bent 29">
+              <a:extLst>
+                <a:ext uri="{FF2B5EF4-FFF2-40B4-BE49-F238E27FC236}">
+                  <a16:creationId xmlns:a16="http://schemas.microsoft.com/office/drawing/2014/main" id="{33158B85-34BF-8042-8B94-5B4B20553CC5}"/>
+                </a:ext>
+              </a:extLst>
+            </p:cNvPr>
+            <p:cNvSpPr/>
+            <p:nvPr/>
+          </p:nvSpPr>
+          <p:spPr>
+            <a:xfrm>
+              <a:off x="2281147" y="2943386"/>
+              <a:ext cx="381984" cy="57282"/>
+            </a:xfrm>
+            <a:prstGeom prst="bentArrow">
+              <a:avLst>
+                <a:gd name="adj1" fmla="val 25000"/>
+                <a:gd name="adj2" fmla="val 26516"/>
+                <a:gd name="adj3" fmla="val 25000"/>
+                <a:gd name="adj4" fmla="val 43750"/>
+              </a:avLst>
+            </a:prstGeom>
+            <a:solidFill>
+              <a:schemeClr val="accent4">
+                <a:lumMod val="75000"/>
+              </a:schemeClr>
+            </a:solidFill>
+            <a:ln>
+              <a:solidFill>
+                <a:schemeClr val="accent4">
+                  <a:lumMod val="50000"/>
+                </a:schemeClr>
+              </a:solidFill>
+            </a:ln>
+          </p:spPr>
+          <p:style>
+            <a:lnRef idx="2">
+              <a:schemeClr val="accent6">
+                <a:shade val="50000"/>
+              </a:schemeClr>
+            </a:lnRef>
+            <a:fillRef idx="1">
+              <a:schemeClr val="accent6"/>
+            </a:fillRef>
+            <a:effectRef idx="0">
+              <a:schemeClr val="accent6"/>
+            </a:effectRef>
+            <a:fontRef idx="minor">
+              <a:schemeClr val="lt1"/>
+            </a:fontRef>
+          </p:style>
+          <p:txBody>
+            <a:bodyPr rtlCol="0" anchor="ctr"/>
+            <a:lstStyle/>
+            <a:p>
+              <a:pPr algn="ctr"/>
+              <a:endParaRPr lang="en-SG">
+                <a:solidFill>
+                  <a:schemeClr val="tx1"/>
+                </a:solidFill>
+              </a:endParaRPr>
+            </a:p>
+          </p:txBody>
+        </p:sp>
+        <p:sp>
+          <p:nvSpPr>
+            <p:cNvPr id="59" name="TextBox 58">
+              <a:extLst>
+                <a:ext uri="{FF2B5EF4-FFF2-40B4-BE49-F238E27FC236}">
+                  <a16:creationId xmlns:a16="http://schemas.microsoft.com/office/drawing/2014/main" id="{C6BC47DB-37BE-7440-9DD6-3E79F8B4F00C}"/>
+                </a:ext>
+              </a:extLst>
+            </p:cNvPr>
+            <p:cNvSpPr txBox="1"/>
+            <p:nvPr/>
+          </p:nvSpPr>
+          <p:spPr>
+            <a:xfrm>
+              <a:off x="2607800" y="2870443"/>
+              <a:ext cx="1902143" cy="246221"/>
+            </a:xfrm>
+            <a:prstGeom prst="rect">
+              <a:avLst/>
+            </a:prstGeom>
+            <a:noFill/>
+          </p:spPr>
+          <p:txBody>
+            <a:bodyPr wrap="square" rtlCol="0">
+              <a:spAutoFit/>
+            </a:bodyPr>
+            <a:lstStyle/>
+            <a:p>
+              <a:r>
+                <a:rPr lang="en-US" altLang="zh-CN" sz="1000" dirty="0">
+                  <a:solidFill>
+                    <a:schemeClr val="accent4">
+                      <a:lumMod val="75000"/>
+                    </a:schemeClr>
+                  </a:solidFill>
+                </a:rPr>
+                <a:t>Link</a:t>
+              </a:r>
+              <a:r>
+                <a:rPr lang="zh-CN" altLang="en-US" sz="1000" dirty="0">
+                  <a:solidFill>
+                    <a:schemeClr val="accent4">
+                      <a:lumMod val="75000"/>
+                    </a:schemeClr>
+                  </a:solidFill>
+                </a:rPr>
+                <a:t> </a:t>
+              </a:r>
+              <a:r>
+                <a:rPr lang="en-US" altLang="zh-CN" sz="1000" dirty="0">
+                  <a:solidFill>
+                    <a:schemeClr val="accent4">
+                      <a:lumMod val="75000"/>
+                    </a:schemeClr>
+                  </a:solidFill>
+                </a:rPr>
+                <a:t>to</a:t>
+              </a:r>
+              <a:r>
+                <a:rPr lang="zh-CN" altLang="en-US" sz="1000" dirty="0">
+                  <a:solidFill>
+                    <a:schemeClr val="accent4">
+                      <a:lumMod val="75000"/>
+                    </a:schemeClr>
+                  </a:solidFill>
+                </a:rPr>
+                <a:t> </a:t>
+              </a:r>
+              <a:r>
+                <a:rPr lang="en-US" altLang="zh-CN" sz="1000" dirty="0">
+                  <a:solidFill>
+                    <a:schemeClr val="accent4">
+                      <a:lumMod val="75000"/>
+                    </a:schemeClr>
+                  </a:solidFill>
+                </a:rPr>
+                <a:t>author’s</a:t>
+              </a:r>
+              <a:r>
+                <a:rPr lang="zh-CN" altLang="en-US" sz="1000" dirty="0">
+                  <a:solidFill>
+                    <a:schemeClr val="accent4">
+                      <a:lumMod val="75000"/>
+                    </a:schemeClr>
+                  </a:solidFill>
+                </a:rPr>
+                <a:t> </a:t>
+              </a:r>
+              <a:r>
+                <a:rPr lang="en-US" altLang="zh-CN" sz="1000" dirty="0">
+                  <a:solidFill>
+                    <a:schemeClr val="accent4">
+                      <a:lumMod val="75000"/>
+                    </a:schemeClr>
+                  </a:solidFill>
+                </a:rPr>
+                <a:t>page</a:t>
+              </a:r>
+              <a:endParaRPr lang="en-SG" sz="1000" dirty="0">
+                <a:solidFill>
+                  <a:schemeClr val="accent4">
+                    <a:lumMod val="75000"/>
+                  </a:schemeClr>
+                </a:solidFill>
+              </a:endParaRPr>
             </a:p>
           </p:txBody>
         </p:sp>

--- a/docs/diagrams/report-features.pptx
+++ b/docs/diagrams/report-features.pptx
@@ -261,7 +261,7 @@
           <a:p>
             <a:fld id="{BC643CBC-B76F-46AA-8129-8C84DB44B84D}" type="datetimeFigureOut">
               <a:rPr lang="en-SG" smtClean="0"/>
-              <a:t>23/4/20</a:t>
+              <a:t>9/5/20</a:t>
             </a:fld>
             <a:endParaRPr lang="en-SG"/>
           </a:p>
@@ -461,7 +461,7 @@
           <a:p>
             <a:fld id="{BC643CBC-B76F-46AA-8129-8C84DB44B84D}" type="datetimeFigureOut">
               <a:rPr lang="en-SG" smtClean="0"/>
-              <a:t>23/4/20</a:t>
+              <a:t>9/5/20</a:t>
             </a:fld>
             <a:endParaRPr lang="en-SG"/>
           </a:p>
@@ -671,7 +671,7 @@
           <a:p>
             <a:fld id="{BC643CBC-B76F-46AA-8129-8C84DB44B84D}" type="datetimeFigureOut">
               <a:rPr lang="en-SG" smtClean="0"/>
-              <a:t>23/4/20</a:t>
+              <a:t>9/5/20</a:t>
             </a:fld>
             <a:endParaRPr lang="en-SG"/>
           </a:p>
@@ -871,7 +871,7 @@
           <a:p>
             <a:fld id="{BC643CBC-B76F-46AA-8129-8C84DB44B84D}" type="datetimeFigureOut">
               <a:rPr lang="en-SG" smtClean="0"/>
-              <a:t>23/4/20</a:t>
+              <a:t>9/5/20</a:t>
             </a:fld>
             <a:endParaRPr lang="en-SG"/>
           </a:p>
@@ -1147,7 +1147,7 @@
           <a:p>
             <a:fld id="{BC643CBC-B76F-46AA-8129-8C84DB44B84D}" type="datetimeFigureOut">
               <a:rPr lang="en-SG" smtClean="0"/>
-              <a:t>23/4/20</a:t>
+              <a:t>9/5/20</a:t>
             </a:fld>
             <a:endParaRPr lang="en-SG"/>
           </a:p>
@@ -1415,7 +1415,7 @@
           <a:p>
             <a:fld id="{BC643CBC-B76F-46AA-8129-8C84DB44B84D}" type="datetimeFigureOut">
               <a:rPr lang="en-SG" smtClean="0"/>
-              <a:t>23/4/20</a:t>
+              <a:t>9/5/20</a:t>
             </a:fld>
             <a:endParaRPr lang="en-SG"/>
           </a:p>
@@ -1830,7 +1830,7 @@
           <a:p>
             <a:fld id="{BC643CBC-B76F-46AA-8129-8C84DB44B84D}" type="datetimeFigureOut">
               <a:rPr lang="en-SG" smtClean="0"/>
-              <a:t>23/4/20</a:t>
+              <a:t>9/5/20</a:t>
             </a:fld>
             <a:endParaRPr lang="en-SG"/>
           </a:p>
@@ -1972,7 +1972,7 @@
           <a:p>
             <a:fld id="{BC643CBC-B76F-46AA-8129-8C84DB44B84D}" type="datetimeFigureOut">
               <a:rPr lang="en-SG" smtClean="0"/>
-              <a:t>23/4/20</a:t>
+              <a:t>9/5/20</a:t>
             </a:fld>
             <a:endParaRPr lang="en-SG"/>
           </a:p>
@@ -2085,7 +2085,7 @@
           <a:p>
             <a:fld id="{BC643CBC-B76F-46AA-8129-8C84DB44B84D}" type="datetimeFigureOut">
               <a:rPr lang="en-SG" smtClean="0"/>
-              <a:t>23/4/20</a:t>
+              <a:t>9/5/20</a:t>
             </a:fld>
             <a:endParaRPr lang="en-SG"/>
           </a:p>
@@ -2398,7 +2398,7 @@
           <a:p>
             <a:fld id="{BC643CBC-B76F-46AA-8129-8C84DB44B84D}" type="datetimeFigureOut">
               <a:rPr lang="en-SG" smtClean="0"/>
-              <a:t>23/4/20</a:t>
+              <a:t>9/5/20</a:t>
             </a:fld>
             <a:endParaRPr lang="en-SG"/>
           </a:p>
@@ -2687,7 +2687,7 @@
           <a:p>
             <a:fld id="{BC643CBC-B76F-46AA-8129-8C84DB44B84D}" type="datetimeFigureOut">
               <a:rPr lang="en-SG" smtClean="0"/>
-              <a:t>23/4/20</a:t>
+              <a:t>9/5/20</a:t>
             </a:fld>
             <a:endParaRPr lang="en-SG"/>
           </a:p>
@@ -2930,7 +2930,7 @@
           <a:p>
             <a:fld id="{BC643CBC-B76F-46AA-8129-8C84DB44B84D}" type="datetimeFigureOut">
               <a:rPr lang="en-SG" smtClean="0"/>
-              <a:t>23/4/20</a:t>
+              <a:t>9/5/20</a:t>
             </a:fld>
             <a:endParaRPr lang="en-SG"/>
           </a:p>
@@ -3688,10 +3688,10 @@
         </p:nvGrpSpPr>
         <p:grpSpPr>
           <a:xfrm>
-            <a:off x="2953782" y="4551250"/>
-            <a:ext cx="1672681" cy="291016"/>
+            <a:off x="2953782" y="4551257"/>
+            <a:ext cx="1913291" cy="254087"/>
             <a:chOff x="2945234" y="3682075"/>
-            <a:chExt cx="1672681" cy="246221"/>
+            <a:chExt cx="1913291" cy="214976"/>
           </a:xfrm>
         </p:grpSpPr>
         <p:sp>
@@ -3809,7 +3809,7 @@
           <p:spPr>
             <a:xfrm>
               <a:off x="3217740" y="3682075"/>
-              <a:ext cx="1400175" cy="246221"/>
+              <a:ext cx="1640785" cy="208321"/>
             </a:xfrm>
             <a:prstGeom prst="rect">
               <a:avLst/>
@@ -3854,9 +3854,9 @@
         <p:grpSpPr>
           <a:xfrm>
             <a:off x="2913284" y="3205969"/>
-            <a:ext cx="2165611" cy="263574"/>
+            <a:ext cx="2606672" cy="263574"/>
             <a:chOff x="2230032" y="2870443"/>
-            <a:chExt cx="2165611" cy="263574"/>
+            <a:chExt cx="2606672" cy="263574"/>
           </a:xfrm>
         </p:grpSpPr>
         <p:sp>
@@ -3983,7 +3983,7 @@
           <p:spPr>
             <a:xfrm>
               <a:off x="2493500" y="2870443"/>
-              <a:ext cx="1902143" cy="246221"/>
+              <a:ext cx="2343204" cy="246221"/>
             </a:xfrm>
             <a:prstGeom prst="rect">
               <a:avLst/>
@@ -5584,6 +5584,175 @@
           </p:txBody>
         </p:sp>
       </p:grpSp>
+      <p:sp>
+        <p:nvSpPr>
+          <p:cNvPr id="60" name="Oval 59">
+            <a:extLst>
+              <a:ext uri="{FF2B5EF4-FFF2-40B4-BE49-F238E27FC236}">
+                <a16:creationId xmlns:a16="http://schemas.microsoft.com/office/drawing/2014/main" id="{83841894-E3CA-EB43-8F34-D5E1B9E4D403}"/>
+              </a:ext>
+            </a:extLst>
+          </p:cNvPr>
+          <p:cNvSpPr/>
+          <p:nvPr/>
+        </p:nvSpPr>
+        <p:spPr>
+          <a:xfrm>
+            <a:off x="3405955" y="3138233"/>
+            <a:ext cx="147081" cy="143858"/>
+          </a:xfrm>
+          <a:prstGeom prst="ellipse">
+            <a:avLst/>
+          </a:prstGeom>
+          <a:noFill/>
+          <a:ln w="9525" cap="flat" cmpd="sng" algn="ctr">
+            <a:solidFill>
+              <a:schemeClr val="accent1"/>
+            </a:solidFill>
+            <a:prstDash val="solid"/>
+            <a:round/>
+            <a:headEnd type="none" w="med" len="med"/>
+            <a:tailEnd type="none" w="med" len="med"/>
+          </a:ln>
+        </p:spPr>
+        <p:style>
+          <a:lnRef idx="0">
+            <a:scrgbClr r="0" g="0" b="0"/>
+          </a:lnRef>
+          <a:fillRef idx="0">
+            <a:scrgbClr r="0" g="0" b="0"/>
+          </a:fillRef>
+          <a:effectRef idx="0">
+            <a:scrgbClr r="0" g="0" b="0"/>
+          </a:effectRef>
+          <a:fontRef idx="minor">
+            <a:schemeClr val="accent1"/>
+          </a:fontRef>
+        </p:style>
+        <p:txBody>
+          <a:bodyPr rtlCol="0" anchor="ctr"/>
+          <a:lstStyle/>
+          <a:p>
+            <a:pPr algn="ctr"/>
+            <a:endParaRPr lang="en-SG"/>
+          </a:p>
+        </p:txBody>
+      </p:sp>
+      <p:sp>
+        <p:nvSpPr>
+          <p:cNvPr id="61" name="Arrow: Right 26">
+            <a:extLst>
+              <a:ext uri="{FF2B5EF4-FFF2-40B4-BE49-F238E27FC236}">
+                <a16:creationId xmlns:a16="http://schemas.microsoft.com/office/drawing/2014/main" id="{2FEE036E-9ED7-0446-BEDE-DB6E04BF8324}"/>
+              </a:ext>
+            </a:extLst>
+          </p:cNvPr>
+          <p:cNvSpPr/>
+          <p:nvPr/>
+        </p:nvSpPr>
+        <p:spPr>
+          <a:xfrm rot="12225628">
+            <a:off x="3242639" y="3093964"/>
+            <a:ext cx="142378" cy="66676"/>
+          </a:xfrm>
+          <a:prstGeom prst="rightArrow">
+            <a:avLst/>
+          </a:prstGeom>
+          <a:solidFill>
+            <a:schemeClr val="accent1"/>
+          </a:solidFill>
+          <a:ln>
+            <a:solidFill>
+              <a:srgbClr val="002060"/>
+            </a:solidFill>
+          </a:ln>
+        </p:spPr>
+        <p:style>
+          <a:lnRef idx="2">
+            <a:schemeClr val="accent2">
+              <a:shade val="50000"/>
+            </a:schemeClr>
+          </a:lnRef>
+          <a:fillRef idx="1">
+            <a:schemeClr val="accent2"/>
+          </a:fillRef>
+          <a:effectRef idx="0">
+            <a:schemeClr val="accent2"/>
+          </a:effectRef>
+          <a:fontRef idx="minor">
+            <a:schemeClr val="lt1"/>
+          </a:fontRef>
+        </p:style>
+        <p:txBody>
+          <a:bodyPr rtlCol="0" anchor="ctr"/>
+          <a:lstStyle/>
+          <a:p>
+            <a:pPr algn="ctr"/>
+            <a:endParaRPr lang="en-SG"/>
+          </a:p>
+        </p:txBody>
+      </p:sp>
+      <p:sp>
+        <p:nvSpPr>
+          <p:cNvPr id="62" name="TextBox 61">
+            <a:extLst>
+              <a:ext uri="{FF2B5EF4-FFF2-40B4-BE49-F238E27FC236}">
+                <a16:creationId xmlns:a16="http://schemas.microsoft.com/office/drawing/2014/main" id="{D7EDCE94-CB52-7E4E-9F7B-09618674F44D}"/>
+              </a:ext>
+            </a:extLst>
+          </p:cNvPr>
+          <p:cNvSpPr txBox="1"/>
+          <p:nvPr/>
+        </p:nvSpPr>
+        <p:spPr>
+          <a:xfrm>
+            <a:off x="1643150" y="2954822"/>
+            <a:ext cx="1640785" cy="246221"/>
+          </a:xfrm>
+          <a:prstGeom prst="rect">
+            <a:avLst/>
+          </a:prstGeom>
+          <a:noFill/>
+        </p:spPr>
+        <p:txBody>
+          <a:bodyPr wrap="square" rtlCol="0">
+            <a:spAutoFit/>
+          </a:bodyPr>
+          <a:lstStyle/>
+          <a:p>
+            <a:pPr algn="r"/>
+            <a:r>
+              <a:rPr lang="en-US" sz="1000" dirty="0">
+                <a:solidFill>
+                  <a:schemeClr val="accent1"/>
+                </a:solidFill>
+              </a:rPr>
+              <a:t>Merge</a:t>
+            </a:r>
+            <a:r>
+              <a:rPr lang="zh-CN" altLang="en-US" sz="1000" dirty="0">
+                <a:solidFill>
+                  <a:schemeClr val="accent1"/>
+                </a:solidFill>
+              </a:rPr>
+              <a:t> </a:t>
+            </a:r>
+            <a:r>
+              <a:rPr lang="en-US" altLang="zh-CN" sz="1000" dirty="0">
+                <a:solidFill>
+                  <a:schemeClr val="accent1"/>
+                </a:solidFill>
+              </a:rPr>
+              <a:t>group</a:t>
+            </a:r>
+            <a:endParaRPr lang="en-SG" sz="1000" dirty="0">
+              <a:solidFill>
+                <a:schemeClr val="accent1"/>
+              </a:solidFill>
+            </a:endParaRPr>
+          </a:p>
+        </p:txBody>
+      </p:sp>
     </p:spTree>
     <p:extLst>
       <p:ext uri="{BB962C8B-B14F-4D97-AF65-F5344CB8AC3E}">

--- a/docs/diagrams/report-features.pptx
+++ b/docs/diagrams/report-features.pptx
@@ -261,7 +261,7 @@
           <a:p>
             <a:fld id="{BC643CBC-B76F-46AA-8129-8C84DB44B84D}" type="datetimeFigureOut">
               <a:rPr lang="en-SG" smtClean="0"/>
-              <a:t>18/3/20</a:t>
+              <a:t>9/5/20</a:t>
             </a:fld>
             <a:endParaRPr lang="en-SG"/>
           </a:p>
@@ -461,7 +461,7 @@
           <a:p>
             <a:fld id="{BC643CBC-B76F-46AA-8129-8C84DB44B84D}" type="datetimeFigureOut">
               <a:rPr lang="en-SG" smtClean="0"/>
-              <a:t>18/3/20</a:t>
+              <a:t>9/5/20</a:t>
             </a:fld>
             <a:endParaRPr lang="en-SG"/>
           </a:p>
@@ -671,7 +671,7 @@
           <a:p>
             <a:fld id="{BC643CBC-B76F-46AA-8129-8C84DB44B84D}" type="datetimeFigureOut">
               <a:rPr lang="en-SG" smtClean="0"/>
-              <a:t>18/3/20</a:t>
+              <a:t>9/5/20</a:t>
             </a:fld>
             <a:endParaRPr lang="en-SG"/>
           </a:p>
@@ -871,7 +871,7 @@
           <a:p>
             <a:fld id="{BC643CBC-B76F-46AA-8129-8C84DB44B84D}" type="datetimeFigureOut">
               <a:rPr lang="en-SG" smtClean="0"/>
-              <a:t>18/3/20</a:t>
+              <a:t>9/5/20</a:t>
             </a:fld>
             <a:endParaRPr lang="en-SG"/>
           </a:p>
@@ -1147,7 +1147,7 @@
           <a:p>
             <a:fld id="{BC643CBC-B76F-46AA-8129-8C84DB44B84D}" type="datetimeFigureOut">
               <a:rPr lang="en-SG" smtClean="0"/>
-              <a:t>18/3/20</a:t>
+              <a:t>9/5/20</a:t>
             </a:fld>
             <a:endParaRPr lang="en-SG"/>
           </a:p>
@@ -1415,7 +1415,7 @@
           <a:p>
             <a:fld id="{BC643CBC-B76F-46AA-8129-8C84DB44B84D}" type="datetimeFigureOut">
               <a:rPr lang="en-SG" smtClean="0"/>
-              <a:t>18/3/20</a:t>
+              <a:t>9/5/20</a:t>
             </a:fld>
             <a:endParaRPr lang="en-SG"/>
           </a:p>
@@ -1830,7 +1830,7 @@
           <a:p>
             <a:fld id="{BC643CBC-B76F-46AA-8129-8C84DB44B84D}" type="datetimeFigureOut">
               <a:rPr lang="en-SG" smtClean="0"/>
-              <a:t>18/3/20</a:t>
+              <a:t>9/5/20</a:t>
             </a:fld>
             <a:endParaRPr lang="en-SG"/>
           </a:p>
@@ -1972,7 +1972,7 @@
           <a:p>
             <a:fld id="{BC643CBC-B76F-46AA-8129-8C84DB44B84D}" type="datetimeFigureOut">
               <a:rPr lang="en-SG" smtClean="0"/>
-              <a:t>18/3/20</a:t>
+              <a:t>9/5/20</a:t>
             </a:fld>
             <a:endParaRPr lang="en-SG"/>
           </a:p>
@@ -2085,7 +2085,7 @@
           <a:p>
             <a:fld id="{BC643CBC-B76F-46AA-8129-8C84DB44B84D}" type="datetimeFigureOut">
               <a:rPr lang="en-SG" smtClean="0"/>
-              <a:t>18/3/20</a:t>
+              <a:t>9/5/20</a:t>
             </a:fld>
             <a:endParaRPr lang="en-SG"/>
           </a:p>
@@ -2398,7 +2398,7 @@
           <a:p>
             <a:fld id="{BC643CBC-B76F-46AA-8129-8C84DB44B84D}" type="datetimeFigureOut">
               <a:rPr lang="en-SG" smtClean="0"/>
-              <a:t>18/3/20</a:t>
+              <a:t>9/5/20</a:t>
             </a:fld>
             <a:endParaRPr lang="en-SG"/>
           </a:p>
@@ -2687,7 +2687,7 @@
           <a:p>
             <a:fld id="{BC643CBC-B76F-46AA-8129-8C84DB44B84D}" type="datetimeFigureOut">
               <a:rPr lang="en-SG" smtClean="0"/>
-              <a:t>18/3/20</a:t>
+              <a:t>9/5/20</a:t>
             </a:fld>
             <a:endParaRPr lang="en-SG"/>
           </a:p>
@@ -2930,7 +2930,7 @@
           <a:p>
             <a:fld id="{BC643CBC-B76F-46AA-8129-8C84DB44B84D}" type="datetimeFigureOut">
               <a:rPr lang="en-SG" smtClean="0"/>
-              <a:t>18/3/20</a:t>
+              <a:t>9/5/20</a:t>
             </a:fld>
             <a:endParaRPr lang="en-SG"/>
           </a:p>
@@ -3357,7 +3357,7 @@
       </p:grpSpPr>
       <p:pic>
         <p:nvPicPr>
-          <p:cNvPr id="5" name="Picture 4" descr="A screenshot of a social media post&#10;&#10;Description automatically generated">
+          <p:cNvPr id="5" name="Picture 4">
             <a:extLst>
               <a:ext uri="{FF2B5EF4-FFF2-40B4-BE49-F238E27FC236}">
                 <a16:creationId xmlns:a16="http://schemas.microsoft.com/office/drawing/2014/main" id="{B4E5294F-444B-4447-B9AA-FA88D06B7743}"/>
@@ -3377,14 +3377,13 @@
               </a:ext>
             </a:extLst>
           </a:blip>
-          <a:stretch>
-            <a:fillRect/>
-          </a:stretch>
+          <a:srcRect/>
+          <a:stretch/>
         </p:blipFill>
         <p:spPr>
           <a:xfrm>
-            <a:off x="1187572" y="643466"/>
-            <a:ext cx="9813566" cy="5569200"/>
+            <a:off x="1187572" y="665843"/>
+            <a:ext cx="9813566" cy="5524446"/>
           </a:xfrm>
           <a:prstGeom prst="rect">
             <a:avLst/>
@@ -3405,10 +3404,10 @@
         </p:nvGrpSpPr>
         <p:grpSpPr>
           <a:xfrm>
-            <a:off x="3604583" y="5552602"/>
-            <a:ext cx="1019826" cy="623120"/>
-            <a:chOff x="3946269" y="5051399"/>
-            <a:chExt cx="1019826" cy="623120"/>
+            <a:off x="3176752" y="5197952"/>
+            <a:ext cx="1019826" cy="585020"/>
+            <a:chOff x="3946269" y="5089499"/>
+            <a:chExt cx="1019826" cy="585020"/>
           </a:xfrm>
         </p:grpSpPr>
         <p:sp>
@@ -3425,7 +3424,7 @@
           </p:nvSpPr>
           <p:spPr>
             <a:xfrm>
-              <a:off x="3946269" y="5051399"/>
+              <a:off x="3946269" y="5089499"/>
               <a:ext cx="1019826" cy="276999"/>
             </a:xfrm>
             <a:prstGeom prst="rect">
@@ -3524,7 +3523,7 @@
         </p:nvGrpSpPr>
         <p:grpSpPr>
           <a:xfrm>
-            <a:off x="3048219" y="3723003"/>
+            <a:off x="3551139" y="3048633"/>
             <a:ext cx="1695743" cy="246221"/>
             <a:chOff x="2464522" y="2361561"/>
             <a:chExt cx="1695743" cy="246221"/>
@@ -3689,10 +3688,10 @@
         </p:nvGrpSpPr>
         <p:grpSpPr>
           <a:xfrm>
-            <a:off x="2942352" y="4322650"/>
-            <a:ext cx="1672681" cy="291016"/>
+            <a:off x="2953782" y="4551257"/>
+            <a:ext cx="1913291" cy="254087"/>
             <a:chOff x="2945234" y="3682075"/>
-            <a:chExt cx="1672681" cy="246221"/>
+            <a:chExt cx="1913291" cy="214976"/>
           </a:xfrm>
         </p:grpSpPr>
         <p:sp>
@@ -3810,7 +3809,7 @@
           <p:spPr>
             <a:xfrm>
               <a:off x="3217740" y="3682075"/>
-              <a:ext cx="1400175" cy="246221"/>
+              <a:ext cx="1640785" cy="208321"/>
             </a:xfrm>
             <a:prstGeom prst="rect">
               <a:avLst/>
@@ -3854,10 +3853,10 @@
         </p:nvGrpSpPr>
         <p:grpSpPr>
           <a:xfrm>
-            <a:off x="2753264" y="3023089"/>
-            <a:ext cx="2165611" cy="263574"/>
+            <a:off x="2913284" y="3205969"/>
+            <a:ext cx="2606672" cy="263574"/>
             <a:chOff x="2230032" y="2870443"/>
-            <a:chExt cx="2165611" cy="263574"/>
+            <a:chExt cx="2606672" cy="263574"/>
           </a:xfrm>
         </p:grpSpPr>
         <p:sp>
@@ -3984,7 +3983,7 @@
           <p:spPr>
             <a:xfrm>
               <a:off x="2493500" y="2870443"/>
-              <a:ext cx="1902143" cy="246221"/>
+              <a:ext cx="2343204" cy="246221"/>
             </a:xfrm>
             <a:prstGeom prst="rect">
               <a:avLst/>
@@ -4016,10 +4015,10 @@
       </p:grpSp>
       <p:grpSp>
         <p:nvGrpSpPr>
-          <p:cNvPr id="22" name="Group 21">
-            <a:extLst>
-              <a:ext uri="{FF2B5EF4-FFF2-40B4-BE49-F238E27FC236}">
-                <a16:creationId xmlns:a16="http://schemas.microsoft.com/office/drawing/2014/main" id="{25A622BC-A5B7-A44A-9C42-676F5FE8C9F9}"/>
+          <p:cNvPr id="26" name="Group 25">
+            <a:extLst>
+              <a:ext uri="{FF2B5EF4-FFF2-40B4-BE49-F238E27FC236}">
+                <a16:creationId xmlns:a16="http://schemas.microsoft.com/office/drawing/2014/main" id="{DEF0A00E-6934-F848-A76D-E0C0910D196B}"/>
               </a:ext>
             </a:extLst>
           </p:cNvPr>
@@ -4028,119 +4027,7 @@
         </p:nvGrpSpPr>
         <p:grpSpPr>
           <a:xfrm>
-            <a:off x="118577" y="4640643"/>
-            <a:ext cx="5959559" cy="461665"/>
-            <a:chOff x="731728" y="3629956"/>
-            <a:chExt cx="5399128" cy="461665"/>
-          </a:xfrm>
-        </p:grpSpPr>
-        <p:sp>
-          <p:nvSpPr>
-            <p:cNvPr id="23" name="Rectangle 22">
-              <a:extLst>
-                <a:ext uri="{FF2B5EF4-FFF2-40B4-BE49-F238E27FC236}">
-                  <a16:creationId xmlns:a16="http://schemas.microsoft.com/office/drawing/2014/main" id="{B564F8AB-86E1-AE47-8AEE-A391EE3A595A}"/>
-                </a:ext>
-              </a:extLst>
-            </p:cNvPr>
-            <p:cNvSpPr/>
-            <p:nvPr/>
-          </p:nvSpPr>
-          <p:spPr>
-            <a:xfrm>
-              <a:off x="1803254" y="3860789"/>
-              <a:ext cx="4327602" cy="119555"/>
-            </a:xfrm>
-            <a:prstGeom prst="rect">
-              <a:avLst/>
-            </a:prstGeom>
-            <a:noFill/>
-            <a:ln w="9525" cap="flat" cmpd="sng" algn="ctr">
-              <a:solidFill>
-                <a:schemeClr val="dk1"/>
-              </a:solidFill>
-              <a:prstDash val="solid"/>
-              <a:round/>
-              <a:headEnd type="none" w="med" len="med"/>
-              <a:tailEnd type="none" w="med" len="med"/>
-            </a:ln>
-          </p:spPr>
-          <p:style>
-            <a:lnRef idx="0">
-              <a:scrgbClr r="0" g="0" b="0"/>
-            </a:lnRef>
-            <a:fillRef idx="0">
-              <a:scrgbClr r="0" g="0" b="0"/>
-            </a:fillRef>
-            <a:effectRef idx="0">
-              <a:scrgbClr r="0" g="0" b="0"/>
-            </a:effectRef>
-            <a:fontRef idx="minor">
-              <a:schemeClr val="dk1"/>
-            </a:fontRef>
-          </p:style>
-          <p:txBody>
-            <a:bodyPr rtlCol="0" anchor="ctr"/>
-            <a:lstStyle/>
-            <a:p>
-              <a:pPr algn="ctr"/>
-              <a:endParaRPr lang="en-SG"/>
-            </a:p>
-          </p:txBody>
-        </p:sp>
-        <p:sp>
-          <p:nvSpPr>
-            <p:cNvPr id="25" name="TextBox 24">
-              <a:extLst>
-                <a:ext uri="{FF2B5EF4-FFF2-40B4-BE49-F238E27FC236}">
-                  <a16:creationId xmlns:a16="http://schemas.microsoft.com/office/drawing/2014/main" id="{C8343F1E-8844-E749-B305-01B53FD52B56}"/>
-                </a:ext>
-              </a:extLst>
-            </p:cNvPr>
-            <p:cNvSpPr txBox="1"/>
-            <p:nvPr/>
-          </p:nvSpPr>
-          <p:spPr>
-            <a:xfrm>
-              <a:off x="731728" y="3629956"/>
-              <a:ext cx="1014711" cy="461665"/>
-            </a:xfrm>
-            <a:prstGeom prst="rect">
-              <a:avLst/>
-            </a:prstGeom>
-            <a:noFill/>
-          </p:spPr>
-          <p:txBody>
-            <a:bodyPr wrap="square" rtlCol="0">
-              <a:spAutoFit/>
-            </a:bodyPr>
-            <a:lstStyle/>
-            <a:p>
-              <a:pPr algn="ctr"/>
-              <a:r>
-                <a:rPr lang="en-US" sz="1200" dirty="0"/>
-                <a:t>Contribution Bar</a:t>
-              </a:r>
-              <a:endParaRPr lang="en-SG" sz="1200" dirty="0"/>
-            </a:p>
-          </p:txBody>
-        </p:sp>
-      </p:grpSp>
-      <p:grpSp>
-        <p:nvGrpSpPr>
-          <p:cNvPr id="26" name="Group 25">
-            <a:extLst>
-              <a:ext uri="{FF2B5EF4-FFF2-40B4-BE49-F238E27FC236}">
-                <a16:creationId xmlns:a16="http://schemas.microsoft.com/office/drawing/2014/main" id="{DEF0A00E-6934-F848-A76D-E0C0910D196B}"/>
-              </a:ext>
-            </a:extLst>
-          </p:cNvPr>
-          <p:cNvGrpSpPr/>
-          <p:nvPr/>
-        </p:nvGrpSpPr>
-        <p:grpSpPr>
-          <a:xfrm>
-            <a:off x="189682" y="3246565"/>
+            <a:off x="189682" y="3429445"/>
             <a:ext cx="5752649" cy="530943"/>
             <a:chOff x="778195" y="2021953"/>
             <a:chExt cx="5209217" cy="461665"/>
@@ -4307,7 +4194,7 @@
         </p:nvGrpSpPr>
         <p:grpSpPr>
           <a:xfrm>
-            <a:off x="6509832" y="1982345"/>
+            <a:off x="6509832" y="2029970"/>
             <a:ext cx="3424155" cy="402234"/>
             <a:chOff x="6202680" y="1735827"/>
             <a:chExt cx="3424155" cy="402234"/>
@@ -4476,7 +4363,7 @@
         </p:nvGrpSpPr>
         <p:grpSpPr>
           <a:xfrm>
-            <a:off x="9567334" y="3299134"/>
+            <a:off x="9414934" y="4232584"/>
             <a:ext cx="1139315" cy="562172"/>
             <a:chOff x="8559185" y="2719565"/>
             <a:chExt cx="1139315" cy="562172"/>
@@ -4641,7 +4528,7 @@
         </p:nvGrpSpPr>
         <p:grpSpPr>
           <a:xfrm>
-            <a:off x="8358978" y="2895216"/>
+            <a:off x="8206578" y="3800091"/>
             <a:ext cx="1252259" cy="404424"/>
             <a:chOff x="7350829" y="3118022"/>
             <a:chExt cx="1252259" cy="404424"/>
@@ -5104,52 +4991,185 @@
           </p:txBody>
         </p:sp>
       </p:grpSp>
-      <p:sp>
-        <p:nvSpPr>
-          <p:cNvPr id="54" name="Arrow: Left 47">
-            <a:extLst>
-              <a:ext uri="{FF2B5EF4-FFF2-40B4-BE49-F238E27FC236}">
-                <a16:creationId xmlns:a16="http://schemas.microsoft.com/office/drawing/2014/main" id="{D08A5AA5-5E30-1B44-B88A-D53EE29DB3F4}"/>
-              </a:ext>
-            </a:extLst>
-          </p:cNvPr>
-          <p:cNvSpPr/>
+      <p:grpSp>
+        <p:nvGrpSpPr>
+          <p:cNvPr id="2" name="Group 1">
+            <a:extLst>
+              <a:ext uri="{FF2B5EF4-FFF2-40B4-BE49-F238E27FC236}">
+                <a16:creationId xmlns:a16="http://schemas.microsoft.com/office/drawing/2014/main" id="{FC32F964-DDAA-8C41-A0F8-5E30AECAEB34}"/>
+              </a:ext>
+            </a:extLst>
+          </p:cNvPr>
+          <p:cNvGrpSpPr/>
           <p:nvPr/>
-        </p:nvSpPr>
-        <p:spPr>
+        </p:nvGrpSpPr>
+        <p:grpSpPr>
           <a:xfrm>
-            <a:off x="969529" y="4892392"/>
-            <a:ext cx="250504" cy="77721"/>
+            <a:off x="118577" y="4869243"/>
+            <a:ext cx="5959559" cy="461665"/>
+            <a:chOff x="118577" y="4640643"/>
+            <a:chExt cx="5959559" cy="461665"/>
           </a:xfrm>
-          <a:prstGeom prst="leftArrow">
-            <a:avLst/>
-          </a:prstGeom>
-        </p:spPr>
-        <p:style>
-          <a:lnRef idx="2">
-            <a:schemeClr val="dk1">
-              <a:shade val="50000"/>
-            </a:schemeClr>
-          </a:lnRef>
-          <a:fillRef idx="1">
-            <a:schemeClr val="dk1"/>
-          </a:fillRef>
-          <a:effectRef idx="0">
-            <a:schemeClr val="dk1"/>
-          </a:effectRef>
-          <a:fontRef idx="minor">
-            <a:schemeClr val="lt1"/>
-          </a:fontRef>
-        </p:style>
-        <p:txBody>
-          <a:bodyPr rtlCol="0" anchor="ctr"/>
-          <a:lstStyle/>
-          <a:p>
-            <a:pPr algn="ctr"/>
-            <a:endParaRPr lang="en-SG"/>
-          </a:p>
-        </p:txBody>
-      </p:sp>
+        </p:grpSpPr>
+        <p:grpSp>
+          <p:nvGrpSpPr>
+            <p:cNvPr id="22" name="Group 21">
+              <a:extLst>
+                <a:ext uri="{FF2B5EF4-FFF2-40B4-BE49-F238E27FC236}">
+                  <a16:creationId xmlns:a16="http://schemas.microsoft.com/office/drawing/2014/main" id="{25A622BC-A5B7-A44A-9C42-676F5FE8C9F9}"/>
+                </a:ext>
+              </a:extLst>
+            </p:cNvPr>
+            <p:cNvGrpSpPr/>
+            <p:nvPr/>
+          </p:nvGrpSpPr>
+          <p:grpSpPr>
+            <a:xfrm>
+              <a:off x="118577" y="4640643"/>
+              <a:ext cx="5959559" cy="461665"/>
+              <a:chOff x="731728" y="3629956"/>
+              <a:chExt cx="5399128" cy="461665"/>
+            </a:xfrm>
+          </p:grpSpPr>
+          <p:sp>
+            <p:nvSpPr>
+              <p:cNvPr id="23" name="Rectangle 22">
+                <a:extLst>
+                  <a:ext uri="{FF2B5EF4-FFF2-40B4-BE49-F238E27FC236}">
+                    <a16:creationId xmlns:a16="http://schemas.microsoft.com/office/drawing/2014/main" id="{B564F8AB-86E1-AE47-8AEE-A391EE3A595A}"/>
+                  </a:ext>
+                </a:extLst>
+              </p:cNvPr>
+              <p:cNvSpPr/>
+              <p:nvPr/>
+            </p:nvSpPr>
+            <p:spPr>
+              <a:xfrm>
+                <a:off x="1803254" y="3860789"/>
+                <a:ext cx="4327602" cy="119555"/>
+              </a:xfrm>
+              <a:prstGeom prst="rect">
+                <a:avLst/>
+              </a:prstGeom>
+              <a:noFill/>
+              <a:ln w="9525" cap="flat" cmpd="sng" algn="ctr">
+                <a:solidFill>
+                  <a:schemeClr val="dk1"/>
+                </a:solidFill>
+                <a:prstDash val="solid"/>
+                <a:round/>
+                <a:headEnd type="none" w="med" len="med"/>
+                <a:tailEnd type="none" w="med" len="med"/>
+              </a:ln>
+            </p:spPr>
+            <p:style>
+              <a:lnRef idx="0">
+                <a:scrgbClr r="0" g="0" b="0"/>
+              </a:lnRef>
+              <a:fillRef idx="0">
+                <a:scrgbClr r="0" g="0" b="0"/>
+              </a:fillRef>
+              <a:effectRef idx="0">
+                <a:scrgbClr r="0" g="0" b="0"/>
+              </a:effectRef>
+              <a:fontRef idx="minor">
+                <a:schemeClr val="dk1"/>
+              </a:fontRef>
+            </p:style>
+            <p:txBody>
+              <a:bodyPr rtlCol="0" anchor="ctr"/>
+              <a:lstStyle/>
+              <a:p>
+                <a:pPr algn="ctr"/>
+                <a:endParaRPr lang="en-SG"/>
+              </a:p>
+            </p:txBody>
+          </p:sp>
+          <p:sp>
+            <p:nvSpPr>
+              <p:cNvPr id="25" name="TextBox 24">
+                <a:extLst>
+                  <a:ext uri="{FF2B5EF4-FFF2-40B4-BE49-F238E27FC236}">
+                    <a16:creationId xmlns:a16="http://schemas.microsoft.com/office/drawing/2014/main" id="{C8343F1E-8844-E749-B305-01B53FD52B56}"/>
+                  </a:ext>
+                </a:extLst>
+              </p:cNvPr>
+              <p:cNvSpPr txBox="1"/>
+              <p:nvPr/>
+            </p:nvSpPr>
+            <p:spPr>
+              <a:xfrm>
+                <a:off x="731728" y="3629956"/>
+                <a:ext cx="1014711" cy="461665"/>
+              </a:xfrm>
+              <a:prstGeom prst="rect">
+                <a:avLst/>
+              </a:prstGeom>
+              <a:noFill/>
+            </p:spPr>
+            <p:txBody>
+              <a:bodyPr wrap="square" rtlCol="0">
+                <a:spAutoFit/>
+              </a:bodyPr>
+              <a:lstStyle/>
+              <a:p>
+                <a:pPr algn="ctr"/>
+                <a:r>
+                  <a:rPr lang="en-US" sz="1200" dirty="0"/>
+                  <a:t>Contribution Bar</a:t>
+                </a:r>
+                <a:endParaRPr lang="en-SG" sz="1200" dirty="0"/>
+              </a:p>
+            </p:txBody>
+          </p:sp>
+        </p:grpSp>
+        <p:sp>
+          <p:nvSpPr>
+            <p:cNvPr id="54" name="Arrow: Left 47">
+              <a:extLst>
+                <a:ext uri="{FF2B5EF4-FFF2-40B4-BE49-F238E27FC236}">
+                  <a16:creationId xmlns:a16="http://schemas.microsoft.com/office/drawing/2014/main" id="{D08A5AA5-5E30-1B44-B88A-D53EE29DB3F4}"/>
+                </a:ext>
+              </a:extLst>
+            </p:cNvPr>
+            <p:cNvSpPr/>
+            <p:nvPr/>
+          </p:nvSpPr>
+          <p:spPr>
+            <a:xfrm>
+              <a:off x="969529" y="4892392"/>
+              <a:ext cx="250504" cy="77721"/>
+            </a:xfrm>
+            <a:prstGeom prst="leftArrow">
+              <a:avLst/>
+            </a:prstGeom>
+          </p:spPr>
+          <p:style>
+            <a:lnRef idx="2">
+              <a:schemeClr val="dk1">
+                <a:shade val="50000"/>
+              </a:schemeClr>
+            </a:lnRef>
+            <a:fillRef idx="1">
+              <a:schemeClr val="dk1"/>
+            </a:fillRef>
+            <a:effectRef idx="0">
+              <a:schemeClr val="dk1"/>
+            </a:effectRef>
+            <a:fontRef idx="minor">
+              <a:schemeClr val="lt1"/>
+            </a:fontRef>
+          </p:style>
+          <p:txBody>
+            <a:bodyPr rtlCol="0" anchor="ctr"/>
+            <a:lstStyle/>
+            <a:p>
+              <a:pPr algn="ctr"/>
+              <a:endParaRPr lang="en-SG"/>
+            </a:p>
+          </p:txBody>
+        </p:sp>
+      </p:grpSp>
       <p:grpSp>
         <p:nvGrpSpPr>
           <p:cNvPr id="55" name="Group 54">
@@ -5165,9 +5185,9 @@
         <p:grpSpPr>
           <a:xfrm>
             <a:off x="140442" y="793236"/>
-            <a:ext cx="5801889" cy="869031"/>
+            <a:ext cx="5801889" cy="1148907"/>
             <a:chOff x="315534" y="945868"/>
-            <a:chExt cx="5164879" cy="869031"/>
+            <a:chExt cx="5164879" cy="1148907"/>
           </a:xfrm>
         </p:grpSpPr>
         <p:sp>
@@ -5185,7 +5205,7 @@
           <p:spPr>
             <a:xfrm>
               <a:off x="919101" y="945868"/>
-              <a:ext cx="513688" cy="869029"/>
+              <a:ext cx="513688" cy="1148905"/>
             </a:xfrm>
             <a:prstGeom prst="leftBrace">
               <a:avLst>
@@ -5231,7 +5251,7 @@
           </p:nvSpPr>
           <p:spPr>
             <a:xfrm>
-              <a:off x="315534" y="1241882"/>
+              <a:off x="315534" y="1367612"/>
               <a:ext cx="723900" cy="276999"/>
             </a:xfrm>
             <a:prstGeom prst="rect">
@@ -5272,7 +5292,7 @@
           <p:spPr>
             <a:xfrm>
               <a:off x="1432790" y="945870"/>
-              <a:ext cx="4047623" cy="869029"/>
+              <a:ext cx="4047623" cy="1148905"/>
             </a:xfrm>
             <a:prstGeom prst="rect">
               <a:avLst/>
@@ -5312,6 +5332,427 @@
           </p:txBody>
         </p:sp>
       </p:grpSp>
+      <p:grpSp>
+        <p:nvGrpSpPr>
+          <p:cNvPr id="51" name="Group 50">
+            <a:extLst>
+              <a:ext uri="{FF2B5EF4-FFF2-40B4-BE49-F238E27FC236}">
+                <a16:creationId xmlns:a16="http://schemas.microsoft.com/office/drawing/2014/main" id="{9138041B-F15F-2944-BDDF-59C7EF162B12}"/>
+              </a:ext>
+            </a:extLst>
+          </p:cNvPr>
+          <p:cNvGrpSpPr/>
+          <p:nvPr/>
+        </p:nvGrpSpPr>
+        <p:grpSpPr>
+          <a:xfrm>
+            <a:off x="2882804" y="3872719"/>
+            <a:ext cx="2279911" cy="263574"/>
+            <a:chOff x="2230032" y="2870443"/>
+            <a:chExt cx="2279911" cy="263574"/>
+          </a:xfrm>
+        </p:grpSpPr>
+        <p:sp>
+          <p:nvSpPr>
+            <p:cNvPr id="52" name="Oval 51">
+              <a:extLst>
+                <a:ext uri="{FF2B5EF4-FFF2-40B4-BE49-F238E27FC236}">
+                  <a16:creationId xmlns:a16="http://schemas.microsoft.com/office/drawing/2014/main" id="{8C3DBB80-9D9A-114D-89A6-F5971AE0A38F}"/>
+                </a:ext>
+              </a:extLst>
+            </p:cNvPr>
+            <p:cNvSpPr/>
+            <p:nvPr/>
+          </p:nvSpPr>
+          <p:spPr>
+            <a:xfrm>
+              <a:off x="2230032" y="3000667"/>
+              <a:ext cx="130499" cy="133350"/>
+            </a:xfrm>
+            <a:prstGeom prst="ellipse">
+              <a:avLst/>
+            </a:prstGeom>
+            <a:noFill/>
+            <a:ln w="9525" cap="flat" cmpd="sng" algn="ctr">
+              <a:solidFill>
+                <a:schemeClr val="accent4">
+                  <a:lumMod val="75000"/>
+                </a:schemeClr>
+              </a:solidFill>
+              <a:prstDash val="solid"/>
+              <a:round/>
+              <a:headEnd type="none" w="med" len="med"/>
+              <a:tailEnd type="none" w="med" len="med"/>
+            </a:ln>
+          </p:spPr>
+          <p:style>
+            <a:lnRef idx="0">
+              <a:scrgbClr r="0" g="0" b="0"/>
+            </a:lnRef>
+            <a:fillRef idx="0">
+              <a:scrgbClr r="0" g="0" b="0"/>
+            </a:fillRef>
+            <a:effectRef idx="0">
+              <a:scrgbClr r="0" g="0" b="0"/>
+            </a:effectRef>
+            <a:fontRef idx="minor">
+              <a:schemeClr val="accent6"/>
+            </a:fontRef>
+          </p:style>
+          <p:txBody>
+            <a:bodyPr rtlCol="0" anchor="ctr"/>
+            <a:lstStyle/>
+            <a:p>
+              <a:pPr algn="ctr"/>
+              <a:endParaRPr lang="en-SG"/>
+            </a:p>
+          </p:txBody>
+        </p:sp>
+        <p:sp>
+          <p:nvSpPr>
+            <p:cNvPr id="53" name="Arrow: Bent 29">
+              <a:extLst>
+                <a:ext uri="{FF2B5EF4-FFF2-40B4-BE49-F238E27FC236}">
+                  <a16:creationId xmlns:a16="http://schemas.microsoft.com/office/drawing/2014/main" id="{33158B85-34BF-8042-8B94-5B4B20553CC5}"/>
+                </a:ext>
+              </a:extLst>
+            </p:cNvPr>
+            <p:cNvSpPr/>
+            <p:nvPr/>
+          </p:nvSpPr>
+          <p:spPr>
+            <a:xfrm>
+              <a:off x="2281147" y="2943386"/>
+              <a:ext cx="381984" cy="57282"/>
+            </a:xfrm>
+            <a:prstGeom prst="bentArrow">
+              <a:avLst>
+                <a:gd name="adj1" fmla="val 25000"/>
+                <a:gd name="adj2" fmla="val 26516"/>
+                <a:gd name="adj3" fmla="val 25000"/>
+                <a:gd name="adj4" fmla="val 43750"/>
+              </a:avLst>
+            </a:prstGeom>
+            <a:solidFill>
+              <a:schemeClr val="accent4">
+                <a:lumMod val="75000"/>
+              </a:schemeClr>
+            </a:solidFill>
+            <a:ln>
+              <a:solidFill>
+                <a:schemeClr val="accent4">
+                  <a:lumMod val="50000"/>
+                </a:schemeClr>
+              </a:solidFill>
+            </a:ln>
+          </p:spPr>
+          <p:style>
+            <a:lnRef idx="2">
+              <a:schemeClr val="accent6">
+                <a:shade val="50000"/>
+              </a:schemeClr>
+            </a:lnRef>
+            <a:fillRef idx="1">
+              <a:schemeClr val="accent6"/>
+            </a:fillRef>
+            <a:effectRef idx="0">
+              <a:schemeClr val="accent6"/>
+            </a:effectRef>
+            <a:fontRef idx="minor">
+              <a:schemeClr val="lt1"/>
+            </a:fontRef>
+          </p:style>
+          <p:txBody>
+            <a:bodyPr rtlCol="0" anchor="ctr"/>
+            <a:lstStyle/>
+            <a:p>
+              <a:pPr algn="ctr"/>
+              <a:endParaRPr lang="en-SG">
+                <a:solidFill>
+                  <a:schemeClr val="tx1"/>
+                </a:solidFill>
+              </a:endParaRPr>
+            </a:p>
+          </p:txBody>
+        </p:sp>
+        <p:sp>
+          <p:nvSpPr>
+            <p:cNvPr id="59" name="TextBox 58">
+              <a:extLst>
+                <a:ext uri="{FF2B5EF4-FFF2-40B4-BE49-F238E27FC236}">
+                  <a16:creationId xmlns:a16="http://schemas.microsoft.com/office/drawing/2014/main" id="{C6BC47DB-37BE-7440-9DD6-3E79F8B4F00C}"/>
+                </a:ext>
+              </a:extLst>
+            </p:cNvPr>
+            <p:cNvSpPr txBox="1"/>
+            <p:nvPr/>
+          </p:nvSpPr>
+          <p:spPr>
+            <a:xfrm>
+              <a:off x="2607800" y="2870443"/>
+              <a:ext cx="1902143" cy="246221"/>
+            </a:xfrm>
+            <a:prstGeom prst="rect">
+              <a:avLst/>
+            </a:prstGeom>
+            <a:noFill/>
+          </p:spPr>
+          <p:txBody>
+            <a:bodyPr wrap="square" rtlCol="0">
+              <a:spAutoFit/>
+            </a:bodyPr>
+            <a:lstStyle/>
+            <a:p>
+              <a:r>
+                <a:rPr lang="en-US" altLang="zh-CN" sz="1000" dirty="0">
+                  <a:solidFill>
+                    <a:schemeClr val="accent4">
+                      <a:lumMod val="75000"/>
+                    </a:schemeClr>
+                  </a:solidFill>
+                </a:rPr>
+                <a:t>Link</a:t>
+              </a:r>
+              <a:r>
+                <a:rPr lang="zh-CN" altLang="en-US" sz="1000" dirty="0">
+                  <a:solidFill>
+                    <a:schemeClr val="accent4">
+                      <a:lumMod val="75000"/>
+                    </a:schemeClr>
+                  </a:solidFill>
+                </a:rPr>
+                <a:t> </a:t>
+              </a:r>
+              <a:r>
+                <a:rPr lang="en-US" altLang="zh-CN" sz="1000" dirty="0">
+                  <a:solidFill>
+                    <a:schemeClr val="accent4">
+                      <a:lumMod val="75000"/>
+                    </a:schemeClr>
+                  </a:solidFill>
+                </a:rPr>
+                <a:t>to</a:t>
+              </a:r>
+              <a:r>
+                <a:rPr lang="zh-CN" altLang="en-US" sz="1000" dirty="0">
+                  <a:solidFill>
+                    <a:schemeClr val="accent4">
+                      <a:lumMod val="75000"/>
+                    </a:schemeClr>
+                  </a:solidFill>
+                </a:rPr>
+                <a:t> </a:t>
+              </a:r>
+              <a:r>
+                <a:rPr lang="en-US" altLang="zh-CN" sz="1000" dirty="0">
+                  <a:solidFill>
+                    <a:schemeClr val="accent4">
+                      <a:lumMod val="75000"/>
+                    </a:schemeClr>
+                  </a:solidFill>
+                </a:rPr>
+                <a:t>author’s</a:t>
+              </a:r>
+              <a:r>
+                <a:rPr lang="zh-CN" altLang="en-US" sz="1000" dirty="0">
+                  <a:solidFill>
+                    <a:schemeClr val="accent4">
+                      <a:lumMod val="75000"/>
+                    </a:schemeClr>
+                  </a:solidFill>
+                </a:rPr>
+                <a:t> </a:t>
+              </a:r>
+              <a:r>
+                <a:rPr lang="en-US" altLang="zh-CN" sz="1000" dirty="0">
+                  <a:solidFill>
+                    <a:schemeClr val="accent4">
+                      <a:lumMod val="75000"/>
+                    </a:schemeClr>
+                  </a:solidFill>
+                </a:rPr>
+                <a:t>page</a:t>
+              </a:r>
+              <a:endParaRPr lang="en-SG" sz="1000" dirty="0">
+                <a:solidFill>
+                  <a:schemeClr val="accent4">
+                    <a:lumMod val="75000"/>
+                  </a:schemeClr>
+                </a:solidFill>
+              </a:endParaRPr>
+            </a:p>
+          </p:txBody>
+        </p:sp>
+      </p:grpSp>
+      <p:sp>
+        <p:nvSpPr>
+          <p:cNvPr id="60" name="Oval 59">
+            <a:extLst>
+              <a:ext uri="{FF2B5EF4-FFF2-40B4-BE49-F238E27FC236}">
+                <a16:creationId xmlns:a16="http://schemas.microsoft.com/office/drawing/2014/main" id="{83841894-E3CA-EB43-8F34-D5E1B9E4D403}"/>
+              </a:ext>
+            </a:extLst>
+          </p:cNvPr>
+          <p:cNvSpPr/>
+          <p:nvPr/>
+        </p:nvSpPr>
+        <p:spPr>
+          <a:xfrm>
+            <a:off x="3405955" y="3138233"/>
+            <a:ext cx="147081" cy="143858"/>
+          </a:xfrm>
+          <a:prstGeom prst="ellipse">
+            <a:avLst/>
+          </a:prstGeom>
+          <a:noFill/>
+          <a:ln w="9525" cap="flat" cmpd="sng" algn="ctr">
+            <a:solidFill>
+              <a:schemeClr val="accent1"/>
+            </a:solidFill>
+            <a:prstDash val="solid"/>
+            <a:round/>
+            <a:headEnd type="none" w="med" len="med"/>
+            <a:tailEnd type="none" w="med" len="med"/>
+          </a:ln>
+        </p:spPr>
+        <p:style>
+          <a:lnRef idx="0">
+            <a:scrgbClr r="0" g="0" b="0"/>
+          </a:lnRef>
+          <a:fillRef idx="0">
+            <a:scrgbClr r="0" g="0" b="0"/>
+          </a:fillRef>
+          <a:effectRef idx="0">
+            <a:scrgbClr r="0" g="0" b="0"/>
+          </a:effectRef>
+          <a:fontRef idx="minor">
+            <a:schemeClr val="accent1"/>
+          </a:fontRef>
+        </p:style>
+        <p:txBody>
+          <a:bodyPr rtlCol="0" anchor="ctr"/>
+          <a:lstStyle/>
+          <a:p>
+            <a:pPr algn="ctr"/>
+            <a:endParaRPr lang="en-SG"/>
+          </a:p>
+        </p:txBody>
+      </p:sp>
+      <p:sp>
+        <p:nvSpPr>
+          <p:cNvPr id="61" name="Arrow: Right 26">
+            <a:extLst>
+              <a:ext uri="{FF2B5EF4-FFF2-40B4-BE49-F238E27FC236}">
+                <a16:creationId xmlns:a16="http://schemas.microsoft.com/office/drawing/2014/main" id="{2FEE036E-9ED7-0446-BEDE-DB6E04BF8324}"/>
+              </a:ext>
+            </a:extLst>
+          </p:cNvPr>
+          <p:cNvSpPr/>
+          <p:nvPr/>
+        </p:nvSpPr>
+        <p:spPr>
+          <a:xfrm rot="12225628">
+            <a:off x="3242639" y="3093964"/>
+            <a:ext cx="142378" cy="66676"/>
+          </a:xfrm>
+          <a:prstGeom prst="rightArrow">
+            <a:avLst/>
+          </a:prstGeom>
+          <a:solidFill>
+            <a:schemeClr val="accent1"/>
+          </a:solidFill>
+          <a:ln>
+            <a:solidFill>
+              <a:srgbClr val="002060"/>
+            </a:solidFill>
+          </a:ln>
+        </p:spPr>
+        <p:style>
+          <a:lnRef idx="2">
+            <a:schemeClr val="accent2">
+              <a:shade val="50000"/>
+            </a:schemeClr>
+          </a:lnRef>
+          <a:fillRef idx="1">
+            <a:schemeClr val="accent2"/>
+          </a:fillRef>
+          <a:effectRef idx="0">
+            <a:schemeClr val="accent2"/>
+          </a:effectRef>
+          <a:fontRef idx="minor">
+            <a:schemeClr val="lt1"/>
+          </a:fontRef>
+        </p:style>
+        <p:txBody>
+          <a:bodyPr rtlCol="0" anchor="ctr"/>
+          <a:lstStyle/>
+          <a:p>
+            <a:pPr algn="ctr"/>
+            <a:endParaRPr lang="en-SG"/>
+          </a:p>
+        </p:txBody>
+      </p:sp>
+      <p:sp>
+        <p:nvSpPr>
+          <p:cNvPr id="62" name="TextBox 61">
+            <a:extLst>
+              <a:ext uri="{FF2B5EF4-FFF2-40B4-BE49-F238E27FC236}">
+                <a16:creationId xmlns:a16="http://schemas.microsoft.com/office/drawing/2014/main" id="{D7EDCE94-CB52-7E4E-9F7B-09618674F44D}"/>
+              </a:ext>
+            </a:extLst>
+          </p:cNvPr>
+          <p:cNvSpPr txBox="1"/>
+          <p:nvPr/>
+        </p:nvSpPr>
+        <p:spPr>
+          <a:xfrm>
+            <a:off x="1643150" y="2954822"/>
+            <a:ext cx="1640785" cy="246221"/>
+          </a:xfrm>
+          <a:prstGeom prst="rect">
+            <a:avLst/>
+          </a:prstGeom>
+          <a:noFill/>
+        </p:spPr>
+        <p:txBody>
+          <a:bodyPr wrap="square" rtlCol="0">
+            <a:spAutoFit/>
+          </a:bodyPr>
+          <a:lstStyle/>
+          <a:p>
+            <a:pPr algn="r"/>
+            <a:r>
+              <a:rPr lang="en-US" sz="1000" dirty="0">
+                <a:solidFill>
+                  <a:schemeClr val="accent1"/>
+                </a:solidFill>
+              </a:rPr>
+              <a:t>Merge</a:t>
+            </a:r>
+            <a:r>
+              <a:rPr lang="zh-CN" altLang="en-US" sz="1000" dirty="0">
+                <a:solidFill>
+                  <a:schemeClr val="accent1"/>
+                </a:solidFill>
+              </a:rPr>
+              <a:t> </a:t>
+            </a:r>
+            <a:r>
+              <a:rPr lang="en-US" altLang="zh-CN" sz="1000" dirty="0">
+                <a:solidFill>
+                  <a:schemeClr val="accent1"/>
+                </a:solidFill>
+              </a:rPr>
+              <a:t>group</a:t>
+            </a:r>
+            <a:endParaRPr lang="en-SG" sz="1000" dirty="0">
+              <a:solidFill>
+                <a:schemeClr val="accent1"/>
+              </a:solidFill>
+            </a:endParaRPr>
+          </a:p>
+        </p:txBody>
+      </p:sp>
     </p:spTree>
     <p:extLst>
       <p:ext uri="{BB962C8B-B14F-4D97-AF65-F5344CB8AC3E}">
